--- a/English.pptx
+++ b/English.pptx
@@ -5,7 +5,7 @@
     <p:sldMasterId id="2147483648" r:id="rId1"/>
   </p:sldMasterIdLst>
   <p:notesMasterIdLst>
-    <p:notesMasterId r:id="rId26"/>
+    <p:notesMasterId r:id="rId43"/>
   </p:notesMasterIdLst>
   <p:sldIdLst>
     <p:sldId id="275" r:id="rId2"/>
@@ -32,6 +32,23 @@
     <p:sldId id="271" r:id="rId23"/>
     <p:sldId id="272" r:id="rId24"/>
     <p:sldId id="273" r:id="rId25"/>
+    <p:sldId id="280" r:id="rId26"/>
+    <p:sldId id="281" r:id="rId27"/>
+    <p:sldId id="283" r:id="rId28"/>
+    <p:sldId id="284" r:id="rId29"/>
+    <p:sldId id="285" r:id="rId30"/>
+    <p:sldId id="282" r:id="rId31"/>
+    <p:sldId id="287" r:id="rId32"/>
+    <p:sldId id="288" r:id="rId33"/>
+    <p:sldId id="289" r:id="rId34"/>
+    <p:sldId id="290" r:id="rId35"/>
+    <p:sldId id="291" r:id="rId36"/>
+    <p:sldId id="292" r:id="rId37"/>
+    <p:sldId id="294" r:id="rId38"/>
+    <p:sldId id="293" r:id="rId39"/>
+    <p:sldId id="295" r:id="rId40"/>
+    <p:sldId id="296" r:id="rId41"/>
+    <p:sldId id="297" r:id="rId42"/>
   </p:sldIdLst>
   <p:sldSz cx="12192000" cy="6858000"/>
   <p:notesSz cx="6858000" cy="9144000"/>
@@ -220,7 +237,7 @@
           <a:p>
             <a:fld id="{70CAD059-FC4E-4E94-A19E-AD6F41137A3B}" type="datetimeFigureOut">
               <a:rPr lang="en-US" smtClean="0"/>
-              <a:t>12/13/2024</a:t>
+              <a:t>12/25/2024</a:t>
             </a:fld>
             <a:endParaRPr lang="en-US"/>
           </a:p>
@@ -634,7 +651,7 @@
           <a:p>
             <a:fld id="{5FDAF755-D563-460A-9A78-A9A71D638BE9}" type="datetime1">
               <a:rPr lang="en-US" smtClean="0"/>
-              <a:t>12/13/2024</a:t>
+              <a:t>12/25/2024</a:t>
             </a:fld>
             <a:endParaRPr lang="en-US"/>
           </a:p>
@@ -832,7 +849,7 @@
           <a:p>
             <a:fld id="{1166B37E-64B9-407C-B19F-F84B26B9E9F1}" type="datetime1">
               <a:rPr lang="en-US" smtClean="0"/>
-              <a:t>12/13/2024</a:t>
+              <a:t>12/25/2024</a:t>
             </a:fld>
             <a:endParaRPr lang="en-US"/>
           </a:p>
@@ -1040,7 +1057,7 @@
           <a:p>
             <a:fld id="{88733AA9-7043-4C76-91D1-301229AFD4C5}" type="datetime1">
               <a:rPr lang="en-US" smtClean="0"/>
-              <a:t>12/13/2024</a:t>
+              <a:t>12/25/2024</a:t>
             </a:fld>
             <a:endParaRPr lang="en-US"/>
           </a:p>
@@ -1238,7 +1255,7 @@
           <a:p>
             <a:fld id="{F8FBC7E4-8C6B-4DEB-9FC6-05266DB2A2EB}" type="datetime1">
               <a:rPr lang="en-US" smtClean="0"/>
-              <a:t>12/13/2024</a:t>
+              <a:t>12/25/2024</a:t>
             </a:fld>
             <a:endParaRPr lang="en-US"/>
           </a:p>
@@ -1513,7 +1530,7 @@
           <a:p>
             <a:fld id="{F4B6232F-6FA7-43FF-9717-27A437E41265}" type="datetime1">
               <a:rPr lang="en-US" smtClean="0"/>
-              <a:t>12/13/2024</a:t>
+              <a:t>12/25/2024</a:t>
             </a:fld>
             <a:endParaRPr lang="en-US"/>
           </a:p>
@@ -1778,7 +1795,7 @@
           <a:p>
             <a:fld id="{3C32C38F-ED2E-4D5C-944E-B7CEF42677F3}" type="datetime1">
               <a:rPr lang="en-US" smtClean="0"/>
-              <a:t>12/13/2024</a:t>
+              <a:t>12/25/2024</a:t>
             </a:fld>
             <a:endParaRPr lang="en-US"/>
           </a:p>
@@ -2190,7 +2207,7 @@
           <a:p>
             <a:fld id="{CA98769A-A64A-41F2-97EC-2871ED403F78}" type="datetime1">
               <a:rPr lang="en-US" smtClean="0"/>
-              <a:t>12/13/2024</a:t>
+              <a:t>12/25/2024</a:t>
             </a:fld>
             <a:endParaRPr lang="en-US"/>
           </a:p>
@@ -2331,7 +2348,7 @@
           <a:p>
             <a:fld id="{CE7E43E6-2AB4-47C2-A4F1-27718AD202B4}" type="datetime1">
               <a:rPr lang="en-US" smtClean="0"/>
-              <a:t>12/13/2024</a:t>
+              <a:t>12/25/2024</a:t>
             </a:fld>
             <a:endParaRPr lang="en-US"/>
           </a:p>
@@ -2444,7 +2461,7 @@
           <a:p>
             <a:fld id="{CAEB1D5D-52C5-4207-B1A7-55831AC36933}" type="datetime1">
               <a:rPr lang="en-US" smtClean="0"/>
-              <a:t>12/13/2024</a:t>
+              <a:t>12/25/2024</a:t>
             </a:fld>
             <a:endParaRPr lang="en-US"/>
           </a:p>
@@ -2755,7 +2772,7 @@
           <a:p>
             <a:fld id="{852F7616-33EE-4011-8C6D-BD311C6CCDD3}" type="datetime1">
               <a:rPr lang="en-US" smtClean="0"/>
-              <a:t>12/13/2024</a:t>
+              <a:t>12/25/2024</a:t>
             </a:fld>
             <a:endParaRPr lang="en-US"/>
           </a:p>
@@ -3043,7 +3060,7 @@
           <a:p>
             <a:fld id="{3A49C970-5088-490C-8359-589CCFFDE177}" type="datetime1">
               <a:rPr lang="en-US" smtClean="0"/>
-              <a:t>12/13/2024</a:t>
+              <a:t>12/25/2024</a:t>
             </a:fld>
             <a:endParaRPr lang="en-US"/>
           </a:p>
@@ -3284,7 +3301,7 @@
           <a:p>
             <a:fld id="{0425F294-02BD-4441-84B6-08C0D4C5CF16}" type="datetime1">
               <a:rPr lang="en-US" smtClean="0"/>
-              <a:t>12/13/2024</a:t>
+              <a:t>12/25/2024</a:t>
             </a:fld>
             <a:endParaRPr lang="en-US"/>
           </a:p>
@@ -13570,6 +13587,1085 @@
 </p:sld>
 </file>
 
+<file path=ppt/slides/slide25.xml><?xml version="1.0" encoding="utf-8"?>
+<p:sld xmlns:a="http://schemas.openxmlformats.org/drawingml/2006/main" xmlns:r="http://schemas.openxmlformats.org/officeDocument/2006/relationships" xmlns:p="http://schemas.openxmlformats.org/presentationml/2006/main">
+  <p:cSld>
+    <p:spTree>
+      <p:nvGrpSpPr>
+        <p:cNvPr id="1" name=""/>
+        <p:cNvGrpSpPr/>
+        <p:nvPr/>
+      </p:nvGrpSpPr>
+      <p:grpSpPr>
+        <a:xfrm>
+          <a:off x="0" y="0"/>
+          <a:ext cx="0" cy="0"/>
+          <a:chOff x="0" y="0"/>
+          <a:chExt cx="0" cy="0"/>
+        </a:xfrm>
+      </p:grpSpPr>
+      <p:sp>
+        <p:nvSpPr>
+          <p:cNvPr id="2" name="Slide Number Placeholder 1">
+            <a:extLst>
+              <a:ext uri="{FF2B5EF4-FFF2-40B4-BE49-F238E27FC236}">
+                <a16:creationId xmlns:a16="http://schemas.microsoft.com/office/drawing/2014/main" id="{7AC62A1F-8DAA-44CE-92C0-C0170B590AEA}"/>
+              </a:ext>
+            </a:extLst>
+          </p:cNvPr>
+          <p:cNvSpPr>
+            <a:spLocks noGrp="1"/>
+          </p:cNvSpPr>
+          <p:nvPr>
+            <p:ph type="sldNum" sz="quarter" idx="12"/>
+          </p:nvPr>
+        </p:nvSpPr>
+        <p:spPr/>
+        <p:txBody>
+          <a:bodyPr/>
+          <a:lstStyle/>
+          <a:p>
+            <a:fld id="{23F3D7C6-E23E-47A6-9DDE-D0AE3B6B9EDD}" type="slidenum">
+              <a:rPr lang="en-US" smtClean="0"/>
+              <a:t>25</a:t>
+            </a:fld>
+            <a:endParaRPr lang="en-US"/>
+          </a:p>
+        </p:txBody>
+      </p:sp>
+      <p:sp>
+        <p:nvSpPr>
+          <p:cNvPr id="3" name="TextBox 2">
+            <a:extLst>
+              <a:ext uri="{FF2B5EF4-FFF2-40B4-BE49-F238E27FC236}">
+                <a16:creationId xmlns:a16="http://schemas.microsoft.com/office/drawing/2014/main" id="{A93BC189-B3DF-4BB7-9753-2BC9078A71A5}"/>
+              </a:ext>
+            </a:extLst>
+          </p:cNvPr>
+          <p:cNvSpPr txBox="1"/>
+          <p:nvPr/>
+        </p:nvSpPr>
+        <p:spPr>
+          <a:xfrm>
+            <a:off x="3609004" y="1669363"/>
+            <a:ext cx="4973990" cy="1446550"/>
+          </a:xfrm>
+          <a:prstGeom prst="rect">
+            <a:avLst/>
+          </a:prstGeom>
+          <a:noFill/>
+        </p:spPr>
+        <p:txBody>
+          <a:bodyPr wrap="none" rtlCol="0">
+            <a:spAutoFit/>
+          </a:bodyPr>
+          <a:lstStyle/>
+          <a:p>
+            <a:r>
+              <a:rPr lang="en-US" sz="8800" b="1" dirty="0"/>
+              <a:t>Past tense</a:t>
+            </a:r>
+          </a:p>
+        </p:txBody>
+      </p:sp>
+      <p:sp>
+        <p:nvSpPr>
+          <p:cNvPr id="4" name="TextBox 3">
+            <a:extLst>
+              <a:ext uri="{FF2B5EF4-FFF2-40B4-BE49-F238E27FC236}">
+                <a16:creationId xmlns:a16="http://schemas.microsoft.com/office/drawing/2014/main" id="{BC82756A-D8E0-4C74-AA8E-904D1A1FCA50}"/>
+              </a:ext>
+            </a:extLst>
+          </p:cNvPr>
+          <p:cNvSpPr txBox="1"/>
+          <p:nvPr/>
+        </p:nvSpPr>
+        <p:spPr>
+          <a:xfrm>
+            <a:off x="5026540" y="3324610"/>
+            <a:ext cx="2138919" cy="461665"/>
+          </a:xfrm>
+          <a:prstGeom prst="rect">
+            <a:avLst/>
+          </a:prstGeom>
+          <a:noFill/>
+        </p:spPr>
+        <p:txBody>
+          <a:bodyPr wrap="none" rtlCol="0">
+            <a:spAutoFit/>
+          </a:bodyPr>
+          <a:lstStyle/>
+          <a:p>
+            <a:r>
+              <a:rPr lang="en-US" sz="2400" b="1" dirty="0"/>
+              <a:t>By Mohammad</a:t>
+            </a:r>
+          </a:p>
+        </p:txBody>
+      </p:sp>
+    </p:spTree>
+    <p:extLst>
+      <p:ext uri="{BB962C8B-B14F-4D97-AF65-F5344CB8AC3E}">
+        <p14:creationId xmlns:p14="http://schemas.microsoft.com/office/powerpoint/2010/main" val="3545160331"/>
+      </p:ext>
+    </p:extLst>
+  </p:cSld>
+  <p:clrMapOvr>
+    <a:masterClrMapping/>
+  </p:clrMapOvr>
+</p:sld>
+</file>
+
+<file path=ppt/slides/slide26.xml><?xml version="1.0" encoding="utf-8"?>
+<p:sld xmlns:a="http://schemas.openxmlformats.org/drawingml/2006/main" xmlns:r="http://schemas.openxmlformats.org/officeDocument/2006/relationships" xmlns:p="http://schemas.openxmlformats.org/presentationml/2006/main">
+  <p:cSld>
+    <p:spTree>
+      <p:nvGrpSpPr>
+        <p:cNvPr id="1" name=""/>
+        <p:cNvGrpSpPr/>
+        <p:nvPr/>
+      </p:nvGrpSpPr>
+      <p:grpSpPr>
+        <a:xfrm>
+          <a:off x="0" y="0"/>
+          <a:ext cx="0" cy="0"/>
+          <a:chOff x="0" y="0"/>
+          <a:chExt cx="0" cy="0"/>
+        </a:xfrm>
+      </p:grpSpPr>
+      <p:sp>
+        <p:nvSpPr>
+          <p:cNvPr id="2" name="Slide Number Placeholder 1">
+            <a:extLst>
+              <a:ext uri="{FF2B5EF4-FFF2-40B4-BE49-F238E27FC236}">
+                <a16:creationId xmlns:a16="http://schemas.microsoft.com/office/drawing/2014/main" id="{BDCE9470-122A-47E7-BA14-B9D65348B179}"/>
+              </a:ext>
+            </a:extLst>
+          </p:cNvPr>
+          <p:cNvSpPr>
+            <a:spLocks noGrp="1"/>
+          </p:cNvSpPr>
+          <p:nvPr>
+            <p:ph type="sldNum" sz="quarter" idx="12"/>
+          </p:nvPr>
+        </p:nvSpPr>
+        <p:spPr/>
+        <p:txBody>
+          <a:bodyPr/>
+          <a:lstStyle/>
+          <a:p>
+            <a:fld id="{23F3D7C6-E23E-47A6-9DDE-D0AE3B6B9EDD}" type="slidenum">
+              <a:rPr lang="en-US" smtClean="0"/>
+              <a:t>26</a:t>
+            </a:fld>
+            <a:endParaRPr lang="en-US"/>
+          </a:p>
+        </p:txBody>
+      </p:sp>
+      <p:sp>
+        <p:nvSpPr>
+          <p:cNvPr id="4" name="TextBox 3">
+            <a:extLst>
+              <a:ext uri="{FF2B5EF4-FFF2-40B4-BE49-F238E27FC236}">
+                <a16:creationId xmlns:a16="http://schemas.microsoft.com/office/drawing/2014/main" id="{06912B9C-F268-4B38-99F1-2451CE1D08D1}"/>
+              </a:ext>
+            </a:extLst>
+          </p:cNvPr>
+          <p:cNvSpPr txBox="1"/>
+          <p:nvPr/>
+        </p:nvSpPr>
+        <p:spPr>
+          <a:xfrm>
+            <a:off x="3021106" y="464875"/>
+            <a:ext cx="8023412" cy="5563061"/>
+          </a:xfrm>
+          <a:prstGeom prst="rect">
+            <a:avLst/>
+          </a:prstGeom>
+          <a:noFill/>
+        </p:spPr>
+        <p:txBody>
+          <a:bodyPr wrap="square">
+            <a:spAutoFit/>
+          </a:bodyPr>
+          <a:lstStyle/>
+          <a:p>
+            <a:pPr marL="342900" indent="-342900" algn="r" rtl="1">
+              <a:lnSpc>
+                <a:spcPct val="200000"/>
+              </a:lnSpc>
+              <a:buAutoNum type="arabicPeriod"/>
+            </a:pPr>
+            <a:r>
+              <a:rPr lang="en-US" b="1" dirty="0">
+                <a:latin typeface="IRANSans(FaNum)" panose="020B0506030804020204" pitchFamily="34" charset="-78"/>
+                <a:cs typeface="IRANSans(FaNum)" panose="020B0506030804020204" pitchFamily="34" charset="-78"/>
+              </a:rPr>
+              <a:t> Past Simple</a:t>
+            </a:r>
+          </a:p>
+          <a:p>
+            <a:pPr lvl="1" algn="r" rtl="1">
+              <a:lnSpc>
+                <a:spcPct val="200000"/>
+              </a:lnSpc>
+            </a:pPr>
+            <a:r>
+              <a:rPr lang="fa-IR" b="1" dirty="0">
+                <a:latin typeface="IRANSans(FaNum)" panose="020B0506030804020204" pitchFamily="34" charset="-78"/>
+                <a:cs typeface="IRANSans(FaNum)" panose="020B0506030804020204" pitchFamily="34" charset="-78"/>
+              </a:rPr>
+              <a:t>کاربردها:</a:t>
+            </a:r>
+          </a:p>
+          <a:p>
+            <a:pPr lvl="2" algn="r" rtl="1">
+              <a:lnSpc>
+                <a:spcPct val="200000"/>
+              </a:lnSpc>
+              <a:buFont typeface="Arial" panose="020B0604020202020204" pitchFamily="34" charset="0"/>
+              <a:buChar char="•"/>
+            </a:pPr>
+            <a:r>
+              <a:rPr lang="fa-IR" dirty="0">
+                <a:latin typeface="IRANSans(FaNum)" panose="020B0506030804020204" pitchFamily="34" charset="-78"/>
+                <a:cs typeface="IRANSans(FaNum)" panose="020B0506030804020204" pitchFamily="34" charset="-78"/>
+              </a:rPr>
+              <a:t>برای بیان کارهایی که در گذشته انجام شده و به پایان رسیده است.</a:t>
+            </a:r>
+          </a:p>
+          <a:p>
+            <a:pPr lvl="2" algn="r" rtl="1">
+              <a:lnSpc>
+                <a:spcPct val="200000"/>
+              </a:lnSpc>
+              <a:buFont typeface="Arial" panose="020B0604020202020204" pitchFamily="34" charset="0"/>
+              <a:buChar char="•"/>
+            </a:pPr>
+            <a:r>
+              <a:rPr lang="fa-IR" dirty="0">
+                <a:latin typeface="IRANSans(FaNum)" panose="020B0506030804020204" pitchFamily="34" charset="-78"/>
+                <a:cs typeface="IRANSans(FaNum)" panose="020B0506030804020204" pitchFamily="34" charset="-78"/>
+              </a:rPr>
+              <a:t>همراه با زمان‌های مشخص مثل: </a:t>
+            </a:r>
+            <a:r>
+              <a:rPr lang="en-US" dirty="0">
+                <a:latin typeface="IRANSans(FaNum)" panose="020B0506030804020204" pitchFamily="34" charset="-78"/>
+                <a:cs typeface="IRANSans(FaNum)" panose="020B0506030804020204" pitchFamily="34" charset="-78"/>
+              </a:rPr>
+              <a:t>yesterday, last week, in 2010.</a:t>
+            </a:r>
+          </a:p>
+          <a:p>
+            <a:pPr lvl="1" algn="r" rtl="1">
+              <a:lnSpc>
+                <a:spcPct val="200000"/>
+              </a:lnSpc>
+            </a:pPr>
+            <a:r>
+              <a:rPr lang="fa-IR" b="1" dirty="0">
+                <a:latin typeface="IRANSans(FaNum)" panose="020B0506030804020204" pitchFamily="34" charset="-78"/>
+                <a:cs typeface="IRANSans(FaNum)" panose="020B0506030804020204" pitchFamily="34" charset="-78"/>
+              </a:rPr>
+              <a:t>فرمول:</a:t>
+            </a:r>
+          </a:p>
+          <a:p>
+            <a:pPr lvl="2" algn="r" rtl="1">
+              <a:lnSpc>
+                <a:spcPct val="200000"/>
+              </a:lnSpc>
+              <a:buFont typeface="Arial" panose="020B0604020202020204" pitchFamily="34" charset="0"/>
+              <a:buChar char="•"/>
+            </a:pPr>
+            <a:r>
+              <a:rPr lang="en-US" dirty="0">
+                <a:latin typeface="IRANSans(FaNum)" panose="020B0506030804020204" pitchFamily="34" charset="-78"/>
+                <a:cs typeface="IRANSans(FaNum)" panose="020B0506030804020204" pitchFamily="34" charset="-78"/>
+              </a:rPr>
+              <a:t>Subject + Verb-ed/irregular verb</a:t>
+            </a:r>
+          </a:p>
+          <a:p>
+            <a:pPr lvl="1" algn="r" rtl="1">
+              <a:lnSpc>
+                <a:spcPct val="200000"/>
+              </a:lnSpc>
+            </a:pPr>
+            <a:r>
+              <a:rPr lang="fa-IR" b="1" dirty="0">
+                <a:latin typeface="IRANSans(FaNum)" panose="020B0506030804020204" pitchFamily="34" charset="-78"/>
+                <a:cs typeface="IRANSans(FaNum)" panose="020B0506030804020204" pitchFamily="34" charset="-78"/>
+              </a:rPr>
+              <a:t>مثال‌ها:</a:t>
+            </a:r>
+          </a:p>
+          <a:p>
+            <a:pPr lvl="2" algn="r" rtl="1">
+              <a:lnSpc>
+                <a:spcPct val="200000"/>
+              </a:lnSpc>
+            </a:pPr>
+            <a:r>
+              <a:rPr lang="en-US" dirty="0">
+                <a:latin typeface="IRANSans(FaNum)" panose="020B0506030804020204" pitchFamily="34" charset="-78"/>
+                <a:cs typeface="IRANSans(FaNum)" panose="020B0506030804020204" pitchFamily="34" charset="-78"/>
+              </a:rPr>
+              <a:t>I visited Paris last year.</a:t>
+            </a:r>
+          </a:p>
+          <a:p>
+            <a:pPr lvl="2" algn="r" rtl="1">
+              <a:lnSpc>
+                <a:spcPct val="200000"/>
+              </a:lnSpc>
+            </a:pPr>
+            <a:r>
+              <a:rPr lang="en-US" dirty="0">
+                <a:latin typeface="IRANSans(FaNum)" panose="020B0506030804020204" pitchFamily="34" charset="-78"/>
+                <a:cs typeface="IRANSans(FaNum)" panose="020B0506030804020204" pitchFamily="34" charset="-78"/>
+              </a:rPr>
+              <a:t>She worked late last night.</a:t>
+            </a:r>
+          </a:p>
+          <a:p>
+            <a:pPr lvl="2" algn="r" rtl="1">
+              <a:lnSpc>
+                <a:spcPct val="200000"/>
+              </a:lnSpc>
+            </a:pPr>
+            <a:r>
+              <a:rPr lang="en-US" dirty="0">
+                <a:latin typeface="IRANSans(FaNum)" panose="020B0506030804020204" pitchFamily="34" charset="-78"/>
+                <a:cs typeface="IRANSans(FaNum)" panose="020B0506030804020204" pitchFamily="34" charset="-78"/>
+              </a:rPr>
+              <a:t>They went to the party yesterday.</a:t>
+            </a:r>
+          </a:p>
+        </p:txBody>
+      </p:sp>
+    </p:spTree>
+    <p:extLst>
+      <p:ext uri="{BB962C8B-B14F-4D97-AF65-F5344CB8AC3E}">
+        <p14:creationId xmlns:p14="http://schemas.microsoft.com/office/powerpoint/2010/main" val="492468053"/>
+      </p:ext>
+    </p:extLst>
+  </p:cSld>
+  <p:clrMapOvr>
+    <a:masterClrMapping/>
+  </p:clrMapOvr>
+</p:sld>
+</file>
+
+<file path=ppt/slides/slide27.xml><?xml version="1.0" encoding="utf-8"?>
+<p:sld xmlns:a="http://schemas.openxmlformats.org/drawingml/2006/main" xmlns:r="http://schemas.openxmlformats.org/officeDocument/2006/relationships" xmlns:p="http://schemas.openxmlformats.org/presentationml/2006/main">
+  <p:cSld>
+    <p:spTree>
+      <p:nvGrpSpPr>
+        <p:cNvPr id="1" name=""/>
+        <p:cNvGrpSpPr/>
+        <p:nvPr/>
+      </p:nvGrpSpPr>
+      <p:grpSpPr>
+        <a:xfrm>
+          <a:off x="0" y="0"/>
+          <a:ext cx="0" cy="0"/>
+          <a:chOff x="0" y="0"/>
+          <a:chExt cx="0" cy="0"/>
+        </a:xfrm>
+      </p:grpSpPr>
+      <p:sp>
+        <p:nvSpPr>
+          <p:cNvPr id="2" name="Slide Number Placeholder 1">
+            <a:extLst>
+              <a:ext uri="{FF2B5EF4-FFF2-40B4-BE49-F238E27FC236}">
+                <a16:creationId xmlns:a16="http://schemas.microsoft.com/office/drawing/2014/main" id="{BDCE9470-122A-47E7-BA14-B9D65348B179}"/>
+              </a:ext>
+            </a:extLst>
+          </p:cNvPr>
+          <p:cNvSpPr>
+            <a:spLocks noGrp="1"/>
+          </p:cNvSpPr>
+          <p:nvPr>
+            <p:ph type="sldNum" sz="quarter" idx="12"/>
+          </p:nvPr>
+        </p:nvSpPr>
+        <p:spPr/>
+        <p:txBody>
+          <a:bodyPr/>
+          <a:lstStyle/>
+          <a:p>
+            <a:fld id="{23F3D7C6-E23E-47A6-9DDE-D0AE3B6B9EDD}" type="slidenum">
+              <a:rPr lang="en-US" smtClean="0"/>
+              <a:t>27</a:t>
+            </a:fld>
+            <a:endParaRPr lang="en-US"/>
+          </a:p>
+        </p:txBody>
+      </p:sp>
+      <p:sp>
+        <p:nvSpPr>
+          <p:cNvPr id="4" name="TextBox 3">
+            <a:extLst>
+              <a:ext uri="{FF2B5EF4-FFF2-40B4-BE49-F238E27FC236}">
+                <a16:creationId xmlns:a16="http://schemas.microsoft.com/office/drawing/2014/main" id="{06912B9C-F268-4B38-99F1-2451CE1D08D1}"/>
+              </a:ext>
+            </a:extLst>
+          </p:cNvPr>
+          <p:cNvSpPr txBox="1"/>
+          <p:nvPr/>
+        </p:nvSpPr>
+        <p:spPr>
+          <a:xfrm>
+            <a:off x="1120588" y="796569"/>
+            <a:ext cx="8023412" cy="4446730"/>
+          </a:xfrm>
+          <a:prstGeom prst="rect">
+            <a:avLst/>
+          </a:prstGeom>
+          <a:noFill/>
+        </p:spPr>
+        <p:txBody>
+          <a:bodyPr wrap="square">
+            <a:spAutoFit/>
+          </a:bodyPr>
+          <a:lstStyle/>
+          <a:p>
+            <a:pPr>
+              <a:lnSpc>
+                <a:spcPct val="200000"/>
+              </a:lnSpc>
+            </a:pPr>
+            <a:r>
+              <a:rPr lang="en-US" b="1" dirty="0"/>
+              <a:t>Negative Form:</a:t>
+            </a:r>
+          </a:p>
+          <a:p>
+            <a:pPr>
+              <a:lnSpc>
+                <a:spcPct val="200000"/>
+              </a:lnSpc>
+              <a:buFont typeface="Arial" panose="020B0604020202020204" pitchFamily="34" charset="0"/>
+              <a:buChar char="•"/>
+            </a:pPr>
+            <a:r>
+              <a:rPr lang="en-US" i="1" dirty="0"/>
+              <a:t>(Subject + did not (didn’t) + base verb)</a:t>
+            </a:r>
+            <a:endParaRPr lang="en-US" dirty="0"/>
+          </a:p>
+          <a:p>
+            <a:pPr marL="742950" lvl="1" indent="-285750">
+              <a:lnSpc>
+                <a:spcPct val="200000"/>
+              </a:lnSpc>
+              <a:buFont typeface="Arial" panose="020B0604020202020204" pitchFamily="34" charset="0"/>
+              <a:buChar char="•"/>
+            </a:pPr>
+            <a:r>
+              <a:rPr lang="en-US" dirty="0"/>
+              <a:t>I </a:t>
+            </a:r>
+            <a:r>
+              <a:rPr lang="en-US" b="1" dirty="0"/>
+              <a:t>did not</a:t>
+            </a:r>
+            <a:r>
+              <a:rPr lang="en-US" dirty="0"/>
+              <a:t> go to the park.</a:t>
+            </a:r>
+          </a:p>
+          <a:p>
+            <a:pPr marL="742950" lvl="1" indent="-285750">
+              <a:lnSpc>
+                <a:spcPct val="200000"/>
+              </a:lnSpc>
+              <a:buFont typeface="Arial" panose="020B0604020202020204" pitchFamily="34" charset="0"/>
+              <a:buChar char="•"/>
+            </a:pPr>
+            <a:r>
+              <a:rPr lang="en-US" dirty="0"/>
+              <a:t>She </a:t>
+            </a:r>
+            <a:r>
+              <a:rPr lang="en-US" b="1" dirty="0"/>
+              <a:t>didn’t</a:t>
+            </a:r>
+            <a:r>
+              <a:rPr lang="en-US" dirty="0"/>
+              <a:t> finish her homework.</a:t>
+            </a:r>
+          </a:p>
+          <a:p>
+            <a:pPr>
+              <a:lnSpc>
+                <a:spcPct val="200000"/>
+              </a:lnSpc>
+            </a:pPr>
+            <a:r>
+              <a:rPr lang="en-US" b="1" dirty="0"/>
+              <a:t>Question Form:</a:t>
+            </a:r>
+          </a:p>
+          <a:p>
+            <a:pPr>
+              <a:lnSpc>
+                <a:spcPct val="200000"/>
+              </a:lnSpc>
+              <a:buFont typeface="Arial" panose="020B0604020202020204" pitchFamily="34" charset="0"/>
+              <a:buChar char="•"/>
+            </a:pPr>
+            <a:r>
+              <a:rPr lang="en-US" i="1" dirty="0"/>
+              <a:t>(Did + subject + base verb)</a:t>
+            </a:r>
+            <a:endParaRPr lang="en-US" dirty="0"/>
+          </a:p>
+          <a:p>
+            <a:pPr marL="742950" lvl="1" indent="-285750">
+              <a:lnSpc>
+                <a:spcPct val="200000"/>
+              </a:lnSpc>
+              <a:buFont typeface="Arial" panose="020B0604020202020204" pitchFamily="34" charset="0"/>
+              <a:buChar char="•"/>
+            </a:pPr>
+            <a:r>
+              <a:rPr lang="en-US" b="1" dirty="0"/>
+              <a:t>Did</a:t>
+            </a:r>
+            <a:r>
+              <a:rPr lang="en-US" dirty="0"/>
+              <a:t> you watch the movie last night?</a:t>
+            </a:r>
+          </a:p>
+          <a:p>
+            <a:pPr marL="742950" lvl="1" indent="-285750">
+              <a:lnSpc>
+                <a:spcPct val="200000"/>
+              </a:lnSpc>
+              <a:buFont typeface="Arial" panose="020B0604020202020204" pitchFamily="34" charset="0"/>
+              <a:buChar char="•"/>
+            </a:pPr>
+            <a:r>
+              <a:rPr lang="en-US" b="1" dirty="0"/>
+              <a:t>Did</a:t>
+            </a:r>
+            <a:r>
+              <a:rPr lang="en-US" dirty="0"/>
+              <a:t> he call you yesterday?</a:t>
+            </a:r>
+          </a:p>
+        </p:txBody>
+      </p:sp>
+    </p:spTree>
+    <p:extLst>
+      <p:ext uri="{BB962C8B-B14F-4D97-AF65-F5344CB8AC3E}">
+        <p14:creationId xmlns:p14="http://schemas.microsoft.com/office/powerpoint/2010/main" val="2048457020"/>
+      </p:ext>
+    </p:extLst>
+  </p:cSld>
+  <p:clrMapOvr>
+    <a:masterClrMapping/>
+  </p:clrMapOvr>
+</p:sld>
+</file>
+
+<file path=ppt/slides/slide28.xml><?xml version="1.0" encoding="utf-8"?>
+<p:sld xmlns:a="http://schemas.openxmlformats.org/drawingml/2006/main" xmlns:r="http://schemas.openxmlformats.org/officeDocument/2006/relationships" xmlns:p="http://schemas.openxmlformats.org/presentationml/2006/main">
+  <p:cSld>
+    <p:spTree>
+      <p:nvGrpSpPr>
+        <p:cNvPr id="1" name=""/>
+        <p:cNvGrpSpPr/>
+        <p:nvPr/>
+      </p:nvGrpSpPr>
+      <p:grpSpPr>
+        <a:xfrm>
+          <a:off x="0" y="0"/>
+          <a:ext cx="0" cy="0"/>
+          <a:chOff x="0" y="0"/>
+          <a:chExt cx="0" cy="0"/>
+        </a:xfrm>
+      </p:grpSpPr>
+      <p:sp>
+        <p:nvSpPr>
+          <p:cNvPr id="2" name="Slide Number Placeholder 1">
+            <a:extLst>
+              <a:ext uri="{FF2B5EF4-FFF2-40B4-BE49-F238E27FC236}">
+                <a16:creationId xmlns:a16="http://schemas.microsoft.com/office/drawing/2014/main" id="{BDCE9470-122A-47E7-BA14-B9D65348B179}"/>
+              </a:ext>
+            </a:extLst>
+          </p:cNvPr>
+          <p:cNvSpPr>
+            <a:spLocks noGrp="1"/>
+          </p:cNvSpPr>
+          <p:nvPr>
+            <p:ph type="sldNum" sz="quarter" idx="12"/>
+          </p:nvPr>
+        </p:nvSpPr>
+        <p:spPr/>
+        <p:txBody>
+          <a:bodyPr/>
+          <a:lstStyle/>
+          <a:p>
+            <a:fld id="{23F3D7C6-E23E-47A6-9DDE-D0AE3B6B9EDD}" type="slidenum">
+              <a:rPr lang="en-US" smtClean="0"/>
+              <a:t>28</a:t>
+            </a:fld>
+            <a:endParaRPr lang="en-US"/>
+          </a:p>
+        </p:txBody>
+      </p:sp>
+      <p:sp>
+        <p:nvSpPr>
+          <p:cNvPr id="4" name="TextBox 3">
+            <a:extLst>
+              <a:ext uri="{FF2B5EF4-FFF2-40B4-BE49-F238E27FC236}">
+                <a16:creationId xmlns:a16="http://schemas.microsoft.com/office/drawing/2014/main" id="{06912B9C-F268-4B38-99F1-2451CE1D08D1}"/>
+              </a:ext>
+            </a:extLst>
+          </p:cNvPr>
+          <p:cNvSpPr txBox="1"/>
+          <p:nvPr/>
+        </p:nvSpPr>
+        <p:spPr>
+          <a:xfrm>
+            <a:off x="188259" y="464875"/>
+            <a:ext cx="10856259" cy="5563061"/>
+          </a:xfrm>
+          <a:prstGeom prst="rect">
+            <a:avLst/>
+          </a:prstGeom>
+          <a:noFill/>
+        </p:spPr>
+        <p:txBody>
+          <a:bodyPr wrap="square">
+            <a:spAutoFit/>
+          </a:bodyPr>
+          <a:lstStyle/>
+          <a:p>
+            <a:pPr algn="r" rtl="1">
+              <a:lnSpc>
+                <a:spcPct val="200000"/>
+              </a:lnSpc>
+            </a:pPr>
+            <a:r>
+              <a:rPr lang="en-US" b="1" dirty="0">
+                <a:latin typeface="IRANSans(FaNum)" panose="020B0506030804020204" pitchFamily="34" charset="-78"/>
+                <a:cs typeface="IRANSans(FaNum)" panose="020B0506030804020204" pitchFamily="34" charset="-78"/>
+              </a:rPr>
+              <a:t>Past Continuous</a:t>
+            </a:r>
+            <a:endParaRPr lang="fa-IR" b="1" dirty="0">
+              <a:latin typeface="IRANSans(FaNum)" panose="020B0506030804020204" pitchFamily="34" charset="-78"/>
+              <a:cs typeface="IRANSans(FaNum)" panose="020B0506030804020204" pitchFamily="34" charset="-78"/>
+            </a:endParaRPr>
+          </a:p>
+          <a:p>
+            <a:pPr lvl="1" algn="r" rtl="1">
+              <a:lnSpc>
+                <a:spcPct val="200000"/>
+              </a:lnSpc>
+            </a:pPr>
+            <a:r>
+              <a:rPr lang="fa-IR" b="1" dirty="0">
+                <a:latin typeface="IRANSans(FaNum)" panose="020B0506030804020204" pitchFamily="34" charset="-78"/>
+                <a:cs typeface="IRANSans(FaNum)" panose="020B0506030804020204" pitchFamily="34" charset="-78"/>
+              </a:rPr>
+              <a:t>کاربردها:</a:t>
+            </a:r>
+          </a:p>
+          <a:p>
+            <a:pPr lvl="2" algn="r" rtl="1">
+              <a:lnSpc>
+                <a:spcPct val="200000"/>
+              </a:lnSpc>
+              <a:buFont typeface="Arial" panose="020B0604020202020204" pitchFamily="34" charset="0"/>
+              <a:buChar char="•"/>
+            </a:pPr>
+            <a:r>
+              <a:rPr lang="fa-IR" dirty="0">
+                <a:latin typeface="IRANSans(FaNum)" panose="020B0506030804020204" pitchFamily="34" charset="-78"/>
+                <a:cs typeface="IRANSans(FaNum)" panose="020B0506030804020204" pitchFamily="34" charset="-78"/>
+              </a:rPr>
+              <a:t>برای توصیف عملی که در زمان مشخصی در گذشته در حال انجام بوده است.</a:t>
+            </a:r>
+          </a:p>
+          <a:p>
+            <a:pPr lvl="2" algn="r" rtl="1">
+              <a:lnSpc>
+                <a:spcPct val="200000"/>
+              </a:lnSpc>
+              <a:buFont typeface="Arial" panose="020B0604020202020204" pitchFamily="34" charset="0"/>
+              <a:buChar char="•"/>
+            </a:pPr>
+            <a:r>
+              <a:rPr lang="fa-IR" dirty="0">
+                <a:latin typeface="IRANSans(FaNum)" panose="020B0506030804020204" pitchFamily="34" charset="-78"/>
+                <a:cs typeface="IRANSans(FaNum)" panose="020B0506030804020204" pitchFamily="34" charset="-78"/>
+              </a:rPr>
+              <a:t>گاهی برای توصیف دو عمل هم‌زمان در گذشته: </a:t>
+            </a:r>
+            <a:r>
+              <a:rPr lang="en-US" i="1" dirty="0">
+                <a:latin typeface="IRANSans(FaNum)" panose="020B0506030804020204" pitchFamily="34" charset="-78"/>
+                <a:cs typeface="IRANSans(FaNum)" panose="020B0506030804020204" pitchFamily="34" charset="-78"/>
+              </a:rPr>
+              <a:t>While I was reading, she was cooking.</a:t>
+            </a:r>
+            <a:endParaRPr lang="en-US" dirty="0">
+              <a:latin typeface="IRANSans(FaNum)" panose="020B0506030804020204" pitchFamily="34" charset="-78"/>
+              <a:cs typeface="IRANSans(FaNum)" panose="020B0506030804020204" pitchFamily="34" charset="-78"/>
+            </a:endParaRPr>
+          </a:p>
+          <a:p>
+            <a:pPr lvl="1" algn="r" rtl="1">
+              <a:lnSpc>
+                <a:spcPct val="200000"/>
+              </a:lnSpc>
+            </a:pPr>
+            <a:r>
+              <a:rPr lang="fa-IR" b="1" dirty="0">
+                <a:latin typeface="IRANSans(FaNum)" panose="020B0506030804020204" pitchFamily="34" charset="-78"/>
+                <a:cs typeface="IRANSans(FaNum)" panose="020B0506030804020204" pitchFamily="34" charset="-78"/>
+              </a:rPr>
+              <a:t>فرمول:</a:t>
+            </a:r>
+          </a:p>
+          <a:p>
+            <a:pPr lvl="2" algn="r" rtl="1">
+              <a:lnSpc>
+                <a:spcPct val="200000"/>
+              </a:lnSpc>
+            </a:pPr>
+            <a:r>
+              <a:rPr lang="en-US" i="1" dirty="0">
+                <a:latin typeface="IRANSans(FaNum)" panose="020B0506030804020204" pitchFamily="34" charset="-78"/>
+                <a:cs typeface="IRANSans(FaNum)" panose="020B0506030804020204" pitchFamily="34" charset="-78"/>
+              </a:rPr>
+              <a:t>Subject + was/were + Verb-</a:t>
+            </a:r>
+            <a:r>
+              <a:rPr lang="en-US" i="1" dirty="0" err="1">
+                <a:latin typeface="IRANSans(FaNum)" panose="020B0506030804020204" pitchFamily="34" charset="-78"/>
+                <a:cs typeface="IRANSans(FaNum)" panose="020B0506030804020204" pitchFamily="34" charset="-78"/>
+              </a:rPr>
+              <a:t>ing</a:t>
+            </a:r>
+            <a:endParaRPr lang="en-US" dirty="0">
+              <a:latin typeface="IRANSans(FaNum)" panose="020B0506030804020204" pitchFamily="34" charset="-78"/>
+              <a:cs typeface="IRANSans(FaNum)" panose="020B0506030804020204" pitchFamily="34" charset="-78"/>
+            </a:endParaRPr>
+          </a:p>
+          <a:p>
+            <a:pPr lvl="1" algn="r" rtl="1">
+              <a:lnSpc>
+                <a:spcPct val="200000"/>
+              </a:lnSpc>
+            </a:pPr>
+            <a:r>
+              <a:rPr lang="fa-IR" b="1" dirty="0">
+                <a:latin typeface="IRANSans(FaNum)" panose="020B0506030804020204" pitchFamily="34" charset="-78"/>
+                <a:cs typeface="IRANSans(FaNum)" panose="020B0506030804020204" pitchFamily="34" charset="-78"/>
+              </a:rPr>
+              <a:t>مثال‌ها:</a:t>
+            </a:r>
+          </a:p>
+          <a:p>
+            <a:pPr lvl="2" algn="r" rtl="1">
+              <a:lnSpc>
+                <a:spcPct val="200000"/>
+              </a:lnSpc>
+              <a:buFont typeface="Arial" panose="020B0604020202020204" pitchFamily="34" charset="0"/>
+              <a:buChar char="•"/>
+            </a:pPr>
+            <a:r>
+              <a:rPr lang="en-US" dirty="0">
+                <a:latin typeface="IRANSans(FaNum)" panose="020B0506030804020204" pitchFamily="34" charset="-78"/>
+                <a:cs typeface="IRANSans(FaNum)" panose="020B0506030804020204" pitchFamily="34" charset="-78"/>
+              </a:rPr>
+              <a:t>I was reading a book at 8 PM.</a:t>
+            </a:r>
+          </a:p>
+          <a:p>
+            <a:pPr lvl="2" algn="r" rtl="1">
+              <a:lnSpc>
+                <a:spcPct val="200000"/>
+              </a:lnSpc>
+              <a:buFont typeface="Arial" panose="020B0604020202020204" pitchFamily="34" charset="0"/>
+              <a:buChar char="•"/>
+            </a:pPr>
+            <a:r>
+              <a:rPr lang="en-US" dirty="0">
+                <a:latin typeface="IRANSans(FaNum)" panose="020B0506030804020204" pitchFamily="34" charset="-78"/>
+                <a:cs typeface="IRANSans(FaNum)" panose="020B0506030804020204" pitchFamily="34" charset="-78"/>
+              </a:rPr>
+              <a:t>They were playing soccer yesterday evening.</a:t>
+            </a:r>
+          </a:p>
+          <a:p>
+            <a:pPr lvl="2" algn="r" rtl="1">
+              <a:lnSpc>
+                <a:spcPct val="200000"/>
+              </a:lnSpc>
+              <a:buFont typeface="Arial" panose="020B0604020202020204" pitchFamily="34" charset="0"/>
+              <a:buChar char="•"/>
+            </a:pPr>
+            <a:r>
+              <a:rPr lang="en-US" dirty="0">
+                <a:latin typeface="IRANSans(FaNum)" panose="020B0506030804020204" pitchFamily="34" charset="-78"/>
+                <a:cs typeface="IRANSans(FaNum)" panose="020B0506030804020204" pitchFamily="34" charset="-78"/>
+              </a:rPr>
+              <a:t>While she was studying, her phone rang.</a:t>
+            </a:r>
+          </a:p>
+        </p:txBody>
+      </p:sp>
+    </p:spTree>
+    <p:extLst>
+      <p:ext uri="{BB962C8B-B14F-4D97-AF65-F5344CB8AC3E}">
+        <p14:creationId xmlns:p14="http://schemas.microsoft.com/office/powerpoint/2010/main" val="1595018505"/>
+      </p:ext>
+    </p:extLst>
+  </p:cSld>
+  <p:clrMapOvr>
+    <a:masterClrMapping/>
+  </p:clrMapOvr>
+</p:sld>
+</file>
+
+<file path=ppt/slides/slide29.xml><?xml version="1.0" encoding="utf-8"?>
+<p:sld xmlns:a="http://schemas.openxmlformats.org/drawingml/2006/main" xmlns:r="http://schemas.openxmlformats.org/officeDocument/2006/relationships" xmlns:p="http://schemas.openxmlformats.org/presentationml/2006/main">
+  <p:cSld>
+    <p:spTree>
+      <p:nvGrpSpPr>
+        <p:cNvPr id="1" name=""/>
+        <p:cNvGrpSpPr/>
+        <p:nvPr/>
+      </p:nvGrpSpPr>
+      <p:grpSpPr>
+        <a:xfrm>
+          <a:off x="0" y="0"/>
+          <a:ext cx="0" cy="0"/>
+          <a:chOff x="0" y="0"/>
+          <a:chExt cx="0" cy="0"/>
+        </a:xfrm>
+      </p:grpSpPr>
+      <p:sp>
+        <p:nvSpPr>
+          <p:cNvPr id="2" name="Slide Number Placeholder 1">
+            <a:extLst>
+              <a:ext uri="{FF2B5EF4-FFF2-40B4-BE49-F238E27FC236}">
+                <a16:creationId xmlns:a16="http://schemas.microsoft.com/office/drawing/2014/main" id="{BDCE9470-122A-47E7-BA14-B9D65348B179}"/>
+              </a:ext>
+            </a:extLst>
+          </p:cNvPr>
+          <p:cNvSpPr>
+            <a:spLocks noGrp="1"/>
+          </p:cNvSpPr>
+          <p:nvPr>
+            <p:ph type="sldNum" sz="quarter" idx="12"/>
+          </p:nvPr>
+        </p:nvSpPr>
+        <p:spPr/>
+        <p:txBody>
+          <a:bodyPr/>
+          <a:lstStyle/>
+          <a:p>
+            <a:fld id="{23F3D7C6-E23E-47A6-9DDE-D0AE3B6B9EDD}" type="slidenum">
+              <a:rPr lang="en-US" smtClean="0"/>
+              <a:t>29</a:t>
+            </a:fld>
+            <a:endParaRPr lang="en-US"/>
+          </a:p>
+        </p:txBody>
+      </p:sp>
+      <p:sp>
+        <p:nvSpPr>
+          <p:cNvPr id="4" name="TextBox 3">
+            <a:extLst>
+              <a:ext uri="{FF2B5EF4-FFF2-40B4-BE49-F238E27FC236}">
+                <a16:creationId xmlns:a16="http://schemas.microsoft.com/office/drawing/2014/main" id="{06912B9C-F268-4B38-99F1-2451CE1D08D1}"/>
+              </a:ext>
+            </a:extLst>
+          </p:cNvPr>
+          <p:cNvSpPr txBox="1"/>
+          <p:nvPr/>
+        </p:nvSpPr>
+        <p:spPr>
+          <a:xfrm>
+            <a:off x="1120588" y="796569"/>
+            <a:ext cx="8023412" cy="4446730"/>
+          </a:xfrm>
+          <a:prstGeom prst="rect">
+            <a:avLst/>
+          </a:prstGeom>
+          <a:noFill/>
+        </p:spPr>
+        <p:txBody>
+          <a:bodyPr wrap="square">
+            <a:spAutoFit/>
+          </a:bodyPr>
+          <a:lstStyle/>
+          <a:p>
+            <a:pPr>
+              <a:lnSpc>
+                <a:spcPct val="200000"/>
+              </a:lnSpc>
+            </a:pPr>
+            <a:r>
+              <a:rPr lang="en-US" b="1" dirty="0"/>
+              <a:t>Negative Form:</a:t>
+            </a:r>
+          </a:p>
+          <a:p>
+            <a:pPr>
+              <a:lnSpc>
+                <a:spcPct val="200000"/>
+              </a:lnSpc>
+              <a:buFont typeface="Arial" panose="020B0604020202020204" pitchFamily="34" charset="0"/>
+              <a:buChar char="•"/>
+            </a:pPr>
+            <a:r>
+              <a:rPr lang="en-US" i="1" dirty="0"/>
+              <a:t>(Subject + was/were + not + Verb-</a:t>
+            </a:r>
+            <a:r>
+              <a:rPr lang="en-US" i="1" dirty="0" err="1"/>
+              <a:t>ing</a:t>
+            </a:r>
+            <a:r>
+              <a:rPr lang="en-US" i="1" dirty="0"/>
+              <a:t>)</a:t>
+            </a:r>
+            <a:endParaRPr lang="en-US" dirty="0"/>
+          </a:p>
+          <a:p>
+            <a:pPr marL="742950" lvl="1" indent="-285750">
+              <a:lnSpc>
+                <a:spcPct val="200000"/>
+              </a:lnSpc>
+              <a:buFont typeface="Arial" panose="020B0604020202020204" pitchFamily="34" charset="0"/>
+              <a:buChar char="•"/>
+            </a:pPr>
+            <a:r>
+              <a:rPr lang="en-US" dirty="0"/>
+              <a:t>I </a:t>
+            </a:r>
+            <a:r>
+              <a:rPr lang="en-US" b="1" dirty="0"/>
+              <a:t>was not</a:t>
+            </a:r>
+            <a:r>
+              <a:rPr lang="en-US" dirty="0"/>
+              <a:t> watching TV.</a:t>
+            </a:r>
+          </a:p>
+          <a:p>
+            <a:pPr marL="742950" lvl="1" indent="-285750">
+              <a:lnSpc>
+                <a:spcPct val="200000"/>
+              </a:lnSpc>
+              <a:buFont typeface="Arial" panose="020B0604020202020204" pitchFamily="34" charset="0"/>
+              <a:buChar char="•"/>
+            </a:pPr>
+            <a:r>
+              <a:rPr lang="en-US" dirty="0"/>
+              <a:t>They </a:t>
+            </a:r>
+            <a:r>
+              <a:rPr lang="en-US" b="1" dirty="0"/>
+              <a:t>weren’t</a:t>
+            </a:r>
+            <a:r>
+              <a:rPr lang="en-US" dirty="0"/>
+              <a:t> listening to music.</a:t>
+            </a:r>
+          </a:p>
+          <a:p>
+            <a:pPr>
+              <a:lnSpc>
+                <a:spcPct val="200000"/>
+              </a:lnSpc>
+            </a:pPr>
+            <a:r>
+              <a:rPr lang="en-US" b="1" dirty="0"/>
+              <a:t>Question Form:</a:t>
+            </a:r>
+          </a:p>
+          <a:p>
+            <a:pPr>
+              <a:lnSpc>
+                <a:spcPct val="200000"/>
+              </a:lnSpc>
+              <a:buFont typeface="Arial" panose="020B0604020202020204" pitchFamily="34" charset="0"/>
+              <a:buChar char="•"/>
+            </a:pPr>
+            <a:r>
+              <a:rPr lang="en-US" i="1" dirty="0"/>
+              <a:t>(Was/Were + subject + Verb-</a:t>
+            </a:r>
+            <a:r>
+              <a:rPr lang="en-US" i="1" dirty="0" err="1"/>
+              <a:t>ing</a:t>
+            </a:r>
+            <a:r>
+              <a:rPr lang="en-US" i="1" dirty="0"/>
+              <a:t>)</a:t>
+            </a:r>
+            <a:endParaRPr lang="en-US" dirty="0"/>
+          </a:p>
+          <a:p>
+            <a:pPr marL="742950" lvl="1" indent="-285750">
+              <a:lnSpc>
+                <a:spcPct val="200000"/>
+              </a:lnSpc>
+              <a:buFont typeface="Arial" panose="020B0604020202020204" pitchFamily="34" charset="0"/>
+              <a:buChar char="•"/>
+            </a:pPr>
+            <a:r>
+              <a:rPr lang="en-US" b="1" dirty="0"/>
+              <a:t>Were</a:t>
+            </a:r>
+            <a:r>
+              <a:rPr lang="en-US" dirty="0"/>
+              <a:t> you sleeping at that time?</a:t>
+            </a:r>
+          </a:p>
+          <a:p>
+            <a:pPr marL="742950" lvl="1" indent="-285750">
+              <a:lnSpc>
+                <a:spcPct val="200000"/>
+              </a:lnSpc>
+              <a:buFont typeface="Arial" panose="020B0604020202020204" pitchFamily="34" charset="0"/>
+              <a:buChar char="•"/>
+            </a:pPr>
+            <a:r>
+              <a:rPr lang="en-US" b="1" dirty="0"/>
+              <a:t>Was</a:t>
+            </a:r>
+            <a:r>
+              <a:rPr lang="en-US" dirty="0"/>
+              <a:t> he running when it started raining?</a:t>
+            </a:r>
+          </a:p>
+        </p:txBody>
+      </p:sp>
+    </p:spTree>
+    <p:extLst>
+      <p:ext uri="{BB962C8B-B14F-4D97-AF65-F5344CB8AC3E}">
+        <p14:creationId xmlns:p14="http://schemas.microsoft.com/office/powerpoint/2010/main" val="123561521"/>
+      </p:ext>
+    </p:extLst>
+  </p:cSld>
+  <p:clrMapOvr>
+    <a:masterClrMapping/>
+  </p:clrMapOvr>
+</p:sld>
+</file>
+
 <file path=ppt/slides/slide3.xml><?xml version="1.0" encoding="utf-8"?>
 <p:sld xmlns:a="http://schemas.openxmlformats.org/drawingml/2006/main" xmlns:r="http://schemas.openxmlformats.org/officeDocument/2006/relationships" xmlns:p="http://schemas.openxmlformats.org/presentationml/2006/main">
   <p:cSld>
@@ -14225,6 +15321,3593 @@
 </p:sld>
 </file>
 
+<file path=ppt/slides/slide30.xml><?xml version="1.0" encoding="utf-8"?>
+<p:sld xmlns:a="http://schemas.openxmlformats.org/drawingml/2006/main" xmlns:r="http://schemas.openxmlformats.org/officeDocument/2006/relationships" xmlns:p="http://schemas.openxmlformats.org/presentationml/2006/main">
+  <p:cSld>
+    <p:spTree>
+      <p:nvGrpSpPr>
+        <p:cNvPr id="1" name=""/>
+        <p:cNvGrpSpPr/>
+        <p:nvPr/>
+      </p:nvGrpSpPr>
+      <p:grpSpPr>
+        <a:xfrm>
+          <a:off x="0" y="0"/>
+          <a:ext cx="0" cy="0"/>
+          <a:chOff x="0" y="0"/>
+          <a:chExt cx="0" cy="0"/>
+        </a:xfrm>
+      </p:grpSpPr>
+      <p:sp>
+        <p:nvSpPr>
+          <p:cNvPr id="2" name="Slide Number Placeholder 1">
+            <a:extLst>
+              <a:ext uri="{FF2B5EF4-FFF2-40B4-BE49-F238E27FC236}">
+                <a16:creationId xmlns:a16="http://schemas.microsoft.com/office/drawing/2014/main" id="{E0726E46-B9D0-453F-A274-46F544873647}"/>
+              </a:ext>
+            </a:extLst>
+          </p:cNvPr>
+          <p:cNvSpPr>
+            <a:spLocks noGrp="1"/>
+          </p:cNvSpPr>
+          <p:nvPr>
+            <p:ph type="sldNum" sz="quarter" idx="12"/>
+          </p:nvPr>
+        </p:nvSpPr>
+        <p:spPr/>
+        <p:txBody>
+          <a:bodyPr/>
+          <a:lstStyle/>
+          <a:p>
+            <a:fld id="{23F3D7C6-E23E-47A6-9DDE-D0AE3B6B9EDD}" type="slidenum">
+              <a:rPr lang="en-US" smtClean="0"/>
+              <a:t>30</a:t>
+            </a:fld>
+            <a:endParaRPr lang="en-US"/>
+          </a:p>
+        </p:txBody>
+      </p:sp>
+      <p:sp>
+        <p:nvSpPr>
+          <p:cNvPr id="4" name="TextBox 3">
+            <a:extLst>
+              <a:ext uri="{FF2B5EF4-FFF2-40B4-BE49-F238E27FC236}">
+                <a16:creationId xmlns:a16="http://schemas.microsoft.com/office/drawing/2014/main" id="{4D96A61C-7688-43D8-8FBC-EFAE2CB2E668}"/>
+              </a:ext>
+            </a:extLst>
+          </p:cNvPr>
+          <p:cNvSpPr txBox="1"/>
+          <p:nvPr/>
+        </p:nvSpPr>
+        <p:spPr>
+          <a:xfrm>
+            <a:off x="2259106" y="239291"/>
+            <a:ext cx="8677835" cy="5563061"/>
+          </a:xfrm>
+          <a:prstGeom prst="rect">
+            <a:avLst/>
+          </a:prstGeom>
+          <a:noFill/>
+        </p:spPr>
+        <p:txBody>
+          <a:bodyPr wrap="square">
+            <a:spAutoFit/>
+          </a:bodyPr>
+          <a:lstStyle/>
+          <a:p>
+            <a:pPr algn="r" rtl="1">
+              <a:lnSpc>
+                <a:spcPct val="200000"/>
+              </a:lnSpc>
+            </a:pPr>
+            <a:r>
+              <a:rPr lang="en-US" b="1" dirty="0">
+                <a:latin typeface="IRANSans(FaNum)" panose="020B0506030804020204" pitchFamily="34" charset="-78"/>
+                <a:cs typeface="IRANSans(FaNum)" panose="020B0506030804020204" pitchFamily="34" charset="-78"/>
+              </a:rPr>
+              <a:t>Past Perfect </a:t>
+            </a:r>
+          </a:p>
+          <a:p>
+            <a:pPr lvl="1" algn="r" rtl="1">
+              <a:lnSpc>
+                <a:spcPct val="200000"/>
+              </a:lnSpc>
+            </a:pPr>
+            <a:r>
+              <a:rPr lang="fa-IR" b="1" dirty="0">
+                <a:latin typeface="IRANSans(FaNum)" panose="020B0506030804020204" pitchFamily="34" charset="-78"/>
+                <a:cs typeface="IRANSans(FaNum)" panose="020B0506030804020204" pitchFamily="34" charset="-78"/>
+              </a:rPr>
+              <a:t>کاربردها:</a:t>
+            </a:r>
+          </a:p>
+          <a:p>
+            <a:pPr lvl="2" algn="r" rtl="1">
+              <a:lnSpc>
+                <a:spcPct val="200000"/>
+              </a:lnSpc>
+              <a:buFont typeface="Arial" panose="020B0604020202020204" pitchFamily="34" charset="0"/>
+              <a:buChar char="•"/>
+            </a:pPr>
+            <a:r>
+              <a:rPr lang="fa-IR" dirty="0">
+                <a:latin typeface="IRANSans(FaNum)" panose="020B0506030804020204" pitchFamily="34" charset="-78"/>
+                <a:cs typeface="IRANSans(FaNum)" panose="020B0506030804020204" pitchFamily="34" charset="-78"/>
+              </a:rPr>
+              <a:t>برای بیان عملی که قبل از عمل دیگری در گذشته انجام شده باشد.</a:t>
+            </a:r>
+          </a:p>
+          <a:p>
+            <a:pPr lvl="2" algn="r" rtl="1">
+              <a:lnSpc>
+                <a:spcPct val="200000"/>
+              </a:lnSpc>
+              <a:buFont typeface="Arial" panose="020B0604020202020204" pitchFamily="34" charset="0"/>
+              <a:buChar char="•"/>
+            </a:pPr>
+            <a:r>
+              <a:rPr lang="fa-IR" dirty="0">
+                <a:latin typeface="IRANSans(FaNum)" panose="020B0506030804020204" pitchFamily="34" charset="-78"/>
+                <a:cs typeface="IRANSans(FaNum)" panose="020B0506030804020204" pitchFamily="34" charset="-78"/>
+              </a:rPr>
+              <a:t>معمولاً با کلماتی مانند </a:t>
+            </a:r>
+            <a:r>
+              <a:rPr lang="en-US" i="1" dirty="0">
+                <a:latin typeface="IRANSans(FaNum)" panose="020B0506030804020204" pitchFamily="34" charset="-78"/>
+                <a:cs typeface="IRANSans(FaNum)" panose="020B0506030804020204" pitchFamily="34" charset="-78"/>
+              </a:rPr>
+              <a:t>before, after, by the time</a:t>
+            </a:r>
+            <a:r>
+              <a:rPr lang="en-US" dirty="0">
+                <a:latin typeface="IRANSans(FaNum)" panose="020B0506030804020204" pitchFamily="34" charset="-78"/>
+                <a:cs typeface="IRANSans(FaNum)" panose="020B0506030804020204" pitchFamily="34" charset="-78"/>
+              </a:rPr>
+              <a:t> </a:t>
+            </a:r>
+            <a:r>
+              <a:rPr lang="fa-IR" dirty="0">
+                <a:latin typeface="IRANSans(FaNum)" panose="020B0506030804020204" pitchFamily="34" charset="-78"/>
+                <a:cs typeface="IRANSans(FaNum)" panose="020B0506030804020204" pitchFamily="34" charset="-78"/>
+              </a:rPr>
+              <a:t>همراه است.</a:t>
+            </a:r>
+          </a:p>
+          <a:p>
+            <a:pPr lvl="1" algn="r" rtl="1">
+              <a:lnSpc>
+                <a:spcPct val="200000"/>
+              </a:lnSpc>
+            </a:pPr>
+            <a:r>
+              <a:rPr lang="fa-IR" b="1" dirty="0">
+                <a:latin typeface="IRANSans(FaNum)" panose="020B0506030804020204" pitchFamily="34" charset="-78"/>
+                <a:cs typeface="IRANSans(FaNum)" panose="020B0506030804020204" pitchFamily="34" charset="-78"/>
+              </a:rPr>
+              <a:t>فرمول:</a:t>
+            </a:r>
+          </a:p>
+          <a:p>
+            <a:pPr lvl="2" algn="r" rtl="1">
+              <a:lnSpc>
+                <a:spcPct val="200000"/>
+              </a:lnSpc>
+            </a:pPr>
+            <a:r>
+              <a:rPr lang="en-US" i="1" dirty="0">
+                <a:latin typeface="IRANSans(FaNum)" panose="020B0506030804020204" pitchFamily="34" charset="-78"/>
+                <a:cs typeface="IRANSans(FaNum)" panose="020B0506030804020204" pitchFamily="34" charset="-78"/>
+              </a:rPr>
+              <a:t>Subject + had + Past Participle</a:t>
+            </a:r>
+          </a:p>
+          <a:p>
+            <a:pPr lvl="1" algn="r" rtl="1">
+              <a:lnSpc>
+                <a:spcPct val="200000"/>
+              </a:lnSpc>
+            </a:pPr>
+            <a:r>
+              <a:rPr lang="fa-IR" b="1" dirty="0">
+                <a:latin typeface="IRANSans(FaNum)" panose="020B0506030804020204" pitchFamily="34" charset="-78"/>
+                <a:cs typeface="IRANSans(FaNum)" panose="020B0506030804020204" pitchFamily="34" charset="-78"/>
+              </a:rPr>
+              <a:t>مثال‌ها:</a:t>
+            </a:r>
+          </a:p>
+          <a:p>
+            <a:pPr lvl="1" algn="r" rtl="1">
+              <a:lnSpc>
+                <a:spcPct val="200000"/>
+              </a:lnSpc>
+              <a:buFont typeface="Arial" panose="020B0604020202020204" pitchFamily="34" charset="0"/>
+              <a:buChar char="•"/>
+            </a:pPr>
+            <a:r>
+              <a:rPr lang="en-US" dirty="0">
+                <a:latin typeface="IRANSans(FaNum)" panose="020B0506030804020204" pitchFamily="34" charset="-78"/>
+                <a:cs typeface="IRANSans(FaNum)" panose="020B0506030804020204" pitchFamily="34" charset="-78"/>
+              </a:rPr>
+              <a:t>I had finished my homework before the movie started.</a:t>
+            </a:r>
+          </a:p>
+          <a:p>
+            <a:pPr lvl="1" algn="r" rtl="1">
+              <a:lnSpc>
+                <a:spcPct val="200000"/>
+              </a:lnSpc>
+              <a:buFont typeface="Arial" panose="020B0604020202020204" pitchFamily="34" charset="0"/>
+              <a:buChar char="•"/>
+            </a:pPr>
+            <a:r>
+              <a:rPr lang="en-US" dirty="0">
+                <a:latin typeface="IRANSans(FaNum)" panose="020B0506030804020204" pitchFamily="34" charset="-78"/>
+                <a:cs typeface="IRANSans(FaNum)" panose="020B0506030804020204" pitchFamily="34" charset="-78"/>
+              </a:rPr>
+              <a:t>She had left the house when I arrived.</a:t>
+            </a:r>
+          </a:p>
+          <a:p>
+            <a:pPr lvl="1" algn="r" rtl="1">
+              <a:lnSpc>
+                <a:spcPct val="200000"/>
+              </a:lnSpc>
+              <a:buFont typeface="Arial" panose="020B0604020202020204" pitchFamily="34" charset="0"/>
+              <a:buChar char="•"/>
+            </a:pPr>
+            <a:r>
+              <a:rPr lang="en-US" dirty="0">
+                <a:latin typeface="IRANSans(FaNum)" panose="020B0506030804020204" pitchFamily="34" charset="-78"/>
+                <a:cs typeface="IRANSans(FaNum)" panose="020B0506030804020204" pitchFamily="34" charset="-78"/>
+              </a:rPr>
+              <a:t>They had already eaten dinner by the time we called them.</a:t>
+            </a:r>
+          </a:p>
+        </p:txBody>
+      </p:sp>
+    </p:spTree>
+    <p:extLst>
+      <p:ext uri="{BB962C8B-B14F-4D97-AF65-F5344CB8AC3E}">
+        <p14:creationId xmlns:p14="http://schemas.microsoft.com/office/powerpoint/2010/main" val="1898327558"/>
+      </p:ext>
+    </p:extLst>
+  </p:cSld>
+  <p:clrMapOvr>
+    <a:masterClrMapping/>
+  </p:clrMapOvr>
+</p:sld>
+</file>
+
+<file path=ppt/slides/slide31.xml><?xml version="1.0" encoding="utf-8"?>
+<p:sld xmlns:a="http://schemas.openxmlformats.org/drawingml/2006/main" xmlns:r="http://schemas.openxmlformats.org/officeDocument/2006/relationships" xmlns:p="http://schemas.openxmlformats.org/presentationml/2006/main">
+  <p:cSld>
+    <p:spTree>
+      <p:nvGrpSpPr>
+        <p:cNvPr id="1" name=""/>
+        <p:cNvGrpSpPr/>
+        <p:nvPr/>
+      </p:nvGrpSpPr>
+      <p:grpSpPr>
+        <a:xfrm>
+          <a:off x="0" y="0"/>
+          <a:ext cx="0" cy="0"/>
+          <a:chOff x="0" y="0"/>
+          <a:chExt cx="0" cy="0"/>
+        </a:xfrm>
+      </p:grpSpPr>
+      <p:sp>
+        <p:nvSpPr>
+          <p:cNvPr id="2" name="Slide Number Placeholder 1">
+            <a:extLst>
+              <a:ext uri="{FF2B5EF4-FFF2-40B4-BE49-F238E27FC236}">
+                <a16:creationId xmlns:a16="http://schemas.microsoft.com/office/drawing/2014/main" id="{ACEA90EE-1093-4A96-BD31-16531F09CDF7}"/>
+              </a:ext>
+            </a:extLst>
+          </p:cNvPr>
+          <p:cNvSpPr>
+            <a:spLocks noGrp="1"/>
+          </p:cNvSpPr>
+          <p:nvPr>
+            <p:ph type="sldNum" sz="quarter" idx="12"/>
+          </p:nvPr>
+        </p:nvSpPr>
+        <p:spPr/>
+        <p:txBody>
+          <a:bodyPr/>
+          <a:lstStyle/>
+          <a:p>
+            <a:fld id="{23F3D7C6-E23E-47A6-9DDE-D0AE3B6B9EDD}" type="slidenum">
+              <a:rPr lang="en-US" smtClean="0"/>
+              <a:t>31</a:t>
+            </a:fld>
+            <a:endParaRPr lang="en-US"/>
+          </a:p>
+        </p:txBody>
+      </p:sp>
+      <p:sp>
+        <p:nvSpPr>
+          <p:cNvPr id="4" name="TextBox 3">
+            <a:extLst>
+              <a:ext uri="{FF2B5EF4-FFF2-40B4-BE49-F238E27FC236}">
+                <a16:creationId xmlns:a16="http://schemas.microsoft.com/office/drawing/2014/main" id="{EC2379B0-5D77-4DF8-8821-16B381D24CCE}"/>
+              </a:ext>
+            </a:extLst>
+          </p:cNvPr>
+          <p:cNvSpPr txBox="1"/>
+          <p:nvPr/>
+        </p:nvSpPr>
+        <p:spPr>
+          <a:xfrm>
+            <a:off x="1488141" y="750838"/>
+            <a:ext cx="6096000" cy="4446730"/>
+          </a:xfrm>
+          <a:prstGeom prst="rect">
+            <a:avLst/>
+          </a:prstGeom>
+          <a:noFill/>
+        </p:spPr>
+        <p:txBody>
+          <a:bodyPr wrap="square">
+            <a:spAutoFit/>
+          </a:bodyPr>
+          <a:lstStyle/>
+          <a:p>
+            <a:pPr>
+              <a:lnSpc>
+                <a:spcPct val="200000"/>
+              </a:lnSpc>
+            </a:pPr>
+            <a:r>
+              <a:rPr lang="en-US" b="1" dirty="0"/>
+              <a:t>Negative Form:</a:t>
+            </a:r>
+          </a:p>
+          <a:p>
+            <a:pPr>
+              <a:lnSpc>
+                <a:spcPct val="200000"/>
+              </a:lnSpc>
+              <a:buFont typeface="Arial" panose="020B0604020202020204" pitchFamily="34" charset="0"/>
+              <a:buChar char="•"/>
+            </a:pPr>
+            <a:r>
+              <a:rPr lang="en-US" i="1" dirty="0"/>
+              <a:t>(Subject + had not (hadn’t) + Past Participle)</a:t>
+            </a:r>
+            <a:endParaRPr lang="en-US" dirty="0"/>
+          </a:p>
+          <a:p>
+            <a:pPr marL="742950" lvl="1" indent="-285750">
+              <a:lnSpc>
+                <a:spcPct val="200000"/>
+              </a:lnSpc>
+              <a:buFont typeface="Arial" panose="020B0604020202020204" pitchFamily="34" charset="0"/>
+              <a:buChar char="•"/>
+            </a:pPr>
+            <a:r>
+              <a:rPr lang="en-US" dirty="0"/>
+              <a:t>I </a:t>
+            </a:r>
+            <a:r>
+              <a:rPr lang="en-US" b="1" dirty="0"/>
+              <a:t>had not</a:t>
+            </a:r>
+            <a:r>
+              <a:rPr lang="en-US" dirty="0"/>
+              <a:t> seen him before that day.</a:t>
+            </a:r>
+          </a:p>
+          <a:p>
+            <a:pPr marL="742950" lvl="1" indent="-285750">
+              <a:lnSpc>
+                <a:spcPct val="200000"/>
+              </a:lnSpc>
+              <a:buFont typeface="Arial" panose="020B0604020202020204" pitchFamily="34" charset="0"/>
+              <a:buChar char="•"/>
+            </a:pPr>
+            <a:r>
+              <a:rPr lang="en-US" dirty="0"/>
+              <a:t>She </a:t>
+            </a:r>
+            <a:r>
+              <a:rPr lang="en-US" b="1" dirty="0"/>
+              <a:t>hadn’t</a:t>
+            </a:r>
+            <a:r>
+              <a:rPr lang="en-US" dirty="0"/>
+              <a:t> called me before the meeting.</a:t>
+            </a:r>
+          </a:p>
+          <a:p>
+            <a:pPr>
+              <a:lnSpc>
+                <a:spcPct val="200000"/>
+              </a:lnSpc>
+            </a:pPr>
+            <a:r>
+              <a:rPr lang="en-US" b="1" dirty="0"/>
+              <a:t>Question Form:</a:t>
+            </a:r>
+          </a:p>
+          <a:p>
+            <a:pPr>
+              <a:lnSpc>
+                <a:spcPct val="200000"/>
+              </a:lnSpc>
+              <a:buFont typeface="Arial" panose="020B0604020202020204" pitchFamily="34" charset="0"/>
+              <a:buChar char="•"/>
+            </a:pPr>
+            <a:r>
+              <a:rPr lang="en-US" i="1" dirty="0"/>
+              <a:t>(Had + subject + Past Participle)</a:t>
+            </a:r>
+            <a:endParaRPr lang="en-US" dirty="0"/>
+          </a:p>
+          <a:p>
+            <a:pPr marL="742950" lvl="1" indent="-285750">
+              <a:lnSpc>
+                <a:spcPct val="200000"/>
+              </a:lnSpc>
+              <a:buFont typeface="Arial" panose="020B0604020202020204" pitchFamily="34" charset="0"/>
+              <a:buChar char="•"/>
+            </a:pPr>
+            <a:r>
+              <a:rPr lang="en-US" b="1" dirty="0"/>
+              <a:t>Had</a:t>
+            </a:r>
+            <a:r>
+              <a:rPr lang="en-US" dirty="0"/>
+              <a:t> you met him before the party?</a:t>
+            </a:r>
+          </a:p>
+          <a:p>
+            <a:pPr marL="742950" lvl="1" indent="-285750">
+              <a:lnSpc>
+                <a:spcPct val="200000"/>
+              </a:lnSpc>
+              <a:buFont typeface="Arial" panose="020B0604020202020204" pitchFamily="34" charset="0"/>
+              <a:buChar char="•"/>
+            </a:pPr>
+            <a:r>
+              <a:rPr lang="en-US" b="1" dirty="0"/>
+              <a:t>Had</a:t>
+            </a:r>
+            <a:r>
+              <a:rPr lang="en-US" dirty="0"/>
+              <a:t> they completed their project by the deadline?</a:t>
+            </a:r>
+          </a:p>
+        </p:txBody>
+      </p:sp>
+    </p:spTree>
+    <p:extLst>
+      <p:ext uri="{BB962C8B-B14F-4D97-AF65-F5344CB8AC3E}">
+        <p14:creationId xmlns:p14="http://schemas.microsoft.com/office/powerpoint/2010/main" val="2969365039"/>
+      </p:ext>
+    </p:extLst>
+  </p:cSld>
+  <p:clrMapOvr>
+    <a:masterClrMapping/>
+  </p:clrMapOvr>
+</p:sld>
+</file>
+
+<file path=ppt/slides/slide32.xml><?xml version="1.0" encoding="utf-8"?>
+<p:sld xmlns:a="http://schemas.openxmlformats.org/drawingml/2006/main" xmlns:r="http://schemas.openxmlformats.org/officeDocument/2006/relationships" xmlns:p="http://schemas.openxmlformats.org/presentationml/2006/main">
+  <p:cSld>
+    <p:spTree>
+      <p:nvGrpSpPr>
+        <p:cNvPr id="1" name=""/>
+        <p:cNvGrpSpPr/>
+        <p:nvPr/>
+      </p:nvGrpSpPr>
+      <p:grpSpPr>
+        <a:xfrm>
+          <a:off x="0" y="0"/>
+          <a:ext cx="0" cy="0"/>
+          <a:chOff x="0" y="0"/>
+          <a:chExt cx="0" cy="0"/>
+        </a:xfrm>
+      </p:grpSpPr>
+      <p:sp>
+        <p:nvSpPr>
+          <p:cNvPr id="2" name="Slide Number Placeholder 1">
+            <a:extLst>
+              <a:ext uri="{FF2B5EF4-FFF2-40B4-BE49-F238E27FC236}">
+                <a16:creationId xmlns:a16="http://schemas.microsoft.com/office/drawing/2014/main" id="{ACEA90EE-1093-4A96-BD31-16531F09CDF7}"/>
+              </a:ext>
+            </a:extLst>
+          </p:cNvPr>
+          <p:cNvSpPr>
+            <a:spLocks noGrp="1"/>
+          </p:cNvSpPr>
+          <p:nvPr>
+            <p:ph type="sldNum" sz="quarter" idx="12"/>
+          </p:nvPr>
+        </p:nvSpPr>
+        <p:spPr/>
+        <p:txBody>
+          <a:bodyPr/>
+          <a:lstStyle/>
+          <a:p>
+            <a:fld id="{23F3D7C6-E23E-47A6-9DDE-D0AE3B6B9EDD}" type="slidenum">
+              <a:rPr lang="en-US" smtClean="0"/>
+              <a:t>32</a:t>
+            </a:fld>
+            <a:endParaRPr lang="en-US"/>
+          </a:p>
+        </p:txBody>
+      </p:sp>
+      <p:sp>
+        <p:nvSpPr>
+          <p:cNvPr id="4" name="TextBox 3">
+            <a:extLst>
+              <a:ext uri="{FF2B5EF4-FFF2-40B4-BE49-F238E27FC236}">
+                <a16:creationId xmlns:a16="http://schemas.microsoft.com/office/drawing/2014/main" id="{C4E7D536-6109-4B12-BC81-E896F9AC95ED}"/>
+              </a:ext>
+            </a:extLst>
+          </p:cNvPr>
+          <p:cNvSpPr txBox="1"/>
+          <p:nvPr/>
+        </p:nvSpPr>
+        <p:spPr>
+          <a:xfrm>
+            <a:off x="905435" y="375228"/>
+            <a:ext cx="10721788" cy="5009064"/>
+          </a:xfrm>
+          <a:prstGeom prst="rect">
+            <a:avLst/>
+          </a:prstGeom>
+          <a:noFill/>
+        </p:spPr>
+        <p:txBody>
+          <a:bodyPr wrap="square">
+            <a:spAutoFit/>
+          </a:bodyPr>
+          <a:lstStyle/>
+          <a:p>
+            <a:pPr algn="r" rtl="1">
+              <a:lnSpc>
+                <a:spcPct val="200000"/>
+              </a:lnSpc>
+            </a:pPr>
+            <a:r>
+              <a:rPr lang="en-US" b="1" dirty="0">
+                <a:latin typeface="IRANSans(FaNum)" panose="020B0506030804020204" pitchFamily="34" charset="-78"/>
+                <a:cs typeface="IRANSans(FaNum)" panose="020B0506030804020204" pitchFamily="34" charset="-78"/>
+              </a:rPr>
+              <a:t>Past Perfect Continuous</a:t>
+            </a:r>
+          </a:p>
+          <a:p>
+            <a:pPr lvl="1" algn="r" rtl="1">
+              <a:lnSpc>
+                <a:spcPct val="200000"/>
+              </a:lnSpc>
+            </a:pPr>
+            <a:r>
+              <a:rPr lang="fa-IR" b="1" dirty="0">
+                <a:latin typeface="IRANSans(FaNum)" panose="020B0506030804020204" pitchFamily="34" charset="-78"/>
+                <a:cs typeface="IRANSans(FaNum)" panose="020B0506030804020204" pitchFamily="34" charset="-78"/>
+              </a:rPr>
+              <a:t>کاربردها:</a:t>
+            </a:r>
+          </a:p>
+          <a:p>
+            <a:pPr lvl="1" algn="r" rtl="1">
+              <a:lnSpc>
+                <a:spcPct val="200000"/>
+              </a:lnSpc>
+            </a:pPr>
+            <a:r>
+              <a:rPr lang="fa-IR" dirty="0">
+                <a:latin typeface="IRANSans(FaNum)" panose="020B0506030804020204" pitchFamily="34" charset="-78"/>
+                <a:cs typeface="IRANSans(FaNum)" panose="020B0506030804020204" pitchFamily="34" charset="-78"/>
+              </a:rPr>
+              <a:t>برای توصیف عملی که قبل از عمل دیگری در گذشته در حال انجام بوده است و تأکید روی مدت زمان آن دارد.</a:t>
+            </a:r>
+          </a:p>
+          <a:p>
+            <a:pPr lvl="1" algn="r" rtl="1">
+              <a:lnSpc>
+                <a:spcPct val="200000"/>
+              </a:lnSpc>
+            </a:pPr>
+            <a:r>
+              <a:rPr lang="fa-IR" b="1" dirty="0">
+                <a:latin typeface="IRANSans(FaNum)" panose="020B0506030804020204" pitchFamily="34" charset="-78"/>
+                <a:cs typeface="IRANSans(FaNum)" panose="020B0506030804020204" pitchFamily="34" charset="-78"/>
+              </a:rPr>
+              <a:t>فرمول:</a:t>
+            </a:r>
+          </a:p>
+          <a:p>
+            <a:pPr lvl="2" algn="r" rtl="1">
+              <a:lnSpc>
+                <a:spcPct val="200000"/>
+              </a:lnSpc>
+            </a:pPr>
+            <a:r>
+              <a:rPr lang="en-US" i="1" dirty="0">
+                <a:latin typeface="IRANSans(FaNum)" panose="020B0506030804020204" pitchFamily="34" charset="-78"/>
+                <a:cs typeface="IRANSans(FaNum)" panose="020B0506030804020204" pitchFamily="34" charset="-78"/>
+              </a:rPr>
+              <a:t>Subject + had been + Verb-</a:t>
+            </a:r>
+            <a:r>
+              <a:rPr lang="en-US" i="1" dirty="0" err="1">
+                <a:latin typeface="IRANSans(FaNum)" panose="020B0506030804020204" pitchFamily="34" charset="-78"/>
+                <a:cs typeface="IRANSans(FaNum)" panose="020B0506030804020204" pitchFamily="34" charset="-78"/>
+              </a:rPr>
+              <a:t>ing</a:t>
+            </a:r>
+            <a:endParaRPr lang="en-US" i="1" dirty="0">
+              <a:latin typeface="IRANSans(FaNum)" panose="020B0506030804020204" pitchFamily="34" charset="-78"/>
+              <a:cs typeface="IRANSans(FaNum)" panose="020B0506030804020204" pitchFamily="34" charset="-78"/>
+            </a:endParaRPr>
+          </a:p>
+          <a:p>
+            <a:pPr lvl="1" algn="r" rtl="1">
+              <a:lnSpc>
+                <a:spcPct val="200000"/>
+              </a:lnSpc>
+            </a:pPr>
+            <a:r>
+              <a:rPr lang="fa-IR" b="1" dirty="0">
+                <a:latin typeface="IRANSans(FaNum)" panose="020B0506030804020204" pitchFamily="34" charset="-78"/>
+                <a:cs typeface="IRANSans(FaNum)" panose="020B0506030804020204" pitchFamily="34" charset="-78"/>
+              </a:rPr>
+              <a:t>مثال‌ها:</a:t>
+            </a:r>
+          </a:p>
+          <a:p>
+            <a:pPr lvl="1" algn="r" rtl="1">
+              <a:lnSpc>
+                <a:spcPct val="200000"/>
+              </a:lnSpc>
+              <a:buFont typeface="Arial" panose="020B0604020202020204" pitchFamily="34" charset="0"/>
+              <a:buChar char="•"/>
+            </a:pPr>
+            <a:r>
+              <a:rPr lang="en-US" dirty="0">
+                <a:latin typeface="IRANSans(FaNum)" panose="020B0506030804020204" pitchFamily="34" charset="-78"/>
+                <a:cs typeface="IRANSans(FaNum)" panose="020B0506030804020204" pitchFamily="34" charset="-78"/>
+              </a:rPr>
+              <a:t>I had been studying for two hours before she arrived.</a:t>
+            </a:r>
+          </a:p>
+          <a:p>
+            <a:pPr lvl="1" algn="r" rtl="1">
+              <a:lnSpc>
+                <a:spcPct val="200000"/>
+              </a:lnSpc>
+              <a:buFont typeface="Arial" panose="020B0604020202020204" pitchFamily="34" charset="0"/>
+              <a:buChar char="•"/>
+            </a:pPr>
+            <a:r>
+              <a:rPr lang="en-US" dirty="0">
+                <a:latin typeface="IRANSans(FaNum)" panose="020B0506030804020204" pitchFamily="34" charset="-78"/>
+                <a:cs typeface="IRANSans(FaNum)" panose="020B0506030804020204" pitchFamily="34" charset="-78"/>
+              </a:rPr>
+              <a:t>They had been working all day when the storm started.</a:t>
+            </a:r>
+          </a:p>
+          <a:p>
+            <a:pPr lvl="1" algn="r" rtl="1">
+              <a:lnSpc>
+                <a:spcPct val="200000"/>
+              </a:lnSpc>
+              <a:buFont typeface="Arial" panose="020B0604020202020204" pitchFamily="34" charset="0"/>
+              <a:buChar char="•"/>
+            </a:pPr>
+            <a:r>
+              <a:rPr lang="en-US" dirty="0">
+                <a:latin typeface="IRANSans(FaNum)" panose="020B0506030804020204" pitchFamily="34" charset="-78"/>
+                <a:cs typeface="IRANSans(FaNum)" panose="020B0506030804020204" pitchFamily="34" charset="-78"/>
+              </a:rPr>
+              <a:t>He was tired because he had been running for an hour.</a:t>
+            </a:r>
+          </a:p>
+        </p:txBody>
+      </p:sp>
+    </p:spTree>
+    <p:extLst>
+      <p:ext uri="{BB962C8B-B14F-4D97-AF65-F5344CB8AC3E}">
+        <p14:creationId xmlns:p14="http://schemas.microsoft.com/office/powerpoint/2010/main" val="1536830849"/>
+      </p:ext>
+    </p:extLst>
+  </p:cSld>
+  <p:clrMapOvr>
+    <a:masterClrMapping/>
+  </p:clrMapOvr>
+</p:sld>
+</file>
+
+<file path=ppt/slides/slide33.xml><?xml version="1.0" encoding="utf-8"?>
+<p:sld xmlns:a="http://schemas.openxmlformats.org/drawingml/2006/main" xmlns:r="http://schemas.openxmlformats.org/officeDocument/2006/relationships" xmlns:p="http://schemas.openxmlformats.org/presentationml/2006/main">
+  <p:cSld>
+    <p:spTree>
+      <p:nvGrpSpPr>
+        <p:cNvPr id="1" name=""/>
+        <p:cNvGrpSpPr/>
+        <p:nvPr/>
+      </p:nvGrpSpPr>
+      <p:grpSpPr>
+        <a:xfrm>
+          <a:off x="0" y="0"/>
+          <a:ext cx="0" cy="0"/>
+          <a:chOff x="0" y="0"/>
+          <a:chExt cx="0" cy="0"/>
+        </a:xfrm>
+      </p:grpSpPr>
+      <p:sp>
+        <p:nvSpPr>
+          <p:cNvPr id="2" name="Slide Number Placeholder 1">
+            <a:extLst>
+              <a:ext uri="{FF2B5EF4-FFF2-40B4-BE49-F238E27FC236}">
+                <a16:creationId xmlns:a16="http://schemas.microsoft.com/office/drawing/2014/main" id="{82810D7C-9CD7-4DC5-87DC-25556D3B4322}"/>
+              </a:ext>
+            </a:extLst>
+          </p:cNvPr>
+          <p:cNvSpPr>
+            <a:spLocks noGrp="1"/>
+          </p:cNvSpPr>
+          <p:nvPr>
+            <p:ph type="sldNum" sz="quarter" idx="12"/>
+          </p:nvPr>
+        </p:nvSpPr>
+        <p:spPr/>
+        <p:txBody>
+          <a:bodyPr/>
+          <a:lstStyle/>
+          <a:p>
+            <a:fld id="{23F3D7C6-E23E-47A6-9DDE-D0AE3B6B9EDD}" type="slidenum">
+              <a:rPr lang="en-US" smtClean="0"/>
+              <a:t>33</a:t>
+            </a:fld>
+            <a:endParaRPr lang="en-US"/>
+          </a:p>
+        </p:txBody>
+      </p:sp>
+      <p:sp>
+        <p:nvSpPr>
+          <p:cNvPr id="4" name="TextBox 3">
+            <a:extLst>
+              <a:ext uri="{FF2B5EF4-FFF2-40B4-BE49-F238E27FC236}">
+                <a16:creationId xmlns:a16="http://schemas.microsoft.com/office/drawing/2014/main" id="{2D1F427E-A704-44CD-938A-0500801DEC94}"/>
+              </a:ext>
+            </a:extLst>
+          </p:cNvPr>
+          <p:cNvSpPr txBox="1"/>
+          <p:nvPr/>
+        </p:nvSpPr>
+        <p:spPr>
+          <a:xfrm>
+            <a:off x="1048869" y="818528"/>
+            <a:ext cx="8525435" cy="4446730"/>
+          </a:xfrm>
+          <a:prstGeom prst="rect">
+            <a:avLst/>
+          </a:prstGeom>
+          <a:noFill/>
+        </p:spPr>
+        <p:txBody>
+          <a:bodyPr wrap="square">
+            <a:spAutoFit/>
+          </a:bodyPr>
+          <a:lstStyle/>
+          <a:p>
+            <a:pPr>
+              <a:lnSpc>
+                <a:spcPct val="200000"/>
+              </a:lnSpc>
+            </a:pPr>
+            <a:r>
+              <a:rPr lang="en-US" b="1" dirty="0"/>
+              <a:t>Negative Form:</a:t>
+            </a:r>
+          </a:p>
+          <a:p>
+            <a:pPr>
+              <a:lnSpc>
+                <a:spcPct val="200000"/>
+              </a:lnSpc>
+              <a:buFont typeface="Arial" panose="020B0604020202020204" pitchFamily="34" charset="0"/>
+              <a:buChar char="•"/>
+            </a:pPr>
+            <a:r>
+              <a:rPr lang="en-US" i="1" dirty="0"/>
+              <a:t>(Subject + had not (hadn’t) been + Verb-</a:t>
+            </a:r>
+            <a:r>
+              <a:rPr lang="en-US" i="1" dirty="0" err="1"/>
+              <a:t>ing</a:t>
+            </a:r>
+            <a:r>
+              <a:rPr lang="en-US" i="1" dirty="0"/>
+              <a:t>)</a:t>
+            </a:r>
+            <a:endParaRPr lang="en-US" dirty="0"/>
+          </a:p>
+          <a:p>
+            <a:pPr marL="742950" lvl="1" indent="-285750">
+              <a:lnSpc>
+                <a:spcPct val="200000"/>
+              </a:lnSpc>
+              <a:buFont typeface="Arial" panose="020B0604020202020204" pitchFamily="34" charset="0"/>
+              <a:buChar char="•"/>
+            </a:pPr>
+            <a:r>
+              <a:rPr lang="en-US" dirty="0"/>
+              <a:t>I </a:t>
+            </a:r>
+            <a:r>
+              <a:rPr lang="en-US" b="1" dirty="0"/>
+              <a:t>had not</a:t>
+            </a:r>
+            <a:r>
+              <a:rPr lang="en-US" dirty="0"/>
+              <a:t> been sleeping before the alarm went off.</a:t>
+            </a:r>
+          </a:p>
+          <a:p>
+            <a:pPr marL="742950" lvl="1" indent="-285750">
+              <a:lnSpc>
+                <a:spcPct val="200000"/>
+              </a:lnSpc>
+              <a:buFont typeface="Arial" panose="020B0604020202020204" pitchFamily="34" charset="0"/>
+              <a:buChar char="•"/>
+            </a:pPr>
+            <a:r>
+              <a:rPr lang="en-US" dirty="0"/>
+              <a:t>She </a:t>
+            </a:r>
+            <a:r>
+              <a:rPr lang="en-US" b="1" dirty="0"/>
+              <a:t>hadn’t</a:t>
+            </a:r>
+            <a:r>
+              <a:rPr lang="en-US" dirty="0"/>
+              <a:t> been waiting long when we arrived.</a:t>
+            </a:r>
+          </a:p>
+          <a:p>
+            <a:pPr>
+              <a:lnSpc>
+                <a:spcPct val="200000"/>
+              </a:lnSpc>
+            </a:pPr>
+            <a:r>
+              <a:rPr lang="en-US" b="1" dirty="0"/>
+              <a:t>Question Form:</a:t>
+            </a:r>
+          </a:p>
+          <a:p>
+            <a:pPr>
+              <a:lnSpc>
+                <a:spcPct val="200000"/>
+              </a:lnSpc>
+              <a:buFont typeface="Arial" panose="020B0604020202020204" pitchFamily="34" charset="0"/>
+              <a:buChar char="•"/>
+            </a:pPr>
+            <a:r>
+              <a:rPr lang="en-US" i="1" dirty="0"/>
+              <a:t>(Had + subject + been + Verb-</a:t>
+            </a:r>
+            <a:r>
+              <a:rPr lang="en-US" i="1" dirty="0" err="1"/>
+              <a:t>ing</a:t>
+            </a:r>
+            <a:r>
+              <a:rPr lang="en-US" i="1" dirty="0"/>
+              <a:t>)</a:t>
+            </a:r>
+            <a:endParaRPr lang="en-US" dirty="0"/>
+          </a:p>
+          <a:p>
+            <a:pPr marL="742950" lvl="1" indent="-285750">
+              <a:lnSpc>
+                <a:spcPct val="200000"/>
+              </a:lnSpc>
+              <a:buFont typeface="Arial" panose="020B0604020202020204" pitchFamily="34" charset="0"/>
+              <a:buChar char="•"/>
+            </a:pPr>
+            <a:r>
+              <a:rPr lang="en-US" b="1" dirty="0"/>
+              <a:t>Had</a:t>
+            </a:r>
+            <a:r>
+              <a:rPr lang="en-US" dirty="0"/>
+              <a:t> you been working on this project for long?</a:t>
+            </a:r>
+          </a:p>
+          <a:p>
+            <a:pPr marL="742950" lvl="1" indent="-285750">
+              <a:lnSpc>
+                <a:spcPct val="200000"/>
+              </a:lnSpc>
+              <a:buFont typeface="Arial" panose="020B0604020202020204" pitchFamily="34" charset="0"/>
+              <a:buChar char="•"/>
+            </a:pPr>
+            <a:r>
+              <a:rPr lang="en-US" b="1" dirty="0"/>
+              <a:t>Had</a:t>
+            </a:r>
+            <a:r>
+              <a:rPr lang="en-US" dirty="0"/>
+              <a:t> they been playing for hours when it started raining?</a:t>
+            </a:r>
+          </a:p>
+        </p:txBody>
+      </p:sp>
+    </p:spTree>
+    <p:extLst>
+      <p:ext uri="{BB962C8B-B14F-4D97-AF65-F5344CB8AC3E}">
+        <p14:creationId xmlns:p14="http://schemas.microsoft.com/office/powerpoint/2010/main" val="4147136658"/>
+      </p:ext>
+    </p:extLst>
+  </p:cSld>
+  <p:clrMapOvr>
+    <a:masterClrMapping/>
+  </p:clrMapOvr>
+</p:sld>
+</file>
+
+<file path=ppt/slides/slide34.xml><?xml version="1.0" encoding="utf-8"?>
+<p:sld xmlns:a="http://schemas.openxmlformats.org/drawingml/2006/main" xmlns:r="http://schemas.openxmlformats.org/officeDocument/2006/relationships" xmlns:p="http://schemas.openxmlformats.org/presentationml/2006/main">
+  <p:cSld>
+    <p:spTree>
+      <p:nvGrpSpPr>
+        <p:cNvPr id="1" name=""/>
+        <p:cNvGrpSpPr/>
+        <p:nvPr/>
+      </p:nvGrpSpPr>
+      <p:grpSpPr>
+        <a:xfrm>
+          <a:off x="0" y="0"/>
+          <a:ext cx="0" cy="0"/>
+          <a:chOff x="0" y="0"/>
+          <a:chExt cx="0" cy="0"/>
+        </a:xfrm>
+      </p:grpSpPr>
+      <p:sp>
+        <p:nvSpPr>
+          <p:cNvPr id="2" name="Slide Number Placeholder 1">
+            <a:extLst>
+              <a:ext uri="{FF2B5EF4-FFF2-40B4-BE49-F238E27FC236}">
+                <a16:creationId xmlns:a16="http://schemas.microsoft.com/office/drawing/2014/main" id="{82810D7C-9CD7-4DC5-87DC-25556D3B4322}"/>
+              </a:ext>
+            </a:extLst>
+          </p:cNvPr>
+          <p:cNvSpPr>
+            <a:spLocks noGrp="1"/>
+          </p:cNvSpPr>
+          <p:nvPr>
+            <p:ph type="sldNum" sz="quarter" idx="12"/>
+          </p:nvPr>
+        </p:nvSpPr>
+        <p:spPr/>
+        <p:txBody>
+          <a:bodyPr/>
+          <a:lstStyle/>
+          <a:p>
+            <a:fld id="{23F3D7C6-E23E-47A6-9DDE-D0AE3B6B9EDD}" type="slidenum">
+              <a:rPr lang="en-US" smtClean="0"/>
+              <a:t>34</a:t>
+            </a:fld>
+            <a:endParaRPr lang="en-US"/>
+          </a:p>
+        </p:txBody>
+      </p:sp>
+      <p:graphicFrame>
+        <p:nvGraphicFramePr>
+          <p:cNvPr id="3" name="Table 2">
+            <a:extLst>
+              <a:ext uri="{FF2B5EF4-FFF2-40B4-BE49-F238E27FC236}">
+                <a16:creationId xmlns:a16="http://schemas.microsoft.com/office/drawing/2014/main" id="{50F99712-3F23-437D-90F2-1D2636D47D9F}"/>
+              </a:ext>
+            </a:extLst>
+          </p:cNvPr>
+          <p:cNvGraphicFramePr>
+            <a:graphicFrameLocks noGrp="1"/>
+          </p:cNvGraphicFramePr>
+          <p:nvPr>
+            <p:extLst>
+              <p:ext uri="{D42A27DB-BD31-4B8C-83A1-F6EECF244321}">
+                <p14:modId xmlns:p14="http://schemas.microsoft.com/office/powerpoint/2010/main" val="1752181101"/>
+              </p:ext>
+            </p:extLst>
+          </p:nvPr>
+        </p:nvGraphicFramePr>
+        <p:xfrm>
+          <a:off x="542140" y="2103120"/>
+          <a:ext cx="10515600" cy="2926080"/>
+        </p:xfrm>
+        <a:graphic>
+          <a:graphicData uri="http://schemas.openxmlformats.org/drawingml/2006/table">
+            <a:tbl>
+              <a:tblPr>
+                <a:tableStyleId>{93296810-A885-4BE3-A3E7-6D5BEEA58F35}</a:tableStyleId>
+              </a:tblPr>
+              <a:tblGrid>
+                <a:gridCol w="2628900">
+                  <a:extLst>
+                    <a:ext uri="{9D8B030D-6E8A-4147-A177-3AD203B41FA5}">
+                      <a16:colId xmlns:a16="http://schemas.microsoft.com/office/drawing/2014/main" val="2982856488"/>
+                    </a:ext>
+                  </a:extLst>
+                </a:gridCol>
+                <a:gridCol w="2628900">
+                  <a:extLst>
+                    <a:ext uri="{9D8B030D-6E8A-4147-A177-3AD203B41FA5}">
+                      <a16:colId xmlns:a16="http://schemas.microsoft.com/office/drawing/2014/main" val="860896282"/>
+                    </a:ext>
+                  </a:extLst>
+                </a:gridCol>
+                <a:gridCol w="2628900">
+                  <a:extLst>
+                    <a:ext uri="{9D8B030D-6E8A-4147-A177-3AD203B41FA5}">
+                      <a16:colId xmlns:a16="http://schemas.microsoft.com/office/drawing/2014/main" val="1896515629"/>
+                    </a:ext>
+                  </a:extLst>
+                </a:gridCol>
+                <a:gridCol w="2628900">
+                  <a:extLst>
+                    <a:ext uri="{9D8B030D-6E8A-4147-A177-3AD203B41FA5}">
+                      <a16:colId xmlns:a16="http://schemas.microsoft.com/office/drawing/2014/main" val="927632786"/>
+                    </a:ext>
+                  </a:extLst>
+                </a:gridCol>
+              </a:tblGrid>
+              <a:tr h="0">
+                <a:tc>
+                  <a:txBody>
+                    <a:bodyPr/>
+                    <a:lstStyle/>
+                    <a:p>
+                      <a:pPr algn="ctr"/>
+                      <a:r>
+                        <a:rPr lang="fa-IR" b="1">
+                          <a:latin typeface="IRANSans(FaNum)" panose="020B0506030804020204" pitchFamily="34" charset="-78"/>
+                          <a:cs typeface="IRANSans(FaNum)" panose="020B0506030804020204" pitchFamily="34" charset="-78"/>
+                        </a:rPr>
+                        <a:t>زمان</a:t>
+                      </a:r>
+                      <a:endParaRPr lang="fa-IR">
+                        <a:latin typeface="IRANSans(FaNum)" panose="020B0506030804020204" pitchFamily="34" charset="-78"/>
+                        <a:cs typeface="IRANSans(FaNum)" panose="020B0506030804020204" pitchFamily="34" charset="-78"/>
+                      </a:endParaRPr>
+                    </a:p>
+                  </a:txBody>
+                  <a:tcPr anchor="ctr"/>
+                </a:tc>
+                <a:tc>
+                  <a:txBody>
+                    <a:bodyPr/>
+                    <a:lstStyle/>
+                    <a:p>
+                      <a:pPr algn="ctr"/>
+                      <a:r>
+                        <a:rPr lang="fa-IR" b="1">
+                          <a:latin typeface="IRANSans(FaNum)" panose="020B0506030804020204" pitchFamily="34" charset="-78"/>
+                          <a:cs typeface="IRANSans(FaNum)" panose="020B0506030804020204" pitchFamily="34" charset="-78"/>
+                        </a:rPr>
+                        <a:t>مثبت</a:t>
+                      </a:r>
+                      <a:endParaRPr lang="fa-IR">
+                        <a:latin typeface="IRANSans(FaNum)" panose="020B0506030804020204" pitchFamily="34" charset="-78"/>
+                        <a:cs typeface="IRANSans(FaNum)" panose="020B0506030804020204" pitchFamily="34" charset="-78"/>
+                      </a:endParaRPr>
+                    </a:p>
+                  </a:txBody>
+                  <a:tcPr anchor="ctr"/>
+                </a:tc>
+                <a:tc>
+                  <a:txBody>
+                    <a:bodyPr/>
+                    <a:lstStyle/>
+                    <a:p>
+                      <a:pPr algn="ctr"/>
+                      <a:r>
+                        <a:rPr lang="fa-IR" b="1">
+                          <a:latin typeface="IRANSans(FaNum)" panose="020B0506030804020204" pitchFamily="34" charset="-78"/>
+                          <a:cs typeface="IRANSans(FaNum)" panose="020B0506030804020204" pitchFamily="34" charset="-78"/>
+                        </a:rPr>
+                        <a:t>منفی</a:t>
+                      </a:r>
+                      <a:endParaRPr lang="fa-IR">
+                        <a:latin typeface="IRANSans(FaNum)" panose="020B0506030804020204" pitchFamily="34" charset="-78"/>
+                        <a:cs typeface="IRANSans(FaNum)" panose="020B0506030804020204" pitchFamily="34" charset="-78"/>
+                      </a:endParaRPr>
+                    </a:p>
+                  </a:txBody>
+                  <a:tcPr anchor="ctr"/>
+                </a:tc>
+                <a:tc>
+                  <a:txBody>
+                    <a:bodyPr/>
+                    <a:lstStyle/>
+                    <a:p>
+                      <a:pPr algn="ctr"/>
+                      <a:r>
+                        <a:rPr lang="fa-IR" b="1">
+                          <a:latin typeface="IRANSans(FaNum)" panose="020B0506030804020204" pitchFamily="34" charset="-78"/>
+                          <a:cs typeface="IRANSans(FaNum)" panose="020B0506030804020204" pitchFamily="34" charset="-78"/>
+                        </a:rPr>
+                        <a:t>سوالی</a:t>
+                      </a:r>
+                      <a:endParaRPr lang="fa-IR">
+                        <a:latin typeface="IRANSans(FaNum)" panose="020B0506030804020204" pitchFamily="34" charset="-78"/>
+                        <a:cs typeface="IRANSans(FaNum)" panose="020B0506030804020204" pitchFamily="34" charset="-78"/>
+                      </a:endParaRPr>
+                    </a:p>
+                  </a:txBody>
+                  <a:tcPr anchor="ctr"/>
+                </a:tc>
+                <a:extLst>
+                  <a:ext uri="{0D108BD9-81ED-4DB2-BD59-A6C34878D82A}">
+                    <a16:rowId xmlns:a16="http://schemas.microsoft.com/office/drawing/2014/main" val="2872579581"/>
+                  </a:ext>
+                </a:extLst>
+              </a:tr>
+              <a:tr h="0">
+                <a:tc>
+                  <a:txBody>
+                    <a:bodyPr/>
+                    <a:lstStyle/>
+                    <a:p>
+                      <a:pPr algn="ctr"/>
+                      <a:r>
+                        <a:rPr lang="en-US" b="1">
+                          <a:latin typeface="IRANSans(FaNum)" panose="020B0506030804020204" pitchFamily="34" charset="-78"/>
+                          <a:cs typeface="IRANSans(FaNum)" panose="020B0506030804020204" pitchFamily="34" charset="-78"/>
+                        </a:rPr>
+                        <a:t>Past Simple</a:t>
+                      </a:r>
+                      <a:endParaRPr lang="en-US">
+                        <a:latin typeface="IRANSans(FaNum)" panose="020B0506030804020204" pitchFamily="34" charset="-78"/>
+                        <a:cs typeface="IRANSans(FaNum)" panose="020B0506030804020204" pitchFamily="34" charset="-78"/>
+                      </a:endParaRPr>
+                    </a:p>
+                  </a:txBody>
+                  <a:tcPr anchor="ctr"/>
+                </a:tc>
+                <a:tc>
+                  <a:txBody>
+                    <a:bodyPr/>
+                    <a:lstStyle/>
+                    <a:p>
+                      <a:pPr algn="ctr"/>
+                      <a:r>
+                        <a:rPr lang="en-US">
+                          <a:latin typeface="IRANSans(FaNum)" panose="020B0506030804020204" pitchFamily="34" charset="-78"/>
+                          <a:cs typeface="IRANSans(FaNum)" panose="020B0506030804020204" pitchFamily="34" charset="-78"/>
+                        </a:rPr>
+                        <a:t>She went to the store.</a:t>
+                      </a:r>
+                    </a:p>
+                  </a:txBody>
+                  <a:tcPr anchor="ctr"/>
+                </a:tc>
+                <a:tc>
+                  <a:txBody>
+                    <a:bodyPr/>
+                    <a:lstStyle/>
+                    <a:p>
+                      <a:pPr algn="ctr"/>
+                      <a:r>
+                        <a:rPr lang="en-US">
+                          <a:latin typeface="IRANSans(FaNum)" panose="020B0506030804020204" pitchFamily="34" charset="-78"/>
+                          <a:cs typeface="IRANSans(FaNum)" panose="020B0506030804020204" pitchFamily="34" charset="-78"/>
+                        </a:rPr>
+                        <a:t>She didn’t go to the store.</a:t>
+                      </a:r>
+                    </a:p>
+                  </a:txBody>
+                  <a:tcPr anchor="ctr"/>
+                </a:tc>
+                <a:tc>
+                  <a:txBody>
+                    <a:bodyPr/>
+                    <a:lstStyle/>
+                    <a:p>
+                      <a:pPr algn="ctr"/>
+                      <a:r>
+                        <a:rPr lang="en-US">
+                          <a:latin typeface="IRANSans(FaNum)" panose="020B0506030804020204" pitchFamily="34" charset="-78"/>
+                          <a:cs typeface="IRANSans(FaNum)" panose="020B0506030804020204" pitchFamily="34" charset="-78"/>
+                        </a:rPr>
+                        <a:t>Did she go to the store?</a:t>
+                      </a:r>
+                    </a:p>
+                  </a:txBody>
+                  <a:tcPr anchor="ctr"/>
+                </a:tc>
+                <a:extLst>
+                  <a:ext uri="{0D108BD9-81ED-4DB2-BD59-A6C34878D82A}">
+                    <a16:rowId xmlns:a16="http://schemas.microsoft.com/office/drawing/2014/main" val="3274043886"/>
+                  </a:ext>
+                </a:extLst>
+              </a:tr>
+              <a:tr h="0">
+                <a:tc>
+                  <a:txBody>
+                    <a:bodyPr/>
+                    <a:lstStyle/>
+                    <a:p>
+                      <a:pPr algn="ctr"/>
+                      <a:r>
+                        <a:rPr lang="en-US" b="1">
+                          <a:latin typeface="IRANSans(FaNum)" panose="020B0506030804020204" pitchFamily="34" charset="-78"/>
+                          <a:cs typeface="IRANSans(FaNum)" panose="020B0506030804020204" pitchFamily="34" charset="-78"/>
+                        </a:rPr>
+                        <a:t>Past Continuous</a:t>
+                      </a:r>
+                      <a:endParaRPr lang="en-US">
+                        <a:latin typeface="IRANSans(FaNum)" panose="020B0506030804020204" pitchFamily="34" charset="-78"/>
+                        <a:cs typeface="IRANSans(FaNum)" panose="020B0506030804020204" pitchFamily="34" charset="-78"/>
+                      </a:endParaRPr>
+                    </a:p>
+                  </a:txBody>
+                  <a:tcPr anchor="ctr"/>
+                </a:tc>
+                <a:tc>
+                  <a:txBody>
+                    <a:bodyPr/>
+                    <a:lstStyle/>
+                    <a:p>
+                      <a:pPr algn="ctr"/>
+                      <a:r>
+                        <a:rPr lang="en-US">
+                          <a:latin typeface="IRANSans(FaNum)" panose="020B0506030804020204" pitchFamily="34" charset="-78"/>
+                          <a:cs typeface="IRANSans(FaNum)" panose="020B0506030804020204" pitchFamily="34" charset="-78"/>
+                        </a:rPr>
+                        <a:t>She was reading a book.</a:t>
+                      </a:r>
+                    </a:p>
+                  </a:txBody>
+                  <a:tcPr anchor="ctr"/>
+                </a:tc>
+                <a:tc>
+                  <a:txBody>
+                    <a:bodyPr/>
+                    <a:lstStyle/>
+                    <a:p>
+                      <a:pPr algn="ctr"/>
+                      <a:r>
+                        <a:rPr lang="en-US" dirty="0">
+                          <a:latin typeface="IRANSans(FaNum)" panose="020B0506030804020204" pitchFamily="34" charset="-78"/>
+                          <a:cs typeface="IRANSans(FaNum)" panose="020B0506030804020204" pitchFamily="34" charset="-78"/>
+                        </a:rPr>
+                        <a:t>She wasn’t reading a book.</a:t>
+                      </a:r>
+                    </a:p>
+                  </a:txBody>
+                  <a:tcPr anchor="ctr"/>
+                </a:tc>
+                <a:tc>
+                  <a:txBody>
+                    <a:bodyPr/>
+                    <a:lstStyle/>
+                    <a:p>
+                      <a:pPr algn="ctr"/>
+                      <a:r>
+                        <a:rPr lang="en-US">
+                          <a:latin typeface="IRANSans(FaNum)" panose="020B0506030804020204" pitchFamily="34" charset="-78"/>
+                          <a:cs typeface="IRANSans(FaNum)" panose="020B0506030804020204" pitchFamily="34" charset="-78"/>
+                        </a:rPr>
+                        <a:t>Was she reading a book?</a:t>
+                      </a:r>
+                    </a:p>
+                  </a:txBody>
+                  <a:tcPr anchor="ctr"/>
+                </a:tc>
+                <a:extLst>
+                  <a:ext uri="{0D108BD9-81ED-4DB2-BD59-A6C34878D82A}">
+                    <a16:rowId xmlns:a16="http://schemas.microsoft.com/office/drawing/2014/main" val="793727766"/>
+                  </a:ext>
+                </a:extLst>
+              </a:tr>
+              <a:tr h="0">
+                <a:tc>
+                  <a:txBody>
+                    <a:bodyPr/>
+                    <a:lstStyle/>
+                    <a:p>
+                      <a:pPr algn="ctr"/>
+                      <a:r>
+                        <a:rPr lang="en-US" b="1">
+                          <a:latin typeface="IRANSans(FaNum)" panose="020B0506030804020204" pitchFamily="34" charset="-78"/>
+                          <a:cs typeface="IRANSans(FaNum)" panose="020B0506030804020204" pitchFamily="34" charset="-78"/>
+                        </a:rPr>
+                        <a:t>Past Perfect</a:t>
+                      </a:r>
+                      <a:endParaRPr lang="en-US">
+                        <a:latin typeface="IRANSans(FaNum)" panose="020B0506030804020204" pitchFamily="34" charset="-78"/>
+                        <a:cs typeface="IRANSans(FaNum)" panose="020B0506030804020204" pitchFamily="34" charset="-78"/>
+                      </a:endParaRPr>
+                    </a:p>
+                  </a:txBody>
+                  <a:tcPr anchor="ctr"/>
+                </a:tc>
+                <a:tc>
+                  <a:txBody>
+                    <a:bodyPr/>
+                    <a:lstStyle/>
+                    <a:p>
+                      <a:pPr algn="ctr"/>
+                      <a:r>
+                        <a:rPr lang="en-US">
+                          <a:latin typeface="IRANSans(FaNum)" panose="020B0506030804020204" pitchFamily="34" charset="-78"/>
+                          <a:cs typeface="IRANSans(FaNum)" panose="020B0506030804020204" pitchFamily="34" charset="-78"/>
+                        </a:rPr>
+                        <a:t>She had finished her work.</a:t>
+                      </a:r>
+                    </a:p>
+                  </a:txBody>
+                  <a:tcPr anchor="ctr"/>
+                </a:tc>
+                <a:tc>
+                  <a:txBody>
+                    <a:bodyPr/>
+                    <a:lstStyle/>
+                    <a:p>
+                      <a:pPr algn="ctr"/>
+                      <a:r>
+                        <a:rPr lang="en-US">
+                          <a:latin typeface="IRANSans(FaNum)" panose="020B0506030804020204" pitchFamily="34" charset="-78"/>
+                          <a:cs typeface="IRANSans(FaNum)" panose="020B0506030804020204" pitchFamily="34" charset="-78"/>
+                        </a:rPr>
+                        <a:t>She hadn’t finished her work.</a:t>
+                      </a:r>
+                    </a:p>
+                  </a:txBody>
+                  <a:tcPr anchor="ctr"/>
+                </a:tc>
+                <a:tc>
+                  <a:txBody>
+                    <a:bodyPr/>
+                    <a:lstStyle/>
+                    <a:p>
+                      <a:pPr algn="ctr"/>
+                      <a:r>
+                        <a:rPr lang="en-US">
+                          <a:latin typeface="IRANSans(FaNum)" panose="020B0506030804020204" pitchFamily="34" charset="-78"/>
+                          <a:cs typeface="IRANSans(FaNum)" panose="020B0506030804020204" pitchFamily="34" charset="-78"/>
+                        </a:rPr>
+                        <a:t>Had she finished her work?</a:t>
+                      </a:r>
+                    </a:p>
+                  </a:txBody>
+                  <a:tcPr anchor="ctr"/>
+                </a:tc>
+                <a:extLst>
+                  <a:ext uri="{0D108BD9-81ED-4DB2-BD59-A6C34878D82A}">
+                    <a16:rowId xmlns:a16="http://schemas.microsoft.com/office/drawing/2014/main" val="1340563789"/>
+                  </a:ext>
+                </a:extLst>
+              </a:tr>
+              <a:tr h="0">
+                <a:tc>
+                  <a:txBody>
+                    <a:bodyPr/>
+                    <a:lstStyle/>
+                    <a:p>
+                      <a:pPr algn="ctr"/>
+                      <a:r>
+                        <a:rPr lang="en-US" b="1">
+                          <a:latin typeface="IRANSans(FaNum)" panose="020B0506030804020204" pitchFamily="34" charset="-78"/>
+                          <a:cs typeface="IRANSans(FaNum)" panose="020B0506030804020204" pitchFamily="34" charset="-78"/>
+                        </a:rPr>
+                        <a:t>Past Perfect Continuous</a:t>
+                      </a:r>
+                      <a:endParaRPr lang="en-US">
+                        <a:latin typeface="IRANSans(FaNum)" panose="020B0506030804020204" pitchFamily="34" charset="-78"/>
+                        <a:cs typeface="IRANSans(FaNum)" panose="020B0506030804020204" pitchFamily="34" charset="-78"/>
+                      </a:endParaRPr>
+                    </a:p>
+                  </a:txBody>
+                  <a:tcPr anchor="ctr"/>
+                </a:tc>
+                <a:tc>
+                  <a:txBody>
+                    <a:bodyPr/>
+                    <a:lstStyle/>
+                    <a:p>
+                      <a:pPr algn="ctr"/>
+                      <a:r>
+                        <a:rPr lang="en-US">
+                          <a:latin typeface="IRANSans(FaNum)" panose="020B0506030804020204" pitchFamily="34" charset="-78"/>
+                          <a:cs typeface="IRANSans(FaNum)" panose="020B0506030804020204" pitchFamily="34" charset="-78"/>
+                        </a:rPr>
+                        <a:t>She had been working for hours.</a:t>
+                      </a:r>
+                    </a:p>
+                  </a:txBody>
+                  <a:tcPr anchor="ctr"/>
+                </a:tc>
+                <a:tc>
+                  <a:txBody>
+                    <a:bodyPr/>
+                    <a:lstStyle/>
+                    <a:p>
+                      <a:pPr algn="ctr"/>
+                      <a:r>
+                        <a:rPr lang="en-US">
+                          <a:latin typeface="IRANSans(FaNum)" panose="020B0506030804020204" pitchFamily="34" charset="-78"/>
+                          <a:cs typeface="IRANSans(FaNum)" panose="020B0506030804020204" pitchFamily="34" charset="-78"/>
+                        </a:rPr>
+                        <a:t>She hadn’t been working for hours.</a:t>
+                      </a:r>
+                    </a:p>
+                  </a:txBody>
+                  <a:tcPr anchor="ctr"/>
+                </a:tc>
+                <a:tc>
+                  <a:txBody>
+                    <a:bodyPr/>
+                    <a:lstStyle/>
+                    <a:p>
+                      <a:pPr algn="ctr"/>
+                      <a:r>
+                        <a:rPr lang="en-US" dirty="0">
+                          <a:latin typeface="IRANSans(FaNum)" panose="020B0506030804020204" pitchFamily="34" charset="-78"/>
+                          <a:cs typeface="IRANSans(FaNum)" panose="020B0506030804020204" pitchFamily="34" charset="-78"/>
+                        </a:rPr>
+                        <a:t>Had she been working for hours?</a:t>
+                      </a:r>
+                    </a:p>
+                  </a:txBody>
+                  <a:tcPr anchor="ctr"/>
+                </a:tc>
+                <a:extLst>
+                  <a:ext uri="{0D108BD9-81ED-4DB2-BD59-A6C34878D82A}">
+                    <a16:rowId xmlns:a16="http://schemas.microsoft.com/office/drawing/2014/main" val="612690511"/>
+                  </a:ext>
+                </a:extLst>
+              </a:tr>
+            </a:tbl>
+          </a:graphicData>
+        </a:graphic>
+      </p:graphicFrame>
+      <p:sp>
+        <p:nvSpPr>
+          <p:cNvPr id="5" name="Rectangle 1">
+            <a:extLst>
+              <a:ext uri="{FF2B5EF4-FFF2-40B4-BE49-F238E27FC236}">
+                <a16:creationId xmlns:a16="http://schemas.microsoft.com/office/drawing/2014/main" id="{F862AFAD-FC17-4117-9C42-C4B173FA56F6}"/>
+              </a:ext>
+            </a:extLst>
+          </p:cNvPr>
+          <p:cNvSpPr>
+            <a:spLocks noChangeArrowheads="1"/>
+          </p:cNvSpPr>
+          <p:nvPr/>
+        </p:nvSpPr>
+        <p:spPr bwMode="auto">
+          <a:xfrm>
+            <a:off x="4084872" y="679499"/>
+            <a:ext cx="4022255" cy="1292662"/>
+          </a:xfrm>
+          <a:prstGeom prst="rect">
+            <a:avLst/>
+          </a:prstGeom>
+          <a:noFill/>
+          <a:ln>
+            <a:noFill/>
+          </a:ln>
+          <a:effectLst/>
+          <a:extLst>
+            <a:ext uri="{909E8E84-426E-40DD-AFC4-6F175D3DCCD1}">
+              <a14:hiddenFill xmlns:a14="http://schemas.microsoft.com/office/drawing/2010/main">
+                <a:solidFill>
+                  <a:schemeClr val="accent1"/>
+                </a:solidFill>
+              </a14:hiddenFill>
+            </a:ext>
+            <a:ext uri="{91240B29-F687-4F45-9708-019B960494DF}">
+              <a14:hiddenLine xmlns:a14="http://schemas.microsoft.com/office/drawing/2010/main" w="9525">
+                <a:solidFill>
+                  <a:schemeClr val="tx1"/>
+                </a:solidFill>
+                <a:miter lim="800000"/>
+                <a:headEnd/>
+                <a:tailEnd/>
+              </a14:hiddenLine>
+            </a:ext>
+            <a:ext uri="{AF507438-7753-43E0-B8FC-AC1667EBCBE1}">
+              <a14:hiddenEffects xmlns:a14="http://schemas.microsoft.com/office/drawing/2010/main">
+                <a:effectLst>
+                  <a:outerShdw dist="35921" dir="2700000" algn="ctr" rotWithShape="0">
+                    <a:schemeClr val="bg2"/>
+                  </a:outerShdw>
+                </a:effectLst>
+              </a14:hiddenEffects>
+            </a:ext>
+          </a:extLst>
+        </p:spPr>
+        <p:txBody>
+          <a:bodyPr vert="horz" wrap="none" lIns="91440" tIns="45720" rIns="91440" bIns="45720" numCol="1" anchor="ctr" anchorCtr="0" compatLnSpc="1">
+            <a:prstTxWarp prst="textNoShape">
+              <a:avLst/>
+            </a:prstTxWarp>
+            <a:spAutoFit/>
+          </a:bodyPr>
+          <a:lstStyle/>
+          <a:p>
+            <a:pPr marL="0" marR="0" lvl="0" indent="0" algn="l" defTabSz="914400" rtl="0" eaLnBrk="0" fontAlgn="base" latinLnBrk="0" hangingPunct="0">
+              <a:lnSpc>
+                <a:spcPct val="100000"/>
+              </a:lnSpc>
+              <a:spcBef>
+                <a:spcPct val="0"/>
+              </a:spcBef>
+              <a:spcAft>
+                <a:spcPct val="0"/>
+              </a:spcAft>
+              <a:buClrTx/>
+              <a:buSzTx/>
+              <a:buFontTx/>
+              <a:buNone/>
+              <a:tabLst/>
+            </a:pPr>
+            <a:r>
+              <a:rPr kumimoji="0" lang="ar-SA" altLang="en-US" sz="2400" b="1" i="0" u="none" strike="noStrike" cap="none" normalizeH="0" baseline="0" dirty="0">
+                <a:ln>
+                  <a:noFill/>
+                </a:ln>
+                <a:solidFill>
+                  <a:schemeClr val="tx1"/>
+                </a:solidFill>
+                <a:effectLst/>
+                <a:latin typeface="IRANSans(FaNum)" panose="020B0506030804020204" pitchFamily="34" charset="-78"/>
+                <a:cs typeface="IRANSans(FaNum)" panose="020B0506030804020204" pitchFamily="34" charset="-78"/>
+              </a:rPr>
+              <a:t>جدول مقایسه زمان‌های گذشته</a:t>
+            </a:r>
+            <a:r>
+              <a:rPr kumimoji="0" lang="en-US" altLang="en-US" sz="2400" b="1" i="0" u="none" strike="noStrike" cap="none" normalizeH="0" baseline="0" dirty="0">
+                <a:ln>
+                  <a:noFill/>
+                </a:ln>
+                <a:solidFill>
+                  <a:schemeClr val="tx1"/>
+                </a:solidFill>
+                <a:effectLst/>
+                <a:latin typeface="IRANSans(FaNum)" panose="020B0506030804020204" pitchFamily="34" charset="-78"/>
+                <a:cs typeface="IRANSans(FaNum)" panose="020B0506030804020204" pitchFamily="34" charset="-78"/>
+              </a:rPr>
+              <a:t>:</a:t>
+            </a:r>
+          </a:p>
+          <a:p>
+            <a:pPr marL="0" marR="0" lvl="0" indent="0" algn="l" defTabSz="914400" rtl="0" eaLnBrk="0" fontAlgn="base" latinLnBrk="0" hangingPunct="0">
+              <a:lnSpc>
+                <a:spcPct val="100000"/>
+              </a:lnSpc>
+              <a:spcBef>
+                <a:spcPct val="0"/>
+              </a:spcBef>
+              <a:spcAft>
+                <a:spcPct val="0"/>
+              </a:spcAft>
+              <a:buClrTx/>
+              <a:buSzTx/>
+              <a:buFontTx/>
+              <a:buNone/>
+              <a:tabLst/>
+            </a:pPr>
+            <a:endParaRPr kumimoji="0" lang="en-US" altLang="en-US" sz="5400" b="0" i="0" u="none" strike="noStrike" cap="none" normalizeH="0" baseline="0" dirty="0">
+              <a:ln>
+                <a:noFill/>
+              </a:ln>
+              <a:solidFill>
+                <a:schemeClr val="tx1"/>
+              </a:solidFill>
+              <a:effectLst/>
+              <a:latin typeface="IRANSans(FaNum)" panose="020B0506030804020204" pitchFamily="34" charset="-78"/>
+              <a:cs typeface="IRANSans(FaNum)" panose="020B0506030804020204" pitchFamily="34" charset="-78"/>
+            </a:endParaRPr>
+          </a:p>
+        </p:txBody>
+      </p:sp>
+    </p:spTree>
+    <p:extLst>
+      <p:ext uri="{BB962C8B-B14F-4D97-AF65-F5344CB8AC3E}">
+        <p14:creationId xmlns:p14="http://schemas.microsoft.com/office/powerpoint/2010/main" val="2697862713"/>
+      </p:ext>
+    </p:extLst>
+  </p:cSld>
+  <p:clrMapOvr>
+    <a:masterClrMapping/>
+  </p:clrMapOvr>
+</p:sld>
+</file>
+
+<file path=ppt/slides/slide35.xml><?xml version="1.0" encoding="utf-8"?>
+<p:sld xmlns:a="http://schemas.openxmlformats.org/drawingml/2006/main" xmlns:r="http://schemas.openxmlformats.org/officeDocument/2006/relationships" xmlns:p="http://schemas.openxmlformats.org/presentationml/2006/main">
+  <p:cSld>
+    <p:spTree>
+      <p:nvGrpSpPr>
+        <p:cNvPr id="1" name=""/>
+        <p:cNvGrpSpPr/>
+        <p:nvPr/>
+      </p:nvGrpSpPr>
+      <p:grpSpPr>
+        <a:xfrm>
+          <a:off x="0" y="0"/>
+          <a:ext cx="0" cy="0"/>
+          <a:chOff x="0" y="0"/>
+          <a:chExt cx="0" cy="0"/>
+        </a:xfrm>
+      </p:grpSpPr>
+      <p:sp>
+        <p:nvSpPr>
+          <p:cNvPr id="2" name="Slide Number Placeholder 1">
+            <a:extLst>
+              <a:ext uri="{FF2B5EF4-FFF2-40B4-BE49-F238E27FC236}">
+                <a16:creationId xmlns:a16="http://schemas.microsoft.com/office/drawing/2014/main" id="{5D791F96-D4E2-42C0-8EEB-FD8F97654631}"/>
+              </a:ext>
+            </a:extLst>
+          </p:cNvPr>
+          <p:cNvSpPr>
+            <a:spLocks noGrp="1"/>
+          </p:cNvSpPr>
+          <p:nvPr>
+            <p:ph type="sldNum" sz="quarter" idx="12"/>
+          </p:nvPr>
+        </p:nvSpPr>
+        <p:spPr/>
+        <p:txBody>
+          <a:bodyPr/>
+          <a:lstStyle/>
+          <a:p>
+            <a:fld id="{23F3D7C6-E23E-47A6-9DDE-D0AE3B6B9EDD}" type="slidenum">
+              <a:rPr lang="en-US" smtClean="0"/>
+              <a:t>35</a:t>
+            </a:fld>
+            <a:endParaRPr lang="en-US"/>
+          </a:p>
+        </p:txBody>
+      </p:sp>
+      <p:sp>
+        <p:nvSpPr>
+          <p:cNvPr id="4" name="TextBox 3">
+            <a:extLst>
+              <a:ext uri="{FF2B5EF4-FFF2-40B4-BE49-F238E27FC236}">
+                <a16:creationId xmlns:a16="http://schemas.microsoft.com/office/drawing/2014/main" id="{8F4EC1E3-C3FB-4233-9C9E-93F382392FED}"/>
+              </a:ext>
+            </a:extLst>
+          </p:cNvPr>
+          <p:cNvSpPr txBox="1"/>
+          <p:nvPr/>
+        </p:nvSpPr>
+        <p:spPr>
+          <a:xfrm>
+            <a:off x="528320" y="136525"/>
+            <a:ext cx="11369040" cy="5874685"/>
+          </a:xfrm>
+          <a:prstGeom prst="rect">
+            <a:avLst/>
+          </a:prstGeom>
+          <a:noFill/>
+        </p:spPr>
+        <p:txBody>
+          <a:bodyPr wrap="square">
+            <a:spAutoFit/>
+          </a:bodyPr>
+          <a:lstStyle/>
+          <a:p>
+            <a:pPr algn="r" rtl="1">
+              <a:lnSpc>
+                <a:spcPct val="150000"/>
+              </a:lnSpc>
+            </a:pPr>
+            <a:r>
+              <a:rPr lang="en-US" b="1" dirty="0">
+                <a:latin typeface="IRANSans(FaNum)" panose="020B0506030804020204" pitchFamily="34" charset="-78"/>
+                <a:cs typeface="IRANSans(FaNum)" panose="020B0506030804020204" pitchFamily="34" charset="-78"/>
+              </a:rPr>
+              <a:t>Past Simple</a:t>
+            </a:r>
+          </a:p>
+          <a:p>
+            <a:pPr lvl="1" algn="r" rtl="1">
+              <a:lnSpc>
+                <a:spcPct val="150000"/>
+              </a:lnSpc>
+              <a:buFont typeface="+mj-lt"/>
+              <a:buAutoNum type="arabicPeriod"/>
+            </a:pPr>
+            <a:r>
+              <a:rPr lang="fa-IR" b="1" dirty="0">
+                <a:latin typeface="IRANSans(FaNum)" panose="020B0506030804020204" pitchFamily="34" charset="-78"/>
+                <a:cs typeface="IRANSans(FaNum)" panose="020B0506030804020204" pitchFamily="34" charset="-78"/>
+              </a:rPr>
+              <a:t>افعال بی‌قاعده </a:t>
+            </a:r>
+            <a:r>
+              <a:rPr lang="en-US" b="1" dirty="0">
+                <a:latin typeface="IRANSans(FaNum)" panose="020B0506030804020204" pitchFamily="34" charset="-78"/>
+                <a:cs typeface="IRANSans(FaNum)" panose="020B0506030804020204" pitchFamily="34" charset="-78"/>
+              </a:rPr>
+              <a:t>Irregular Verbs</a:t>
+            </a:r>
+            <a:endParaRPr lang="en-US" dirty="0">
+              <a:latin typeface="IRANSans(FaNum)" panose="020B0506030804020204" pitchFamily="34" charset="-78"/>
+              <a:cs typeface="IRANSans(FaNum)" panose="020B0506030804020204" pitchFamily="34" charset="-78"/>
+            </a:endParaRPr>
+          </a:p>
+          <a:p>
+            <a:pPr marL="1200150" lvl="2" indent="-285750" algn="r" rtl="1">
+              <a:lnSpc>
+                <a:spcPct val="150000"/>
+              </a:lnSpc>
+              <a:buFont typeface="+mj-lt"/>
+              <a:buAutoNum type="arabicPeriod"/>
+            </a:pPr>
+            <a:r>
+              <a:rPr lang="fa-IR" dirty="0">
+                <a:latin typeface="IRANSans(FaNum)" panose="020B0506030804020204" pitchFamily="34" charset="-78"/>
+                <a:cs typeface="IRANSans(FaNum)" panose="020B0506030804020204" pitchFamily="34" charset="-78"/>
+              </a:rPr>
+              <a:t>بسیاری از افعال در گذشته ساده به شکل بی‌قاعده صرف می‌شوند.</a:t>
+            </a:r>
+          </a:p>
+          <a:p>
+            <a:pPr marL="1600200" lvl="3" indent="-228600" algn="r" rtl="1">
+              <a:lnSpc>
+                <a:spcPct val="150000"/>
+              </a:lnSpc>
+              <a:buFont typeface="+mj-lt"/>
+              <a:buAutoNum type="arabicPeriod"/>
+            </a:pPr>
+            <a:r>
+              <a:rPr lang="en-US" i="1" dirty="0">
+                <a:latin typeface="IRANSans(FaNum)" panose="020B0506030804020204" pitchFamily="34" charset="-78"/>
+                <a:cs typeface="IRANSans(FaNum)" panose="020B0506030804020204" pitchFamily="34" charset="-78"/>
+              </a:rPr>
+              <a:t>go → went</a:t>
+            </a:r>
+            <a:r>
+              <a:rPr lang="en-US" dirty="0">
+                <a:latin typeface="IRANSans(FaNum)" panose="020B0506030804020204" pitchFamily="34" charset="-78"/>
+                <a:cs typeface="IRANSans(FaNum)" panose="020B0506030804020204" pitchFamily="34" charset="-78"/>
+              </a:rPr>
+              <a:t>, </a:t>
+            </a:r>
+            <a:r>
+              <a:rPr lang="en-US" i="1" dirty="0">
+                <a:latin typeface="IRANSans(FaNum)" panose="020B0506030804020204" pitchFamily="34" charset="-78"/>
+                <a:cs typeface="IRANSans(FaNum)" panose="020B0506030804020204" pitchFamily="34" charset="-78"/>
+              </a:rPr>
+              <a:t>eat → ate</a:t>
+            </a:r>
+            <a:r>
+              <a:rPr lang="en-US" dirty="0">
+                <a:latin typeface="IRANSans(FaNum)" panose="020B0506030804020204" pitchFamily="34" charset="-78"/>
+                <a:cs typeface="IRANSans(FaNum)" panose="020B0506030804020204" pitchFamily="34" charset="-78"/>
+              </a:rPr>
+              <a:t>, </a:t>
+            </a:r>
+            <a:r>
+              <a:rPr lang="en-US" i="1" dirty="0">
+                <a:latin typeface="IRANSans(FaNum)" panose="020B0506030804020204" pitchFamily="34" charset="-78"/>
+                <a:cs typeface="IRANSans(FaNum)" panose="020B0506030804020204" pitchFamily="34" charset="-78"/>
+              </a:rPr>
+              <a:t>see → saw</a:t>
+            </a:r>
+            <a:r>
+              <a:rPr lang="en-US" dirty="0">
+                <a:latin typeface="IRANSans(FaNum)" panose="020B0506030804020204" pitchFamily="34" charset="-78"/>
+                <a:cs typeface="IRANSans(FaNum)" panose="020B0506030804020204" pitchFamily="34" charset="-78"/>
+              </a:rPr>
+              <a:t>.</a:t>
+            </a:r>
+          </a:p>
+          <a:p>
+            <a:pPr marL="1200150" lvl="2" indent="-285750" algn="r" rtl="1">
+              <a:lnSpc>
+                <a:spcPct val="150000"/>
+              </a:lnSpc>
+              <a:buFont typeface="+mj-lt"/>
+              <a:buAutoNum type="arabicPeriod"/>
+            </a:pPr>
+            <a:r>
+              <a:rPr lang="fa-IR" dirty="0">
+                <a:latin typeface="IRANSans(FaNum)" panose="020B0506030804020204" pitchFamily="34" charset="-78"/>
+                <a:cs typeface="IRANSans(FaNum)" panose="020B0506030804020204" pitchFamily="34" charset="-78"/>
+              </a:rPr>
+              <a:t>این افعال هیچ قاعده خاصی ندارند و باید حفظ شوند.</a:t>
+            </a:r>
+          </a:p>
+          <a:p>
+            <a:pPr lvl="1" algn="r" rtl="1">
+              <a:lnSpc>
+                <a:spcPct val="150000"/>
+              </a:lnSpc>
+              <a:buFont typeface="+mj-lt"/>
+              <a:buAutoNum type="arabicPeriod"/>
+            </a:pPr>
+            <a:r>
+              <a:rPr lang="fa-IR" b="1" dirty="0">
+                <a:latin typeface="IRANSans(FaNum)" panose="020B0506030804020204" pitchFamily="34" charset="-78"/>
+                <a:cs typeface="IRANSans(FaNum)" panose="020B0506030804020204" pitchFamily="34" charset="-78"/>
+              </a:rPr>
+              <a:t>افعال ایستا </a:t>
+            </a:r>
+            <a:r>
+              <a:rPr lang="en-US" b="1" dirty="0">
+                <a:latin typeface="IRANSans(FaNum)" panose="020B0506030804020204" pitchFamily="34" charset="-78"/>
+                <a:cs typeface="IRANSans(FaNum)" panose="020B0506030804020204" pitchFamily="34" charset="-78"/>
+              </a:rPr>
+              <a:t>Stative Verbs</a:t>
+            </a:r>
+            <a:endParaRPr lang="en-US" dirty="0">
+              <a:latin typeface="IRANSans(FaNum)" panose="020B0506030804020204" pitchFamily="34" charset="-78"/>
+              <a:cs typeface="IRANSans(FaNum)" panose="020B0506030804020204" pitchFamily="34" charset="-78"/>
+            </a:endParaRPr>
+          </a:p>
+          <a:p>
+            <a:pPr marL="1200150" lvl="2" indent="-285750" algn="r" rtl="1">
+              <a:lnSpc>
+                <a:spcPct val="150000"/>
+              </a:lnSpc>
+              <a:buFont typeface="+mj-lt"/>
+              <a:buAutoNum type="arabicPeriod"/>
+            </a:pPr>
+            <a:r>
+              <a:rPr lang="fa-IR" dirty="0">
+                <a:latin typeface="IRANSans(FaNum)" panose="020B0506030804020204" pitchFamily="34" charset="-78"/>
+                <a:cs typeface="IRANSans(FaNum)" panose="020B0506030804020204" pitchFamily="34" charset="-78"/>
+              </a:rPr>
+              <a:t>افعالی مثل </a:t>
+            </a:r>
+            <a:r>
+              <a:rPr lang="en-US" i="1" dirty="0">
+                <a:latin typeface="IRANSans(FaNum)" panose="020B0506030804020204" pitchFamily="34" charset="-78"/>
+                <a:cs typeface="IRANSans(FaNum)" panose="020B0506030804020204" pitchFamily="34" charset="-78"/>
+              </a:rPr>
+              <a:t>know, love, believe</a:t>
+            </a:r>
+            <a:r>
+              <a:rPr lang="en-US" dirty="0">
+                <a:latin typeface="IRANSans(FaNum)" panose="020B0506030804020204" pitchFamily="34" charset="-78"/>
+                <a:cs typeface="IRANSans(FaNum)" panose="020B0506030804020204" pitchFamily="34" charset="-78"/>
+              </a:rPr>
+              <a:t> </a:t>
+            </a:r>
+            <a:r>
+              <a:rPr lang="fa-IR" dirty="0">
+                <a:latin typeface="IRANSans(FaNum)" panose="020B0506030804020204" pitchFamily="34" charset="-78"/>
+                <a:cs typeface="IRANSans(FaNum)" panose="020B0506030804020204" pitchFamily="34" charset="-78"/>
+              </a:rPr>
+              <a:t>به طور معمول در زمان استمراری استفاده نمی‌شوند:</a:t>
+            </a:r>
+          </a:p>
+          <a:p>
+            <a:pPr marL="1600200" lvl="3" indent="-228600" algn="r" rtl="1">
+              <a:lnSpc>
+                <a:spcPct val="150000"/>
+              </a:lnSpc>
+              <a:buFont typeface="+mj-lt"/>
+              <a:buAutoNum type="arabicPeriod"/>
+            </a:pPr>
+            <a:r>
+              <a:rPr lang="en-US" dirty="0">
+                <a:latin typeface="IRANSans(FaNum)" panose="020B0506030804020204" pitchFamily="34" charset="-78"/>
+                <a:cs typeface="IRANSans(FaNum)" panose="020B0506030804020204" pitchFamily="34" charset="-78"/>
+              </a:rPr>
+              <a:t>Incorrect: </a:t>
+            </a:r>
+            <a:r>
+              <a:rPr lang="en-US" i="1" dirty="0">
+                <a:latin typeface="IRANSans(FaNum)" panose="020B0506030804020204" pitchFamily="34" charset="-78"/>
+                <a:cs typeface="IRANSans(FaNum)" panose="020B0506030804020204" pitchFamily="34" charset="-78"/>
+              </a:rPr>
+              <a:t>I was knowing the answer.</a:t>
+            </a:r>
+            <a:endParaRPr lang="en-US" dirty="0">
+              <a:latin typeface="IRANSans(FaNum)" panose="020B0506030804020204" pitchFamily="34" charset="-78"/>
+              <a:cs typeface="IRANSans(FaNum)" panose="020B0506030804020204" pitchFamily="34" charset="-78"/>
+            </a:endParaRPr>
+          </a:p>
+          <a:p>
+            <a:pPr marL="1600200" lvl="3" indent="-228600" algn="r" rtl="1">
+              <a:lnSpc>
+                <a:spcPct val="150000"/>
+              </a:lnSpc>
+              <a:buFont typeface="+mj-lt"/>
+              <a:buAutoNum type="arabicPeriod"/>
+            </a:pPr>
+            <a:r>
+              <a:rPr lang="en-US" dirty="0">
+                <a:latin typeface="IRANSans(FaNum)" panose="020B0506030804020204" pitchFamily="34" charset="-78"/>
+                <a:cs typeface="IRANSans(FaNum)" panose="020B0506030804020204" pitchFamily="34" charset="-78"/>
+              </a:rPr>
+              <a:t>Correct: </a:t>
+            </a:r>
+            <a:r>
+              <a:rPr lang="en-US" i="1" dirty="0">
+                <a:latin typeface="IRANSans(FaNum)" panose="020B0506030804020204" pitchFamily="34" charset="-78"/>
+                <a:cs typeface="IRANSans(FaNum)" panose="020B0506030804020204" pitchFamily="34" charset="-78"/>
+              </a:rPr>
+              <a:t>I knew the answer.</a:t>
+            </a:r>
+            <a:endParaRPr lang="en-US" dirty="0">
+              <a:latin typeface="IRANSans(FaNum)" panose="020B0506030804020204" pitchFamily="34" charset="-78"/>
+              <a:cs typeface="IRANSans(FaNum)" panose="020B0506030804020204" pitchFamily="34" charset="-78"/>
+            </a:endParaRPr>
+          </a:p>
+          <a:p>
+            <a:pPr lvl="1" algn="r" rtl="1">
+              <a:lnSpc>
+                <a:spcPct val="150000"/>
+              </a:lnSpc>
+              <a:buFont typeface="+mj-lt"/>
+              <a:buAutoNum type="arabicPeriod"/>
+            </a:pPr>
+            <a:r>
+              <a:rPr lang="fa-IR" b="1" dirty="0">
+                <a:latin typeface="IRANSans(FaNum)" panose="020B0506030804020204" pitchFamily="34" charset="-78"/>
+                <a:cs typeface="IRANSans(FaNum)" panose="020B0506030804020204" pitchFamily="34" charset="-78"/>
+              </a:rPr>
+              <a:t>تضاد با </a:t>
+            </a:r>
+            <a:r>
+              <a:rPr lang="en-US" b="1" dirty="0">
+                <a:latin typeface="IRANSans(FaNum)" panose="020B0506030804020204" pitchFamily="34" charset="-78"/>
+                <a:cs typeface="IRANSans(FaNum)" panose="020B0506030804020204" pitchFamily="34" charset="-78"/>
+              </a:rPr>
+              <a:t>Past Perfect</a:t>
+            </a:r>
+            <a:endParaRPr lang="en-US" dirty="0">
+              <a:latin typeface="IRANSans(FaNum)" panose="020B0506030804020204" pitchFamily="34" charset="-78"/>
+              <a:cs typeface="IRANSans(FaNum)" panose="020B0506030804020204" pitchFamily="34" charset="-78"/>
+            </a:endParaRPr>
+          </a:p>
+          <a:p>
+            <a:pPr marL="1200150" lvl="2" indent="-285750" algn="r" rtl="1">
+              <a:lnSpc>
+                <a:spcPct val="150000"/>
+              </a:lnSpc>
+              <a:buFont typeface="+mj-lt"/>
+              <a:buAutoNum type="arabicPeriod"/>
+            </a:pPr>
+            <a:r>
+              <a:rPr lang="fa-IR" dirty="0">
+                <a:latin typeface="IRANSans(FaNum)" panose="020B0506030804020204" pitchFamily="34" charset="-78"/>
+                <a:cs typeface="IRANSans(FaNum)" panose="020B0506030804020204" pitchFamily="34" charset="-78"/>
+              </a:rPr>
+              <a:t>اگر دو عمل به ترتیب رخ داده باشند، اغلب می‌توان از </a:t>
+            </a:r>
+            <a:r>
+              <a:rPr lang="en-US" dirty="0">
+                <a:latin typeface="IRANSans(FaNum)" panose="020B0506030804020204" pitchFamily="34" charset="-78"/>
+                <a:cs typeface="IRANSans(FaNum)" panose="020B0506030804020204" pitchFamily="34" charset="-78"/>
+              </a:rPr>
+              <a:t>Past Simple </a:t>
+            </a:r>
+            <a:r>
+              <a:rPr lang="fa-IR" dirty="0">
+                <a:latin typeface="IRANSans(FaNum)" panose="020B0506030804020204" pitchFamily="34" charset="-78"/>
+                <a:cs typeface="IRANSans(FaNum)" panose="020B0506030804020204" pitchFamily="34" charset="-78"/>
+              </a:rPr>
+              <a:t>استفاده کرد، حتی زمانی که </a:t>
+            </a:r>
+            <a:r>
+              <a:rPr lang="en-US" dirty="0">
+                <a:latin typeface="IRANSans(FaNum)" panose="020B0506030804020204" pitchFamily="34" charset="-78"/>
+                <a:cs typeface="IRANSans(FaNum)" panose="020B0506030804020204" pitchFamily="34" charset="-78"/>
+              </a:rPr>
+              <a:t>Past Perfect </a:t>
+            </a:r>
+            <a:r>
+              <a:rPr lang="fa-IR" dirty="0">
+                <a:latin typeface="IRANSans(FaNum)" panose="020B0506030804020204" pitchFamily="34" charset="-78"/>
+                <a:cs typeface="IRANSans(FaNum)" panose="020B0506030804020204" pitchFamily="34" charset="-78"/>
+              </a:rPr>
+              <a:t>ممکن است مناسب باشد:</a:t>
+            </a:r>
+          </a:p>
+          <a:p>
+            <a:pPr marL="1600200" lvl="3" indent="-228600" algn="r" rtl="1">
+              <a:lnSpc>
+                <a:spcPct val="150000"/>
+              </a:lnSpc>
+              <a:buFont typeface="+mj-lt"/>
+              <a:buAutoNum type="arabicPeriod"/>
+            </a:pPr>
+            <a:r>
+              <a:rPr lang="en-US" i="1" dirty="0">
+                <a:latin typeface="IRANSans(FaNum)" panose="020B0506030804020204" pitchFamily="34" charset="-78"/>
+                <a:cs typeface="IRANSans(FaNum)" panose="020B0506030804020204" pitchFamily="34" charset="-78"/>
+              </a:rPr>
+              <a:t>After she finished the exam, she left the room.</a:t>
+            </a:r>
+            <a:endParaRPr lang="en-US" dirty="0">
+              <a:latin typeface="IRANSans(FaNum)" panose="020B0506030804020204" pitchFamily="34" charset="-78"/>
+              <a:cs typeface="IRANSans(FaNum)" panose="020B0506030804020204" pitchFamily="34" charset="-78"/>
+            </a:endParaRPr>
+          </a:p>
+          <a:p>
+            <a:pPr marL="1600200" lvl="3" indent="-228600" algn="r" rtl="1">
+              <a:lnSpc>
+                <a:spcPct val="150000"/>
+              </a:lnSpc>
+              <a:buFont typeface="+mj-lt"/>
+              <a:buAutoNum type="arabicPeriod"/>
+            </a:pPr>
+            <a:r>
+              <a:rPr lang="en-US" i="1" dirty="0">
+                <a:latin typeface="IRANSans(FaNum)" panose="020B0506030804020204" pitchFamily="34" charset="-78"/>
+                <a:cs typeface="IRANSans(FaNum)" panose="020B0506030804020204" pitchFamily="34" charset="-78"/>
+              </a:rPr>
+              <a:t>After she had finished the exam, she left the room.</a:t>
+            </a:r>
+            <a:endParaRPr lang="en-US" dirty="0">
+              <a:latin typeface="IRANSans(FaNum)" panose="020B0506030804020204" pitchFamily="34" charset="-78"/>
+              <a:cs typeface="IRANSans(FaNum)" panose="020B0506030804020204" pitchFamily="34" charset="-78"/>
+            </a:endParaRPr>
+          </a:p>
+        </p:txBody>
+      </p:sp>
+    </p:spTree>
+    <p:extLst>
+      <p:ext uri="{BB962C8B-B14F-4D97-AF65-F5344CB8AC3E}">
+        <p14:creationId xmlns:p14="http://schemas.microsoft.com/office/powerpoint/2010/main" val="3092001588"/>
+      </p:ext>
+    </p:extLst>
+  </p:cSld>
+  <p:clrMapOvr>
+    <a:masterClrMapping/>
+  </p:clrMapOvr>
+</p:sld>
+</file>
+
+<file path=ppt/slides/slide36.xml><?xml version="1.0" encoding="utf-8"?>
+<p:sld xmlns:a="http://schemas.openxmlformats.org/drawingml/2006/main" xmlns:r="http://schemas.openxmlformats.org/officeDocument/2006/relationships" xmlns:p="http://schemas.openxmlformats.org/presentationml/2006/main">
+  <p:cSld>
+    <p:spTree>
+      <p:nvGrpSpPr>
+        <p:cNvPr id="1" name=""/>
+        <p:cNvGrpSpPr/>
+        <p:nvPr/>
+      </p:nvGrpSpPr>
+      <p:grpSpPr>
+        <a:xfrm>
+          <a:off x="0" y="0"/>
+          <a:ext cx="0" cy="0"/>
+          <a:chOff x="0" y="0"/>
+          <a:chExt cx="0" cy="0"/>
+        </a:xfrm>
+      </p:grpSpPr>
+      <p:sp>
+        <p:nvSpPr>
+          <p:cNvPr id="2" name="Slide Number Placeholder 1">
+            <a:extLst>
+              <a:ext uri="{FF2B5EF4-FFF2-40B4-BE49-F238E27FC236}">
+                <a16:creationId xmlns:a16="http://schemas.microsoft.com/office/drawing/2014/main" id="{0A00A2CA-9515-444E-9D08-B2D038C7FF57}"/>
+              </a:ext>
+            </a:extLst>
+          </p:cNvPr>
+          <p:cNvSpPr>
+            <a:spLocks noGrp="1"/>
+          </p:cNvSpPr>
+          <p:nvPr>
+            <p:ph type="sldNum" sz="quarter" idx="12"/>
+          </p:nvPr>
+        </p:nvSpPr>
+        <p:spPr/>
+        <p:txBody>
+          <a:bodyPr/>
+          <a:lstStyle/>
+          <a:p>
+            <a:fld id="{23F3D7C6-E23E-47A6-9DDE-D0AE3B6B9EDD}" type="slidenum">
+              <a:rPr lang="en-US" smtClean="0"/>
+              <a:t>36</a:t>
+            </a:fld>
+            <a:endParaRPr lang="en-US"/>
+          </a:p>
+        </p:txBody>
+      </p:sp>
+      <p:sp>
+        <p:nvSpPr>
+          <p:cNvPr id="4" name="TextBox 3">
+            <a:extLst>
+              <a:ext uri="{FF2B5EF4-FFF2-40B4-BE49-F238E27FC236}">
+                <a16:creationId xmlns:a16="http://schemas.microsoft.com/office/drawing/2014/main" id="{50F791BD-FAEF-445F-9038-B16F9C0E6C72}"/>
+              </a:ext>
+            </a:extLst>
+          </p:cNvPr>
+          <p:cNvSpPr txBox="1"/>
+          <p:nvPr/>
+        </p:nvSpPr>
+        <p:spPr>
+          <a:xfrm>
+            <a:off x="629920" y="593852"/>
+            <a:ext cx="10723880" cy="5043688"/>
+          </a:xfrm>
+          <a:prstGeom prst="rect">
+            <a:avLst/>
+          </a:prstGeom>
+          <a:noFill/>
+        </p:spPr>
+        <p:txBody>
+          <a:bodyPr wrap="square">
+            <a:spAutoFit/>
+          </a:bodyPr>
+          <a:lstStyle/>
+          <a:p>
+            <a:pPr algn="r" rtl="1">
+              <a:lnSpc>
+                <a:spcPct val="150000"/>
+              </a:lnSpc>
+            </a:pPr>
+            <a:r>
+              <a:rPr lang="en-US" b="1" dirty="0">
+                <a:latin typeface="IRANSans(FaNum)" panose="020B0506030804020204" pitchFamily="34" charset="-78"/>
+                <a:cs typeface="IRANSans(FaNum)" panose="020B0506030804020204" pitchFamily="34" charset="-78"/>
+              </a:rPr>
+              <a:t>Past continues</a:t>
+            </a:r>
+            <a:endParaRPr lang="fa-IR" b="1" dirty="0">
+              <a:latin typeface="IRANSans(FaNum)" panose="020B0506030804020204" pitchFamily="34" charset="-78"/>
+              <a:cs typeface="IRANSans(FaNum)" panose="020B0506030804020204" pitchFamily="34" charset="-78"/>
+            </a:endParaRPr>
+          </a:p>
+          <a:p>
+            <a:pPr lvl="1" algn="r" rtl="1">
+              <a:lnSpc>
+                <a:spcPct val="150000"/>
+              </a:lnSpc>
+              <a:buFont typeface="+mj-lt"/>
+              <a:buAutoNum type="arabicPeriod"/>
+            </a:pPr>
+            <a:r>
+              <a:rPr lang="fa-IR" b="1" dirty="0">
+                <a:latin typeface="IRANSans(FaNum)" panose="020B0506030804020204" pitchFamily="34" charset="-78"/>
+                <a:cs typeface="IRANSans(FaNum)" panose="020B0506030804020204" pitchFamily="34" charset="-78"/>
+              </a:rPr>
+              <a:t>قطع شدن عمل </a:t>
+            </a:r>
+            <a:r>
+              <a:rPr lang="en-US" b="1" dirty="0">
+                <a:latin typeface="IRANSans(FaNum)" panose="020B0506030804020204" pitchFamily="34" charset="-78"/>
+                <a:cs typeface="IRANSans(FaNum)" panose="020B0506030804020204" pitchFamily="34" charset="-78"/>
+              </a:rPr>
+              <a:t>Interrupted Action</a:t>
+            </a:r>
+            <a:endParaRPr lang="en-US" dirty="0">
+              <a:latin typeface="IRANSans(FaNum)" panose="020B0506030804020204" pitchFamily="34" charset="-78"/>
+              <a:cs typeface="IRANSans(FaNum)" panose="020B0506030804020204" pitchFamily="34" charset="-78"/>
+            </a:endParaRPr>
+          </a:p>
+          <a:p>
+            <a:pPr marL="1200150" lvl="2" indent="-285750" algn="r" rtl="1">
+              <a:lnSpc>
+                <a:spcPct val="150000"/>
+              </a:lnSpc>
+              <a:buFont typeface="+mj-lt"/>
+              <a:buAutoNum type="arabicPeriod"/>
+            </a:pPr>
+            <a:r>
+              <a:rPr lang="fa-IR" dirty="0">
+                <a:latin typeface="IRANSans(FaNum)" panose="020B0506030804020204" pitchFamily="34" charset="-78"/>
+                <a:cs typeface="IRANSans(FaNum)" panose="020B0506030804020204" pitchFamily="34" charset="-78"/>
+              </a:rPr>
+              <a:t>زمانی که یک عمل در گذشته در حال انجام است و توسط عمل دیگری قطع می‌شود:</a:t>
+            </a:r>
+          </a:p>
+          <a:p>
+            <a:pPr marL="1600200" lvl="3" indent="-228600" algn="r" rtl="1">
+              <a:lnSpc>
+                <a:spcPct val="150000"/>
+              </a:lnSpc>
+              <a:buFont typeface="+mj-lt"/>
+              <a:buAutoNum type="arabicPeriod"/>
+            </a:pPr>
+            <a:r>
+              <a:rPr lang="en-US" i="1" dirty="0">
+                <a:latin typeface="IRANSans(FaNum)" panose="020B0506030804020204" pitchFamily="34" charset="-78"/>
+                <a:cs typeface="IRANSans(FaNum)" panose="020B0506030804020204" pitchFamily="34" charset="-78"/>
+              </a:rPr>
+              <a:t>I was reading when the phone rang.</a:t>
+            </a:r>
+            <a:endParaRPr lang="en-US" dirty="0">
+              <a:latin typeface="IRANSans(FaNum)" panose="020B0506030804020204" pitchFamily="34" charset="-78"/>
+              <a:cs typeface="IRANSans(FaNum)" panose="020B0506030804020204" pitchFamily="34" charset="-78"/>
+            </a:endParaRPr>
+          </a:p>
+          <a:p>
+            <a:pPr marL="1600200" lvl="3" indent="-228600" algn="r" rtl="1">
+              <a:lnSpc>
+                <a:spcPct val="150000"/>
+              </a:lnSpc>
+              <a:buFont typeface="+mj-lt"/>
+              <a:buAutoNum type="arabicPeriod"/>
+            </a:pPr>
+            <a:r>
+              <a:rPr lang="fa-IR" dirty="0">
+                <a:latin typeface="IRANSans(FaNum)" panose="020B0506030804020204" pitchFamily="34" charset="-78"/>
+                <a:cs typeface="IRANSans(FaNum)" panose="020B0506030804020204" pitchFamily="34" charset="-78"/>
+              </a:rPr>
+              <a:t>عمل </a:t>
+            </a:r>
+            <a:r>
+              <a:rPr lang="en-US" dirty="0">
+                <a:latin typeface="IRANSans(FaNum)" panose="020B0506030804020204" pitchFamily="34" charset="-78"/>
+                <a:cs typeface="IRANSans(FaNum)" panose="020B0506030804020204" pitchFamily="34" charset="-78"/>
+              </a:rPr>
+              <a:t>rang </a:t>
+            </a:r>
+            <a:r>
+              <a:rPr lang="fa-IR" dirty="0">
+                <a:latin typeface="IRANSans(FaNum)" panose="020B0506030804020204" pitchFamily="34" charset="-78"/>
+                <a:cs typeface="IRANSans(FaNum)" panose="020B0506030804020204" pitchFamily="34" charset="-78"/>
+              </a:rPr>
+              <a:t>عمل </a:t>
+            </a:r>
+            <a:r>
+              <a:rPr lang="en-US" dirty="0">
+                <a:latin typeface="IRANSans(FaNum)" panose="020B0506030804020204" pitchFamily="34" charset="-78"/>
+                <a:cs typeface="IRANSans(FaNum)" panose="020B0506030804020204" pitchFamily="34" charset="-78"/>
+              </a:rPr>
+              <a:t>was reading</a:t>
+            </a:r>
+            <a:r>
+              <a:rPr lang="fa-IR" dirty="0">
+                <a:latin typeface="IRANSans(FaNum)" panose="020B0506030804020204" pitchFamily="34" charset="-78"/>
+                <a:cs typeface="IRANSans(FaNum)" panose="020B0506030804020204" pitchFamily="34" charset="-78"/>
+              </a:rPr>
+              <a:t>را قطع کرده است.</a:t>
+            </a:r>
+          </a:p>
+          <a:p>
+            <a:pPr lvl="1" algn="r" rtl="1">
+              <a:lnSpc>
+                <a:spcPct val="150000"/>
+              </a:lnSpc>
+              <a:buFont typeface="+mj-lt"/>
+              <a:buAutoNum type="arabicPeriod"/>
+            </a:pPr>
+            <a:r>
+              <a:rPr lang="fa-IR" b="1" dirty="0">
+                <a:latin typeface="IRANSans(FaNum)" panose="020B0506030804020204" pitchFamily="34" charset="-78"/>
+                <a:cs typeface="IRANSans(FaNum)" panose="020B0506030804020204" pitchFamily="34" charset="-78"/>
+              </a:rPr>
+              <a:t>زمان‌های متداخل:</a:t>
+            </a:r>
+            <a:endParaRPr lang="fa-IR" dirty="0">
+              <a:latin typeface="IRANSans(FaNum)" panose="020B0506030804020204" pitchFamily="34" charset="-78"/>
+              <a:cs typeface="IRANSans(FaNum)" panose="020B0506030804020204" pitchFamily="34" charset="-78"/>
+            </a:endParaRPr>
+          </a:p>
+          <a:p>
+            <a:pPr marL="1200150" lvl="2" indent="-285750" algn="r" rtl="1">
+              <a:lnSpc>
+                <a:spcPct val="150000"/>
+              </a:lnSpc>
+              <a:buFont typeface="+mj-lt"/>
+              <a:buAutoNum type="arabicPeriod"/>
+            </a:pPr>
+            <a:r>
+              <a:rPr lang="fa-IR" dirty="0">
+                <a:latin typeface="IRANSans(FaNum)" panose="020B0506030804020204" pitchFamily="34" charset="-78"/>
+                <a:cs typeface="IRANSans(FaNum)" panose="020B0506030804020204" pitchFamily="34" charset="-78"/>
+              </a:rPr>
+              <a:t>دو عمل می‌توانند به طور هم‌زمان در حال وقوع باشند:</a:t>
+            </a:r>
+          </a:p>
+          <a:p>
+            <a:pPr marL="1600200" lvl="3" indent="-228600" algn="r" rtl="1">
+              <a:lnSpc>
+                <a:spcPct val="150000"/>
+              </a:lnSpc>
+              <a:buFont typeface="+mj-lt"/>
+              <a:buAutoNum type="arabicPeriod"/>
+            </a:pPr>
+            <a:r>
+              <a:rPr lang="en-US" i="1" dirty="0">
+                <a:latin typeface="IRANSans(FaNum)" panose="020B0506030804020204" pitchFamily="34" charset="-78"/>
+                <a:cs typeface="IRANSans(FaNum)" panose="020B0506030804020204" pitchFamily="34" charset="-78"/>
+              </a:rPr>
+              <a:t>While I was cooking, she was setting the table.</a:t>
+            </a:r>
+            <a:endParaRPr lang="en-US" dirty="0">
+              <a:latin typeface="IRANSans(FaNum)" panose="020B0506030804020204" pitchFamily="34" charset="-78"/>
+              <a:cs typeface="IRANSans(FaNum)" panose="020B0506030804020204" pitchFamily="34" charset="-78"/>
+            </a:endParaRPr>
+          </a:p>
+          <a:p>
+            <a:pPr lvl="1" algn="r" rtl="1">
+              <a:lnSpc>
+                <a:spcPct val="150000"/>
+              </a:lnSpc>
+              <a:buFont typeface="+mj-lt"/>
+              <a:buAutoNum type="arabicPeriod"/>
+            </a:pPr>
+            <a:r>
+              <a:rPr lang="fa-IR" b="1" dirty="0">
+                <a:latin typeface="IRANSans(FaNum)" panose="020B0506030804020204" pitchFamily="34" charset="-78"/>
+                <a:cs typeface="IRANSans(FaNum)" panose="020B0506030804020204" pitchFamily="34" charset="-78"/>
+              </a:rPr>
+              <a:t>افعال غیر استمراری </a:t>
+            </a:r>
+            <a:r>
+              <a:rPr lang="en-US" b="1" dirty="0">
+                <a:latin typeface="IRANSans(FaNum)" panose="020B0506030804020204" pitchFamily="34" charset="-78"/>
+                <a:cs typeface="IRANSans(FaNum)" panose="020B0506030804020204" pitchFamily="34" charset="-78"/>
+              </a:rPr>
+              <a:t>Non-continuous verbs</a:t>
+            </a:r>
+            <a:endParaRPr lang="en-US" dirty="0">
+              <a:latin typeface="IRANSans(FaNum)" panose="020B0506030804020204" pitchFamily="34" charset="-78"/>
+              <a:cs typeface="IRANSans(FaNum)" panose="020B0506030804020204" pitchFamily="34" charset="-78"/>
+            </a:endParaRPr>
+          </a:p>
+          <a:p>
+            <a:pPr marL="1200150" lvl="2" indent="-285750" algn="r" rtl="1">
+              <a:lnSpc>
+                <a:spcPct val="150000"/>
+              </a:lnSpc>
+              <a:buFont typeface="+mj-lt"/>
+              <a:buAutoNum type="arabicPeriod"/>
+            </a:pPr>
+            <a:r>
+              <a:rPr lang="fa-IR" dirty="0">
+                <a:latin typeface="IRANSans(FaNum)" panose="020B0506030804020204" pitchFamily="34" charset="-78"/>
+                <a:cs typeface="IRANSans(FaNum)" panose="020B0506030804020204" pitchFamily="34" charset="-78"/>
+              </a:rPr>
+              <a:t>مانند </a:t>
+            </a:r>
+            <a:r>
+              <a:rPr lang="en-US" dirty="0">
+                <a:latin typeface="IRANSans(FaNum)" panose="020B0506030804020204" pitchFamily="34" charset="-78"/>
+                <a:cs typeface="IRANSans(FaNum)" panose="020B0506030804020204" pitchFamily="34" charset="-78"/>
+              </a:rPr>
+              <a:t>Present Continuous، </a:t>
+            </a:r>
+            <a:r>
+              <a:rPr lang="fa-IR" dirty="0">
+                <a:latin typeface="IRANSans(FaNum)" panose="020B0506030804020204" pitchFamily="34" charset="-78"/>
+                <a:cs typeface="IRANSans(FaNum)" panose="020B0506030804020204" pitchFamily="34" charset="-78"/>
+              </a:rPr>
+              <a:t>این افعال نیز در زمان استمراری گذشته استفاده نمی‌شوند:</a:t>
+            </a:r>
+          </a:p>
+          <a:p>
+            <a:pPr marL="1600200" lvl="3" indent="-228600" algn="r" rtl="1">
+              <a:lnSpc>
+                <a:spcPct val="150000"/>
+              </a:lnSpc>
+              <a:buFont typeface="+mj-lt"/>
+              <a:buAutoNum type="arabicPeriod"/>
+            </a:pPr>
+            <a:r>
+              <a:rPr lang="en-US" dirty="0">
+                <a:latin typeface="IRANSans(FaNum)" panose="020B0506030804020204" pitchFamily="34" charset="-78"/>
+                <a:cs typeface="IRANSans(FaNum)" panose="020B0506030804020204" pitchFamily="34" charset="-78"/>
+              </a:rPr>
+              <a:t>Incorrect: </a:t>
+            </a:r>
+            <a:r>
+              <a:rPr lang="en-US" i="1" dirty="0">
+                <a:latin typeface="IRANSans(FaNum)" panose="020B0506030804020204" pitchFamily="34" charset="-78"/>
+                <a:cs typeface="IRANSans(FaNum)" panose="020B0506030804020204" pitchFamily="34" charset="-78"/>
+              </a:rPr>
+              <a:t>I was wanting a coffee.</a:t>
+            </a:r>
+            <a:endParaRPr lang="en-US" dirty="0">
+              <a:latin typeface="IRANSans(FaNum)" panose="020B0506030804020204" pitchFamily="34" charset="-78"/>
+              <a:cs typeface="IRANSans(FaNum)" panose="020B0506030804020204" pitchFamily="34" charset="-78"/>
+            </a:endParaRPr>
+          </a:p>
+          <a:p>
+            <a:pPr marL="1600200" lvl="3" indent="-228600" algn="r" rtl="1">
+              <a:lnSpc>
+                <a:spcPct val="150000"/>
+              </a:lnSpc>
+              <a:buFont typeface="+mj-lt"/>
+              <a:buAutoNum type="arabicPeriod"/>
+            </a:pPr>
+            <a:r>
+              <a:rPr lang="en-US" dirty="0">
+                <a:latin typeface="IRANSans(FaNum)" panose="020B0506030804020204" pitchFamily="34" charset="-78"/>
+                <a:cs typeface="IRANSans(FaNum)" panose="020B0506030804020204" pitchFamily="34" charset="-78"/>
+              </a:rPr>
+              <a:t>Correct: </a:t>
+            </a:r>
+            <a:r>
+              <a:rPr lang="en-US" i="1" dirty="0">
+                <a:latin typeface="IRANSans(FaNum)" panose="020B0506030804020204" pitchFamily="34" charset="-78"/>
+                <a:cs typeface="IRANSans(FaNum)" panose="020B0506030804020204" pitchFamily="34" charset="-78"/>
+              </a:rPr>
+              <a:t>I wanted a coffee.</a:t>
+            </a:r>
+            <a:endParaRPr lang="en-US" dirty="0">
+              <a:latin typeface="IRANSans(FaNum)" panose="020B0506030804020204" pitchFamily="34" charset="-78"/>
+              <a:cs typeface="IRANSans(FaNum)" panose="020B0506030804020204" pitchFamily="34" charset="-78"/>
+            </a:endParaRPr>
+          </a:p>
+        </p:txBody>
+      </p:sp>
+    </p:spTree>
+    <p:extLst>
+      <p:ext uri="{BB962C8B-B14F-4D97-AF65-F5344CB8AC3E}">
+        <p14:creationId xmlns:p14="http://schemas.microsoft.com/office/powerpoint/2010/main" val="3042761457"/>
+      </p:ext>
+    </p:extLst>
+  </p:cSld>
+  <p:clrMapOvr>
+    <a:masterClrMapping/>
+  </p:clrMapOvr>
+</p:sld>
+</file>
+
+<file path=ppt/slides/slide37.xml><?xml version="1.0" encoding="utf-8"?>
+<p:sld xmlns:a="http://schemas.openxmlformats.org/drawingml/2006/main" xmlns:r="http://schemas.openxmlformats.org/officeDocument/2006/relationships" xmlns:p="http://schemas.openxmlformats.org/presentationml/2006/main">
+  <p:cSld>
+    <p:spTree>
+      <p:nvGrpSpPr>
+        <p:cNvPr id="1" name=""/>
+        <p:cNvGrpSpPr/>
+        <p:nvPr/>
+      </p:nvGrpSpPr>
+      <p:grpSpPr>
+        <a:xfrm>
+          <a:off x="0" y="0"/>
+          <a:ext cx="0" cy="0"/>
+          <a:chOff x="0" y="0"/>
+          <a:chExt cx="0" cy="0"/>
+        </a:xfrm>
+      </p:grpSpPr>
+      <p:sp>
+        <p:nvSpPr>
+          <p:cNvPr id="2" name="Slide Number Placeholder 1">
+            <a:extLst>
+              <a:ext uri="{FF2B5EF4-FFF2-40B4-BE49-F238E27FC236}">
+                <a16:creationId xmlns:a16="http://schemas.microsoft.com/office/drawing/2014/main" id="{0A00A2CA-9515-444E-9D08-B2D038C7FF57}"/>
+              </a:ext>
+            </a:extLst>
+          </p:cNvPr>
+          <p:cNvSpPr>
+            <a:spLocks noGrp="1"/>
+          </p:cNvSpPr>
+          <p:nvPr>
+            <p:ph type="sldNum" sz="quarter" idx="12"/>
+          </p:nvPr>
+        </p:nvSpPr>
+        <p:spPr/>
+        <p:txBody>
+          <a:bodyPr/>
+          <a:lstStyle/>
+          <a:p>
+            <a:fld id="{23F3D7C6-E23E-47A6-9DDE-D0AE3B6B9EDD}" type="slidenum">
+              <a:rPr lang="en-US" smtClean="0"/>
+              <a:t>37</a:t>
+            </a:fld>
+            <a:endParaRPr lang="en-US"/>
+          </a:p>
+        </p:txBody>
+      </p:sp>
+      <p:sp>
+        <p:nvSpPr>
+          <p:cNvPr id="6" name="TextBox 5">
+            <a:extLst>
+              <a:ext uri="{FF2B5EF4-FFF2-40B4-BE49-F238E27FC236}">
+                <a16:creationId xmlns:a16="http://schemas.microsoft.com/office/drawing/2014/main" id="{9A103196-C5A6-41C7-B859-C765E2B4AE70}"/>
+              </a:ext>
+            </a:extLst>
+          </p:cNvPr>
+          <p:cNvSpPr txBox="1"/>
+          <p:nvPr/>
+        </p:nvSpPr>
+        <p:spPr>
+          <a:xfrm>
+            <a:off x="3022600" y="510183"/>
+            <a:ext cx="8331200" cy="5459187"/>
+          </a:xfrm>
+          <a:prstGeom prst="rect">
+            <a:avLst/>
+          </a:prstGeom>
+          <a:noFill/>
+        </p:spPr>
+        <p:txBody>
+          <a:bodyPr wrap="square">
+            <a:spAutoFit/>
+          </a:bodyPr>
+          <a:lstStyle/>
+          <a:p>
+            <a:pPr algn="r" rtl="1">
+              <a:lnSpc>
+                <a:spcPct val="150000"/>
+              </a:lnSpc>
+              <a:buFont typeface="+mj-lt"/>
+              <a:buAutoNum type="arabicPeriod"/>
+            </a:pPr>
+            <a:r>
+              <a:rPr lang="fa-IR" b="1" dirty="0">
+                <a:latin typeface="IRANSans(FaNum)" panose="020B0506030804020204" pitchFamily="34" charset="-78"/>
+                <a:cs typeface="IRANSans(FaNum)" panose="020B0506030804020204" pitchFamily="34" charset="-78"/>
+              </a:rPr>
+              <a:t>عدم ضرورت </a:t>
+            </a:r>
+            <a:r>
+              <a:rPr lang="en-US" b="1" dirty="0">
+                <a:latin typeface="IRANSans(FaNum)" panose="020B0506030804020204" pitchFamily="34" charset="-78"/>
+                <a:cs typeface="IRANSans(FaNum)" panose="020B0506030804020204" pitchFamily="34" charset="-78"/>
+              </a:rPr>
+              <a:t>Past Perfect:</a:t>
+            </a:r>
+            <a:endParaRPr lang="en-US" dirty="0">
+              <a:latin typeface="IRANSans(FaNum)" panose="020B0506030804020204" pitchFamily="34" charset="-78"/>
+              <a:cs typeface="IRANSans(FaNum)" panose="020B0506030804020204" pitchFamily="34" charset="-78"/>
+            </a:endParaRPr>
+          </a:p>
+          <a:p>
+            <a:pPr marL="742950" lvl="1" indent="-285750" algn="r" rtl="1">
+              <a:lnSpc>
+                <a:spcPct val="150000"/>
+              </a:lnSpc>
+              <a:buFont typeface="+mj-lt"/>
+              <a:buAutoNum type="arabicPeriod"/>
+            </a:pPr>
+            <a:r>
+              <a:rPr lang="fa-IR" dirty="0">
+                <a:latin typeface="IRANSans(FaNum)" panose="020B0506030804020204" pitchFamily="34" charset="-78"/>
+                <a:cs typeface="IRANSans(FaNum)" panose="020B0506030804020204" pitchFamily="34" charset="-78"/>
+              </a:rPr>
+              <a:t>اگر ترتیب زمانی واضح باشد، می‌توان </a:t>
+            </a:r>
+            <a:r>
+              <a:rPr lang="en-US" dirty="0">
+                <a:latin typeface="IRANSans(FaNum)" panose="020B0506030804020204" pitchFamily="34" charset="-78"/>
+                <a:cs typeface="IRANSans(FaNum)" panose="020B0506030804020204" pitchFamily="34" charset="-78"/>
+              </a:rPr>
+              <a:t>Past Simple </a:t>
+            </a:r>
+            <a:r>
+              <a:rPr lang="fa-IR" dirty="0">
+                <a:latin typeface="IRANSans(FaNum)" panose="020B0506030804020204" pitchFamily="34" charset="-78"/>
+                <a:cs typeface="IRANSans(FaNum)" panose="020B0506030804020204" pitchFamily="34" charset="-78"/>
+              </a:rPr>
+              <a:t>به جای </a:t>
+            </a:r>
+            <a:r>
+              <a:rPr lang="en-US" dirty="0">
+                <a:latin typeface="IRANSans(FaNum)" panose="020B0506030804020204" pitchFamily="34" charset="-78"/>
+                <a:cs typeface="IRANSans(FaNum)" panose="020B0506030804020204" pitchFamily="34" charset="-78"/>
+              </a:rPr>
+              <a:t>Past Perfect </a:t>
+            </a:r>
+            <a:r>
+              <a:rPr lang="fa-IR" dirty="0">
+                <a:latin typeface="IRANSans(FaNum)" panose="020B0506030804020204" pitchFamily="34" charset="-78"/>
+                <a:cs typeface="IRANSans(FaNum)" panose="020B0506030804020204" pitchFamily="34" charset="-78"/>
+              </a:rPr>
+              <a:t>استفاده کرد:</a:t>
+            </a:r>
+          </a:p>
+          <a:p>
+            <a:pPr marL="1143000" lvl="2" indent="-228600" algn="r" rtl="1">
+              <a:lnSpc>
+                <a:spcPct val="150000"/>
+              </a:lnSpc>
+              <a:buFont typeface="+mj-lt"/>
+              <a:buAutoNum type="arabicPeriod"/>
+            </a:pPr>
+            <a:r>
+              <a:rPr lang="en-US" i="1" dirty="0">
+                <a:latin typeface="IRANSans(FaNum)" panose="020B0506030804020204" pitchFamily="34" charset="-78"/>
+                <a:cs typeface="IRANSans(FaNum)" panose="020B0506030804020204" pitchFamily="34" charset="-78"/>
+              </a:rPr>
+              <a:t>She left after she finished her homework.</a:t>
+            </a:r>
+            <a:r>
+              <a:rPr lang="en-US" dirty="0">
+                <a:latin typeface="IRANSans(FaNum)" panose="020B0506030804020204" pitchFamily="34" charset="-78"/>
+                <a:cs typeface="IRANSans(FaNum)" panose="020B0506030804020204" pitchFamily="34" charset="-78"/>
+              </a:rPr>
+              <a:t> (Past Simple)</a:t>
+            </a:r>
+          </a:p>
+          <a:p>
+            <a:pPr marL="1143000" lvl="2" indent="-228600" algn="r" rtl="1">
+              <a:lnSpc>
+                <a:spcPct val="150000"/>
+              </a:lnSpc>
+              <a:buFont typeface="+mj-lt"/>
+              <a:buAutoNum type="arabicPeriod"/>
+            </a:pPr>
+            <a:r>
+              <a:rPr lang="en-US" i="1" dirty="0">
+                <a:latin typeface="IRANSans(FaNum)" panose="020B0506030804020204" pitchFamily="34" charset="-78"/>
+                <a:cs typeface="IRANSans(FaNum)" panose="020B0506030804020204" pitchFamily="34" charset="-78"/>
+              </a:rPr>
+              <a:t>She left after she had finished her homework.</a:t>
+            </a:r>
+            <a:r>
+              <a:rPr lang="en-US" dirty="0">
+                <a:latin typeface="IRANSans(FaNum)" panose="020B0506030804020204" pitchFamily="34" charset="-78"/>
+                <a:cs typeface="IRANSans(FaNum)" panose="020B0506030804020204" pitchFamily="34" charset="-78"/>
+              </a:rPr>
+              <a:t> (Past Perfect)</a:t>
+            </a:r>
+          </a:p>
+          <a:p>
+            <a:pPr marL="742950" lvl="1" indent="-285750" algn="r" rtl="1">
+              <a:lnSpc>
+                <a:spcPct val="150000"/>
+              </a:lnSpc>
+              <a:buFont typeface="+mj-lt"/>
+              <a:buAutoNum type="arabicPeriod"/>
+            </a:pPr>
+            <a:r>
+              <a:rPr lang="fa-IR" dirty="0">
+                <a:latin typeface="IRANSans(FaNum)" panose="020B0506030804020204" pitchFamily="34" charset="-78"/>
+                <a:cs typeface="IRANSans(FaNum)" panose="020B0506030804020204" pitchFamily="34" charset="-78"/>
+              </a:rPr>
+              <a:t>هر دو جمله صحیح هستند، اما استفاده از </a:t>
+            </a:r>
+            <a:r>
+              <a:rPr lang="en-US" dirty="0">
+                <a:latin typeface="IRANSans(FaNum)" panose="020B0506030804020204" pitchFamily="34" charset="-78"/>
+                <a:cs typeface="IRANSans(FaNum)" panose="020B0506030804020204" pitchFamily="34" charset="-78"/>
+              </a:rPr>
+              <a:t>Past Perfect </a:t>
+            </a:r>
+            <a:r>
+              <a:rPr lang="fa-IR" dirty="0">
+                <a:latin typeface="IRANSans(FaNum)" panose="020B0506030804020204" pitchFamily="34" charset="-78"/>
+                <a:cs typeface="IRANSans(FaNum)" panose="020B0506030804020204" pitchFamily="34" charset="-78"/>
+              </a:rPr>
+              <a:t>رسمی‌تر است.</a:t>
+            </a:r>
+          </a:p>
+          <a:p>
+            <a:pPr algn="r" rtl="1">
+              <a:lnSpc>
+                <a:spcPct val="150000"/>
+              </a:lnSpc>
+              <a:buFont typeface="+mj-lt"/>
+              <a:buAutoNum type="arabicPeriod"/>
+            </a:pPr>
+            <a:r>
+              <a:rPr lang="fa-IR" b="1" dirty="0">
+                <a:latin typeface="IRANSans(FaNum)" panose="020B0506030804020204" pitchFamily="34" charset="-78"/>
+                <a:cs typeface="IRANSans(FaNum)" panose="020B0506030804020204" pitchFamily="34" charset="-78"/>
+              </a:rPr>
+              <a:t>افعال ایستا </a:t>
+            </a:r>
+            <a:r>
+              <a:rPr lang="en-US" b="1" dirty="0">
+                <a:latin typeface="IRANSans(FaNum)" panose="020B0506030804020204" pitchFamily="34" charset="-78"/>
+                <a:cs typeface="IRANSans(FaNum)" panose="020B0506030804020204" pitchFamily="34" charset="-78"/>
+              </a:rPr>
+              <a:t>Stative Verbs</a:t>
+            </a:r>
+            <a:endParaRPr lang="en-US" dirty="0">
+              <a:latin typeface="IRANSans(FaNum)" panose="020B0506030804020204" pitchFamily="34" charset="-78"/>
+              <a:cs typeface="IRANSans(FaNum)" panose="020B0506030804020204" pitchFamily="34" charset="-78"/>
+            </a:endParaRPr>
+          </a:p>
+          <a:p>
+            <a:pPr marL="742950" lvl="1" indent="-285750" algn="r" rtl="1">
+              <a:lnSpc>
+                <a:spcPct val="150000"/>
+              </a:lnSpc>
+              <a:buFont typeface="+mj-lt"/>
+              <a:buAutoNum type="arabicPeriod"/>
+            </a:pPr>
+            <a:r>
+              <a:rPr lang="en-US" dirty="0">
+                <a:latin typeface="IRANSans(FaNum)" panose="020B0506030804020204" pitchFamily="34" charset="-78"/>
+                <a:cs typeface="IRANSans(FaNum)" panose="020B0506030804020204" pitchFamily="34" charset="-78"/>
+              </a:rPr>
+              <a:t>Past Perfect </a:t>
+            </a:r>
+            <a:r>
+              <a:rPr lang="fa-IR" dirty="0">
+                <a:latin typeface="IRANSans(FaNum)" panose="020B0506030804020204" pitchFamily="34" charset="-78"/>
+                <a:cs typeface="IRANSans(FaNum)" panose="020B0506030804020204" pitchFamily="34" charset="-78"/>
+              </a:rPr>
+              <a:t>نیز با افعال ایستا استفاده می‌شود:</a:t>
+            </a:r>
+          </a:p>
+          <a:p>
+            <a:pPr marL="1143000" lvl="2" indent="-228600" algn="r" rtl="1">
+              <a:lnSpc>
+                <a:spcPct val="150000"/>
+              </a:lnSpc>
+              <a:buFont typeface="+mj-lt"/>
+              <a:buAutoNum type="arabicPeriod"/>
+            </a:pPr>
+            <a:r>
+              <a:rPr lang="en-US" i="1" dirty="0">
+                <a:latin typeface="IRANSans(FaNum)" panose="020B0506030804020204" pitchFamily="34" charset="-78"/>
+                <a:cs typeface="IRANSans(FaNum)" panose="020B0506030804020204" pitchFamily="34" charset="-78"/>
+              </a:rPr>
+              <a:t>I had known her for years before we met in person.</a:t>
+            </a:r>
+            <a:endParaRPr lang="en-US" dirty="0">
+              <a:latin typeface="IRANSans(FaNum)" panose="020B0506030804020204" pitchFamily="34" charset="-78"/>
+              <a:cs typeface="IRANSans(FaNum)" panose="020B0506030804020204" pitchFamily="34" charset="-78"/>
+            </a:endParaRPr>
+          </a:p>
+          <a:p>
+            <a:pPr algn="r" rtl="1">
+              <a:lnSpc>
+                <a:spcPct val="150000"/>
+              </a:lnSpc>
+              <a:buFont typeface="+mj-lt"/>
+              <a:buAutoNum type="arabicPeriod"/>
+            </a:pPr>
+            <a:r>
+              <a:rPr lang="fa-IR" b="1" dirty="0">
+                <a:latin typeface="IRANSans(FaNum)" panose="020B0506030804020204" pitchFamily="34" charset="-78"/>
+                <a:cs typeface="IRANSans(FaNum)" panose="020B0506030804020204" pitchFamily="34" charset="-78"/>
+              </a:rPr>
+              <a:t>عبارات شرطی و فرضی </a:t>
+            </a:r>
+            <a:r>
+              <a:rPr lang="en-US" b="1" dirty="0">
+                <a:latin typeface="IRANSans(FaNum)" panose="020B0506030804020204" pitchFamily="34" charset="-78"/>
+                <a:cs typeface="IRANSans(FaNum)" panose="020B0506030804020204" pitchFamily="34" charset="-78"/>
+              </a:rPr>
+              <a:t>Conditionals and Hypotheticals</a:t>
+            </a:r>
+            <a:endParaRPr lang="en-US" dirty="0">
+              <a:latin typeface="IRANSans(FaNum)" panose="020B0506030804020204" pitchFamily="34" charset="-78"/>
+              <a:cs typeface="IRANSans(FaNum)" panose="020B0506030804020204" pitchFamily="34" charset="-78"/>
+            </a:endParaRPr>
+          </a:p>
+          <a:p>
+            <a:pPr marL="742950" lvl="1" indent="-285750" algn="r" rtl="1">
+              <a:lnSpc>
+                <a:spcPct val="150000"/>
+              </a:lnSpc>
+              <a:buFont typeface="+mj-lt"/>
+              <a:buAutoNum type="arabicPeriod"/>
+            </a:pPr>
+            <a:r>
+              <a:rPr lang="fa-IR" dirty="0">
+                <a:latin typeface="IRANSans(FaNum)" panose="020B0506030804020204" pitchFamily="34" charset="-78"/>
+                <a:cs typeface="IRANSans(FaNum)" panose="020B0506030804020204" pitchFamily="34" charset="-78"/>
+              </a:rPr>
+              <a:t>برای بیان شرایط غیر واقعی در گذشته:</a:t>
+            </a:r>
+          </a:p>
+          <a:p>
+            <a:pPr marL="1143000" lvl="2" indent="-228600" algn="r" rtl="1">
+              <a:lnSpc>
+                <a:spcPct val="150000"/>
+              </a:lnSpc>
+              <a:buFont typeface="+mj-lt"/>
+              <a:buAutoNum type="arabicPeriod"/>
+            </a:pPr>
+            <a:r>
+              <a:rPr lang="en-US" i="1" dirty="0">
+                <a:latin typeface="IRANSans(FaNum)" panose="020B0506030804020204" pitchFamily="34" charset="-78"/>
+                <a:cs typeface="IRANSans(FaNum)" panose="020B0506030804020204" pitchFamily="34" charset="-78"/>
+              </a:rPr>
+              <a:t>If I had studied harder, I would have passed the exam.</a:t>
+            </a:r>
+            <a:endParaRPr lang="en-US" dirty="0">
+              <a:latin typeface="IRANSans(FaNum)" panose="020B0506030804020204" pitchFamily="34" charset="-78"/>
+              <a:cs typeface="IRANSans(FaNum)" panose="020B0506030804020204" pitchFamily="34" charset="-78"/>
+            </a:endParaRPr>
+          </a:p>
+          <a:p>
+            <a:pPr marL="1143000" lvl="2" indent="-228600" algn="r" rtl="1">
+              <a:lnSpc>
+                <a:spcPct val="150000"/>
+              </a:lnSpc>
+              <a:buFont typeface="+mj-lt"/>
+              <a:buAutoNum type="arabicPeriod"/>
+            </a:pPr>
+            <a:r>
+              <a:rPr lang="en-US" i="1" dirty="0">
+                <a:latin typeface="IRANSans(FaNum)" panose="020B0506030804020204" pitchFamily="34" charset="-78"/>
+                <a:cs typeface="IRANSans(FaNum)" panose="020B0506030804020204" pitchFamily="34" charset="-78"/>
+              </a:rPr>
+              <a:t>She would have called if she had known.</a:t>
+            </a:r>
+            <a:endParaRPr lang="en-US" dirty="0">
+              <a:latin typeface="IRANSans(FaNum)" panose="020B0506030804020204" pitchFamily="34" charset="-78"/>
+              <a:cs typeface="IRANSans(FaNum)" panose="020B0506030804020204" pitchFamily="34" charset="-78"/>
+            </a:endParaRPr>
+          </a:p>
+        </p:txBody>
+      </p:sp>
+    </p:spTree>
+    <p:extLst>
+      <p:ext uri="{BB962C8B-B14F-4D97-AF65-F5344CB8AC3E}">
+        <p14:creationId xmlns:p14="http://schemas.microsoft.com/office/powerpoint/2010/main" val="1684590698"/>
+      </p:ext>
+    </p:extLst>
+  </p:cSld>
+  <p:clrMapOvr>
+    <a:masterClrMapping/>
+  </p:clrMapOvr>
+</p:sld>
+</file>
+
+<file path=ppt/slides/slide38.xml><?xml version="1.0" encoding="utf-8"?>
+<p:sld xmlns:a="http://schemas.openxmlformats.org/drawingml/2006/main" xmlns:r="http://schemas.openxmlformats.org/officeDocument/2006/relationships" xmlns:p="http://schemas.openxmlformats.org/presentationml/2006/main">
+  <p:cSld>
+    <p:spTree>
+      <p:nvGrpSpPr>
+        <p:cNvPr id="1" name=""/>
+        <p:cNvGrpSpPr/>
+        <p:nvPr/>
+      </p:nvGrpSpPr>
+      <p:grpSpPr>
+        <a:xfrm>
+          <a:off x="0" y="0"/>
+          <a:ext cx="0" cy="0"/>
+          <a:chOff x="0" y="0"/>
+          <a:chExt cx="0" cy="0"/>
+        </a:xfrm>
+      </p:grpSpPr>
+      <p:sp>
+        <p:nvSpPr>
+          <p:cNvPr id="2" name="Slide Number Placeholder 1">
+            <a:extLst>
+              <a:ext uri="{FF2B5EF4-FFF2-40B4-BE49-F238E27FC236}">
+                <a16:creationId xmlns:a16="http://schemas.microsoft.com/office/drawing/2014/main" id="{274F25D2-818E-49B1-8463-C1D8E6000A9B}"/>
+              </a:ext>
+            </a:extLst>
+          </p:cNvPr>
+          <p:cNvSpPr>
+            <a:spLocks noGrp="1"/>
+          </p:cNvSpPr>
+          <p:nvPr>
+            <p:ph type="sldNum" sz="quarter" idx="12"/>
+          </p:nvPr>
+        </p:nvSpPr>
+        <p:spPr/>
+        <p:txBody>
+          <a:bodyPr/>
+          <a:lstStyle/>
+          <a:p>
+            <a:fld id="{23F3D7C6-E23E-47A6-9DDE-D0AE3B6B9EDD}" type="slidenum">
+              <a:rPr lang="en-US" smtClean="0"/>
+              <a:t>38</a:t>
+            </a:fld>
+            <a:endParaRPr lang="en-US"/>
+          </a:p>
+        </p:txBody>
+      </p:sp>
+      <p:sp>
+        <p:nvSpPr>
+          <p:cNvPr id="10" name="TextBox 9">
+            <a:extLst>
+              <a:ext uri="{FF2B5EF4-FFF2-40B4-BE49-F238E27FC236}">
+                <a16:creationId xmlns:a16="http://schemas.microsoft.com/office/drawing/2014/main" id="{2C171431-97D8-4B71-BED5-6FB6002E47C8}"/>
+              </a:ext>
+            </a:extLst>
+          </p:cNvPr>
+          <p:cNvSpPr txBox="1"/>
+          <p:nvPr/>
+        </p:nvSpPr>
+        <p:spPr>
+          <a:xfrm>
+            <a:off x="452120" y="239291"/>
+            <a:ext cx="11287760" cy="6117059"/>
+          </a:xfrm>
+          <a:prstGeom prst="rect">
+            <a:avLst/>
+          </a:prstGeom>
+          <a:noFill/>
+        </p:spPr>
+        <p:txBody>
+          <a:bodyPr wrap="square">
+            <a:spAutoFit/>
+          </a:bodyPr>
+          <a:lstStyle/>
+          <a:p>
+            <a:pPr algn="r" rtl="1">
+              <a:lnSpc>
+                <a:spcPct val="200000"/>
+              </a:lnSpc>
+              <a:buFont typeface="+mj-lt"/>
+              <a:buAutoNum type="arabicPeriod"/>
+            </a:pPr>
+            <a:r>
+              <a:rPr lang="fa-IR" b="1" dirty="0">
+                <a:latin typeface="IRANSans(FaNum)" panose="020B0506030804020204" pitchFamily="34" charset="-78"/>
+                <a:cs typeface="IRANSans(FaNum)" panose="020B0506030804020204" pitchFamily="34" charset="-78"/>
+              </a:rPr>
+              <a:t>تضاد با </a:t>
+            </a:r>
+            <a:r>
+              <a:rPr lang="en-US" b="1" dirty="0">
+                <a:latin typeface="IRANSans(FaNum)" panose="020B0506030804020204" pitchFamily="34" charset="-78"/>
+                <a:cs typeface="IRANSans(FaNum)" panose="020B0506030804020204" pitchFamily="34" charset="-78"/>
+              </a:rPr>
+              <a:t>Past Perfect</a:t>
+            </a:r>
+            <a:endParaRPr lang="en-US" dirty="0">
+              <a:latin typeface="IRANSans(FaNum)" panose="020B0506030804020204" pitchFamily="34" charset="-78"/>
+              <a:cs typeface="IRANSans(FaNum)" panose="020B0506030804020204" pitchFamily="34" charset="-78"/>
+            </a:endParaRPr>
+          </a:p>
+          <a:p>
+            <a:pPr marL="742950" lvl="1" indent="-285750" algn="r" rtl="1">
+              <a:lnSpc>
+                <a:spcPct val="200000"/>
+              </a:lnSpc>
+              <a:buFont typeface="+mj-lt"/>
+              <a:buAutoNum type="arabicPeriod"/>
+            </a:pPr>
+            <a:r>
+              <a:rPr lang="en-US" dirty="0">
+                <a:latin typeface="IRANSans(FaNum)" panose="020B0506030804020204" pitchFamily="34" charset="-78"/>
+                <a:cs typeface="IRANSans(FaNum)" panose="020B0506030804020204" pitchFamily="34" charset="-78"/>
+              </a:rPr>
+              <a:t>Past Perfect Continuous </a:t>
+            </a:r>
+            <a:r>
+              <a:rPr lang="fa-IR" dirty="0">
+                <a:latin typeface="IRANSans(FaNum)" panose="020B0506030804020204" pitchFamily="34" charset="-78"/>
+                <a:cs typeface="IRANSans(FaNum)" panose="020B0506030804020204" pitchFamily="34" charset="-78"/>
+              </a:rPr>
+              <a:t>روی مدت زمان تأکید دارد، در حالی که </a:t>
+            </a:r>
+            <a:r>
+              <a:rPr lang="en-US" dirty="0">
+                <a:latin typeface="IRANSans(FaNum)" panose="020B0506030804020204" pitchFamily="34" charset="-78"/>
+                <a:cs typeface="IRANSans(FaNum)" panose="020B0506030804020204" pitchFamily="34" charset="-78"/>
+              </a:rPr>
+              <a:t>Past Perfect </a:t>
+            </a:r>
+            <a:r>
+              <a:rPr lang="fa-IR" dirty="0">
+                <a:latin typeface="IRANSans(FaNum)" panose="020B0506030804020204" pitchFamily="34" charset="-78"/>
+                <a:cs typeface="IRANSans(FaNum)" panose="020B0506030804020204" pitchFamily="34" charset="-78"/>
+              </a:rPr>
+              <a:t>فقط وقوع عمل را نشان می‌دهد:</a:t>
+            </a:r>
+          </a:p>
+          <a:p>
+            <a:pPr marL="1143000" lvl="2" indent="-228600" algn="r" rtl="1">
+              <a:lnSpc>
+                <a:spcPct val="200000"/>
+              </a:lnSpc>
+              <a:buFont typeface="+mj-lt"/>
+              <a:buAutoNum type="arabicPeriod"/>
+            </a:pPr>
+            <a:r>
+              <a:rPr lang="en-US" i="1" dirty="0">
+                <a:latin typeface="IRANSans(FaNum)" panose="020B0506030804020204" pitchFamily="34" charset="-78"/>
+                <a:cs typeface="IRANSans(FaNum)" panose="020B0506030804020204" pitchFamily="34" charset="-78"/>
+              </a:rPr>
+              <a:t>I had been working for hours before I took a break</a:t>
+            </a:r>
+            <a:r>
+              <a:rPr lang="fa-IR" dirty="0">
+                <a:latin typeface="IRANSans(FaNum)" panose="020B0506030804020204" pitchFamily="34" charset="-78"/>
+                <a:cs typeface="IRANSans(FaNum)" panose="020B0506030804020204" pitchFamily="34" charset="-78"/>
+              </a:rPr>
+              <a:t>تأکید روی مدت</a:t>
+            </a:r>
+          </a:p>
+          <a:p>
+            <a:pPr marL="1143000" lvl="2" indent="-228600" algn="r" rtl="1">
+              <a:lnSpc>
+                <a:spcPct val="200000"/>
+              </a:lnSpc>
+              <a:buFont typeface="+mj-lt"/>
+              <a:buAutoNum type="arabicPeriod"/>
+            </a:pPr>
+            <a:r>
+              <a:rPr lang="en-US" i="1" dirty="0">
+                <a:latin typeface="IRANSans(FaNum)" panose="020B0506030804020204" pitchFamily="34" charset="-78"/>
+                <a:cs typeface="IRANSans(FaNum)" panose="020B0506030804020204" pitchFamily="34" charset="-78"/>
+              </a:rPr>
+              <a:t>I had worked before I took a break.</a:t>
+            </a:r>
+            <a:r>
+              <a:rPr lang="en-US" dirty="0">
+                <a:latin typeface="IRANSans(FaNum)" panose="020B0506030804020204" pitchFamily="34" charset="-78"/>
+                <a:cs typeface="IRANSans(FaNum)" panose="020B0506030804020204" pitchFamily="34" charset="-78"/>
+              </a:rPr>
+              <a:t> </a:t>
+            </a:r>
+            <a:r>
+              <a:rPr lang="fa-IR" dirty="0">
+                <a:latin typeface="IRANSans(FaNum)" panose="020B0506030804020204" pitchFamily="34" charset="-78"/>
+                <a:cs typeface="IRANSans(FaNum)" panose="020B0506030804020204" pitchFamily="34" charset="-78"/>
+              </a:rPr>
+              <a:t>تأکید روی وقوع عمل</a:t>
+            </a:r>
+          </a:p>
+          <a:p>
+            <a:pPr algn="r" rtl="1">
+              <a:lnSpc>
+                <a:spcPct val="200000"/>
+              </a:lnSpc>
+              <a:buFont typeface="+mj-lt"/>
+              <a:buAutoNum type="arabicPeriod"/>
+            </a:pPr>
+            <a:r>
+              <a:rPr lang="fa-IR" b="1" dirty="0">
+                <a:latin typeface="IRANSans(FaNum)" panose="020B0506030804020204" pitchFamily="34" charset="-78"/>
+                <a:cs typeface="IRANSans(FaNum)" panose="020B0506030804020204" pitchFamily="34" charset="-78"/>
+              </a:rPr>
+              <a:t>عدم استفاده با افعال ایستا:</a:t>
+            </a:r>
+            <a:endParaRPr lang="fa-IR" dirty="0">
+              <a:latin typeface="IRANSans(FaNum)" panose="020B0506030804020204" pitchFamily="34" charset="-78"/>
+              <a:cs typeface="IRANSans(FaNum)" panose="020B0506030804020204" pitchFamily="34" charset="-78"/>
+            </a:endParaRPr>
+          </a:p>
+          <a:p>
+            <a:pPr marL="742950" lvl="1" indent="-285750" algn="r" rtl="1">
+              <a:lnSpc>
+                <a:spcPct val="200000"/>
+              </a:lnSpc>
+              <a:buFont typeface="+mj-lt"/>
+              <a:buAutoNum type="arabicPeriod"/>
+            </a:pPr>
+            <a:r>
+              <a:rPr lang="fa-IR" dirty="0">
+                <a:latin typeface="IRANSans(FaNum)" panose="020B0506030804020204" pitchFamily="34" charset="-78"/>
+                <a:cs typeface="IRANSans(FaNum)" panose="020B0506030804020204" pitchFamily="34" charset="-78"/>
+              </a:rPr>
+              <a:t>افعال ایستا در زمان‌های استمراری استفاده نمی‌شوند:</a:t>
+            </a:r>
+          </a:p>
+          <a:p>
+            <a:pPr marL="1143000" lvl="2" indent="-228600" algn="r" rtl="1">
+              <a:lnSpc>
+                <a:spcPct val="200000"/>
+              </a:lnSpc>
+              <a:buFont typeface="+mj-lt"/>
+              <a:buAutoNum type="arabicPeriod"/>
+            </a:pPr>
+            <a:r>
+              <a:rPr lang="en-US" dirty="0">
+                <a:latin typeface="IRANSans(FaNum)" panose="020B0506030804020204" pitchFamily="34" charset="-78"/>
+                <a:cs typeface="IRANSans(FaNum)" panose="020B0506030804020204" pitchFamily="34" charset="-78"/>
+              </a:rPr>
+              <a:t>Incorrect: </a:t>
+            </a:r>
+            <a:r>
+              <a:rPr lang="en-US" i="1" dirty="0">
+                <a:latin typeface="IRANSans(FaNum)" panose="020B0506030804020204" pitchFamily="34" charset="-78"/>
+                <a:cs typeface="IRANSans(FaNum)" panose="020B0506030804020204" pitchFamily="34" charset="-78"/>
+              </a:rPr>
+              <a:t>I had been knowing her for a long time.</a:t>
+            </a:r>
+            <a:endParaRPr lang="en-US" dirty="0">
+              <a:latin typeface="IRANSans(FaNum)" panose="020B0506030804020204" pitchFamily="34" charset="-78"/>
+              <a:cs typeface="IRANSans(FaNum)" panose="020B0506030804020204" pitchFamily="34" charset="-78"/>
+            </a:endParaRPr>
+          </a:p>
+          <a:p>
+            <a:pPr marL="1143000" lvl="2" indent="-228600" algn="r" rtl="1">
+              <a:lnSpc>
+                <a:spcPct val="200000"/>
+              </a:lnSpc>
+              <a:buFont typeface="+mj-lt"/>
+              <a:buAutoNum type="arabicPeriod"/>
+            </a:pPr>
+            <a:r>
+              <a:rPr lang="en-US" dirty="0">
+                <a:latin typeface="IRANSans(FaNum)" panose="020B0506030804020204" pitchFamily="34" charset="-78"/>
+                <a:cs typeface="IRANSans(FaNum)" panose="020B0506030804020204" pitchFamily="34" charset="-78"/>
+              </a:rPr>
+              <a:t>Correct: </a:t>
+            </a:r>
+            <a:r>
+              <a:rPr lang="en-US" i="1" dirty="0">
+                <a:latin typeface="IRANSans(FaNum)" panose="020B0506030804020204" pitchFamily="34" charset="-78"/>
+                <a:cs typeface="IRANSans(FaNum)" panose="020B0506030804020204" pitchFamily="34" charset="-78"/>
+              </a:rPr>
+              <a:t>I had known her for a long time.</a:t>
+            </a:r>
+            <a:endParaRPr lang="en-US" dirty="0">
+              <a:latin typeface="IRANSans(FaNum)" panose="020B0506030804020204" pitchFamily="34" charset="-78"/>
+              <a:cs typeface="IRANSans(FaNum)" panose="020B0506030804020204" pitchFamily="34" charset="-78"/>
+            </a:endParaRPr>
+          </a:p>
+          <a:p>
+            <a:pPr algn="r" rtl="1">
+              <a:lnSpc>
+                <a:spcPct val="200000"/>
+              </a:lnSpc>
+              <a:buFont typeface="+mj-lt"/>
+              <a:buAutoNum type="arabicPeriod"/>
+            </a:pPr>
+            <a:r>
+              <a:rPr lang="fa-IR" b="1" dirty="0">
+                <a:latin typeface="IRANSans(FaNum)" panose="020B0506030804020204" pitchFamily="34" charset="-78"/>
+                <a:cs typeface="IRANSans(FaNum)" panose="020B0506030804020204" pitchFamily="34" charset="-78"/>
+              </a:rPr>
+              <a:t>ترکیب با زمان‌های دیگر:</a:t>
+            </a:r>
+            <a:endParaRPr lang="fa-IR" dirty="0">
+              <a:latin typeface="IRANSans(FaNum)" panose="020B0506030804020204" pitchFamily="34" charset="-78"/>
+              <a:cs typeface="IRANSans(FaNum)" panose="020B0506030804020204" pitchFamily="34" charset="-78"/>
+            </a:endParaRPr>
+          </a:p>
+          <a:p>
+            <a:pPr marL="742950" lvl="1" indent="-285750" algn="r" rtl="1">
+              <a:lnSpc>
+                <a:spcPct val="200000"/>
+              </a:lnSpc>
+              <a:buFont typeface="+mj-lt"/>
+              <a:buAutoNum type="arabicPeriod"/>
+            </a:pPr>
+            <a:r>
+              <a:rPr lang="fa-IR" dirty="0">
+                <a:latin typeface="IRANSans(FaNum)" panose="020B0506030804020204" pitchFamily="34" charset="-78"/>
+                <a:cs typeface="IRANSans(FaNum)" panose="020B0506030804020204" pitchFamily="34" charset="-78"/>
+              </a:rPr>
+              <a:t>اغلب همراه با گذشته ساده یا گذشته کامل استفاده می‌شود:</a:t>
+            </a:r>
+          </a:p>
+          <a:p>
+            <a:pPr marL="1143000" lvl="2" indent="-228600" algn="r" rtl="1">
+              <a:lnSpc>
+                <a:spcPct val="200000"/>
+              </a:lnSpc>
+              <a:buFont typeface="+mj-lt"/>
+              <a:buAutoNum type="arabicPeriod"/>
+            </a:pPr>
+            <a:r>
+              <a:rPr lang="en-US" i="1" dirty="0">
+                <a:latin typeface="IRANSans(FaNum)" panose="020B0506030804020204" pitchFamily="34" charset="-78"/>
+                <a:cs typeface="IRANSans(FaNum)" panose="020B0506030804020204" pitchFamily="34" charset="-78"/>
+              </a:rPr>
+              <a:t>By the time he arrived, I had been waiting for two hours.</a:t>
+            </a:r>
+            <a:endParaRPr lang="en-US" dirty="0">
+              <a:latin typeface="IRANSans(FaNum)" panose="020B0506030804020204" pitchFamily="34" charset="-78"/>
+              <a:cs typeface="IRANSans(FaNum)" panose="020B0506030804020204" pitchFamily="34" charset="-78"/>
+            </a:endParaRPr>
+          </a:p>
+        </p:txBody>
+      </p:sp>
+    </p:spTree>
+    <p:extLst>
+      <p:ext uri="{BB962C8B-B14F-4D97-AF65-F5344CB8AC3E}">
+        <p14:creationId xmlns:p14="http://schemas.microsoft.com/office/powerpoint/2010/main" val="4072800757"/>
+      </p:ext>
+    </p:extLst>
+  </p:cSld>
+  <p:clrMapOvr>
+    <a:masterClrMapping/>
+  </p:clrMapOvr>
+</p:sld>
+</file>
+
+<file path=ppt/slides/slide39.xml><?xml version="1.0" encoding="utf-8"?>
+<p:sld xmlns:a="http://schemas.openxmlformats.org/drawingml/2006/main" xmlns:r="http://schemas.openxmlformats.org/officeDocument/2006/relationships" xmlns:p="http://schemas.openxmlformats.org/presentationml/2006/main">
+  <p:cSld>
+    <p:spTree>
+      <p:nvGrpSpPr>
+        <p:cNvPr id="1" name=""/>
+        <p:cNvGrpSpPr/>
+        <p:nvPr/>
+      </p:nvGrpSpPr>
+      <p:grpSpPr>
+        <a:xfrm>
+          <a:off x="0" y="0"/>
+          <a:ext cx="0" cy="0"/>
+          <a:chOff x="0" y="0"/>
+          <a:chExt cx="0" cy="0"/>
+        </a:xfrm>
+      </p:grpSpPr>
+      <p:sp>
+        <p:nvSpPr>
+          <p:cNvPr id="2" name="Slide Number Placeholder 1">
+            <a:extLst>
+              <a:ext uri="{FF2B5EF4-FFF2-40B4-BE49-F238E27FC236}">
+                <a16:creationId xmlns:a16="http://schemas.microsoft.com/office/drawing/2014/main" id="{A7266CF0-F809-4E82-A5FB-CB5DDBFCEA16}"/>
+              </a:ext>
+            </a:extLst>
+          </p:cNvPr>
+          <p:cNvSpPr>
+            <a:spLocks noGrp="1"/>
+          </p:cNvSpPr>
+          <p:nvPr>
+            <p:ph type="sldNum" sz="quarter" idx="12"/>
+          </p:nvPr>
+        </p:nvSpPr>
+        <p:spPr/>
+        <p:txBody>
+          <a:bodyPr/>
+          <a:lstStyle/>
+          <a:p>
+            <a:fld id="{23F3D7C6-E23E-47A6-9DDE-D0AE3B6B9EDD}" type="slidenum">
+              <a:rPr lang="en-US" smtClean="0"/>
+              <a:t>39</a:t>
+            </a:fld>
+            <a:endParaRPr lang="en-US"/>
+          </a:p>
+        </p:txBody>
+      </p:sp>
+      <p:sp>
+        <p:nvSpPr>
+          <p:cNvPr id="4" name="TextBox 3">
+            <a:extLst>
+              <a:ext uri="{FF2B5EF4-FFF2-40B4-BE49-F238E27FC236}">
+                <a16:creationId xmlns:a16="http://schemas.microsoft.com/office/drawing/2014/main" id="{B592B88B-4743-4FD3-8A8D-6623F7966EA6}"/>
+              </a:ext>
+            </a:extLst>
+          </p:cNvPr>
+          <p:cNvSpPr txBox="1"/>
+          <p:nvPr/>
+        </p:nvSpPr>
+        <p:spPr>
+          <a:xfrm>
+            <a:off x="2316480" y="248729"/>
+            <a:ext cx="8798560" cy="6290183"/>
+          </a:xfrm>
+          <a:prstGeom prst="rect">
+            <a:avLst/>
+          </a:prstGeom>
+          <a:noFill/>
+        </p:spPr>
+        <p:txBody>
+          <a:bodyPr wrap="square">
+            <a:spAutoFit/>
+          </a:bodyPr>
+          <a:lstStyle/>
+          <a:p>
+            <a:pPr algn="r" rtl="1">
+              <a:lnSpc>
+                <a:spcPct val="150000"/>
+              </a:lnSpc>
+            </a:pPr>
+            <a:r>
+              <a:rPr lang="fa-IR" b="1" dirty="0">
+                <a:latin typeface="IRANSans(FaNum)" panose="020B0506030804020204" pitchFamily="34" charset="-78"/>
+                <a:cs typeface="IRANSans(FaNum)" panose="020B0506030804020204" pitchFamily="34" charset="-78"/>
+              </a:rPr>
+              <a:t>نکات اضافی پیشرفته:</a:t>
+            </a:r>
+          </a:p>
+          <a:p>
+            <a:pPr algn="r" rtl="1">
+              <a:lnSpc>
+                <a:spcPct val="150000"/>
+              </a:lnSpc>
+              <a:buFont typeface="+mj-lt"/>
+              <a:buAutoNum type="arabicPeriod"/>
+            </a:pPr>
+            <a:r>
+              <a:rPr lang="fa-IR" b="1" dirty="0">
+                <a:latin typeface="IRANSans(FaNum)" panose="020B0506030804020204" pitchFamily="34" charset="-78"/>
+                <a:cs typeface="IRANSans(FaNum)" panose="020B0506030804020204" pitchFamily="34" charset="-78"/>
+              </a:rPr>
+              <a:t>استفاده از حالت‌های تأکیدی </a:t>
+            </a:r>
+            <a:r>
+              <a:rPr lang="en-US" b="1" dirty="0">
+                <a:latin typeface="IRANSans(FaNum)" panose="020B0506030804020204" pitchFamily="34" charset="-78"/>
+                <a:cs typeface="IRANSans(FaNum)" panose="020B0506030804020204" pitchFamily="34" charset="-78"/>
+              </a:rPr>
+              <a:t>Emphasis</a:t>
+            </a:r>
+            <a:endParaRPr lang="en-US" dirty="0">
+              <a:latin typeface="IRANSans(FaNum)" panose="020B0506030804020204" pitchFamily="34" charset="-78"/>
+              <a:cs typeface="IRANSans(FaNum)" panose="020B0506030804020204" pitchFamily="34" charset="-78"/>
+            </a:endParaRPr>
+          </a:p>
+          <a:p>
+            <a:pPr marL="742950" lvl="1" indent="-285750" algn="r" rtl="1">
+              <a:lnSpc>
+                <a:spcPct val="150000"/>
+              </a:lnSpc>
+              <a:buFont typeface="+mj-lt"/>
+              <a:buAutoNum type="arabicPeriod"/>
+            </a:pPr>
+            <a:r>
+              <a:rPr lang="en-US" dirty="0">
+                <a:latin typeface="IRANSans(FaNum)" panose="020B0506030804020204" pitchFamily="34" charset="-78"/>
+                <a:cs typeface="IRANSans(FaNum)" panose="020B0506030804020204" pitchFamily="34" charset="-78"/>
+              </a:rPr>
+              <a:t>Past Simple:</a:t>
+            </a:r>
+          </a:p>
+          <a:p>
+            <a:pPr marL="1143000" lvl="2" indent="-228600" algn="r" rtl="1">
+              <a:lnSpc>
+                <a:spcPct val="150000"/>
+              </a:lnSpc>
+              <a:buFont typeface="+mj-lt"/>
+              <a:buAutoNum type="arabicPeriod"/>
+            </a:pPr>
+            <a:r>
+              <a:rPr lang="en-US" i="1" dirty="0">
+                <a:latin typeface="IRANSans(FaNum)" panose="020B0506030804020204" pitchFamily="34" charset="-78"/>
+                <a:cs typeface="IRANSans(FaNum)" panose="020B0506030804020204" pitchFamily="34" charset="-78"/>
+              </a:rPr>
+              <a:t>I did finish my homework!</a:t>
+            </a:r>
+            <a:r>
+              <a:rPr lang="en-US" dirty="0">
+                <a:latin typeface="IRANSans(FaNum)" panose="020B0506030804020204" pitchFamily="34" charset="-78"/>
+                <a:cs typeface="IRANSans(FaNum)" panose="020B0506030804020204" pitchFamily="34" charset="-78"/>
+              </a:rPr>
+              <a:t> </a:t>
+            </a:r>
+            <a:r>
+              <a:rPr lang="fa-IR" dirty="0">
+                <a:latin typeface="IRANSans(FaNum)" panose="020B0506030804020204" pitchFamily="34" charset="-78"/>
+                <a:cs typeface="IRANSans(FaNum)" panose="020B0506030804020204" pitchFamily="34" charset="-78"/>
+              </a:rPr>
+              <a:t>تأکید بر انجام کار</a:t>
+            </a:r>
+          </a:p>
+          <a:p>
+            <a:pPr marL="742950" lvl="1" indent="-285750" algn="r" rtl="1">
+              <a:lnSpc>
+                <a:spcPct val="150000"/>
+              </a:lnSpc>
+              <a:buFont typeface="+mj-lt"/>
+              <a:buAutoNum type="arabicPeriod"/>
+            </a:pPr>
+            <a:r>
+              <a:rPr lang="en-US" dirty="0">
+                <a:latin typeface="IRANSans(FaNum)" panose="020B0506030804020204" pitchFamily="34" charset="-78"/>
+                <a:cs typeface="IRANSans(FaNum)" panose="020B0506030804020204" pitchFamily="34" charset="-78"/>
+              </a:rPr>
+              <a:t>Past Perfect:</a:t>
+            </a:r>
+          </a:p>
+          <a:p>
+            <a:pPr marL="1143000" lvl="2" indent="-228600" algn="r" rtl="1">
+              <a:lnSpc>
+                <a:spcPct val="150000"/>
+              </a:lnSpc>
+              <a:buFont typeface="+mj-lt"/>
+              <a:buAutoNum type="arabicPeriod"/>
+            </a:pPr>
+            <a:r>
+              <a:rPr lang="en-US" i="1" dirty="0">
+                <a:latin typeface="IRANSans(FaNum)" panose="020B0506030804020204" pitchFamily="34" charset="-78"/>
+                <a:cs typeface="IRANSans(FaNum)" panose="020B0506030804020204" pitchFamily="34" charset="-78"/>
+              </a:rPr>
+              <a:t>I had completed the project before anyone else noticed.</a:t>
+            </a:r>
+            <a:endParaRPr lang="en-US" dirty="0">
+              <a:latin typeface="IRANSans(FaNum)" panose="020B0506030804020204" pitchFamily="34" charset="-78"/>
+              <a:cs typeface="IRANSans(FaNum)" panose="020B0506030804020204" pitchFamily="34" charset="-78"/>
+            </a:endParaRPr>
+          </a:p>
+          <a:p>
+            <a:pPr algn="r" rtl="1">
+              <a:lnSpc>
+                <a:spcPct val="150000"/>
+              </a:lnSpc>
+              <a:buFont typeface="+mj-lt"/>
+              <a:buAutoNum type="arabicPeriod"/>
+            </a:pPr>
+            <a:r>
+              <a:rPr lang="fa-IR" b="1" dirty="0">
+                <a:latin typeface="IRANSans(FaNum)" panose="020B0506030804020204" pitchFamily="34" charset="-78"/>
+                <a:cs typeface="IRANSans(FaNum)" panose="020B0506030804020204" pitchFamily="34" charset="-78"/>
+              </a:rPr>
+              <a:t>استفاده در داستان‌سرایی:</a:t>
+            </a:r>
+            <a:endParaRPr lang="fa-IR" dirty="0">
+              <a:latin typeface="IRANSans(FaNum)" panose="020B0506030804020204" pitchFamily="34" charset="-78"/>
+              <a:cs typeface="IRANSans(FaNum)" panose="020B0506030804020204" pitchFamily="34" charset="-78"/>
+            </a:endParaRPr>
+          </a:p>
+          <a:p>
+            <a:pPr marL="742950" lvl="1" indent="-285750" algn="r" rtl="1">
+              <a:lnSpc>
+                <a:spcPct val="150000"/>
+              </a:lnSpc>
+              <a:buFont typeface="+mj-lt"/>
+              <a:buAutoNum type="arabicPeriod"/>
+            </a:pPr>
+            <a:r>
+              <a:rPr lang="fa-IR" dirty="0">
+                <a:latin typeface="IRANSans(FaNum)" panose="020B0506030804020204" pitchFamily="34" charset="-78"/>
+                <a:cs typeface="IRANSans(FaNum)" panose="020B0506030804020204" pitchFamily="34" charset="-78"/>
+              </a:rPr>
+              <a:t>زمان‌های گذشته در داستان‌ها برای ایجاد ترتیب وقایع استفاده می‌شوند:</a:t>
+            </a:r>
+          </a:p>
+          <a:p>
+            <a:pPr marL="1143000" lvl="2" indent="-228600" algn="r" rtl="1">
+              <a:lnSpc>
+                <a:spcPct val="150000"/>
+              </a:lnSpc>
+              <a:buFont typeface="+mj-lt"/>
+              <a:buAutoNum type="arabicPeriod"/>
+            </a:pPr>
+            <a:r>
+              <a:rPr lang="en-US" i="1" dirty="0">
+                <a:latin typeface="IRANSans(FaNum)" panose="020B0506030804020204" pitchFamily="34" charset="-78"/>
+                <a:cs typeface="IRANSans(FaNum)" panose="020B0506030804020204" pitchFamily="34" charset="-78"/>
+              </a:rPr>
+              <a:t>She opened the door, looked around, and stepped inside.</a:t>
+            </a:r>
+            <a:endParaRPr lang="en-US" dirty="0">
+              <a:latin typeface="IRANSans(FaNum)" panose="020B0506030804020204" pitchFamily="34" charset="-78"/>
+              <a:cs typeface="IRANSans(FaNum)" panose="020B0506030804020204" pitchFamily="34" charset="-78"/>
+            </a:endParaRPr>
+          </a:p>
+          <a:p>
+            <a:pPr marL="1143000" lvl="2" indent="-228600" algn="r" rtl="1">
+              <a:lnSpc>
+                <a:spcPct val="150000"/>
+              </a:lnSpc>
+              <a:buFont typeface="+mj-lt"/>
+              <a:buAutoNum type="arabicPeriod"/>
+            </a:pPr>
+            <a:r>
+              <a:rPr lang="en-US" i="1" dirty="0">
+                <a:latin typeface="IRANSans(FaNum)" panose="020B0506030804020204" pitchFamily="34" charset="-78"/>
+                <a:cs typeface="IRANSans(FaNum)" panose="020B0506030804020204" pitchFamily="34" charset="-78"/>
+              </a:rPr>
+              <a:t>She had never been in such a place before.</a:t>
+            </a:r>
+            <a:endParaRPr lang="en-US" dirty="0">
+              <a:latin typeface="IRANSans(FaNum)" panose="020B0506030804020204" pitchFamily="34" charset="-78"/>
+              <a:cs typeface="IRANSans(FaNum)" panose="020B0506030804020204" pitchFamily="34" charset="-78"/>
+            </a:endParaRPr>
+          </a:p>
+          <a:p>
+            <a:pPr algn="r" rtl="1">
+              <a:lnSpc>
+                <a:spcPct val="150000"/>
+              </a:lnSpc>
+              <a:buFont typeface="+mj-lt"/>
+              <a:buAutoNum type="arabicPeriod"/>
+            </a:pPr>
+            <a:r>
+              <a:rPr lang="fa-IR" b="1" dirty="0">
+                <a:latin typeface="IRANSans(FaNum)" panose="020B0506030804020204" pitchFamily="34" charset="-78"/>
+                <a:cs typeface="IRANSans(FaNum)" panose="020B0506030804020204" pitchFamily="34" charset="-78"/>
+              </a:rPr>
+              <a:t>عبارات زمانی خاص </a:t>
+            </a:r>
+            <a:r>
+              <a:rPr lang="en-US" b="1" dirty="0">
+                <a:latin typeface="IRANSans(FaNum)" panose="020B0506030804020204" pitchFamily="34" charset="-78"/>
+                <a:cs typeface="IRANSans(FaNum)" panose="020B0506030804020204" pitchFamily="34" charset="-78"/>
+              </a:rPr>
+              <a:t>Time Expressions</a:t>
+            </a:r>
+            <a:endParaRPr lang="en-US" dirty="0">
+              <a:latin typeface="IRANSans(FaNum)" panose="020B0506030804020204" pitchFamily="34" charset="-78"/>
+              <a:cs typeface="IRANSans(FaNum)" panose="020B0506030804020204" pitchFamily="34" charset="-78"/>
+            </a:endParaRPr>
+          </a:p>
+          <a:p>
+            <a:pPr marL="742950" lvl="1" indent="-285750" algn="r" rtl="1">
+              <a:lnSpc>
+                <a:spcPct val="150000"/>
+              </a:lnSpc>
+              <a:buFont typeface="+mj-lt"/>
+              <a:buAutoNum type="arabicPeriod"/>
+            </a:pPr>
+            <a:r>
+              <a:rPr lang="en-US" dirty="0">
+                <a:latin typeface="IRANSans(FaNum)" panose="020B0506030804020204" pitchFamily="34" charset="-78"/>
+                <a:cs typeface="IRANSans(FaNum)" panose="020B0506030804020204" pitchFamily="34" charset="-78"/>
+              </a:rPr>
+              <a:t>Past Simple: </a:t>
+            </a:r>
+            <a:r>
+              <a:rPr lang="en-US" i="1" dirty="0">
+                <a:latin typeface="IRANSans(FaNum)" panose="020B0506030804020204" pitchFamily="34" charset="-78"/>
+                <a:cs typeface="IRANSans(FaNum)" panose="020B0506030804020204" pitchFamily="34" charset="-78"/>
+              </a:rPr>
+              <a:t>yesterday, last week, in 1995</a:t>
+            </a:r>
+            <a:endParaRPr lang="en-US" dirty="0">
+              <a:latin typeface="IRANSans(FaNum)" panose="020B0506030804020204" pitchFamily="34" charset="-78"/>
+              <a:cs typeface="IRANSans(FaNum)" panose="020B0506030804020204" pitchFamily="34" charset="-78"/>
+            </a:endParaRPr>
+          </a:p>
+          <a:p>
+            <a:pPr marL="742950" lvl="1" indent="-285750" algn="r" rtl="1">
+              <a:lnSpc>
+                <a:spcPct val="150000"/>
+              </a:lnSpc>
+              <a:buFont typeface="+mj-lt"/>
+              <a:buAutoNum type="arabicPeriod"/>
+            </a:pPr>
+            <a:r>
+              <a:rPr lang="en-US" dirty="0">
+                <a:latin typeface="IRANSans(FaNum)" panose="020B0506030804020204" pitchFamily="34" charset="-78"/>
+                <a:cs typeface="IRANSans(FaNum)" panose="020B0506030804020204" pitchFamily="34" charset="-78"/>
+              </a:rPr>
+              <a:t>Past Perfect: </a:t>
+            </a:r>
+            <a:r>
+              <a:rPr lang="en-US" i="1" dirty="0">
+                <a:latin typeface="IRANSans(FaNum)" panose="020B0506030804020204" pitchFamily="34" charset="-78"/>
+                <a:cs typeface="IRANSans(FaNum)" panose="020B0506030804020204" pitchFamily="34" charset="-78"/>
+              </a:rPr>
+              <a:t>before, by the time, already</a:t>
+            </a:r>
+            <a:endParaRPr lang="en-US" dirty="0">
+              <a:latin typeface="IRANSans(FaNum)" panose="020B0506030804020204" pitchFamily="34" charset="-78"/>
+              <a:cs typeface="IRANSans(FaNum)" panose="020B0506030804020204" pitchFamily="34" charset="-78"/>
+            </a:endParaRPr>
+          </a:p>
+          <a:p>
+            <a:pPr marL="742950" lvl="1" indent="-285750" algn="r" rtl="1">
+              <a:lnSpc>
+                <a:spcPct val="150000"/>
+              </a:lnSpc>
+              <a:buFont typeface="+mj-lt"/>
+              <a:buAutoNum type="arabicPeriod"/>
+            </a:pPr>
+            <a:r>
+              <a:rPr lang="en-US" dirty="0">
+                <a:latin typeface="IRANSans(FaNum)" panose="020B0506030804020204" pitchFamily="34" charset="-78"/>
+                <a:cs typeface="IRANSans(FaNum)" panose="020B0506030804020204" pitchFamily="34" charset="-78"/>
+              </a:rPr>
+              <a:t>Past Continuous: </a:t>
+            </a:r>
+            <a:r>
+              <a:rPr lang="en-US" i="1" dirty="0">
+                <a:latin typeface="IRANSans(FaNum)" panose="020B0506030804020204" pitchFamily="34" charset="-78"/>
+                <a:cs typeface="IRANSans(FaNum)" panose="020B0506030804020204" pitchFamily="34" charset="-78"/>
+              </a:rPr>
+              <a:t>at that moment, while</a:t>
+            </a:r>
+            <a:endParaRPr lang="en-US" dirty="0">
+              <a:latin typeface="IRANSans(FaNum)" panose="020B0506030804020204" pitchFamily="34" charset="-78"/>
+              <a:cs typeface="IRANSans(FaNum)" panose="020B0506030804020204" pitchFamily="34" charset="-78"/>
+            </a:endParaRPr>
+          </a:p>
+          <a:p>
+            <a:pPr marL="742950" lvl="1" indent="-285750" algn="r" rtl="1">
+              <a:lnSpc>
+                <a:spcPct val="150000"/>
+              </a:lnSpc>
+              <a:buFont typeface="+mj-lt"/>
+              <a:buAutoNum type="arabicPeriod"/>
+            </a:pPr>
+            <a:r>
+              <a:rPr lang="en-US" dirty="0">
+                <a:latin typeface="IRANSans(FaNum)" panose="020B0506030804020204" pitchFamily="34" charset="-78"/>
+                <a:cs typeface="IRANSans(FaNum)" panose="020B0506030804020204" pitchFamily="34" charset="-78"/>
+              </a:rPr>
+              <a:t>Past Perfect Continuous: </a:t>
+            </a:r>
+            <a:r>
+              <a:rPr lang="en-US" i="1" dirty="0">
+                <a:latin typeface="IRANSans(FaNum)" panose="020B0506030804020204" pitchFamily="34" charset="-78"/>
+                <a:cs typeface="IRANSans(FaNum)" panose="020B0506030804020204" pitchFamily="34" charset="-78"/>
+              </a:rPr>
+              <a:t>for, since, how long</a:t>
+            </a:r>
+            <a:endParaRPr lang="en-US" dirty="0">
+              <a:latin typeface="IRANSans(FaNum)" panose="020B0506030804020204" pitchFamily="34" charset="-78"/>
+              <a:cs typeface="IRANSans(FaNum)" panose="020B0506030804020204" pitchFamily="34" charset="-78"/>
+            </a:endParaRPr>
+          </a:p>
+        </p:txBody>
+      </p:sp>
+    </p:spTree>
+    <p:extLst>
+      <p:ext uri="{BB962C8B-B14F-4D97-AF65-F5344CB8AC3E}">
+        <p14:creationId xmlns:p14="http://schemas.microsoft.com/office/powerpoint/2010/main" val="2813057059"/>
+      </p:ext>
+    </p:extLst>
+  </p:cSld>
+  <p:clrMapOvr>
+    <a:masterClrMapping/>
+  </p:clrMapOvr>
+</p:sld>
+</file>
+
 <file path=ppt/slides/slide4.xml><?xml version="1.0" encoding="utf-8"?>
 <p:sld xmlns:a="http://schemas.openxmlformats.org/drawingml/2006/main" xmlns:r="http://schemas.openxmlformats.org/officeDocument/2006/relationships" xmlns:p="http://schemas.openxmlformats.org/presentationml/2006/main">
   <p:cSld>
@@ -14976,6 +19659,733 @@
       </p:par>
     </p:tnLst>
   </p:timing>
+</p:sld>
+</file>
+
+<file path=ppt/slides/slide40.xml><?xml version="1.0" encoding="utf-8"?>
+<p:sld xmlns:a="http://schemas.openxmlformats.org/drawingml/2006/main" xmlns:r="http://schemas.openxmlformats.org/officeDocument/2006/relationships" xmlns:p="http://schemas.openxmlformats.org/presentationml/2006/main">
+  <p:cSld>
+    <p:spTree>
+      <p:nvGrpSpPr>
+        <p:cNvPr id="1" name=""/>
+        <p:cNvGrpSpPr/>
+        <p:nvPr/>
+      </p:nvGrpSpPr>
+      <p:grpSpPr>
+        <a:xfrm>
+          <a:off x="0" y="0"/>
+          <a:ext cx="0" cy="0"/>
+          <a:chOff x="0" y="0"/>
+          <a:chExt cx="0" cy="0"/>
+        </a:xfrm>
+      </p:grpSpPr>
+      <p:sp>
+        <p:nvSpPr>
+          <p:cNvPr id="2" name="Slide Number Placeholder 1">
+            <a:extLst>
+              <a:ext uri="{FF2B5EF4-FFF2-40B4-BE49-F238E27FC236}">
+                <a16:creationId xmlns:a16="http://schemas.microsoft.com/office/drawing/2014/main" id="{DC5D4873-1794-428C-A749-88CD36B3B2F5}"/>
+              </a:ext>
+            </a:extLst>
+          </p:cNvPr>
+          <p:cNvSpPr>
+            <a:spLocks noGrp="1"/>
+          </p:cNvSpPr>
+          <p:nvPr>
+            <p:ph type="sldNum" sz="quarter" idx="12"/>
+          </p:nvPr>
+        </p:nvSpPr>
+        <p:spPr/>
+        <p:txBody>
+          <a:bodyPr/>
+          <a:lstStyle/>
+          <a:p>
+            <a:fld id="{23F3D7C6-E23E-47A6-9DDE-D0AE3B6B9EDD}" type="slidenum">
+              <a:rPr lang="en-US" smtClean="0"/>
+              <a:t>40</a:t>
+            </a:fld>
+            <a:endParaRPr lang="en-US"/>
+          </a:p>
+        </p:txBody>
+      </p:sp>
+      <p:sp>
+        <p:nvSpPr>
+          <p:cNvPr id="4" name="TextBox 3">
+            <a:extLst>
+              <a:ext uri="{FF2B5EF4-FFF2-40B4-BE49-F238E27FC236}">
+                <a16:creationId xmlns:a16="http://schemas.microsoft.com/office/drawing/2014/main" id="{B09B9EDD-571C-462A-B1E8-EC3D2E5C6DEB}"/>
+              </a:ext>
+            </a:extLst>
+          </p:cNvPr>
+          <p:cNvSpPr txBox="1"/>
+          <p:nvPr/>
+        </p:nvSpPr>
+        <p:spPr>
+          <a:xfrm>
+            <a:off x="2306320" y="330538"/>
+            <a:ext cx="8605520" cy="2239074"/>
+          </a:xfrm>
+          <a:prstGeom prst="rect">
+            <a:avLst/>
+          </a:prstGeom>
+          <a:noFill/>
+        </p:spPr>
+        <p:txBody>
+          <a:bodyPr wrap="square">
+            <a:spAutoFit/>
+          </a:bodyPr>
+          <a:lstStyle/>
+          <a:p>
+            <a:pPr algn="r">
+              <a:lnSpc>
+                <a:spcPct val="200000"/>
+              </a:lnSpc>
+            </a:pPr>
+            <a:r>
+              <a:rPr lang="fa-IR" dirty="0">
+                <a:latin typeface="dana" panose="00000500000000000000" pitchFamily="2" charset="-78"/>
+                <a:cs typeface="dana" panose="00000500000000000000" pitchFamily="2" charset="-78"/>
+              </a:rPr>
+              <a:t>بازنویسی جملات با استفاده از زمان‌های مختلف:</a:t>
+            </a:r>
+          </a:p>
+          <a:p>
+            <a:pPr algn="l">
+              <a:lnSpc>
+                <a:spcPct val="200000"/>
+              </a:lnSpc>
+              <a:buFont typeface="+mj-lt"/>
+              <a:buAutoNum type="arabicPeriod"/>
+            </a:pPr>
+            <a:r>
+              <a:rPr lang="en-US" i="1" dirty="0">
+                <a:latin typeface="dana" panose="00000500000000000000" pitchFamily="2" charset="-78"/>
+                <a:cs typeface="dana" panose="00000500000000000000" pitchFamily="2" charset="-78"/>
+              </a:rPr>
+              <a:t>She was reading a book when I called her.</a:t>
+            </a:r>
+            <a:r>
+              <a:rPr lang="en-US" dirty="0">
+                <a:latin typeface="dana" panose="00000500000000000000" pitchFamily="2" charset="-78"/>
+                <a:cs typeface="dana" panose="00000500000000000000" pitchFamily="2" charset="-78"/>
+              </a:rPr>
+              <a:t> → </a:t>
+            </a:r>
+            <a:r>
+              <a:rPr lang="fa-IR" dirty="0">
+                <a:latin typeface="dana" panose="00000500000000000000" pitchFamily="2" charset="-78"/>
+                <a:cs typeface="dana" panose="00000500000000000000" pitchFamily="2" charset="-78"/>
+              </a:rPr>
+              <a:t>بازنویسی با </a:t>
+            </a:r>
+            <a:r>
+              <a:rPr lang="en-US" b="1" dirty="0">
+                <a:latin typeface="dana" panose="00000500000000000000" pitchFamily="2" charset="-78"/>
+                <a:cs typeface="dana" panose="00000500000000000000" pitchFamily="2" charset="-78"/>
+              </a:rPr>
+              <a:t>Past Simple</a:t>
+            </a:r>
+            <a:endParaRPr lang="en-US" dirty="0">
+              <a:latin typeface="dana" panose="00000500000000000000" pitchFamily="2" charset="-78"/>
+              <a:cs typeface="dana" panose="00000500000000000000" pitchFamily="2" charset="-78"/>
+            </a:endParaRPr>
+          </a:p>
+          <a:p>
+            <a:pPr algn="l">
+              <a:lnSpc>
+                <a:spcPct val="200000"/>
+              </a:lnSpc>
+              <a:buFont typeface="+mj-lt"/>
+              <a:buAutoNum type="arabicPeriod"/>
+            </a:pPr>
+            <a:r>
+              <a:rPr lang="en-US" i="1" dirty="0">
+                <a:latin typeface="dana" panose="00000500000000000000" pitchFamily="2" charset="-78"/>
+                <a:cs typeface="dana" panose="00000500000000000000" pitchFamily="2" charset="-78"/>
+              </a:rPr>
+              <a:t>They had already left when we arrived.</a:t>
+            </a:r>
+            <a:r>
+              <a:rPr lang="en-US" dirty="0">
+                <a:latin typeface="dana" panose="00000500000000000000" pitchFamily="2" charset="-78"/>
+                <a:cs typeface="dana" panose="00000500000000000000" pitchFamily="2" charset="-78"/>
+              </a:rPr>
+              <a:t> → </a:t>
+            </a:r>
+            <a:r>
+              <a:rPr lang="fa-IR" dirty="0">
+                <a:latin typeface="dana" panose="00000500000000000000" pitchFamily="2" charset="-78"/>
+                <a:cs typeface="dana" panose="00000500000000000000" pitchFamily="2" charset="-78"/>
+              </a:rPr>
+              <a:t>بازنویسی با </a:t>
+            </a:r>
+            <a:r>
+              <a:rPr lang="en-US" b="1" dirty="0">
+                <a:latin typeface="dana" panose="00000500000000000000" pitchFamily="2" charset="-78"/>
+                <a:cs typeface="dana" panose="00000500000000000000" pitchFamily="2" charset="-78"/>
+              </a:rPr>
+              <a:t>Past Perfect Continuous</a:t>
+            </a:r>
+            <a:endParaRPr lang="en-US" dirty="0">
+              <a:latin typeface="dana" panose="00000500000000000000" pitchFamily="2" charset="-78"/>
+              <a:cs typeface="dana" panose="00000500000000000000" pitchFamily="2" charset="-78"/>
+            </a:endParaRPr>
+          </a:p>
+          <a:p>
+            <a:pPr algn="l">
+              <a:lnSpc>
+                <a:spcPct val="200000"/>
+              </a:lnSpc>
+              <a:buFont typeface="+mj-lt"/>
+              <a:buAutoNum type="arabicPeriod"/>
+            </a:pPr>
+            <a:r>
+              <a:rPr lang="en-US" i="1" dirty="0">
+                <a:latin typeface="dana" panose="00000500000000000000" pitchFamily="2" charset="-78"/>
+                <a:cs typeface="dana" panose="00000500000000000000" pitchFamily="2" charset="-78"/>
+              </a:rPr>
+              <a:t>I was working when the storm started.</a:t>
+            </a:r>
+            <a:r>
+              <a:rPr lang="en-US" dirty="0">
+                <a:latin typeface="dana" panose="00000500000000000000" pitchFamily="2" charset="-78"/>
+                <a:cs typeface="dana" panose="00000500000000000000" pitchFamily="2" charset="-78"/>
+              </a:rPr>
+              <a:t> → </a:t>
+            </a:r>
+            <a:r>
+              <a:rPr lang="fa-IR" dirty="0">
+                <a:latin typeface="dana" panose="00000500000000000000" pitchFamily="2" charset="-78"/>
+                <a:cs typeface="dana" panose="00000500000000000000" pitchFamily="2" charset="-78"/>
+              </a:rPr>
+              <a:t>بازنویسی با </a:t>
+            </a:r>
+            <a:r>
+              <a:rPr lang="en-US" b="1" dirty="0">
+                <a:latin typeface="dana" panose="00000500000000000000" pitchFamily="2" charset="-78"/>
+                <a:cs typeface="dana" panose="00000500000000000000" pitchFamily="2" charset="-78"/>
+              </a:rPr>
+              <a:t>Past Perfect</a:t>
+            </a:r>
+            <a:endParaRPr lang="en-US" dirty="0">
+              <a:latin typeface="dana" panose="00000500000000000000" pitchFamily="2" charset="-78"/>
+              <a:cs typeface="dana" panose="00000500000000000000" pitchFamily="2" charset="-78"/>
+            </a:endParaRPr>
+          </a:p>
+        </p:txBody>
+      </p:sp>
+      <p:sp>
+        <p:nvSpPr>
+          <p:cNvPr id="6" name="TextBox 5">
+            <a:extLst>
+              <a:ext uri="{FF2B5EF4-FFF2-40B4-BE49-F238E27FC236}">
+                <a16:creationId xmlns:a16="http://schemas.microsoft.com/office/drawing/2014/main" id="{20639856-B02D-4D78-B7BA-8C9F9E702786}"/>
+              </a:ext>
+            </a:extLst>
+          </p:cNvPr>
+          <p:cNvSpPr txBox="1"/>
+          <p:nvPr/>
+        </p:nvSpPr>
+        <p:spPr>
+          <a:xfrm>
+            <a:off x="2306320" y="3094058"/>
+            <a:ext cx="8920480" cy="2784737"/>
+          </a:xfrm>
+          <a:prstGeom prst="rect">
+            <a:avLst/>
+          </a:prstGeom>
+          <a:noFill/>
+        </p:spPr>
+        <p:txBody>
+          <a:bodyPr wrap="square">
+            <a:spAutoFit/>
+          </a:bodyPr>
+          <a:lstStyle/>
+          <a:p>
+            <a:pPr>
+              <a:lnSpc>
+                <a:spcPct val="200000"/>
+              </a:lnSpc>
+              <a:buFont typeface="+mj-lt"/>
+              <a:buAutoNum type="arabicPeriod"/>
+            </a:pPr>
+            <a:r>
+              <a:rPr lang="en-US" dirty="0"/>
+              <a:t>I ______ (finish) my homework before the teacher asked for it.</a:t>
+            </a:r>
+          </a:p>
+          <a:p>
+            <a:pPr>
+              <a:lnSpc>
+                <a:spcPct val="200000"/>
+              </a:lnSpc>
+              <a:buFont typeface="+mj-lt"/>
+              <a:buAutoNum type="arabicPeriod"/>
+            </a:pPr>
+            <a:r>
+              <a:rPr lang="en-US" dirty="0"/>
+              <a:t>They ______ (play) soccer for two hours when it started to rain.</a:t>
+            </a:r>
+          </a:p>
+          <a:p>
+            <a:pPr>
+              <a:lnSpc>
+                <a:spcPct val="200000"/>
+              </a:lnSpc>
+              <a:buFont typeface="+mj-lt"/>
+              <a:buAutoNum type="arabicPeriod"/>
+            </a:pPr>
+            <a:r>
+              <a:rPr lang="en-US" dirty="0"/>
+              <a:t>While I ______ (walk) to school, I saw an old friend.</a:t>
+            </a:r>
+          </a:p>
+          <a:p>
+            <a:pPr>
+              <a:lnSpc>
+                <a:spcPct val="200000"/>
+              </a:lnSpc>
+              <a:buFont typeface="+mj-lt"/>
+              <a:buAutoNum type="arabicPeriod"/>
+            </a:pPr>
+            <a:r>
+              <a:rPr lang="en-US" dirty="0"/>
+              <a:t>By the time we reached the station, the train ______ (leave).</a:t>
+            </a:r>
+          </a:p>
+          <a:p>
+            <a:pPr>
+              <a:lnSpc>
+                <a:spcPct val="200000"/>
+              </a:lnSpc>
+              <a:buFont typeface="+mj-lt"/>
+              <a:buAutoNum type="arabicPeriod"/>
+            </a:pPr>
+            <a:r>
+              <a:rPr lang="en-US" dirty="0"/>
+              <a:t>She ______ (not study) last night because she was too tired.</a:t>
+            </a:r>
+          </a:p>
+        </p:txBody>
+      </p:sp>
+    </p:spTree>
+    <p:extLst>
+      <p:ext uri="{BB962C8B-B14F-4D97-AF65-F5344CB8AC3E}">
+        <p14:creationId xmlns:p14="http://schemas.microsoft.com/office/powerpoint/2010/main" val="1910548749"/>
+      </p:ext>
+    </p:extLst>
+  </p:cSld>
+  <p:clrMapOvr>
+    <a:masterClrMapping/>
+  </p:clrMapOvr>
+  <p:timing>
+    <p:tnLst>
+      <p:par>
+        <p:cTn id="1" dur="indefinite" restart="never" nodeType="tmRoot">
+          <p:childTnLst>
+            <p:seq concurrent="1" nextAc="seek">
+              <p:cTn id="2" dur="indefinite" nodeType="mainSeq">
+                <p:childTnLst>
+                  <p:par>
+                    <p:cTn id="3" fill="hold">
+                      <p:stCondLst>
+                        <p:cond delay="indefinite"/>
+                      </p:stCondLst>
+                      <p:childTnLst>
+                        <p:par>
+                          <p:cTn id="4" fill="hold">
+                            <p:stCondLst>
+                              <p:cond delay="0"/>
+                            </p:stCondLst>
+                            <p:childTnLst>
+                              <p:par>
+                                <p:cTn id="5" presetID="10" presetClass="entr" presetSubtype="0" fill="hold" grpId="0" nodeType="clickEffect">
+                                  <p:stCondLst>
+                                    <p:cond delay="0"/>
+                                  </p:stCondLst>
+                                  <p:childTnLst>
+                                    <p:set>
+                                      <p:cBhvr>
+                                        <p:cTn id="6" dur="1" fill="hold">
+                                          <p:stCondLst>
+                                            <p:cond delay="0"/>
+                                          </p:stCondLst>
+                                        </p:cTn>
+                                        <p:tgtEl>
+                                          <p:spTgt spid="6"/>
+                                        </p:tgtEl>
+                                        <p:attrNameLst>
+                                          <p:attrName>style.visibility</p:attrName>
+                                        </p:attrNameLst>
+                                      </p:cBhvr>
+                                      <p:to>
+                                        <p:strVal val="visible"/>
+                                      </p:to>
+                                    </p:set>
+                                    <p:animEffect transition="in" filter="fade">
+                                      <p:cBhvr>
+                                        <p:cTn id="7" dur="500"/>
+                                        <p:tgtEl>
+                                          <p:spTgt spid="6"/>
+                                        </p:tgtEl>
+                                      </p:cBhvr>
+                                    </p:animEffect>
+                                  </p:childTnLst>
+                                </p:cTn>
+                              </p:par>
+                            </p:childTnLst>
+                          </p:cTn>
+                        </p:par>
+                      </p:childTnLst>
+                    </p:cTn>
+                  </p:par>
+                </p:childTnLst>
+              </p:cTn>
+              <p:prevCondLst>
+                <p:cond evt="onPrev" delay="0">
+                  <p:tgtEl>
+                    <p:sldTgt/>
+                  </p:tgtEl>
+                </p:cond>
+              </p:prevCondLst>
+              <p:nextCondLst>
+                <p:cond evt="onNext" delay="0">
+                  <p:tgtEl>
+                    <p:sldTgt/>
+                  </p:tgtEl>
+                </p:cond>
+              </p:nextCondLst>
+            </p:seq>
+          </p:childTnLst>
+        </p:cTn>
+      </p:par>
+    </p:tnLst>
+    <p:bldLst>
+      <p:bldP spid="6" grpId="0"/>
+    </p:bldLst>
+  </p:timing>
+</p:sld>
+</file>
+
+<file path=ppt/slides/slide41.xml><?xml version="1.0" encoding="utf-8"?>
+<p:sld xmlns:a="http://schemas.openxmlformats.org/drawingml/2006/main" xmlns:r="http://schemas.openxmlformats.org/officeDocument/2006/relationships" xmlns:p="http://schemas.openxmlformats.org/presentationml/2006/main">
+  <p:cSld>
+    <p:spTree>
+      <p:nvGrpSpPr>
+        <p:cNvPr id="1" name=""/>
+        <p:cNvGrpSpPr/>
+        <p:nvPr/>
+      </p:nvGrpSpPr>
+      <p:grpSpPr>
+        <a:xfrm>
+          <a:off x="0" y="0"/>
+          <a:ext cx="0" cy="0"/>
+          <a:chOff x="0" y="0"/>
+          <a:chExt cx="0" cy="0"/>
+        </a:xfrm>
+      </p:grpSpPr>
+      <p:sp>
+        <p:nvSpPr>
+          <p:cNvPr id="2" name="Slide Number Placeholder 1">
+            <a:extLst>
+              <a:ext uri="{FF2B5EF4-FFF2-40B4-BE49-F238E27FC236}">
+                <a16:creationId xmlns:a16="http://schemas.microsoft.com/office/drawing/2014/main" id="{7291E2DB-A500-4398-81BA-6F3CBCA39BC4}"/>
+              </a:ext>
+            </a:extLst>
+          </p:cNvPr>
+          <p:cNvSpPr>
+            <a:spLocks noGrp="1"/>
+          </p:cNvSpPr>
+          <p:nvPr>
+            <p:ph type="sldNum" sz="quarter" idx="12"/>
+          </p:nvPr>
+        </p:nvSpPr>
+        <p:spPr/>
+        <p:txBody>
+          <a:bodyPr/>
+          <a:lstStyle/>
+          <a:p>
+            <a:fld id="{23F3D7C6-E23E-47A6-9DDE-D0AE3B6B9EDD}" type="slidenum">
+              <a:rPr lang="en-US" smtClean="0"/>
+              <a:t>41</a:t>
+            </a:fld>
+            <a:endParaRPr lang="en-US"/>
+          </a:p>
+        </p:txBody>
+      </p:sp>
+      <p:sp>
+        <p:nvSpPr>
+          <p:cNvPr id="4" name="TextBox 3">
+            <a:extLst>
+              <a:ext uri="{FF2B5EF4-FFF2-40B4-BE49-F238E27FC236}">
+                <a16:creationId xmlns:a16="http://schemas.microsoft.com/office/drawing/2014/main" id="{5F2ED623-9F9E-4743-B96A-88B7F57612A4}"/>
+              </a:ext>
+            </a:extLst>
+          </p:cNvPr>
+          <p:cNvSpPr txBox="1"/>
+          <p:nvPr/>
+        </p:nvSpPr>
+        <p:spPr>
+          <a:xfrm>
+            <a:off x="1412240" y="2758778"/>
+            <a:ext cx="9367520" cy="2793072"/>
+          </a:xfrm>
+          <a:prstGeom prst="rect">
+            <a:avLst/>
+          </a:prstGeom>
+          <a:noFill/>
+        </p:spPr>
+        <p:txBody>
+          <a:bodyPr wrap="square">
+            <a:spAutoFit/>
+          </a:bodyPr>
+          <a:lstStyle/>
+          <a:p>
+            <a:pPr>
+              <a:lnSpc>
+                <a:spcPct val="200000"/>
+              </a:lnSpc>
+              <a:buFont typeface="+mj-lt"/>
+              <a:buAutoNum type="arabicPeriod"/>
+            </a:pPr>
+            <a:r>
+              <a:rPr lang="en-US" dirty="0">
+                <a:latin typeface="IRANSans(FaNum)" panose="020B0506030804020204" pitchFamily="34" charset="-78"/>
+                <a:cs typeface="IRANSans(FaNum)" panose="020B0506030804020204" pitchFamily="34" charset="-78"/>
+              </a:rPr>
+              <a:t>I </a:t>
+            </a:r>
+            <a:r>
+              <a:rPr lang="en-US" b="1" dirty="0">
+                <a:latin typeface="IRANSans(FaNum)" panose="020B0506030804020204" pitchFamily="34" charset="-78"/>
+                <a:cs typeface="IRANSans(FaNum)" panose="020B0506030804020204" pitchFamily="34" charset="-78"/>
+              </a:rPr>
+              <a:t>had finished</a:t>
+            </a:r>
+            <a:r>
+              <a:rPr lang="en-US" dirty="0">
+                <a:latin typeface="IRANSans(FaNum)" panose="020B0506030804020204" pitchFamily="34" charset="-78"/>
+                <a:cs typeface="IRANSans(FaNum)" panose="020B0506030804020204" pitchFamily="34" charset="-78"/>
+              </a:rPr>
+              <a:t> my homework before the teacher asked for it.</a:t>
+            </a:r>
+          </a:p>
+          <a:p>
+            <a:pPr>
+              <a:lnSpc>
+                <a:spcPct val="200000"/>
+              </a:lnSpc>
+              <a:buFont typeface="+mj-lt"/>
+              <a:buAutoNum type="arabicPeriod"/>
+            </a:pPr>
+            <a:r>
+              <a:rPr lang="en-US" dirty="0">
+                <a:latin typeface="IRANSans(FaNum)" panose="020B0506030804020204" pitchFamily="34" charset="-78"/>
+                <a:cs typeface="IRANSans(FaNum)" panose="020B0506030804020204" pitchFamily="34" charset="-78"/>
+              </a:rPr>
+              <a:t>They </a:t>
+            </a:r>
+            <a:r>
+              <a:rPr lang="en-US" b="1" dirty="0">
+                <a:latin typeface="IRANSans(FaNum)" panose="020B0506030804020204" pitchFamily="34" charset="-78"/>
+                <a:cs typeface="IRANSans(FaNum)" panose="020B0506030804020204" pitchFamily="34" charset="-78"/>
+              </a:rPr>
+              <a:t>had been playing</a:t>
+            </a:r>
+            <a:r>
+              <a:rPr lang="en-US" dirty="0">
+                <a:latin typeface="IRANSans(FaNum)" panose="020B0506030804020204" pitchFamily="34" charset="-78"/>
+                <a:cs typeface="IRANSans(FaNum)" panose="020B0506030804020204" pitchFamily="34" charset="-78"/>
+              </a:rPr>
+              <a:t> soccer for two hours when it started to rain.</a:t>
+            </a:r>
+          </a:p>
+          <a:p>
+            <a:pPr>
+              <a:lnSpc>
+                <a:spcPct val="200000"/>
+              </a:lnSpc>
+              <a:buFont typeface="+mj-lt"/>
+              <a:buAutoNum type="arabicPeriod"/>
+            </a:pPr>
+            <a:r>
+              <a:rPr lang="en-US" dirty="0">
+                <a:latin typeface="IRANSans(FaNum)" panose="020B0506030804020204" pitchFamily="34" charset="-78"/>
+                <a:cs typeface="IRANSans(FaNum)" panose="020B0506030804020204" pitchFamily="34" charset="-78"/>
+              </a:rPr>
+              <a:t>While I </a:t>
+            </a:r>
+            <a:r>
+              <a:rPr lang="en-US" b="1" dirty="0">
+                <a:latin typeface="IRANSans(FaNum)" panose="020B0506030804020204" pitchFamily="34" charset="-78"/>
+                <a:cs typeface="IRANSans(FaNum)" panose="020B0506030804020204" pitchFamily="34" charset="-78"/>
+              </a:rPr>
+              <a:t>was walking</a:t>
+            </a:r>
+            <a:r>
+              <a:rPr lang="en-US" dirty="0">
+                <a:latin typeface="IRANSans(FaNum)" panose="020B0506030804020204" pitchFamily="34" charset="-78"/>
+                <a:cs typeface="IRANSans(FaNum)" panose="020B0506030804020204" pitchFamily="34" charset="-78"/>
+              </a:rPr>
+              <a:t> to school, I saw an old friend.</a:t>
+            </a:r>
+          </a:p>
+          <a:p>
+            <a:pPr>
+              <a:lnSpc>
+                <a:spcPct val="200000"/>
+              </a:lnSpc>
+              <a:buFont typeface="+mj-lt"/>
+              <a:buAutoNum type="arabicPeriod"/>
+            </a:pPr>
+            <a:r>
+              <a:rPr lang="en-US" dirty="0">
+                <a:latin typeface="IRANSans(FaNum)" panose="020B0506030804020204" pitchFamily="34" charset="-78"/>
+                <a:cs typeface="IRANSans(FaNum)" panose="020B0506030804020204" pitchFamily="34" charset="-78"/>
+              </a:rPr>
+              <a:t>By the time we reached the station, the train </a:t>
+            </a:r>
+            <a:r>
+              <a:rPr lang="en-US" b="1" dirty="0">
+                <a:latin typeface="IRANSans(FaNum)" panose="020B0506030804020204" pitchFamily="34" charset="-78"/>
+                <a:cs typeface="IRANSans(FaNum)" panose="020B0506030804020204" pitchFamily="34" charset="-78"/>
+              </a:rPr>
+              <a:t>had left</a:t>
+            </a:r>
+            <a:r>
+              <a:rPr lang="en-US" dirty="0">
+                <a:latin typeface="IRANSans(FaNum)" panose="020B0506030804020204" pitchFamily="34" charset="-78"/>
+                <a:cs typeface="IRANSans(FaNum)" panose="020B0506030804020204" pitchFamily="34" charset="-78"/>
+              </a:rPr>
+              <a:t>.</a:t>
+            </a:r>
+          </a:p>
+          <a:p>
+            <a:pPr>
+              <a:lnSpc>
+                <a:spcPct val="200000"/>
+              </a:lnSpc>
+              <a:buFont typeface="+mj-lt"/>
+              <a:buAutoNum type="arabicPeriod"/>
+            </a:pPr>
+            <a:r>
+              <a:rPr lang="en-US" dirty="0">
+                <a:latin typeface="IRANSans(FaNum)" panose="020B0506030804020204" pitchFamily="34" charset="-78"/>
+                <a:cs typeface="IRANSans(FaNum)" panose="020B0506030804020204" pitchFamily="34" charset="-78"/>
+              </a:rPr>
+              <a:t>She </a:t>
+            </a:r>
+            <a:r>
+              <a:rPr lang="en-US" b="1" dirty="0">
+                <a:latin typeface="IRANSans(FaNum)" panose="020B0506030804020204" pitchFamily="34" charset="-78"/>
+                <a:cs typeface="IRANSans(FaNum)" panose="020B0506030804020204" pitchFamily="34" charset="-78"/>
+              </a:rPr>
+              <a:t>did not (didn’t) study</a:t>
+            </a:r>
+            <a:r>
+              <a:rPr lang="en-US" dirty="0">
+                <a:latin typeface="IRANSans(FaNum)" panose="020B0506030804020204" pitchFamily="34" charset="-78"/>
+                <a:cs typeface="IRANSans(FaNum)" panose="020B0506030804020204" pitchFamily="34" charset="-78"/>
+              </a:rPr>
+              <a:t> last night because she was too tired.</a:t>
+            </a:r>
+          </a:p>
+        </p:txBody>
+      </p:sp>
+      <p:sp>
+        <p:nvSpPr>
+          <p:cNvPr id="6" name="TextBox 5">
+            <a:extLst>
+              <a:ext uri="{FF2B5EF4-FFF2-40B4-BE49-F238E27FC236}">
+                <a16:creationId xmlns:a16="http://schemas.microsoft.com/office/drawing/2014/main" id="{3BA7195A-BAD3-4A87-B732-1A20EF13A7F8}"/>
+              </a:ext>
+            </a:extLst>
+          </p:cNvPr>
+          <p:cNvSpPr txBox="1"/>
+          <p:nvPr/>
+        </p:nvSpPr>
+        <p:spPr>
+          <a:xfrm>
+            <a:off x="1310640" y="504466"/>
+            <a:ext cx="8686800" cy="1685077"/>
+          </a:xfrm>
+          <a:prstGeom prst="rect">
+            <a:avLst/>
+          </a:prstGeom>
+          <a:noFill/>
+        </p:spPr>
+        <p:txBody>
+          <a:bodyPr wrap="square">
+            <a:spAutoFit/>
+          </a:bodyPr>
+          <a:lstStyle/>
+          <a:p>
+            <a:pPr>
+              <a:lnSpc>
+                <a:spcPct val="200000"/>
+              </a:lnSpc>
+              <a:buFont typeface="+mj-lt"/>
+              <a:buAutoNum type="arabicPeriod"/>
+            </a:pPr>
+            <a:r>
+              <a:rPr lang="en-US" dirty="0">
+                <a:latin typeface="IRANSans(FaNum)" panose="020B0506030804020204" pitchFamily="34" charset="-78"/>
+                <a:cs typeface="IRANSans(FaNum)" panose="020B0506030804020204" pitchFamily="34" charset="-78"/>
+              </a:rPr>
+              <a:t>She read a book when I called her.</a:t>
+            </a:r>
+          </a:p>
+          <a:p>
+            <a:pPr>
+              <a:lnSpc>
+                <a:spcPct val="200000"/>
+              </a:lnSpc>
+              <a:buFont typeface="+mj-lt"/>
+              <a:buAutoNum type="arabicPeriod"/>
+            </a:pPr>
+            <a:r>
+              <a:rPr lang="en-US" dirty="0">
+                <a:latin typeface="IRANSans(FaNum)" panose="020B0506030804020204" pitchFamily="34" charset="-78"/>
+                <a:cs typeface="IRANSans(FaNum)" panose="020B0506030804020204" pitchFamily="34" charset="-78"/>
+              </a:rPr>
+              <a:t>They had been leaving when we arrived. </a:t>
+            </a:r>
+            <a:r>
+              <a:rPr lang="fa-IR" dirty="0">
+                <a:latin typeface="IRANSans(FaNum)" panose="020B0506030804020204" pitchFamily="34" charset="-78"/>
+                <a:cs typeface="IRANSans(FaNum)" panose="020B0506030804020204" pitchFamily="34" charset="-78"/>
+              </a:rPr>
+              <a:t>تأکید بر مدت زمان</a:t>
+            </a:r>
+          </a:p>
+          <a:p>
+            <a:pPr>
+              <a:lnSpc>
+                <a:spcPct val="200000"/>
+              </a:lnSpc>
+              <a:buFont typeface="+mj-lt"/>
+              <a:buAutoNum type="arabicPeriod"/>
+            </a:pPr>
+            <a:r>
+              <a:rPr lang="en-US" dirty="0">
+                <a:latin typeface="IRANSans(FaNum)" panose="020B0506030804020204" pitchFamily="34" charset="-78"/>
+                <a:cs typeface="IRANSans(FaNum)" panose="020B0506030804020204" pitchFamily="34" charset="-78"/>
+              </a:rPr>
+              <a:t>I had worked when the storm started.</a:t>
+            </a:r>
+          </a:p>
+        </p:txBody>
+      </p:sp>
+    </p:spTree>
+    <p:extLst>
+      <p:ext uri="{BB962C8B-B14F-4D97-AF65-F5344CB8AC3E}">
+        <p14:creationId xmlns:p14="http://schemas.microsoft.com/office/powerpoint/2010/main" val="378828860"/>
+      </p:ext>
+    </p:extLst>
+  </p:cSld>
+  <p:clrMapOvr>
+    <a:masterClrMapping/>
+  </p:clrMapOvr>
 </p:sld>
 </file>
 

--- a/English.pptx
+++ b/English.pptx
@@ -5,7 +5,7 @@
     <p:sldMasterId id="2147483648" r:id="rId1"/>
   </p:sldMasterIdLst>
   <p:notesMasterIdLst>
-    <p:notesMasterId r:id="rId43"/>
+    <p:notesMasterId r:id="rId57"/>
   </p:notesMasterIdLst>
   <p:sldIdLst>
     <p:sldId id="275" r:id="rId2"/>
@@ -49,6 +49,20 @@
     <p:sldId id="295" r:id="rId40"/>
     <p:sldId id="296" r:id="rId41"/>
     <p:sldId id="297" r:id="rId42"/>
+    <p:sldId id="298" r:id="rId43"/>
+    <p:sldId id="299" r:id="rId44"/>
+    <p:sldId id="301" r:id="rId45"/>
+    <p:sldId id="300" r:id="rId46"/>
+    <p:sldId id="302" r:id="rId47"/>
+    <p:sldId id="303" r:id="rId48"/>
+    <p:sldId id="305" r:id="rId49"/>
+    <p:sldId id="306" r:id="rId50"/>
+    <p:sldId id="307" r:id="rId51"/>
+    <p:sldId id="308" r:id="rId52"/>
+    <p:sldId id="304" r:id="rId53"/>
+    <p:sldId id="309" r:id="rId54"/>
+    <p:sldId id="310" r:id="rId55"/>
+    <p:sldId id="311" r:id="rId56"/>
   </p:sldIdLst>
   <p:sldSz cx="12192000" cy="6858000"/>
   <p:notesSz cx="6858000" cy="9144000"/>
@@ -237,7 +251,7 @@
           <a:p>
             <a:fld id="{70CAD059-FC4E-4E94-A19E-AD6F41137A3B}" type="datetimeFigureOut">
               <a:rPr lang="en-US" smtClean="0"/>
-              <a:t>12/25/2024</a:t>
+              <a:t>12/31/2024</a:t>
             </a:fld>
             <a:endParaRPr lang="en-US"/>
           </a:p>
@@ -651,7 +665,7 @@
           <a:p>
             <a:fld id="{5FDAF755-D563-460A-9A78-A9A71D638BE9}" type="datetime1">
               <a:rPr lang="en-US" smtClean="0"/>
-              <a:t>12/25/2024</a:t>
+              <a:t>12/31/2024</a:t>
             </a:fld>
             <a:endParaRPr lang="en-US"/>
           </a:p>
@@ -849,7 +863,7 @@
           <a:p>
             <a:fld id="{1166B37E-64B9-407C-B19F-F84B26B9E9F1}" type="datetime1">
               <a:rPr lang="en-US" smtClean="0"/>
-              <a:t>12/25/2024</a:t>
+              <a:t>12/31/2024</a:t>
             </a:fld>
             <a:endParaRPr lang="en-US"/>
           </a:p>
@@ -1057,7 +1071,7 @@
           <a:p>
             <a:fld id="{88733AA9-7043-4C76-91D1-301229AFD4C5}" type="datetime1">
               <a:rPr lang="en-US" smtClean="0"/>
-              <a:t>12/25/2024</a:t>
+              <a:t>12/31/2024</a:t>
             </a:fld>
             <a:endParaRPr lang="en-US"/>
           </a:p>
@@ -1255,7 +1269,7 @@
           <a:p>
             <a:fld id="{F8FBC7E4-8C6B-4DEB-9FC6-05266DB2A2EB}" type="datetime1">
               <a:rPr lang="en-US" smtClean="0"/>
-              <a:t>12/25/2024</a:t>
+              <a:t>12/31/2024</a:t>
             </a:fld>
             <a:endParaRPr lang="en-US"/>
           </a:p>
@@ -1530,7 +1544,7 @@
           <a:p>
             <a:fld id="{F4B6232F-6FA7-43FF-9717-27A437E41265}" type="datetime1">
               <a:rPr lang="en-US" smtClean="0"/>
-              <a:t>12/25/2024</a:t>
+              <a:t>12/31/2024</a:t>
             </a:fld>
             <a:endParaRPr lang="en-US"/>
           </a:p>
@@ -1795,7 +1809,7 @@
           <a:p>
             <a:fld id="{3C32C38F-ED2E-4D5C-944E-B7CEF42677F3}" type="datetime1">
               <a:rPr lang="en-US" smtClean="0"/>
-              <a:t>12/25/2024</a:t>
+              <a:t>12/31/2024</a:t>
             </a:fld>
             <a:endParaRPr lang="en-US"/>
           </a:p>
@@ -2207,7 +2221,7 @@
           <a:p>
             <a:fld id="{CA98769A-A64A-41F2-97EC-2871ED403F78}" type="datetime1">
               <a:rPr lang="en-US" smtClean="0"/>
-              <a:t>12/25/2024</a:t>
+              <a:t>12/31/2024</a:t>
             </a:fld>
             <a:endParaRPr lang="en-US"/>
           </a:p>
@@ -2348,7 +2362,7 @@
           <a:p>
             <a:fld id="{CE7E43E6-2AB4-47C2-A4F1-27718AD202B4}" type="datetime1">
               <a:rPr lang="en-US" smtClean="0"/>
-              <a:t>12/25/2024</a:t>
+              <a:t>12/31/2024</a:t>
             </a:fld>
             <a:endParaRPr lang="en-US"/>
           </a:p>
@@ -2461,7 +2475,7 @@
           <a:p>
             <a:fld id="{CAEB1D5D-52C5-4207-B1A7-55831AC36933}" type="datetime1">
               <a:rPr lang="en-US" smtClean="0"/>
-              <a:t>12/25/2024</a:t>
+              <a:t>12/31/2024</a:t>
             </a:fld>
             <a:endParaRPr lang="en-US"/>
           </a:p>
@@ -2772,7 +2786,7 @@
           <a:p>
             <a:fld id="{852F7616-33EE-4011-8C6D-BD311C6CCDD3}" type="datetime1">
               <a:rPr lang="en-US" smtClean="0"/>
-              <a:t>12/25/2024</a:t>
+              <a:t>12/31/2024</a:t>
             </a:fld>
             <a:endParaRPr lang="en-US"/>
           </a:p>
@@ -3060,7 +3074,7 @@
           <a:p>
             <a:fld id="{3A49C970-5088-490C-8359-589CCFFDE177}" type="datetime1">
               <a:rPr lang="en-US" smtClean="0"/>
-              <a:t>12/25/2024</a:t>
+              <a:t>12/31/2024</a:t>
             </a:fld>
             <a:endParaRPr lang="en-US"/>
           </a:p>
@@ -3301,7 +3315,7 @@
           <a:p>
             <a:fld id="{0425F294-02BD-4441-84B6-08C0D4C5CF16}" type="datetime1">
               <a:rPr lang="en-US" smtClean="0"/>
-              <a:t>12/25/2024</a:t>
+              <a:t>12/31/2024</a:t>
             </a:fld>
             <a:endParaRPr lang="en-US"/>
           </a:p>
@@ -20389,6 +20403,2417 @@
 </p:sld>
 </file>
 
+<file path=ppt/slides/slide42.xml><?xml version="1.0" encoding="utf-8"?>
+<p:sld xmlns:a="http://schemas.openxmlformats.org/drawingml/2006/main" xmlns:r="http://schemas.openxmlformats.org/officeDocument/2006/relationships" xmlns:p="http://schemas.openxmlformats.org/presentationml/2006/main">
+  <p:cSld>
+    <p:spTree>
+      <p:nvGrpSpPr>
+        <p:cNvPr id="1" name=""/>
+        <p:cNvGrpSpPr/>
+        <p:nvPr/>
+      </p:nvGrpSpPr>
+      <p:grpSpPr>
+        <a:xfrm>
+          <a:off x="0" y="0"/>
+          <a:ext cx="0" cy="0"/>
+          <a:chOff x="0" y="0"/>
+          <a:chExt cx="0" cy="0"/>
+        </a:xfrm>
+      </p:grpSpPr>
+      <p:sp>
+        <p:nvSpPr>
+          <p:cNvPr id="2" name="Slide Number Placeholder 1">
+            <a:extLst>
+              <a:ext uri="{FF2B5EF4-FFF2-40B4-BE49-F238E27FC236}">
+                <a16:creationId xmlns:a16="http://schemas.microsoft.com/office/drawing/2014/main" id="{7AC62A1F-8DAA-44CE-92C0-C0170B590AEA}"/>
+              </a:ext>
+            </a:extLst>
+          </p:cNvPr>
+          <p:cNvSpPr>
+            <a:spLocks noGrp="1"/>
+          </p:cNvSpPr>
+          <p:nvPr>
+            <p:ph type="sldNum" sz="quarter" idx="12"/>
+          </p:nvPr>
+        </p:nvSpPr>
+        <p:spPr/>
+        <p:txBody>
+          <a:bodyPr/>
+          <a:lstStyle/>
+          <a:p>
+            <a:fld id="{23F3D7C6-E23E-47A6-9DDE-D0AE3B6B9EDD}" type="slidenum">
+              <a:rPr lang="en-US" smtClean="0"/>
+              <a:t>42</a:t>
+            </a:fld>
+            <a:endParaRPr lang="en-US"/>
+          </a:p>
+        </p:txBody>
+      </p:sp>
+      <p:sp>
+        <p:nvSpPr>
+          <p:cNvPr id="3" name="TextBox 2">
+            <a:extLst>
+              <a:ext uri="{FF2B5EF4-FFF2-40B4-BE49-F238E27FC236}">
+                <a16:creationId xmlns:a16="http://schemas.microsoft.com/office/drawing/2014/main" id="{A93BC189-B3DF-4BB7-9753-2BC9078A71A5}"/>
+              </a:ext>
+            </a:extLst>
+          </p:cNvPr>
+          <p:cNvSpPr txBox="1"/>
+          <p:nvPr/>
+        </p:nvSpPr>
+        <p:spPr>
+          <a:xfrm>
+            <a:off x="2811318" y="1678327"/>
+            <a:ext cx="6084486" cy="1446550"/>
+          </a:xfrm>
+          <a:prstGeom prst="rect">
+            <a:avLst/>
+          </a:prstGeom>
+          <a:noFill/>
+        </p:spPr>
+        <p:txBody>
+          <a:bodyPr wrap="none" rtlCol="0">
+            <a:spAutoFit/>
+          </a:bodyPr>
+          <a:lstStyle/>
+          <a:p>
+            <a:r>
+              <a:rPr lang="en-US" sz="8800" b="1" dirty="0"/>
+              <a:t>Future tense</a:t>
+            </a:r>
+          </a:p>
+        </p:txBody>
+      </p:sp>
+      <p:sp>
+        <p:nvSpPr>
+          <p:cNvPr id="4" name="TextBox 3">
+            <a:extLst>
+              <a:ext uri="{FF2B5EF4-FFF2-40B4-BE49-F238E27FC236}">
+                <a16:creationId xmlns:a16="http://schemas.microsoft.com/office/drawing/2014/main" id="{BC82756A-D8E0-4C74-AA8E-904D1A1FCA50}"/>
+              </a:ext>
+            </a:extLst>
+          </p:cNvPr>
+          <p:cNvSpPr txBox="1"/>
+          <p:nvPr/>
+        </p:nvSpPr>
+        <p:spPr>
+          <a:xfrm>
+            <a:off x="5026540" y="3324610"/>
+            <a:ext cx="2138919" cy="461665"/>
+          </a:xfrm>
+          <a:prstGeom prst="rect">
+            <a:avLst/>
+          </a:prstGeom>
+          <a:noFill/>
+        </p:spPr>
+        <p:txBody>
+          <a:bodyPr wrap="none" rtlCol="0">
+            <a:spAutoFit/>
+          </a:bodyPr>
+          <a:lstStyle/>
+          <a:p>
+            <a:r>
+              <a:rPr lang="en-US" sz="2400" b="1" dirty="0"/>
+              <a:t>By Mohammad</a:t>
+            </a:r>
+          </a:p>
+        </p:txBody>
+      </p:sp>
+    </p:spTree>
+    <p:extLst>
+      <p:ext uri="{BB962C8B-B14F-4D97-AF65-F5344CB8AC3E}">
+        <p14:creationId xmlns:p14="http://schemas.microsoft.com/office/powerpoint/2010/main" val="2256030853"/>
+      </p:ext>
+    </p:extLst>
+  </p:cSld>
+  <p:clrMapOvr>
+    <a:masterClrMapping/>
+  </p:clrMapOvr>
+</p:sld>
+</file>
+
+<file path=ppt/slides/slide43.xml><?xml version="1.0" encoding="utf-8"?>
+<p:sld xmlns:a="http://schemas.openxmlformats.org/drawingml/2006/main" xmlns:r="http://schemas.openxmlformats.org/officeDocument/2006/relationships" xmlns:p="http://schemas.openxmlformats.org/presentationml/2006/main">
+  <p:cSld>
+    <p:spTree>
+      <p:nvGrpSpPr>
+        <p:cNvPr id="1" name=""/>
+        <p:cNvGrpSpPr/>
+        <p:nvPr/>
+      </p:nvGrpSpPr>
+      <p:grpSpPr>
+        <a:xfrm>
+          <a:off x="0" y="0"/>
+          <a:ext cx="0" cy="0"/>
+          <a:chOff x="0" y="0"/>
+          <a:chExt cx="0" cy="0"/>
+        </a:xfrm>
+      </p:grpSpPr>
+      <p:sp>
+        <p:nvSpPr>
+          <p:cNvPr id="2" name="Slide Number Placeholder 1">
+            <a:extLst>
+              <a:ext uri="{FF2B5EF4-FFF2-40B4-BE49-F238E27FC236}">
+                <a16:creationId xmlns:a16="http://schemas.microsoft.com/office/drawing/2014/main" id="{274F25D2-818E-49B1-8463-C1D8E6000A9B}"/>
+              </a:ext>
+            </a:extLst>
+          </p:cNvPr>
+          <p:cNvSpPr>
+            <a:spLocks noGrp="1"/>
+          </p:cNvSpPr>
+          <p:nvPr>
+            <p:ph type="sldNum" sz="quarter" idx="12"/>
+          </p:nvPr>
+        </p:nvSpPr>
+        <p:spPr/>
+        <p:txBody>
+          <a:bodyPr/>
+          <a:lstStyle/>
+          <a:p>
+            <a:fld id="{23F3D7C6-E23E-47A6-9DDE-D0AE3B6B9EDD}" type="slidenum">
+              <a:rPr lang="en-US" smtClean="0"/>
+              <a:t>43</a:t>
+            </a:fld>
+            <a:endParaRPr lang="en-US" dirty="0"/>
+          </a:p>
+        </p:txBody>
+      </p:sp>
+      <p:sp>
+        <p:nvSpPr>
+          <p:cNvPr id="10" name="TextBox 9">
+            <a:extLst>
+              <a:ext uri="{FF2B5EF4-FFF2-40B4-BE49-F238E27FC236}">
+                <a16:creationId xmlns:a16="http://schemas.microsoft.com/office/drawing/2014/main" id="{2C171431-97D8-4B71-BED5-6FB6002E47C8}"/>
+              </a:ext>
+            </a:extLst>
+          </p:cNvPr>
+          <p:cNvSpPr txBox="1"/>
+          <p:nvPr/>
+        </p:nvSpPr>
+        <p:spPr>
+          <a:xfrm>
+            <a:off x="219038" y="628537"/>
+            <a:ext cx="11287760" cy="5043688"/>
+          </a:xfrm>
+          <a:prstGeom prst="rect">
+            <a:avLst/>
+          </a:prstGeom>
+          <a:noFill/>
+        </p:spPr>
+        <p:txBody>
+          <a:bodyPr wrap="square">
+            <a:spAutoFit/>
+          </a:bodyPr>
+          <a:lstStyle/>
+          <a:p>
+            <a:pPr algn="r" rtl="1">
+              <a:lnSpc>
+                <a:spcPct val="150000"/>
+              </a:lnSpc>
+            </a:pPr>
+            <a:r>
+              <a:rPr lang="en-US" b="1" dirty="0">
+                <a:latin typeface="IRANSans(FaNum)" panose="020B0506030804020204" pitchFamily="34" charset="-78"/>
+                <a:cs typeface="IRANSans(FaNum)" panose="020B0506030804020204" pitchFamily="34" charset="-78"/>
+              </a:rPr>
+              <a:t>Future Simple </a:t>
+            </a:r>
+            <a:r>
+              <a:rPr lang="fa-IR" b="1" dirty="0">
+                <a:latin typeface="IRANSans(FaNum)" panose="020B0506030804020204" pitchFamily="34" charset="-78"/>
+                <a:cs typeface="IRANSans(FaNum)" panose="020B0506030804020204" pitchFamily="34" charset="-78"/>
+              </a:rPr>
+              <a:t>آینده ساده</a:t>
+            </a:r>
+          </a:p>
+          <a:p>
+            <a:pPr lvl="1" algn="r" rtl="1">
+              <a:lnSpc>
+                <a:spcPct val="150000"/>
+              </a:lnSpc>
+            </a:pPr>
+            <a:r>
+              <a:rPr lang="fa-IR" b="1" dirty="0">
+                <a:latin typeface="IRANSans(FaNum)" panose="020B0506030804020204" pitchFamily="34" charset="-78"/>
+                <a:cs typeface="IRANSans(FaNum)" panose="020B0506030804020204" pitchFamily="34" charset="-78"/>
+              </a:rPr>
+              <a:t>کاربردها:</a:t>
+            </a:r>
+          </a:p>
+          <a:p>
+            <a:pPr lvl="1" algn="r" rtl="1">
+              <a:lnSpc>
+                <a:spcPct val="150000"/>
+              </a:lnSpc>
+              <a:buFont typeface="Arial" panose="020B0604020202020204" pitchFamily="34" charset="0"/>
+              <a:buChar char="•"/>
+            </a:pPr>
+            <a:r>
+              <a:rPr lang="fa-IR" dirty="0">
+                <a:latin typeface="IRANSans(FaNum)" panose="020B0506030804020204" pitchFamily="34" charset="-78"/>
+                <a:cs typeface="IRANSans(FaNum)" panose="020B0506030804020204" pitchFamily="34" charset="-78"/>
+              </a:rPr>
+              <a:t>برای بیان تصمیمات لحظه‌ای:</a:t>
+            </a:r>
+          </a:p>
+          <a:p>
+            <a:pPr marL="1200150" lvl="2" indent="-285750" algn="r" rtl="1">
+              <a:lnSpc>
+                <a:spcPct val="150000"/>
+              </a:lnSpc>
+              <a:buFont typeface="Arial" panose="020B0604020202020204" pitchFamily="34" charset="0"/>
+              <a:buChar char="•"/>
+            </a:pPr>
+            <a:r>
+              <a:rPr lang="en-US" i="1" dirty="0">
+                <a:latin typeface="IRANSans(FaNum)" panose="020B0506030804020204" pitchFamily="34" charset="-78"/>
+                <a:cs typeface="IRANSans(FaNum)" panose="020B0506030804020204" pitchFamily="34" charset="-78"/>
+              </a:rPr>
+              <a:t>I’ll call you later.</a:t>
+            </a:r>
+            <a:endParaRPr lang="en-US" dirty="0">
+              <a:latin typeface="IRANSans(FaNum)" panose="020B0506030804020204" pitchFamily="34" charset="-78"/>
+              <a:cs typeface="IRANSans(FaNum)" panose="020B0506030804020204" pitchFamily="34" charset="-78"/>
+            </a:endParaRPr>
+          </a:p>
+          <a:p>
+            <a:pPr lvl="1" algn="r" rtl="1">
+              <a:lnSpc>
+                <a:spcPct val="150000"/>
+              </a:lnSpc>
+              <a:buFont typeface="Arial" panose="020B0604020202020204" pitchFamily="34" charset="0"/>
+              <a:buChar char="•"/>
+            </a:pPr>
+            <a:r>
+              <a:rPr lang="fa-IR" dirty="0">
+                <a:latin typeface="IRANSans(FaNum)" panose="020B0506030804020204" pitchFamily="34" charset="-78"/>
+                <a:cs typeface="IRANSans(FaNum)" panose="020B0506030804020204" pitchFamily="34" charset="-78"/>
+              </a:rPr>
+              <a:t>پیش‌بینی‌ها:</a:t>
+            </a:r>
+          </a:p>
+          <a:p>
+            <a:pPr marL="1200150" lvl="2" indent="-285750" algn="r" rtl="1">
+              <a:lnSpc>
+                <a:spcPct val="150000"/>
+              </a:lnSpc>
+              <a:buFont typeface="Arial" panose="020B0604020202020204" pitchFamily="34" charset="0"/>
+              <a:buChar char="•"/>
+            </a:pPr>
+            <a:r>
+              <a:rPr lang="en-US" i="1" dirty="0">
+                <a:latin typeface="IRANSans(FaNum)" panose="020B0506030804020204" pitchFamily="34" charset="-78"/>
+                <a:cs typeface="IRANSans(FaNum)" panose="020B0506030804020204" pitchFamily="34" charset="-78"/>
+              </a:rPr>
+              <a:t>It will rain tomorrow.</a:t>
+            </a:r>
+            <a:endParaRPr lang="en-US" dirty="0">
+              <a:latin typeface="IRANSans(FaNum)" panose="020B0506030804020204" pitchFamily="34" charset="-78"/>
+              <a:cs typeface="IRANSans(FaNum)" panose="020B0506030804020204" pitchFamily="34" charset="-78"/>
+            </a:endParaRPr>
+          </a:p>
+          <a:p>
+            <a:pPr lvl="1" algn="r" rtl="1">
+              <a:lnSpc>
+                <a:spcPct val="150000"/>
+              </a:lnSpc>
+              <a:buFont typeface="Arial" panose="020B0604020202020204" pitchFamily="34" charset="0"/>
+              <a:buChar char="•"/>
+            </a:pPr>
+            <a:r>
+              <a:rPr lang="fa-IR" dirty="0">
+                <a:latin typeface="IRANSans(FaNum)" panose="020B0506030804020204" pitchFamily="34" charset="-78"/>
+                <a:cs typeface="IRANSans(FaNum)" panose="020B0506030804020204" pitchFamily="34" charset="-78"/>
+              </a:rPr>
+              <a:t>قول‌ها و پیشنهادها:</a:t>
+            </a:r>
+          </a:p>
+          <a:p>
+            <a:pPr marL="1200150" lvl="2" indent="-285750" algn="r" rtl="1">
+              <a:lnSpc>
+                <a:spcPct val="150000"/>
+              </a:lnSpc>
+              <a:buFont typeface="Arial" panose="020B0604020202020204" pitchFamily="34" charset="0"/>
+              <a:buChar char="•"/>
+            </a:pPr>
+            <a:r>
+              <a:rPr lang="en-US" i="1" dirty="0">
+                <a:latin typeface="IRANSans(FaNum)" panose="020B0506030804020204" pitchFamily="34" charset="-78"/>
+                <a:cs typeface="IRANSans(FaNum)" panose="020B0506030804020204" pitchFamily="34" charset="-78"/>
+              </a:rPr>
+              <a:t>I will help you with your homework.</a:t>
+            </a:r>
+            <a:endParaRPr lang="en-US" dirty="0">
+              <a:latin typeface="IRANSans(FaNum)" panose="020B0506030804020204" pitchFamily="34" charset="-78"/>
+              <a:cs typeface="IRANSans(FaNum)" panose="020B0506030804020204" pitchFamily="34" charset="-78"/>
+            </a:endParaRPr>
+          </a:p>
+          <a:p>
+            <a:pPr lvl="1" algn="r" rtl="1">
+              <a:lnSpc>
+                <a:spcPct val="150000"/>
+              </a:lnSpc>
+            </a:pPr>
+            <a:r>
+              <a:rPr lang="fa-IR" b="1" dirty="0">
+                <a:latin typeface="IRANSans(FaNum)" panose="020B0506030804020204" pitchFamily="34" charset="-78"/>
+                <a:cs typeface="IRANSans(FaNum)" panose="020B0506030804020204" pitchFamily="34" charset="-78"/>
+              </a:rPr>
+              <a:t>فرمول:</a:t>
+            </a:r>
+          </a:p>
+          <a:p>
+            <a:pPr lvl="1" algn="r" rtl="1">
+              <a:lnSpc>
+                <a:spcPct val="150000"/>
+              </a:lnSpc>
+              <a:buFont typeface="Arial" panose="020B0604020202020204" pitchFamily="34" charset="0"/>
+              <a:buChar char="•"/>
+            </a:pPr>
+            <a:r>
+              <a:rPr lang="fa-IR" dirty="0">
+                <a:latin typeface="IRANSans(FaNum)" panose="020B0506030804020204" pitchFamily="34" charset="-78"/>
+                <a:cs typeface="IRANSans(FaNum)" panose="020B0506030804020204" pitchFamily="34" charset="-78"/>
+              </a:rPr>
+              <a:t>مثبت: </a:t>
+            </a:r>
+            <a:r>
+              <a:rPr lang="en-US" i="1" dirty="0">
+                <a:latin typeface="IRANSans(FaNum)" panose="020B0506030804020204" pitchFamily="34" charset="-78"/>
+                <a:cs typeface="IRANSans(FaNum)" panose="020B0506030804020204" pitchFamily="34" charset="-78"/>
+              </a:rPr>
+              <a:t>Subject + will + base verb</a:t>
+            </a:r>
+            <a:endParaRPr lang="en-US" dirty="0">
+              <a:latin typeface="IRANSans(FaNum)" panose="020B0506030804020204" pitchFamily="34" charset="-78"/>
+              <a:cs typeface="IRANSans(FaNum)" panose="020B0506030804020204" pitchFamily="34" charset="-78"/>
+            </a:endParaRPr>
+          </a:p>
+          <a:p>
+            <a:pPr lvl="1" algn="r" rtl="1">
+              <a:lnSpc>
+                <a:spcPct val="150000"/>
+              </a:lnSpc>
+              <a:buFont typeface="Arial" panose="020B0604020202020204" pitchFamily="34" charset="0"/>
+              <a:buChar char="•"/>
+            </a:pPr>
+            <a:r>
+              <a:rPr lang="fa-IR" dirty="0">
+                <a:latin typeface="IRANSans(FaNum)" panose="020B0506030804020204" pitchFamily="34" charset="-78"/>
+                <a:cs typeface="IRANSans(FaNum)" panose="020B0506030804020204" pitchFamily="34" charset="-78"/>
+              </a:rPr>
+              <a:t>منفی: </a:t>
+            </a:r>
+            <a:r>
+              <a:rPr lang="en-US" i="1" dirty="0">
+                <a:latin typeface="IRANSans(FaNum)" panose="020B0506030804020204" pitchFamily="34" charset="-78"/>
+                <a:cs typeface="IRANSans(FaNum)" panose="020B0506030804020204" pitchFamily="34" charset="-78"/>
+              </a:rPr>
+              <a:t>Subject + will not (won’t) + base verb</a:t>
+            </a:r>
+            <a:endParaRPr lang="en-US" dirty="0">
+              <a:latin typeface="IRANSans(FaNum)" panose="020B0506030804020204" pitchFamily="34" charset="-78"/>
+              <a:cs typeface="IRANSans(FaNum)" panose="020B0506030804020204" pitchFamily="34" charset="-78"/>
+            </a:endParaRPr>
+          </a:p>
+          <a:p>
+            <a:pPr lvl="1" algn="r" rtl="1">
+              <a:lnSpc>
+                <a:spcPct val="150000"/>
+              </a:lnSpc>
+              <a:buFont typeface="Arial" panose="020B0604020202020204" pitchFamily="34" charset="0"/>
+              <a:buChar char="•"/>
+            </a:pPr>
+            <a:r>
+              <a:rPr lang="fa-IR" dirty="0">
+                <a:latin typeface="IRANSans(FaNum)" panose="020B0506030804020204" pitchFamily="34" charset="-78"/>
+                <a:cs typeface="IRANSans(FaNum)" panose="020B0506030804020204" pitchFamily="34" charset="-78"/>
+              </a:rPr>
+              <a:t>سوالی: </a:t>
+            </a:r>
+            <a:r>
+              <a:rPr lang="en-US" i="1" dirty="0">
+                <a:latin typeface="IRANSans(FaNum)" panose="020B0506030804020204" pitchFamily="34" charset="-78"/>
+                <a:cs typeface="IRANSans(FaNum)" panose="020B0506030804020204" pitchFamily="34" charset="-78"/>
+              </a:rPr>
+              <a:t>Will + subject + base verb</a:t>
+            </a:r>
+            <a:endParaRPr lang="en-US" dirty="0">
+              <a:latin typeface="IRANSans(FaNum)" panose="020B0506030804020204" pitchFamily="34" charset="-78"/>
+              <a:cs typeface="IRANSans(FaNum)" panose="020B0506030804020204" pitchFamily="34" charset="-78"/>
+            </a:endParaRPr>
+          </a:p>
+        </p:txBody>
+      </p:sp>
+      <p:sp>
+        <p:nvSpPr>
+          <p:cNvPr id="5" name="TextBox 4">
+            <a:extLst>
+              <a:ext uri="{FF2B5EF4-FFF2-40B4-BE49-F238E27FC236}">
+                <a16:creationId xmlns:a16="http://schemas.microsoft.com/office/drawing/2014/main" id="{AD53AB80-CBC4-478E-9683-9611030E1E21}"/>
+              </a:ext>
+            </a:extLst>
+          </p:cNvPr>
+          <p:cNvSpPr txBox="1"/>
+          <p:nvPr/>
+        </p:nvSpPr>
+        <p:spPr>
+          <a:xfrm>
+            <a:off x="452120" y="1535399"/>
+            <a:ext cx="6096000" cy="1304203"/>
+          </a:xfrm>
+          <a:prstGeom prst="rect">
+            <a:avLst/>
+          </a:prstGeom>
+          <a:noFill/>
+        </p:spPr>
+        <p:txBody>
+          <a:bodyPr wrap="square">
+            <a:spAutoFit/>
+          </a:bodyPr>
+          <a:lstStyle/>
+          <a:p>
+            <a:pPr rtl="1">
+              <a:lnSpc>
+                <a:spcPct val="150000"/>
+              </a:lnSpc>
+            </a:pPr>
+            <a:r>
+              <a:rPr lang="en-US" b="1" dirty="0">
+                <a:latin typeface="IRANSans(FaNum)" panose="020B0506030804020204" pitchFamily="34" charset="-78"/>
+                <a:cs typeface="IRANSans(FaNum)" panose="020B0506030804020204" pitchFamily="34" charset="-78"/>
+              </a:rPr>
+              <a:t>Positive:</a:t>
+            </a:r>
+            <a:r>
+              <a:rPr lang="en-US" dirty="0">
+                <a:latin typeface="IRANSans(FaNum)" panose="020B0506030804020204" pitchFamily="34" charset="-78"/>
+                <a:cs typeface="IRANSans(FaNum)" panose="020B0506030804020204" pitchFamily="34" charset="-78"/>
+              </a:rPr>
+              <a:t> She will visit her grandparents next week.</a:t>
+            </a:r>
+          </a:p>
+          <a:p>
+            <a:pPr rtl="1">
+              <a:lnSpc>
+                <a:spcPct val="150000"/>
+              </a:lnSpc>
+            </a:pPr>
+            <a:r>
+              <a:rPr lang="en-US" b="1" dirty="0">
+                <a:latin typeface="IRANSans(FaNum)" panose="020B0506030804020204" pitchFamily="34" charset="-78"/>
+                <a:cs typeface="IRANSans(FaNum)" panose="020B0506030804020204" pitchFamily="34" charset="-78"/>
+              </a:rPr>
+              <a:t>Negative:</a:t>
+            </a:r>
+            <a:r>
+              <a:rPr lang="en-US" dirty="0">
+                <a:latin typeface="IRANSans(FaNum)" panose="020B0506030804020204" pitchFamily="34" charset="-78"/>
+                <a:cs typeface="IRANSans(FaNum)" panose="020B0506030804020204" pitchFamily="34" charset="-78"/>
+              </a:rPr>
+              <a:t> They won’t go to the party.</a:t>
+            </a:r>
+          </a:p>
+          <a:p>
+            <a:pPr rtl="1">
+              <a:lnSpc>
+                <a:spcPct val="150000"/>
+              </a:lnSpc>
+            </a:pPr>
+            <a:r>
+              <a:rPr lang="en-US" b="1" dirty="0">
+                <a:latin typeface="IRANSans(FaNum)" panose="020B0506030804020204" pitchFamily="34" charset="-78"/>
+                <a:cs typeface="IRANSans(FaNum)" panose="020B0506030804020204" pitchFamily="34" charset="-78"/>
+              </a:rPr>
+              <a:t>Question:</a:t>
+            </a:r>
+            <a:r>
+              <a:rPr lang="en-US" dirty="0">
+                <a:latin typeface="IRANSans(FaNum)" panose="020B0506030804020204" pitchFamily="34" charset="-78"/>
+                <a:cs typeface="IRANSans(FaNum)" panose="020B0506030804020204" pitchFamily="34" charset="-78"/>
+              </a:rPr>
+              <a:t> Will you come to the meeting?</a:t>
+            </a:r>
+          </a:p>
+        </p:txBody>
+      </p:sp>
+    </p:spTree>
+    <p:extLst>
+      <p:ext uri="{BB962C8B-B14F-4D97-AF65-F5344CB8AC3E}">
+        <p14:creationId xmlns:p14="http://schemas.microsoft.com/office/powerpoint/2010/main" val="116484654"/>
+      </p:ext>
+    </p:extLst>
+  </p:cSld>
+  <p:clrMapOvr>
+    <a:masterClrMapping/>
+  </p:clrMapOvr>
+  <p:timing>
+    <p:tnLst>
+      <p:par>
+        <p:cTn id="1" dur="indefinite" restart="never" nodeType="tmRoot">
+          <p:childTnLst>
+            <p:seq concurrent="1" nextAc="seek">
+              <p:cTn id="2" dur="indefinite" nodeType="mainSeq">
+                <p:childTnLst>
+                  <p:par>
+                    <p:cTn id="3" fill="hold">
+                      <p:stCondLst>
+                        <p:cond delay="indefinite"/>
+                      </p:stCondLst>
+                      <p:childTnLst>
+                        <p:par>
+                          <p:cTn id="4" fill="hold">
+                            <p:stCondLst>
+                              <p:cond delay="0"/>
+                            </p:stCondLst>
+                            <p:childTnLst>
+                              <p:par>
+                                <p:cTn id="5" presetID="10" presetClass="entr" presetSubtype="0" fill="hold" grpId="0" nodeType="clickEffect">
+                                  <p:stCondLst>
+                                    <p:cond delay="0"/>
+                                  </p:stCondLst>
+                                  <p:childTnLst>
+                                    <p:set>
+                                      <p:cBhvr>
+                                        <p:cTn id="6" dur="1" fill="hold">
+                                          <p:stCondLst>
+                                            <p:cond delay="0"/>
+                                          </p:stCondLst>
+                                        </p:cTn>
+                                        <p:tgtEl>
+                                          <p:spTgt spid="5"/>
+                                        </p:tgtEl>
+                                        <p:attrNameLst>
+                                          <p:attrName>style.visibility</p:attrName>
+                                        </p:attrNameLst>
+                                      </p:cBhvr>
+                                      <p:to>
+                                        <p:strVal val="visible"/>
+                                      </p:to>
+                                    </p:set>
+                                    <p:animEffect transition="in" filter="fade">
+                                      <p:cBhvr>
+                                        <p:cTn id="7" dur="500"/>
+                                        <p:tgtEl>
+                                          <p:spTgt spid="5"/>
+                                        </p:tgtEl>
+                                      </p:cBhvr>
+                                    </p:animEffect>
+                                  </p:childTnLst>
+                                </p:cTn>
+                              </p:par>
+                            </p:childTnLst>
+                          </p:cTn>
+                        </p:par>
+                      </p:childTnLst>
+                    </p:cTn>
+                  </p:par>
+                </p:childTnLst>
+              </p:cTn>
+              <p:prevCondLst>
+                <p:cond evt="onPrev" delay="0">
+                  <p:tgtEl>
+                    <p:sldTgt/>
+                  </p:tgtEl>
+                </p:cond>
+              </p:prevCondLst>
+              <p:nextCondLst>
+                <p:cond evt="onNext" delay="0">
+                  <p:tgtEl>
+                    <p:sldTgt/>
+                  </p:tgtEl>
+                </p:cond>
+              </p:nextCondLst>
+            </p:seq>
+          </p:childTnLst>
+        </p:cTn>
+      </p:par>
+    </p:tnLst>
+    <p:bldLst>
+      <p:bldP spid="5" grpId="0"/>
+    </p:bldLst>
+  </p:timing>
+</p:sld>
+</file>
+
+<file path=ppt/slides/slide44.xml><?xml version="1.0" encoding="utf-8"?>
+<p:sld xmlns:a="http://schemas.openxmlformats.org/drawingml/2006/main" xmlns:r="http://schemas.openxmlformats.org/officeDocument/2006/relationships" xmlns:p="http://schemas.openxmlformats.org/presentationml/2006/main">
+  <p:cSld>
+    <p:spTree>
+      <p:nvGrpSpPr>
+        <p:cNvPr id="1" name=""/>
+        <p:cNvGrpSpPr/>
+        <p:nvPr/>
+      </p:nvGrpSpPr>
+      <p:grpSpPr>
+        <a:xfrm>
+          <a:off x="0" y="0"/>
+          <a:ext cx="0" cy="0"/>
+          <a:chOff x="0" y="0"/>
+          <a:chExt cx="0" cy="0"/>
+        </a:xfrm>
+      </p:grpSpPr>
+      <p:sp>
+        <p:nvSpPr>
+          <p:cNvPr id="2" name="Slide Number Placeholder 1">
+            <a:extLst>
+              <a:ext uri="{FF2B5EF4-FFF2-40B4-BE49-F238E27FC236}">
+                <a16:creationId xmlns:a16="http://schemas.microsoft.com/office/drawing/2014/main" id="{274F25D2-818E-49B1-8463-C1D8E6000A9B}"/>
+              </a:ext>
+            </a:extLst>
+          </p:cNvPr>
+          <p:cNvSpPr>
+            <a:spLocks noGrp="1"/>
+          </p:cNvSpPr>
+          <p:nvPr>
+            <p:ph type="sldNum" sz="quarter" idx="12"/>
+          </p:nvPr>
+        </p:nvSpPr>
+        <p:spPr/>
+        <p:txBody>
+          <a:bodyPr/>
+          <a:lstStyle/>
+          <a:p>
+            <a:fld id="{23F3D7C6-E23E-47A6-9DDE-D0AE3B6B9EDD}" type="slidenum">
+              <a:rPr lang="en-US" smtClean="0"/>
+              <a:t>44</a:t>
+            </a:fld>
+            <a:endParaRPr lang="en-US" dirty="0"/>
+          </a:p>
+        </p:txBody>
+      </p:sp>
+      <p:sp>
+        <p:nvSpPr>
+          <p:cNvPr id="10" name="TextBox 9">
+            <a:extLst>
+              <a:ext uri="{FF2B5EF4-FFF2-40B4-BE49-F238E27FC236}">
+                <a16:creationId xmlns:a16="http://schemas.microsoft.com/office/drawing/2014/main" id="{2C171431-97D8-4B71-BED5-6FB6002E47C8}"/>
+              </a:ext>
+            </a:extLst>
+          </p:cNvPr>
+          <p:cNvSpPr txBox="1"/>
+          <p:nvPr/>
+        </p:nvSpPr>
+        <p:spPr>
+          <a:xfrm>
+            <a:off x="452120" y="343165"/>
+            <a:ext cx="11287760" cy="6013185"/>
+          </a:xfrm>
+          <a:prstGeom prst="rect">
+            <a:avLst/>
+          </a:prstGeom>
+          <a:noFill/>
+        </p:spPr>
+        <p:txBody>
+          <a:bodyPr wrap="square">
+            <a:spAutoFit/>
+          </a:bodyPr>
+          <a:lstStyle/>
+          <a:p>
+            <a:pPr algn="r" rtl="1">
+              <a:lnSpc>
+                <a:spcPct val="200000"/>
+              </a:lnSpc>
+            </a:pPr>
+            <a:r>
+              <a:rPr lang="en-US" b="1" dirty="0">
+                <a:latin typeface="IRANSans(FaNum)" panose="020B0506030804020204" pitchFamily="34" charset="-78"/>
+                <a:cs typeface="IRANSans(FaNum)" panose="020B0506030804020204" pitchFamily="34" charset="-78"/>
+              </a:rPr>
+              <a:t> Future Continuous</a:t>
+            </a:r>
+          </a:p>
+          <a:p>
+            <a:pPr lvl="1" algn="r" rtl="1">
+              <a:lnSpc>
+                <a:spcPct val="150000"/>
+              </a:lnSpc>
+            </a:pPr>
+            <a:r>
+              <a:rPr lang="fa-IR" b="1" dirty="0">
+                <a:latin typeface="IRANSans(FaNum)" panose="020B0506030804020204" pitchFamily="34" charset="-78"/>
+                <a:cs typeface="IRANSans(FaNum)" panose="020B0506030804020204" pitchFamily="34" charset="-78"/>
+              </a:rPr>
+              <a:t>کاربردها:</a:t>
+            </a:r>
+          </a:p>
+          <a:p>
+            <a:pPr lvl="1" algn="r" rtl="1">
+              <a:lnSpc>
+                <a:spcPct val="150000"/>
+              </a:lnSpc>
+              <a:buFont typeface="Arial" panose="020B0604020202020204" pitchFamily="34" charset="0"/>
+              <a:buChar char="•"/>
+            </a:pPr>
+            <a:r>
+              <a:rPr lang="fa-IR" dirty="0">
+                <a:latin typeface="IRANSans(FaNum)" panose="020B0506030804020204" pitchFamily="34" charset="-78"/>
+                <a:cs typeface="IRANSans(FaNum)" panose="020B0506030804020204" pitchFamily="34" charset="-78"/>
+              </a:rPr>
+              <a:t>برای توصیف عملی که در آینده در زمان مشخصی در حال انجام خواهد بود:</a:t>
+            </a:r>
+          </a:p>
+          <a:p>
+            <a:pPr marL="1200150" lvl="2" indent="-285750" algn="r" rtl="1">
+              <a:lnSpc>
+                <a:spcPct val="150000"/>
+              </a:lnSpc>
+              <a:buFont typeface="Arial" panose="020B0604020202020204" pitchFamily="34" charset="0"/>
+              <a:buChar char="•"/>
+            </a:pPr>
+            <a:r>
+              <a:rPr lang="en-US" i="1" dirty="0">
+                <a:latin typeface="IRANSans(FaNum)" panose="020B0506030804020204" pitchFamily="34" charset="-78"/>
+                <a:cs typeface="IRANSans(FaNum)" panose="020B0506030804020204" pitchFamily="34" charset="-78"/>
+              </a:rPr>
+              <a:t>At 8 PM tomorrow, I will be studying.</a:t>
+            </a:r>
+            <a:endParaRPr lang="en-US" dirty="0">
+              <a:latin typeface="IRANSans(FaNum)" panose="020B0506030804020204" pitchFamily="34" charset="-78"/>
+              <a:cs typeface="IRANSans(FaNum)" panose="020B0506030804020204" pitchFamily="34" charset="-78"/>
+            </a:endParaRPr>
+          </a:p>
+          <a:p>
+            <a:pPr lvl="1" algn="r" rtl="1">
+              <a:lnSpc>
+                <a:spcPct val="150000"/>
+              </a:lnSpc>
+              <a:buFont typeface="Arial" panose="020B0604020202020204" pitchFamily="34" charset="0"/>
+              <a:buChar char="•"/>
+            </a:pPr>
+            <a:r>
+              <a:rPr lang="fa-IR" dirty="0">
+                <a:latin typeface="IRANSans(FaNum)" panose="020B0506030804020204" pitchFamily="34" charset="-78"/>
+                <a:cs typeface="IRANSans(FaNum)" panose="020B0506030804020204" pitchFamily="34" charset="-78"/>
+              </a:rPr>
+              <a:t>برای اشاره به عملی که در آینده به طور قطعی اتفاق خواهد افتاد:</a:t>
+            </a:r>
+          </a:p>
+          <a:p>
+            <a:pPr marL="1200150" lvl="2" indent="-285750" algn="r" rtl="1">
+              <a:lnSpc>
+                <a:spcPct val="150000"/>
+              </a:lnSpc>
+              <a:buFont typeface="Arial" panose="020B0604020202020204" pitchFamily="34" charset="0"/>
+              <a:buChar char="•"/>
+            </a:pPr>
+            <a:r>
+              <a:rPr lang="en-US" i="1" dirty="0">
+                <a:latin typeface="IRANSans(FaNum)" panose="020B0506030804020204" pitchFamily="34" charset="-78"/>
+                <a:cs typeface="IRANSans(FaNum)" panose="020B0506030804020204" pitchFamily="34" charset="-78"/>
+              </a:rPr>
+              <a:t>They will be traveling to Paris next week.</a:t>
+            </a:r>
+            <a:endParaRPr lang="en-US" dirty="0">
+              <a:latin typeface="IRANSans(FaNum)" panose="020B0506030804020204" pitchFamily="34" charset="-78"/>
+              <a:cs typeface="IRANSans(FaNum)" panose="020B0506030804020204" pitchFamily="34" charset="-78"/>
+            </a:endParaRPr>
+          </a:p>
+          <a:p>
+            <a:pPr lvl="1" algn="r" rtl="1">
+              <a:lnSpc>
+                <a:spcPct val="150000"/>
+              </a:lnSpc>
+            </a:pPr>
+            <a:r>
+              <a:rPr lang="fa-IR" b="1" dirty="0">
+                <a:latin typeface="IRANSans(FaNum)" panose="020B0506030804020204" pitchFamily="34" charset="-78"/>
+                <a:cs typeface="IRANSans(FaNum)" panose="020B0506030804020204" pitchFamily="34" charset="-78"/>
+              </a:rPr>
+              <a:t>فرمول:</a:t>
+            </a:r>
+          </a:p>
+          <a:p>
+            <a:pPr lvl="1" algn="r" rtl="1">
+              <a:lnSpc>
+                <a:spcPct val="150000"/>
+              </a:lnSpc>
+              <a:buFont typeface="Arial" panose="020B0604020202020204" pitchFamily="34" charset="0"/>
+              <a:buChar char="•"/>
+            </a:pPr>
+            <a:r>
+              <a:rPr lang="fa-IR" dirty="0">
+                <a:latin typeface="IRANSans(FaNum)" panose="020B0506030804020204" pitchFamily="34" charset="-78"/>
+                <a:cs typeface="IRANSans(FaNum)" panose="020B0506030804020204" pitchFamily="34" charset="-78"/>
+              </a:rPr>
+              <a:t>مثبت: </a:t>
+            </a:r>
+            <a:r>
+              <a:rPr lang="en-US" i="1" dirty="0">
+                <a:latin typeface="IRANSans(FaNum)" panose="020B0506030804020204" pitchFamily="34" charset="-78"/>
+                <a:cs typeface="IRANSans(FaNum)" panose="020B0506030804020204" pitchFamily="34" charset="-78"/>
+              </a:rPr>
+              <a:t>Subject + will be + Verb-</a:t>
+            </a:r>
+            <a:r>
+              <a:rPr lang="en-US" i="1" dirty="0" err="1">
+                <a:latin typeface="IRANSans(FaNum)" panose="020B0506030804020204" pitchFamily="34" charset="-78"/>
+                <a:cs typeface="IRANSans(FaNum)" panose="020B0506030804020204" pitchFamily="34" charset="-78"/>
+              </a:rPr>
+              <a:t>ing</a:t>
+            </a:r>
+            <a:endParaRPr lang="en-US" dirty="0">
+              <a:latin typeface="IRANSans(FaNum)" panose="020B0506030804020204" pitchFamily="34" charset="-78"/>
+              <a:cs typeface="IRANSans(FaNum)" panose="020B0506030804020204" pitchFamily="34" charset="-78"/>
+            </a:endParaRPr>
+          </a:p>
+          <a:p>
+            <a:pPr lvl="1" algn="r" rtl="1">
+              <a:lnSpc>
+                <a:spcPct val="150000"/>
+              </a:lnSpc>
+              <a:buFont typeface="Arial" panose="020B0604020202020204" pitchFamily="34" charset="0"/>
+              <a:buChar char="•"/>
+            </a:pPr>
+            <a:r>
+              <a:rPr lang="fa-IR" dirty="0">
+                <a:latin typeface="IRANSans(FaNum)" panose="020B0506030804020204" pitchFamily="34" charset="-78"/>
+                <a:cs typeface="IRANSans(FaNum)" panose="020B0506030804020204" pitchFamily="34" charset="-78"/>
+              </a:rPr>
+              <a:t>منفی: </a:t>
+            </a:r>
+            <a:r>
+              <a:rPr lang="en-US" i="1" dirty="0">
+                <a:latin typeface="IRANSans(FaNum)" panose="020B0506030804020204" pitchFamily="34" charset="-78"/>
+                <a:cs typeface="IRANSans(FaNum)" panose="020B0506030804020204" pitchFamily="34" charset="-78"/>
+              </a:rPr>
+              <a:t>Subject + will not (won’t) be + Verb-</a:t>
+            </a:r>
+            <a:r>
+              <a:rPr lang="en-US" i="1" dirty="0" err="1">
+                <a:latin typeface="IRANSans(FaNum)" panose="020B0506030804020204" pitchFamily="34" charset="-78"/>
+                <a:cs typeface="IRANSans(FaNum)" panose="020B0506030804020204" pitchFamily="34" charset="-78"/>
+              </a:rPr>
+              <a:t>ing</a:t>
+            </a:r>
+            <a:endParaRPr lang="en-US" dirty="0">
+              <a:latin typeface="IRANSans(FaNum)" panose="020B0506030804020204" pitchFamily="34" charset="-78"/>
+              <a:cs typeface="IRANSans(FaNum)" panose="020B0506030804020204" pitchFamily="34" charset="-78"/>
+            </a:endParaRPr>
+          </a:p>
+          <a:p>
+            <a:pPr lvl="1" algn="r" rtl="1">
+              <a:lnSpc>
+                <a:spcPct val="150000"/>
+              </a:lnSpc>
+              <a:buFont typeface="Arial" panose="020B0604020202020204" pitchFamily="34" charset="0"/>
+              <a:buChar char="•"/>
+            </a:pPr>
+            <a:r>
+              <a:rPr lang="fa-IR" dirty="0">
+                <a:latin typeface="IRANSans(FaNum)" panose="020B0506030804020204" pitchFamily="34" charset="-78"/>
+                <a:cs typeface="IRANSans(FaNum)" panose="020B0506030804020204" pitchFamily="34" charset="-78"/>
+              </a:rPr>
+              <a:t>سوالی: </a:t>
+            </a:r>
+            <a:r>
+              <a:rPr lang="en-US" i="1" dirty="0">
+                <a:latin typeface="IRANSans(FaNum)" panose="020B0506030804020204" pitchFamily="34" charset="-78"/>
+                <a:cs typeface="IRANSans(FaNum)" panose="020B0506030804020204" pitchFamily="34" charset="-78"/>
+              </a:rPr>
+              <a:t>Will + subject + be + Verb-</a:t>
+            </a:r>
+            <a:r>
+              <a:rPr lang="en-US" i="1" dirty="0" err="1">
+                <a:latin typeface="IRANSans(FaNum)" panose="020B0506030804020204" pitchFamily="34" charset="-78"/>
+                <a:cs typeface="IRANSans(FaNum)" panose="020B0506030804020204" pitchFamily="34" charset="-78"/>
+              </a:rPr>
+              <a:t>ing</a:t>
+            </a:r>
+            <a:endParaRPr lang="en-US" dirty="0">
+              <a:latin typeface="IRANSans(FaNum)" panose="020B0506030804020204" pitchFamily="34" charset="-78"/>
+              <a:cs typeface="IRANSans(FaNum)" panose="020B0506030804020204" pitchFamily="34" charset="-78"/>
+            </a:endParaRPr>
+          </a:p>
+          <a:p>
+            <a:pPr lvl="1" algn="r" rtl="1">
+              <a:lnSpc>
+                <a:spcPct val="150000"/>
+              </a:lnSpc>
+            </a:pPr>
+            <a:r>
+              <a:rPr lang="fa-IR" b="1" dirty="0">
+                <a:latin typeface="IRANSans(FaNum)" panose="020B0506030804020204" pitchFamily="34" charset="-78"/>
+                <a:cs typeface="IRANSans(FaNum)" panose="020B0506030804020204" pitchFamily="34" charset="-78"/>
+              </a:rPr>
+              <a:t>مثال‌ها:</a:t>
+            </a:r>
+          </a:p>
+          <a:p>
+            <a:pPr lvl="1" algn="r" rtl="1">
+              <a:lnSpc>
+                <a:spcPct val="150000"/>
+              </a:lnSpc>
+              <a:buFont typeface="Arial" panose="020B0604020202020204" pitchFamily="34" charset="0"/>
+              <a:buChar char="•"/>
+            </a:pPr>
+            <a:r>
+              <a:rPr lang="en-US" b="1" dirty="0">
+                <a:latin typeface="IRANSans(FaNum)" panose="020B0506030804020204" pitchFamily="34" charset="-78"/>
+                <a:cs typeface="IRANSans(FaNum)" panose="020B0506030804020204" pitchFamily="34" charset="-78"/>
+              </a:rPr>
+              <a:t>Positive:</a:t>
+            </a:r>
+            <a:r>
+              <a:rPr lang="en-US" dirty="0">
+                <a:latin typeface="IRANSans(FaNum)" panose="020B0506030804020204" pitchFamily="34" charset="-78"/>
+                <a:cs typeface="IRANSans(FaNum)" panose="020B0506030804020204" pitchFamily="34" charset="-78"/>
+              </a:rPr>
+              <a:t> I will be working on the project tomorrow.</a:t>
+            </a:r>
+          </a:p>
+          <a:p>
+            <a:pPr lvl="1" algn="r" rtl="1">
+              <a:lnSpc>
+                <a:spcPct val="150000"/>
+              </a:lnSpc>
+              <a:buFont typeface="Arial" panose="020B0604020202020204" pitchFamily="34" charset="0"/>
+              <a:buChar char="•"/>
+            </a:pPr>
+            <a:r>
+              <a:rPr lang="en-US" b="1" dirty="0">
+                <a:latin typeface="IRANSans(FaNum)" panose="020B0506030804020204" pitchFamily="34" charset="-78"/>
+                <a:cs typeface="IRANSans(FaNum)" panose="020B0506030804020204" pitchFamily="34" charset="-78"/>
+              </a:rPr>
+              <a:t>Negative:</a:t>
+            </a:r>
+            <a:r>
+              <a:rPr lang="en-US" dirty="0">
+                <a:latin typeface="IRANSans(FaNum)" panose="020B0506030804020204" pitchFamily="34" charset="-78"/>
+                <a:cs typeface="IRANSans(FaNum)" panose="020B0506030804020204" pitchFamily="34" charset="-78"/>
+              </a:rPr>
+              <a:t> She won’t be attending the seminar.</a:t>
+            </a:r>
+          </a:p>
+          <a:p>
+            <a:pPr lvl="1" algn="r" rtl="1">
+              <a:lnSpc>
+                <a:spcPct val="150000"/>
+              </a:lnSpc>
+              <a:buFont typeface="Arial" panose="020B0604020202020204" pitchFamily="34" charset="0"/>
+              <a:buChar char="•"/>
+            </a:pPr>
+            <a:r>
+              <a:rPr lang="en-US" b="1" dirty="0">
+                <a:latin typeface="IRANSans(FaNum)" panose="020B0506030804020204" pitchFamily="34" charset="-78"/>
+                <a:cs typeface="IRANSans(FaNum)" panose="020B0506030804020204" pitchFamily="34" charset="-78"/>
+              </a:rPr>
+              <a:t>Question:</a:t>
+            </a:r>
+            <a:r>
+              <a:rPr lang="en-US" dirty="0">
+                <a:latin typeface="IRANSans(FaNum)" panose="020B0506030804020204" pitchFamily="34" charset="-78"/>
+                <a:cs typeface="IRANSans(FaNum)" panose="020B0506030804020204" pitchFamily="34" charset="-78"/>
+              </a:rPr>
+              <a:t> Will you be staying at the hotel tonight?</a:t>
+            </a:r>
+          </a:p>
+        </p:txBody>
+      </p:sp>
+    </p:spTree>
+    <p:extLst>
+      <p:ext uri="{BB962C8B-B14F-4D97-AF65-F5344CB8AC3E}">
+        <p14:creationId xmlns:p14="http://schemas.microsoft.com/office/powerpoint/2010/main" val="4038803444"/>
+      </p:ext>
+    </p:extLst>
+  </p:cSld>
+  <p:clrMapOvr>
+    <a:masterClrMapping/>
+  </p:clrMapOvr>
+</p:sld>
+</file>
+
+<file path=ppt/slides/slide45.xml><?xml version="1.0" encoding="utf-8"?>
+<p:sld xmlns:a="http://schemas.openxmlformats.org/drawingml/2006/main" xmlns:r="http://schemas.openxmlformats.org/officeDocument/2006/relationships" xmlns:p="http://schemas.openxmlformats.org/presentationml/2006/main">
+  <p:cSld>
+    <p:spTree>
+      <p:nvGrpSpPr>
+        <p:cNvPr id="1" name=""/>
+        <p:cNvGrpSpPr/>
+        <p:nvPr/>
+      </p:nvGrpSpPr>
+      <p:grpSpPr>
+        <a:xfrm>
+          <a:off x="0" y="0"/>
+          <a:ext cx="0" cy="0"/>
+          <a:chOff x="0" y="0"/>
+          <a:chExt cx="0" cy="0"/>
+        </a:xfrm>
+      </p:grpSpPr>
+      <p:sp>
+        <p:nvSpPr>
+          <p:cNvPr id="2" name="Slide Number Placeholder 1">
+            <a:extLst>
+              <a:ext uri="{FF2B5EF4-FFF2-40B4-BE49-F238E27FC236}">
+                <a16:creationId xmlns:a16="http://schemas.microsoft.com/office/drawing/2014/main" id="{274F25D2-818E-49B1-8463-C1D8E6000A9B}"/>
+              </a:ext>
+            </a:extLst>
+          </p:cNvPr>
+          <p:cNvSpPr>
+            <a:spLocks noGrp="1"/>
+          </p:cNvSpPr>
+          <p:nvPr>
+            <p:ph type="sldNum" sz="quarter" idx="12"/>
+          </p:nvPr>
+        </p:nvSpPr>
+        <p:spPr/>
+        <p:txBody>
+          <a:bodyPr/>
+          <a:lstStyle/>
+          <a:p>
+            <a:fld id="{23F3D7C6-E23E-47A6-9DDE-D0AE3B6B9EDD}" type="slidenum">
+              <a:rPr lang="en-US" smtClean="0"/>
+              <a:t>45</a:t>
+            </a:fld>
+            <a:endParaRPr lang="en-US" dirty="0"/>
+          </a:p>
+        </p:txBody>
+      </p:sp>
+      <p:sp>
+        <p:nvSpPr>
+          <p:cNvPr id="10" name="TextBox 9">
+            <a:extLst>
+              <a:ext uri="{FF2B5EF4-FFF2-40B4-BE49-F238E27FC236}">
+                <a16:creationId xmlns:a16="http://schemas.microsoft.com/office/drawing/2014/main" id="{2C171431-97D8-4B71-BED5-6FB6002E47C8}"/>
+              </a:ext>
+            </a:extLst>
+          </p:cNvPr>
+          <p:cNvSpPr txBox="1"/>
+          <p:nvPr/>
+        </p:nvSpPr>
+        <p:spPr>
+          <a:xfrm>
+            <a:off x="219038" y="628537"/>
+            <a:ext cx="11287760" cy="2784737"/>
+          </a:xfrm>
+          <a:prstGeom prst="rect">
+            <a:avLst/>
+          </a:prstGeom>
+          <a:noFill/>
+        </p:spPr>
+        <p:txBody>
+          <a:bodyPr wrap="square">
+            <a:spAutoFit/>
+          </a:bodyPr>
+          <a:lstStyle/>
+          <a:p>
+            <a:pPr algn="r" rtl="1">
+              <a:lnSpc>
+                <a:spcPct val="200000"/>
+              </a:lnSpc>
+            </a:pPr>
+            <a:r>
+              <a:rPr lang="fa-IR" b="1" dirty="0">
+                <a:latin typeface="IRANSans(FaNum)" panose="020B0506030804020204" pitchFamily="34" charset="-78"/>
+                <a:cs typeface="IRANSans(FaNum)" panose="020B0506030804020204" pitchFamily="34" charset="-78"/>
+              </a:rPr>
+              <a:t>تفاوت بین “</a:t>
+            </a:r>
+            <a:r>
+              <a:rPr lang="en-US" b="1" dirty="0">
+                <a:latin typeface="IRANSans(FaNum)" panose="020B0506030804020204" pitchFamily="34" charset="-78"/>
+                <a:cs typeface="IRANSans(FaNum)" panose="020B0506030804020204" pitchFamily="34" charset="-78"/>
+              </a:rPr>
+              <a:t> "Going to</a:t>
+            </a:r>
+            <a:r>
+              <a:rPr lang="fa-IR" b="1" dirty="0">
+                <a:latin typeface="IRANSans(FaNum)" panose="020B0506030804020204" pitchFamily="34" charset="-78"/>
+                <a:cs typeface="IRANSans(FaNum)" panose="020B0506030804020204" pitchFamily="34" charset="-78"/>
+              </a:rPr>
+              <a:t>و "</a:t>
+            </a:r>
+            <a:r>
+              <a:rPr lang="en-US" b="1" dirty="0">
+                <a:latin typeface="IRANSans(FaNum)" panose="020B0506030804020204" pitchFamily="34" charset="-78"/>
+                <a:cs typeface="IRANSans(FaNum)" panose="020B0506030804020204" pitchFamily="34" charset="-78"/>
+              </a:rPr>
+              <a:t>"Will</a:t>
+            </a:r>
+          </a:p>
+          <a:p>
+            <a:pPr algn="r" rtl="1">
+              <a:lnSpc>
+                <a:spcPct val="200000"/>
+              </a:lnSpc>
+              <a:buFont typeface="Arial" panose="020B0604020202020204" pitchFamily="34" charset="0"/>
+              <a:buChar char="•"/>
+            </a:pPr>
+            <a:r>
+              <a:rPr lang="en-US" i="1" dirty="0">
+                <a:latin typeface="IRANSans(FaNum)" panose="020B0506030804020204" pitchFamily="34" charset="-78"/>
+                <a:cs typeface="IRANSans(FaNum)" panose="020B0506030804020204" pitchFamily="34" charset="-78"/>
+              </a:rPr>
+              <a:t> Going to</a:t>
+            </a:r>
+            <a:r>
+              <a:rPr lang="en-US" dirty="0">
+                <a:latin typeface="IRANSans(FaNum)" panose="020B0506030804020204" pitchFamily="34" charset="-78"/>
+                <a:cs typeface="IRANSans(FaNum)" panose="020B0506030804020204" pitchFamily="34" charset="-78"/>
+              </a:rPr>
+              <a:t> </a:t>
+            </a:r>
+            <a:r>
+              <a:rPr lang="fa-IR" dirty="0">
+                <a:latin typeface="IRANSans(FaNum)" panose="020B0506030804020204" pitchFamily="34" charset="-78"/>
+                <a:cs typeface="IRANSans(FaNum)" panose="020B0506030804020204" pitchFamily="34" charset="-78"/>
+              </a:rPr>
+              <a:t>برای برنامه‌ریزی قبلی:</a:t>
+            </a:r>
+          </a:p>
+          <a:p>
+            <a:pPr marL="742950" lvl="1" indent="-285750" algn="r" rtl="1">
+              <a:lnSpc>
+                <a:spcPct val="200000"/>
+              </a:lnSpc>
+              <a:buFont typeface="Arial" panose="020B0604020202020204" pitchFamily="34" charset="0"/>
+              <a:buChar char="•"/>
+            </a:pPr>
+            <a:r>
+              <a:rPr lang="en-US" i="1" dirty="0">
+                <a:latin typeface="IRANSans(FaNum)" panose="020B0506030804020204" pitchFamily="34" charset="-78"/>
+                <a:cs typeface="IRANSans(FaNum)" panose="020B0506030804020204" pitchFamily="34" charset="-78"/>
+              </a:rPr>
+              <a:t>I’m going to visit my friend tomorrow.</a:t>
+            </a:r>
+            <a:endParaRPr lang="en-US" dirty="0">
+              <a:latin typeface="IRANSans(FaNum)" panose="020B0506030804020204" pitchFamily="34" charset="-78"/>
+              <a:cs typeface="IRANSans(FaNum)" panose="020B0506030804020204" pitchFamily="34" charset="-78"/>
+            </a:endParaRPr>
+          </a:p>
+          <a:p>
+            <a:pPr algn="r" rtl="1">
+              <a:lnSpc>
+                <a:spcPct val="200000"/>
+              </a:lnSpc>
+              <a:buFont typeface="Arial" panose="020B0604020202020204" pitchFamily="34" charset="0"/>
+              <a:buChar char="•"/>
+            </a:pPr>
+            <a:r>
+              <a:rPr lang="en-US" i="1" dirty="0">
+                <a:latin typeface="IRANSans(FaNum)" panose="020B0506030804020204" pitchFamily="34" charset="-78"/>
+                <a:cs typeface="IRANSans(FaNum)" panose="020B0506030804020204" pitchFamily="34" charset="-78"/>
+              </a:rPr>
+              <a:t> Will</a:t>
+            </a:r>
+            <a:r>
+              <a:rPr lang="en-US" dirty="0">
+                <a:latin typeface="IRANSans(FaNum)" panose="020B0506030804020204" pitchFamily="34" charset="-78"/>
+                <a:cs typeface="IRANSans(FaNum)" panose="020B0506030804020204" pitchFamily="34" charset="-78"/>
+              </a:rPr>
+              <a:t> </a:t>
+            </a:r>
+            <a:r>
+              <a:rPr lang="fa-IR" dirty="0">
+                <a:latin typeface="IRANSans(FaNum)" panose="020B0506030804020204" pitchFamily="34" charset="-78"/>
+                <a:cs typeface="IRANSans(FaNum)" panose="020B0506030804020204" pitchFamily="34" charset="-78"/>
+              </a:rPr>
+              <a:t>برای تصمیمات لحظه‌ای:</a:t>
+            </a:r>
+          </a:p>
+          <a:p>
+            <a:pPr marL="742950" lvl="1" indent="-285750" algn="r" rtl="1">
+              <a:lnSpc>
+                <a:spcPct val="200000"/>
+              </a:lnSpc>
+              <a:buFont typeface="Arial" panose="020B0604020202020204" pitchFamily="34" charset="0"/>
+              <a:buChar char="•"/>
+            </a:pPr>
+            <a:r>
+              <a:rPr lang="en-US" i="1" dirty="0">
+                <a:latin typeface="IRANSans(FaNum)" panose="020B0506030804020204" pitchFamily="34" charset="-78"/>
+                <a:cs typeface="IRANSans(FaNum)" panose="020B0506030804020204" pitchFamily="34" charset="-78"/>
+              </a:rPr>
+              <a:t>I’ll answer the phone.</a:t>
+            </a:r>
+            <a:endParaRPr lang="en-US" dirty="0">
+              <a:latin typeface="IRANSans(FaNum)" panose="020B0506030804020204" pitchFamily="34" charset="-78"/>
+              <a:cs typeface="IRANSans(FaNum)" panose="020B0506030804020204" pitchFamily="34" charset="-78"/>
+            </a:endParaRPr>
+          </a:p>
+        </p:txBody>
+      </p:sp>
+    </p:spTree>
+    <p:extLst>
+      <p:ext uri="{BB962C8B-B14F-4D97-AF65-F5344CB8AC3E}">
+        <p14:creationId xmlns:p14="http://schemas.microsoft.com/office/powerpoint/2010/main" val="2963545649"/>
+      </p:ext>
+    </p:extLst>
+  </p:cSld>
+  <p:clrMapOvr>
+    <a:masterClrMapping/>
+  </p:clrMapOvr>
+</p:sld>
+</file>
+
+<file path=ppt/slides/slide46.xml><?xml version="1.0" encoding="utf-8"?>
+<p:sld xmlns:a="http://schemas.openxmlformats.org/drawingml/2006/main" xmlns:r="http://schemas.openxmlformats.org/officeDocument/2006/relationships" xmlns:p="http://schemas.openxmlformats.org/presentationml/2006/main">
+  <p:cSld>
+    <p:spTree>
+      <p:nvGrpSpPr>
+        <p:cNvPr id="1" name=""/>
+        <p:cNvGrpSpPr/>
+        <p:nvPr/>
+      </p:nvGrpSpPr>
+      <p:grpSpPr>
+        <a:xfrm>
+          <a:off x="0" y="0"/>
+          <a:ext cx="0" cy="0"/>
+          <a:chOff x="0" y="0"/>
+          <a:chExt cx="0" cy="0"/>
+        </a:xfrm>
+      </p:grpSpPr>
+      <p:sp>
+        <p:nvSpPr>
+          <p:cNvPr id="2" name="Slide Number Placeholder 1">
+            <a:extLst>
+              <a:ext uri="{FF2B5EF4-FFF2-40B4-BE49-F238E27FC236}">
+                <a16:creationId xmlns:a16="http://schemas.microsoft.com/office/drawing/2014/main" id="{274F25D2-818E-49B1-8463-C1D8E6000A9B}"/>
+              </a:ext>
+            </a:extLst>
+          </p:cNvPr>
+          <p:cNvSpPr>
+            <a:spLocks noGrp="1"/>
+          </p:cNvSpPr>
+          <p:nvPr>
+            <p:ph type="sldNum" sz="quarter" idx="12"/>
+          </p:nvPr>
+        </p:nvSpPr>
+        <p:spPr/>
+        <p:txBody>
+          <a:bodyPr/>
+          <a:lstStyle/>
+          <a:p>
+            <a:fld id="{23F3D7C6-E23E-47A6-9DDE-D0AE3B6B9EDD}" type="slidenum">
+              <a:rPr lang="en-US" smtClean="0"/>
+              <a:t>46</a:t>
+            </a:fld>
+            <a:endParaRPr lang="en-US" dirty="0"/>
+          </a:p>
+        </p:txBody>
+      </p:sp>
+      <p:sp>
+        <p:nvSpPr>
+          <p:cNvPr id="10" name="TextBox 9">
+            <a:extLst>
+              <a:ext uri="{FF2B5EF4-FFF2-40B4-BE49-F238E27FC236}">
+                <a16:creationId xmlns:a16="http://schemas.microsoft.com/office/drawing/2014/main" id="{2C171431-97D8-4B71-BED5-6FB6002E47C8}"/>
+              </a:ext>
+            </a:extLst>
+          </p:cNvPr>
+          <p:cNvSpPr txBox="1"/>
+          <p:nvPr/>
+        </p:nvSpPr>
+        <p:spPr>
+          <a:xfrm>
+            <a:off x="219038" y="628537"/>
+            <a:ext cx="11287760" cy="5763116"/>
+          </a:xfrm>
+          <a:prstGeom prst="rect">
+            <a:avLst/>
+          </a:prstGeom>
+          <a:noFill/>
+        </p:spPr>
+        <p:txBody>
+          <a:bodyPr wrap="square">
+            <a:spAutoFit/>
+          </a:bodyPr>
+          <a:lstStyle/>
+          <a:p>
+            <a:pPr algn="r" rtl="1">
+              <a:lnSpc>
+                <a:spcPct val="200000"/>
+              </a:lnSpc>
+            </a:pPr>
+            <a:r>
+              <a:rPr lang="en-US" sz="2000" b="1" dirty="0">
+                <a:latin typeface="IRANSans(FaNum)" panose="020B0506030804020204" pitchFamily="34" charset="-78"/>
+                <a:cs typeface="IRANSans(FaNum)" panose="020B0506030804020204" pitchFamily="34" charset="-78"/>
+              </a:rPr>
+              <a:t>Future Perfect</a:t>
+            </a:r>
+          </a:p>
+          <a:p>
+            <a:pPr lvl="2" algn="r" rtl="1">
+              <a:lnSpc>
+                <a:spcPct val="150000"/>
+              </a:lnSpc>
+            </a:pPr>
+            <a:r>
+              <a:rPr lang="fa-IR" b="1" dirty="0">
+                <a:latin typeface="IRANSans(FaNum)" panose="020B0506030804020204" pitchFamily="34" charset="-78"/>
+                <a:cs typeface="IRANSans(FaNum)" panose="020B0506030804020204" pitchFamily="34" charset="-78"/>
+              </a:rPr>
+              <a:t>کاربردها:</a:t>
+            </a:r>
+          </a:p>
+          <a:p>
+            <a:pPr lvl="2" algn="r" rtl="1">
+              <a:lnSpc>
+                <a:spcPct val="150000"/>
+              </a:lnSpc>
+              <a:buFont typeface="Arial" panose="020B0604020202020204" pitchFamily="34" charset="0"/>
+              <a:buChar char="•"/>
+            </a:pPr>
+            <a:r>
+              <a:rPr lang="fa-IR" dirty="0">
+                <a:latin typeface="IRANSans(FaNum)" panose="020B0506030804020204" pitchFamily="34" charset="-78"/>
+                <a:cs typeface="IRANSans(FaNum)" panose="020B0506030804020204" pitchFamily="34" charset="-78"/>
+              </a:rPr>
+              <a:t>برای بیان عملی که تا زمان مشخصی در آینده تمام شده خواهد بود:</a:t>
+            </a:r>
+          </a:p>
+          <a:p>
+            <a:pPr marL="1657350" lvl="3" indent="-285750" algn="r" rtl="1">
+              <a:lnSpc>
+                <a:spcPct val="150000"/>
+              </a:lnSpc>
+              <a:buFont typeface="Arial" panose="020B0604020202020204" pitchFamily="34" charset="0"/>
+              <a:buChar char="•"/>
+            </a:pPr>
+            <a:r>
+              <a:rPr lang="en-US" dirty="0">
+                <a:latin typeface="IRANSans(FaNum)" panose="020B0506030804020204" pitchFamily="34" charset="-78"/>
+                <a:cs typeface="IRANSans(FaNum)" panose="020B0506030804020204" pitchFamily="34" charset="-78"/>
+              </a:rPr>
+              <a:t>By 5 PM, I will have finished the report.</a:t>
+            </a:r>
+          </a:p>
+          <a:p>
+            <a:pPr lvl="2" algn="r" rtl="1">
+              <a:lnSpc>
+                <a:spcPct val="150000"/>
+              </a:lnSpc>
+            </a:pPr>
+            <a:r>
+              <a:rPr lang="fa-IR" b="1" dirty="0">
+                <a:latin typeface="IRANSans(FaNum)" panose="020B0506030804020204" pitchFamily="34" charset="-78"/>
+                <a:cs typeface="IRANSans(FaNum)" panose="020B0506030804020204" pitchFamily="34" charset="-78"/>
+              </a:rPr>
+              <a:t>فرمول:</a:t>
+            </a:r>
+          </a:p>
+          <a:p>
+            <a:pPr lvl="2" algn="r" rtl="1">
+              <a:lnSpc>
+                <a:spcPct val="150000"/>
+              </a:lnSpc>
+              <a:buFont typeface="Arial" panose="020B0604020202020204" pitchFamily="34" charset="0"/>
+              <a:buChar char="•"/>
+            </a:pPr>
+            <a:r>
+              <a:rPr lang="fa-IR" dirty="0">
+                <a:latin typeface="IRANSans(FaNum)" panose="020B0506030804020204" pitchFamily="34" charset="-78"/>
+                <a:cs typeface="IRANSans(FaNum)" panose="020B0506030804020204" pitchFamily="34" charset="-78"/>
+              </a:rPr>
+              <a:t>مثبت: </a:t>
+            </a:r>
+            <a:r>
+              <a:rPr lang="en-US" i="1" dirty="0">
+                <a:latin typeface="IRANSans(FaNum)" panose="020B0506030804020204" pitchFamily="34" charset="-78"/>
+                <a:cs typeface="IRANSans(FaNum)" panose="020B0506030804020204" pitchFamily="34" charset="-78"/>
+              </a:rPr>
+              <a:t>Subject + will have + Past Participle</a:t>
+            </a:r>
+            <a:endParaRPr lang="en-US" dirty="0">
+              <a:latin typeface="IRANSans(FaNum)" panose="020B0506030804020204" pitchFamily="34" charset="-78"/>
+              <a:cs typeface="IRANSans(FaNum)" panose="020B0506030804020204" pitchFamily="34" charset="-78"/>
+            </a:endParaRPr>
+          </a:p>
+          <a:p>
+            <a:pPr lvl="2" algn="r" rtl="1">
+              <a:lnSpc>
+                <a:spcPct val="150000"/>
+              </a:lnSpc>
+              <a:buFont typeface="Arial" panose="020B0604020202020204" pitchFamily="34" charset="0"/>
+              <a:buChar char="•"/>
+            </a:pPr>
+            <a:r>
+              <a:rPr lang="fa-IR" dirty="0">
+                <a:latin typeface="IRANSans(FaNum)" panose="020B0506030804020204" pitchFamily="34" charset="-78"/>
+                <a:cs typeface="IRANSans(FaNum)" panose="020B0506030804020204" pitchFamily="34" charset="-78"/>
+              </a:rPr>
+              <a:t>منفی: </a:t>
+            </a:r>
+            <a:r>
+              <a:rPr lang="en-US" i="1" dirty="0">
+                <a:latin typeface="IRANSans(FaNum)" panose="020B0506030804020204" pitchFamily="34" charset="-78"/>
+                <a:cs typeface="IRANSans(FaNum)" panose="020B0506030804020204" pitchFamily="34" charset="-78"/>
+              </a:rPr>
+              <a:t>Subject + will not (won’t) have + Past Participle</a:t>
+            </a:r>
+            <a:endParaRPr lang="en-US" dirty="0">
+              <a:latin typeface="IRANSans(FaNum)" panose="020B0506030804020204" pitchFamily="34" charset="-78"/>
+              <a:cs typeface="IRANSans(FaNum)" panose="020B0506030804020204" pitchFamily="34" charset="-78"/>
+            </a:endParaRPr>
+          </a:p>
+          <a:p>
+            <a:pPr lvl="2" algn="r" rtl="1">
+              <a:lnSpc>
+                <a:spcPct val="150000"/>
+              </a:lnSpc>
+              <a:buFont typeface="Arial" panose="020B0604020202020204" pitchFamily="34" charset="0"/>
+              <a:buChar char="•"/>
+            </a:pPr>
+            <a:r>
+              <a:rPr lang="fa-IR" dirty="0">
+                <a:latin typeface="IRANSans(FaNum)" panose="020B0506030804020204" pitchFamily="34" charset="-78"/>
+                <a:cs typeface="IRANSans(FaNum)" panose="020B0506030804020204" pitchFamily="34" charset="-78"/>
+              </a:rPr>
+              <a:t>سوالی: </a:t>
+            </a:r>
+            <a:r>
+              <a:rPr lang="en-US" i="1" dirty="0">
+                <a:latin typeface="IRANSans(FaNum)" panose="020B0506030804020204" pitchFamily="34" charset="-78"/>
+                <a:cs typeface="IRANSans(FaNum)" panose="020B0506030804020204" pitchFamily="34" charset="-78"/>
+              </a:rPr>
+              <a:t>Will + subject + have + Past Participle</a:t>
+            </a:r>
+            <a:endParaRPr lang="en-US" dirty="0">
+              <a:latin typeface="IRANSans(FaNum)" panose="020B0506030804020204" pitchFamily="34" charset="-78"/>
+              <a:cs typeface="IRANSans(FaNum)" panose="020B0506030804020204" pitchFamily="34" charset="-78"/>
+            </a:endParaRPr>
+          </a:p>
+          <a:p>
+            <a:pPr lvl="2" algn="r" rtl="1">
+              <a:lnSpc>
+                <a:spcPct val="150000"/>
+              </a:lnSpc>
+            </a:pPr>
+            <a:r>
+              <a:rPr lang="fa-IR" b="1" dirty="0">
+                <a:latin typeface="IRANSans(FaNum)" panose="020B0506030804020204" pitchFamily="34" charset="-78"/>
+                <a:cs typeface="IRANSans(FaNum)" panose="020B0506030804020204" pitchFamily="34" charset="-78"/>
+              </a:rPr>
+              <a:t>مثال‌ها:</a:t>
+            </a:r>
+          </a:p>
+          <a:p>
+            <a:pPr lvl="2" algn="r" rtl="1">
+              <a:lnSpc>
+                <a:spcPct val="150000"/>
+              </a:lnSpc>
+              <a:buFont typeface="Arial" panose="020B0604020202020204" pitchFamily="34" charset="0"/>
+              <a:buChar char="•"/>
+            </a:pPr>
+            <a:r>
+              <a:rPr lang="en-US" b="1" dirty="0">
+                <a:latin typeface="IRANSans(FaNum)" panose="020B0506030804020204" pitchFamily="34" charset="-78"/>
+                <a:cs typeface="IRANSans(FaNum)" panose="020B0506030804020204" pitchFamily="34" charset="-78"/>
+              </a:rPr>
+              <a:t>Positive:</a:t>
+            </a:r>
+            <a:r>
+              <a:rPr lang="en-US" dirty="0">
+                <a:latin typeface="IRANSans(FaNum)" panose="020B0506030804020204" pitchFamily="34" charset="-78"/>
+                <a:cs typeface="IRANSans(FaNum)" panose="020B0506030804020204" pitchFamily="34" charset="-78"/>
+              </a:rPr>
+              <a:t> She will have completed the course by next year.</a:t>
+            </a:r>
+          </a:p>
+          <a:p>
+            <a:pPr lvl="2" algn="r" rtl="1">
+              <a:lnSpc>
+                <a:spcPct val="150000"/>
+              </a:lnSpc>
+              <a:buFont typeface="Arial" panose="020B0604020202020204" pitchFamily="34" charset="0"/>
+              <a:buChar char="•"/>
+            </a:pPr>
+            <a:r>
+              <a:rPr lang="en-US" b="1" dirty="0">
+                <a:latin typeface="IRANSans(FaNum)" panose="020B0506030804020204" pitchFamily="34" charset="-78"/>
+                <a:cs typeface="IRANSans(FaNum)" panose="020B0506030804020204" pitchFamily="34" charset="-78"/>
+              </a:rPr>
+              <a:t>Negative:</a:t>
+            </a:r>
+            <a:r>
+              <a:rPr lang="en-US" dirty="0">
+                <a:latin typeface="IRANSans(FaNum)" panose="020B0506030804020204" pitchFamily="34" charset="-78"/>
+                <a:cs typeface="IRANSans(FaNum)" panose="020B0506030804020204" pitchFamily="34" charset="-78"/>
+              </a:rPr>
+              <a:t> They won’t have arrived by noon.</a:t>
+            </a:r>
+          </a:p>
+          <a:p>
+            <a:pPr lvl="2" algn="r" rtl="1">
+              <a:lnSpc>
+                <a:spcPct val="150000"/>
+              </a:lnSpc>
+              <a:buFont typeface="Arial" panose="020B0604020202020204" pitchFamily="34" charset="0"/>
+              <a:buChar char="•"/>
+            </a:pPr>
+            <a:r>
+              <a:rPr lang="en-US" b="1" dirty="0">
+                <a:latin typeface="IRANSans(FaNum)" panose="020B0506030804020204" pitchFamily="34" charset="-78"/>
+                <a:cs typeface="IRANSans(FaNum)" panose="020B0506030804020204" pitchFamily="34" charset="-78"/>
+              </a:rPr>
+              <a:t>Question:</a:t>
+            </a:r>
+            <a:r>
+              <a:rPr lang="en-US" dirty="0">
+                <a:latin typeface="IRANSans(FaNum)" panose="020B0506030804020204" pitchFamily="34" charset="-78"/>
+                <a:cs typeface="IRANSans(FaNum)" panose="020B0506030804020204" pitchFamily="34" charset="-78"/>
+              </a:rPr>
+              <a:t> Will he have graduated by the end of the year?</a:t>
+            </a:r>
+          </a:p>
+          <a:p>
+            <a:pPr algn="r" rtl="1">
+              <a:lnSpc>
+                <a:spcPct val="200000"/>
+              </a:lnSpc>
+            </a:pPr>
+            <a:endParaRPr lang="en-US" dirty="0">
+              <a:latin typeface="IRANSans(FaNum)" panose="020B0506030804020204" pitchFamily="34" charset="-78"/>
+              <a:cs typeface="IRANSans(FaNum)" panose="020B0506030804020204" pitchFamily="34" charset="-78"/>
+            </a:endParaRPr>
+          </a:p>
+        </p:txBody>
+      </p:sp>
+    </p:spTree>
+    <p:extLst>
+      <p:ext uri="{BB962C8B-B14F-4D97-AF65-F5344CB8AC3E}">
+        <p14:creationId xmlns:p14="http://schemas.microsoft.com/office/powerpoint/2010/main" val="3091720599"/>
+      </p:ext>
+    </p:extLst>
+  </p:cSld>
+  <p:clrMapOvr>
+    <a:masterClrMapping/>
+  </p:clrMapOvr>
+</p:sld>
+</file>
+
+<file path=ppt/slides/slide47.xml><?xml version="1.0" encoding="utf-8"?>
+<p:sld xmlns:a="http://schemas.openxmlformats.org/drawingml/2006/main" xmlns:r="http://schemas.openxmlformats.org/officeDocument/2006/relationships" xmlns:p="http://schemas.openxmlformats.org/presentationml/2006/main">
+  <p:cSld>
+    <p:spTree>
+      <p:nvGrpSpPr>
+        <p:cNvPr id="1" name=""/>
+        <p:cNvGrpSpPr/>
+        <p:nvPr/>
+      </p:nvGrpSpPr>
+      <p:grpSpPr>
+        <a:xfrm>
+          <a:off x="0" y="0"/>
+          <a:ext cx="0" cy="0"/>
+          <a:chOff x="0" y="0"/>
+          <a:chExt cx="0" cy="0"/>
+        </a:xfrm>
+      </p:grpSpPr>
+      <p:sp>
+        <p:nvSpPr>
+          <p:cNvPr id="2" name="Slide Number Placeholder 1">
+            <a:extLst>
+              <a:ext uri="{FF2B5EF4-FFF2-40B4-BE49-F238E27FC236}">
+                <a16:creationId xmlns:a16="http://schemas.microsoft.com/office/drawing/2014/main" id="{274F25D2-818E-49B1-8463-C1D8E6000A9B}"/>
+              </a:ext>
+            </a:extLst>
+          </p:cNvPr>
+          <p:cNvSpPr>
+            <a:spLocks noGrp="1"/>
+          </p:cNvSpPr>
+          <p:nvPr>
+            <p:ph type="sldNum" sz="quarter" idx="12"/>
+          </p:nvPr>
+        </p:nvSpPr>
+        <p:spPr/>
+        <p:txBody>
+          <a:bodyPr/>
+          <a:lstStyle/>
+          <a:p>
+            <a:fld id="{23F3D7C6-E23E-47A6-9DDE-D0AE3B6B9EDD}" type="slidenum">
+              <a:rPr lang="en-US" smtClean="0"/>
+              <a:t>47</a:t>
+            </a:fld>
+            <a:endParaRPr lang="en-US" dirty="0"/>
+          </a:p>
+        </p:txBody>
+      </p:sp>
+      <p:sp>
+        <p:nvSpPr>
+          <p:cNvPr id="10" name="TextBox 9">
+            <a:extLst>
+              <a:ext uri="{FF2B5EF4-FFF2-40B4-BE49-F238E27FC236}">
+                <a16:creationId xmlns:a16="http://schemas.microsoft.com/office/drawing/2014/main" id="{2C171431-97D8-4B71-BED5-6FB6002E47C8}"/>
+              </a:ext>
+            </a:extLst>
+          </p:cNvPr>
+          <p:cNvSpPr txBox="1"/>
+          <p:nvPr/>
+        </p:nvSpPr>
+        <p:spPr>
+          <a:xfrm>
+            <a:off x="239358" y="333897"/>
+            <a:ext cx="11287760" cy="5763116"/>
+          </a:xfrm>
+          <a:prstGeom prst="rect">
+            <a:avLst/>
+          </a:prstGeom>
+          <a:noFill/>
+        </p:spPr>
+        <p:txBody>
+          <a:bodyPr wrap="square">
+            <a:spAutoFit/>
+          </a:bodyPr>
+          <a:lstStyle/>
+          <a:p>
+            <a:pPr algn="r" rtl="1">
+              <a:lnSpc>
+                <a:spcPct val="200000"/>
+              </a:lnSpc>
+            </a:pPr>
+            <a:r>
+              <a:rPr lang="en-US" sz="2000" b="1" dirty="0">
+                <a:latin typeface="IRANSans(FaNum)" panose="020B0506030804020204" pitchFamily="34" charset="-78"/>
+                <a:cs typeface="IRANSans(FaNum)" panose="020B0506030804020204" pitchFamily="34" charset="-78"/>
+              </a:rPr>
+              <a:t>Future Perfect Continuous</a:t>
+            </a:r>
+          </a:p>
+          <a:p>
+            <a:pPr lvl="1" algn="r" rtl="1">
+              <a:lnSpc>
+                <a:spcPct val="150000"/>
+              </a:lnSpc>
+            </a:pPr>
+            <a:r>
+              <a:rPr lang="fa-IR" b="1" dirty="0">
+                <a:latin typeface="IRANSans(FaNum)" panose="020B0506030804020204" pitchFamily="34" charset="-78"/>
+                <a:cs typeface="IRANSans(FaNum)" panose="020B0506030804020204" pitchFamily="34" charset="-78"/>
+              </a:rPr>
+              <a:t>کاربردها:</a:t>
+            </a:r>
+          </a:p>
+          <a:p>
+            <a:pPr lvl="1" algn="r" rtl="1">
+              <a:lnSpc>
+                <a:spcPct val="150000"/>
+              </a:lnSpc>
+              <a:buFont typeface="Arial" panose="020B0604020202020204" pitchFamily="34" charset="0"/>
+              <a:buChar char="•"/>
+            </a:pPr>
+            <a:r>
+              <a:rPr lang="fa-IR" dirty="0">
+                <a:latin typeface="IRANSans(FaNum)" panose="020B0506030804020204" pitchFamily="34" charset="-78"/>
+                <a:cs typeface="IRANSans(FaNum)" panose="020B0506030804020204" pitchFamily="34" charset="-78"/>
+              </a:rPr>
+              <a:t>برای تأکید بر مدت زمان عملی که تا زمان مشخصی در آینده در حال انجام بوده است:</a:t>
+            </a:r>
+          </a:p>
+          <a:p>
+            <a:pPr marL="1200150" lvl="2" indent="-285750" algn="r" rtl="1">
+              <a:lnSpc>
+                <a:spcPct val="150000"/>
+              </a:lnSpc>
+              <a:buFont typeface="Arial" panose="020B0604020202020204" pitchFamily="34" charset="0"/>
+              <a:buChar char="•"/>
+            </a:pPr>
+            <a:r>
+              <a:rPr lang="en-US" i="1" dirty="0">
+                <a:latin typeface="IRANSans(FaNum)" panose="020B0506030804020204" pitchFamily="34" charset="-78"/>
+                <a:cs typeface="IRANSans(FaNum)" panose="020B0506030804020204" pitchFamily="34" charset="-78"/>
+              </a:rPr>
+              <a:t>By next month, I will have been working here for three years.</a:t>
+            </a:r>
+            <a:endParaRPr lang="en-US" dirty="0">
+              <a:latin typeface="IRANSans(FaNum)" panose="020B0506030804020204" pitchFamily="34" charset="-78"/>
+              <a:cs typeface="IRANSans(FaNum)" panose="020B0506030804020204" pitchFamily="34" charset="-78"/>
+            </a:endParaRPr>
+          </a:p>
+          <a:p>
+            <a:pPr lvl="1" algn="r" rtl="1">
+              <a:lnSpc>
+                <a:spcPct val="150000"/>
+              </a:lnSpc>
+            </a:pPr>
+            <a:r>
+              <a:rPr lang="fa-IR" b="1" dirty="0">
+                <a:latin typeface="IRANSans(FaNum)" panose="020B0506030804020204" pitchFamily="34" charset="-78"/>
+                <a:cs typeface="IRANSans(FaNum)" panose="020B0506030804020204" pitchFamily="34" charset="-78"/>
+              </a:rPr>
+              <a:t>فرمول:</a:t>
+            </a:r>
+          </a:p>
+          <a:p>
+            <a:pPr lvl="1" algn="r" rtl="1">
+              <a:lnSpc>
+                <a:spcPct val="150000"/>
+              </a:lnSpc>
+              <a:buFont typeface="Arial" panose="020B0604020202020204" pitchFamily="34" charset="0"/>
+              <a:buChar char="•"/>
+            </a:pPr>
+            <a:r>
+              <a:rPr lang="fa-IR" dirty="0">
+                <a:latin typeface="IRANSans(FaNum)" panose="020B0506030804020204" pitchFamily="34" charset="-78"/>
+                <a:cs typeface="IRANSans(FaNum)" panose="020B0506030804020204" pitchFamily="34" charset="-78"/>
+              </a:rPr>
+              <a:t>مثبت: </a:t>
+            </a:r>
+            <a:r>
+              <a:rPr lang="en-US" i="1" dirty="0">
+                <a:latin typeface="IRANSans(FaNum)" panose="020B0506030804020204" pitchFamily="34" charset="-78"/>
+                <a:cs typeface="IRANSans(FaNum)" panose="020B0506030804020204" pitchFamily="34" charset="-78"/>
+              </a:rPr>
+              <a:t>Subject + will have been + Verb-</a:t>
+            </a:r>
+            <a:r>
+              <a:rPr lang="en-US" i="1" dirty="0" err="1">
+                <a:latin typeface="IRANSans(FaNum)" panose="020B0506030804020204" pitchFamily="34" charset="-78"/>
+                <a:cs typeface="IRANSans(FaNum)" panose="020B0506030804020204" pitchFamily="34" charset="-78"/>
+              </a:rPr>
+              <a:t>ing</a:t>
+            </a:r>
+            <a:endParaRPr lang="en-US" dirty="0">
+              <a:latin typeface="IRANSans(FaNum)" panose="020B0506030804020204" pitchFamily="34" charset="-78"/>
+              <a:cs typeface="IRANSans(FaNum)" panose="020B0506030804020204" pitchFamily="34" charset="-78"/>
+            </a:endParaRPr>
+          </a:p>
+          <a:p>
+            <a:pPr lvl="1" algn="r" rtl="1">
+              <a:lnSpc>
+                <a:spcPct val="150000"/>
+              </a:lnSpc>
+              <a:buFont typeface="Arial" panose="020B0604020202020204" pitchFamily="34" charset="0"/>
+              <a:buChar char="•"/>
+            </a:pPr>
+            <a:r>
+              <a:rPr lang="fa-IR" dirty="0">
+                <a:latin typeface="IRANSans(FaNum)" panose="020B0506030804020204" pitchFamily="34" charset="-78"/>
+                <a:cs typeface="IRANSans(FaNum)" panose="020B0506030804020204" pitchFamily="34" charset="-78"/>
+              </a:rPr>
+              <a:t>منفی: </a:t>
+            </a:r>
+            <a:r>
+              <a:rPr lang="en-US" i="1" dirty="0">
+                <a:latin typeface="IRANSans(FaNum)" panose="020B0506030804020204" pitchFamily="34" charset="-78"/>
+                <a:cs typeface="IRANSans(FaNum)" panose="020B0506030804020204" pitchFamily="34" charset="-78"/>
+              </a:rPr>
+              <a:t>Subject + will not (won’t) have been + Verb-</a:t>
+            </a:r>
+            <a:r>
+              <a:rPr lang="en-US" i="1" dirty="0" err="1">
+                <a:latin typeface="IRANSans(FaNum)" panose="020B0506030804020204" pitchFamily="34" charset="-78"/>
+                <a:cs typeface="IRANSans(FaNum)" panose="020B0506030804020204" pitchFamily="34" charset="-78"/>
+              </a:rPr>
+              <a:t>ing</a:t>
+            </a:r>
+            <a:endParaRPr lang="en-US" dirty="0">
+              <a:latin typeface="IRANSans(FaNum)" panose="020B0506030804020204" pitchFamily="34" charset="-78"/>
+              <a:cs typeface="IRANSans(FaNum)" panose="020B0506030804020204" pitchFamily="34" charset="-78"/>
+            </a:endParaRPr>
+          </a:p>
+          <a:p>
+            <a:pPr lvl="1" algn="r" rtl="1">
+              <a:lnSpc>
+                <a:spcPct val="150000"/>
+              </a:lnSpc>
+              <a:buFont typeface="Arial" panose="020B0604020202020204" pitchFamily="34" charset="0"/>
+              <a:buChar char="•"/>
+            </a:pPr>
+            <a:r>
+              <a:rPr lang="fa-IR" dirty="0">
+                <a:latin typeface="IRANSans(FaNum)" panose="020B0506030804020204" pitchFamily="34" charset="-78"/>
+                <a:cs typeface="IRANSans(FaNum)" panose="020B0506030804020204" pitchFamily="34" charset="-78"/>
+              </a:rPr>
+              <a:t>سوالی: </a:t>
+            </a:r>
+            <a:r>
+              <a:rPr lang="en-US" i="1" dirty="0">
+                <a:latin typeface="IRANSans(FaNum)" panose="020B0506030804020204" pitchFamily="34" charset="-78"/>
+                <a:cs typeface="IRANSans(FaNum)" panose="020B0506030804020204" pitchFamily="34" charset="-78"/>
+              </a:rPr>
+              <a:t>Will + subject + have been + Verb-</a:t>
+            </a:r>
+            <a:r>
+              <a:rPr lang="en-US" i="1" dirty="0" err="1">
+                <a:latin typeface="IRANSans(FaNum)" panose="020B0506030804020204" pitchFamily="34" charset="-78"/>
+                <a:cs typeface="IRANSans(FaNum)" panose="020B0506030804020204" pitchFamily="34" charset="-78"/>
+              </a:rPr>
+              <a:t>ing</a:t>
+            </a:r>
+            <a:endParaRPr lang="en-US" dirty="0">
+              <a:latin typeface="IRANSans(FaNum)" panose="020B0506030804020204" pitchFamily="34" charset="-78"/>
+              <a:cs typeface="IRANSans(FaNum)" panose="020B0506030804020204" pitchFamily="34" charset="-78"/>
+            </a:endParaRPr>
+          </a:p>
+          <a:p>
+            <a:pPr lvl="1" algn="r" rtl="1">
+              <a:lnSpc>
+                <a:spcPct val="150000"/>
+              </a:lnSpc>
+            </a:pPr>
+            <a:r>
+              <a:rPr lang="fa-IR" b="1" dirty="0">
+                <a:latin typeface="IRANSans(FaNum)" panose="020B0506030804020204" pitchFamily="34" charset="-78"/>
+                <a:cs typeface="IRANSans(FaNum)" panose="020B0506030804020204" pitchFamily="34" charset="-78"/>
+              </a:rPr>
+              <a:t>مثال‌ها:</a:t>
+            </a:r>
+          </a:p>
+          <a:p>
+            <a:pPr lvl="1" algn="r" rtl="1">
+              <a:lnSpc>
+                <a:spcPct val="150000"/>
+              </a:lnSpc>
+              <a:buFont typeface="Arial" panose="020B0604020202020204" pitchFamily="34" charset="0"/>
+              <a:buChar char="•"/>
+            </a:pPr>
+            <a:r>
+              <a:rPr lang="en-US" b="1" dirty="0">
+                <a:latin typeface="IRANSans(FaNum)" panose="020B0506030804020204" pitchFamily="34" charset="-78"/>
+                <a:cs typeface="IRANSans(FaNum)" panose="020B0506030804020204" pitchFamily="34" charset="-78"/>
+              </a:rPr>
+              <a:t>Positive:</a:t>
+            </a:r>
+            <a:r>
+              <a:rPr lang="en-US" dirty="0">
+                <a:latin typeface="IRANSans(FaNum)" panose="020B0506030804020204" pitchFamily="34" charset="-78"/>
+                <a:cs typeface="IRANSans(FaNum)" panose="020B0506030804020204" pitchFamily="34" charset="-78"/>
+              </a:rPr>
+              <a:t> They will have been living in this city for ten years by 2030.</a:t>
+            </a:r>
+          </a:p>
+          <a:p>
+            <a:pPr lvl="1" algn="r" rtl="1">
+              <a:lnSpc>
+                <a:spcPct val="150000"/>
+              </a:lnSpc>
+              <a:buFont typeface="Arial" panose="020B0604020202020204" pitchFamily="34" charset="0"/>
+              <a:buChar char="•"/>
+            </a:pPr>
+            <a:r>
+              <a:rPr lang="en-US" b="1" dirty="0">
+                <a:latin typeface="IRANSans(FaNum)" panose="020B0506030804020204" pitchFamily="34" charset="-78"/>
+                <a:cs typeface="IRANSans(FaNum)" panose="020B0506030804020204" pitchFamily="34" charset="-78"/>
+              </a:rPr>
+              <a:t>Negative:</a:t>
+            </a:r>
+            <a:r>
+              <a:rPr lang="en-US" dirty="0">
+                <a:latin typeface="IRANSans(FaNum)" panose="020B0506030804020204" pitchFamily="34" charset="-78"/>
+                <a:cs typeface="IRANSans(FaNum)" panose="020B0506030804020204" pitchFamily="34" charset="-78"/>
+              </a:rPr>
+              <a:t> She won’t have been studying for long by the time the exam starts.</a:t>
+            </a:r>
+          </a:p>
+          <a:p>
+            <a:pPr lvl="1" algn="r" rtl="1">
+              <a:lnSpc>
+                <a:spcPct val="150000"/>
+              </a:lnSpc>
+              <a:buFont typeface="Arial" panose="020B0604020202020204" pitchFamily="34" charset="0"/>
+              <a:buChar char="•"/>
+            </a:pPr>
+            <a:r>
+              <a:rPr lang="en-US" b="1" dirty="0">
+                <a:latin typeface="IRANSans(FaNum)" panose="020B0506030804020204" pitchFamily="34" charset="-78"/>
+                <a:cs typeface="IRANSans(FaNum)" panose="020B0506030804020204" pitchFamily="34" charset="-78"/>
+              </a:rPr>
+              <a:t>Question:</a:t>
+            </a:r>
+            <a:r>
+              <a:rPr lang="en-US" dirty="0">
+                <a:latin typeface="IRANSans(FaNum)" panose="020B0506030804020204" pitchFamily="34" charset="-78"/>
+                <a:cs typeface="IRANSans(FaNum)" panose="020B0506030804020204" pitchFamily="34" charset="-78"/>
+              </a:rPr>
+              <a:t> Will you have been working on this project for a year by next month?</a:t>
+            </a:r>
+          </a:p>
+          <a:p>
+            <a:pPr algn="r" rtl="1">
+              <a:lnSpc>
+                <a:spcPct val="200000"/>
+              </a:lnSpc>
+            </a:pPr>
+            <a:endParaRPr lang="en-US" dirty="0">
+              <a:latin typeface="IRANSans(FaNum)" panose="020B0506030804020204" pitchFamily="34" charset="-78"/>
+              <a:cs typeface="IRANSans(FaNum)" panose="020B0506030804020204" pitchFamily="34" charset="-78"/>
+            </a:endParaRPr>
+          </a:p>
+        </p:txBody>
+      </p:sp>
+    </p:spTree>
+    <p:extLst>
+      <p:ext uri="{BB962C8B-B14F-4D97-AF65-F5344CB8AC3E}">
+        <p14:creationId xmlns:p14="http://schemas.microsoft.com/office/powerpoint/2010/main" val="1272488739"/>
+      </p:ext>
+    </p:extLst>
+  </p:cSld>
+  <p:clrMapOvr>
+    <a:masterClrMapping/>
+  </p:clrMapOvr>
+</p:sld>
+</file>
+
+<file path=ppt/slides/slide48.xml><?xml version="1.0" encoding="utf-8"?>
+<p:sld xmlns:a="http://schemas.openxmlformats.org/drawingml/2006/main" xmlns:r="http://schemas.openxmlformats.org/officeDocument/2006/relationships" xmlns:p="http://schemas.openxmlformats.org/presentationml/2006/main">
+  <p:cSld>
+    <p:spTree>
+      <p:nvGrpSpPr>
+        <p:cNvPr id="1" name=""/>
+        <p:cNvGrpSpPr/>
+        <p:nvPr/>
+      </p:nvGrpSpPr>
+      <p:grpSpPr>
+        <a:xfrm>
+          <a:off x="0" y="0"/>
+          <a:ext cx="0" cy="0"/>
+          <a:chOff x="0" y="0"/>
+          <a:chExt cx="0" cy="0"/>
+        </a:xfrm>
+      </p:grpSpPr>
+      <p:sp>
+        <p:nvSpPr>
+          <p:cNvPr id="2" name="Slide Number Placeholder 1">
+            <a:extLst>
+              <a:ext uri="{FF2B5EF4-FFF2-40B4-BE49-F238E27FC236}">
+                <a16:creationId xmlns:a16="http://schemas.microsoft.com/office/drawing/2014/main" id="{A47E1494-1635-4564-93E7-6363990583D6}"/>
+              </a:ext>
+            </a:extLst>
+          </p:cNvPr>
+          <p:cNvSpPr>
+            <a:spLocks noGrp="1"/>
+          </p:cNvSpPr>
+          <p:nvPr>
+            <p:ph type="sldNum" sz="quarter" idx="12"/>
+          </p:nvPr>
+        </p:nvSpPr>
+        <p:spPr/>
+        <p:txBody>
+          <a:bodyPr/>
+          <a:lstStyle/>
+          <a:p>
+            <a:fld id="{23F3D7C6-E23E-47A6-9DDE-D0AE3B6B9EDD}" type="slidenum">
+              <a:rPr lang="en-US" smtClean="0"/>
+              <a:t>48</a:t>
+            </a:fld>
+            <a:endParaRPr lang="en-US"/>
+          </a:p>
+        </p:txBody>
+      </p:sp>
+      <p:sp>
+        <p:nvSpPr>
+          <p:cNvPr id="4" name="TextBox 3">
+            <a:extLst>
+              <a:ext uri="{FF2B5EF4-FFF2-40B4-BE49-F238E27FC236}">
+                <a16:creationId xmlns:a16="http://schemas.microsoft.com/office/drawing/2014/main" id="{3695209E-F2E0-420C-AEF0-CC6BECE4038A}"/>
+              </a:ext>
+            </a:extLst>
+          </p:cNvPr>
+          <p:cNvSpPr txBox="1"/>
+          <p:nvPr/>
+        </p:nvSpPr>
+        <p:spPr>
+          <a:xfrm>
+            <a:off x="4826000" y="964198"/>
+            <a:ext cx="6096000" cy="4316566"/>
+          </a:xfrm>
+          <a:prstGeom prst="rect">
+            <a:avLst/>
+          </a:prstGeom>
+          <a:noFill/>
+        </p:spPr>
+        <p:txBody>
+          <a:bodyPr wrap="square">
+            <a:spAutoFit/>
+          </a:bodyPr>
+          <a:lstStyle/>
+          <a:p>
+            <a:pPr algn="r" rtl="1">
+              <a:lnSpc>
+                <a:spcPct val="150000"/>
+              </a:lnSpc>
+            </a:pPr>
+            <a:r>
+              <a:rPr lang="fa-IR" b="1" dirty="0">
+                <a:latin typeface="IRANSans(FaNum)" panose="020B0506030804020204" pitchFamily="34" charset="-78"/>
+                <a:cs typeface="IRANSans(FaNum)" panose="020B0506030804020204" pitchFamily="34" charset="-78"/>
+              </a:rPr>
+              <a:t>تمرین‌ها:</a:t>
+            </a:r>
+          </a:p>
+          <a:p>
+            <a:pPr algn="r" rtl="1">
+              <a:lnSpc>
+                <a:spcPct val="200000"/>
+              </a:lnSpc>
+            </a:pPr>
+            <a:r>
+              <a:rPr lang="fa-IR" b="1" dirty="0">
+                <a:latin typeface="IRANSans(FaNum)" panose="020B0506030804020204" pitchFamily="34" charset="-78"/>
+                <a:cs typeface="IRANSans(FaNum)" panose="020B0506030804020204" pitchFamily="34" charset="-78"/>
+              </a:rPr>
+              <a:t>تمرین 1: پر کردن جاهای خالی</a:t>
+            </a:r>
+          </a:p>
+          <a:p>
+            <a:pPr algn="r" rtl="1">
+              <a:lnSpc>
+                <a:spcPct val="200000"/>
+              </a:lnSpc>
+            </a:pPr>
+            <a:r>
+              <a:rPr lang="fa-IR" dirty="0">
+                <a:latin typeface="IRANSans(FaNum)" panose="020B0506030804020204" pitchFamily="34" charset="-78"/>
+                <a:cs typeface="IRANSans(FaNum)" panose="020B0506030804020204" pitchFamily="34" charset="-78"/>
+              </a:rPr>
+              <a:t>جملات زیر را با زمان مناسب آینده کامل کنید:</a:t>
+            </a:r>
+          </a:p>
+          <a:p>
+            <a:pPr algn="r" rtl="1">
+              <a:lnSpc>
+                <a:spcPct val="200000"/>
+              </a:lnSpc>
+              <a:buFont typeface="+mj-lt"/>
+              <a:buAutoNum type="arabicPeriod"/>
+            </a:pPr>
+            <a:r>
+              <a:rPr lang="en-US" dirty="0">
+                <a:latin typeface="IRANSans(FaNum)" panose="020B0506030804020204" pitchFamily="34" charset="-78"/>
+                <a:cs typeface="IRANSans(FaNum)" panose="020B0506030804020204" pitchFamily="34" charset="-78"/>
+              </a:rPr>
+              <a:t>By the time you arrive, we ______ (finish) dinner.</a:t>
+            </a:r>
+          </a:p>
+          <a:p>
+            <a:pPr algn="r" rtl="1">
+              <a:lnSpc>
+                <a:spcPct val="200000"/>
+              </a:lnSpc>
+              <a:buFont typeface="+mj-lt"/>
+              <a:buAutoNum type="arabicPeriod"/>
+            </a:pPr>
+            <a:r>
+              <a:rPr lang="en-US" dirty="0">
+                <a:latin typeface="IRANSans(FaNum)" panose="020B0506030804020204" pitchFamily="34" charset="-78"/>
+                <a:cs typeface="IRANSans(FaNum)" panose="020B0506030804020204" pitchFamily="34" charset="-78"/>
+              </a:rPr>
+              <a:t>At 10 PM tomorrow, I ______ (watch) a movie.</a:t>
+            </a:r>
+          </a:p>
+          <a:p>
+            <a:pPr algn="r" rtl="1">
+              <a:lnSpc>
+                <a:spcPct val="200000"/>
+              </a:lnSpc>
+              <a:buFont typeface="+mj-lt"/>
+              <a:buAutoNum type="arabicPeriod"/>
+            </a:pPr>
+            <a:r>
+              <a:rPr lang="en-US" dirty="0">
+                <a:latin typeface="IRANSans(FaNum)" panose="020B0506030804020204" pitchFamily="34" charset="-78"/>
+                <a:cs typeface="IRANSans(FaNum)" panose="020B0506030804020204" pitchFamily="34" charset="-78"/>
+              </a:rPr>
+              <a:t>By next year, she ______ (study) English for five years.</a:t>
+            </a:r>
+          </a:p>
+          <a:p>
+            <a:pPr algn="r" rtl="1">
+              <a:lnSpc>
+                <a:spcPct val="200000"/>
+              </a:lnSpc>
+              <a:buFont typeface="+mj-lt"/>
+              <a:buAutoNum type="arabicPeriod"/>
+            </a:pPr>
+            <a:r>
+              <a:rPr lang="en-US" dirty="0">
+                <a:latin typeface="IRANSans(FaNum)" panose="020B0506030804020204" pitchFamily="34" charset="-78"/>
+                <a:cs typeface="IRANSans(FaNum)" panose="020B0506030804020204" pitchFamily="34" charset="-78"/>
+              </a:rPr>
+              <a:t>They ______ (not complete) the project by the deadline.</a:t>
+            </a:r>
+          </a:p>
+          <a:p>
+            <a:pPr algn="r" rtl="1">
+              <a:lnSpc>
+                <a:spcPct val="200000"/>
+              </a:lnSpc>
+              <a:buFont typeface="+mj-lt"/>
+              <a:buAutoNum type="arabicPeriod"/>
+            </a:pPr>
+            <a:r>
+              <a:rPr lang="en-US" dirty="0">
+                <a:latin typeface="IRANSans(FaNum)" panose="020B0506030804020204" pitchFamily="34" charset="-78"/>
+                <a:cs typeface="IRANSans(FaNum)" panose="020B0506030804020204" pitchFamily="34" charset="-78"/>
+              </a:rPr>
+              <a:t>______ you ______ (travel) to Europe by next summer?</a:t>
+            </a:r>
+          </a:p>
+        </p:txBody>
+      </p:sp>
+    </p:spTree>
+    <p:extLst>
+      <p:ext uri="{BB962C8B-B14F-4D97-AF65-F5344CB8AC3E}">
+        <p14:creationId xmlns:p14="http://schemas.microsoft.com/office/powerpoint/2010/main" val="1921895741"/>
+      </p:ext>
+    </p:extLst>
+  </p:cSld>
+  <p:clrMapOvr>
+    <a:masterClrMapping/>
+  </p:clrMapOvr>
+</p:sld>
+</file>
+
+<file path=ppt/slides/slide49.xml><?xml version="1.0" encoding="utf-8"?>
+<p:sld xmlns:a="http://schemas.openxmlformats.org/drawingml/2006/main" xmlns:r="http://schemas.openxmlformats.org/officeDocument/2006/relationships" xmlns:p="http://schemas.openxmlformats.org/presentationml/2006/main">
+  <p:cSld>
+    <p:spTree>
+      <p:nvGrpSpPr>
+        <p:cNvPr id="1" name=""/>
+        <p:cNvGrpSpPr/>
+        <p:nvPr/>
+      </p:nvGrpSpPr>
+      <p:grpSpPr>
+        <a:xfrm>
+          <a:off x="0" y="0"/>
+          <a:ext cx="0" cy="0"/>
+          <a:chOff x="0" y="0"/>
+          <a:chExt cx="0" cy="0"/>
+        </a:xfrm>
+      </p:grpSpPr>
+      <p:sp>
+        <p:nvSpPr>
+          <p:cNvPr id="2" name="Slide Number Placeholder 1">
+            <a:extLst>
+              <a:ext uri="{FF2B5EF4-FFF2-40B4-BE49-F238E27FC236}">
+                <a16:creationId xmlns:a16="http://schemas.microsoft.com/office/drawing/2014/main" id="{53F16D4E-1904-45D6-A474-1B74175AE636}"/>
+              </a:ext>
+            </a:extLst>
+          </p:cNvPr>
+          <p:cNvSpPr>
+            <a:spLocks noGrp="1"/>
+          </p:cNvSpPr>
+          <p:nvPr>
+            <p:ph type="sldNum" sz="quarter" idx="12"/>
+          </p:nvPr>
+        </p:nvSpPr>
+        <p:spPr/>
+        <p:txBody>
+          <a:bodyPr/>
+          <a:lstStyle/>
+          <a:p>
+            <a:fld id="{23F3D7C6-E23E-47A6-9DDE-D0AE3B6B9EDD}" type="slidenum">
+              <a:rPr lang="en-US" smtClean="0"/>
+              <a:t>49</a:t>
+            </a:fld>
+            <a:endParaRPr lang="en-US"/>
+          </a:p>
+        </p:txBody>
+      </p:sp>
+      <p:sp>
+        <p:nvSpPr>
+          <p:cNvPr id="4" name="TextBox 3">
+            <a:extLst>
+              <a:ext uri="{FF2B5EF4-FFF2-40B4-BE49-F238E27FC236}">
+                <a16:creationId xmlns:a16="http://schemas.microsoft.com/office/drawing/2014/main" id="{A6CA532E-0374-42D9-A692-FE8E85D83824}"/>
+              </a:ext>
+            </a:extLst>
+          </p:cNvPr>
+          <p:cNvSpPr txBox="1"/>
+          <p:nvPr/>
+        </p:nvSpPr>
+        <p:spPr>
+          <a:xfrm>
+            <a:off x="944880" y="710198"/>
+            <a:ext cx="10576560" cy="3347070"/>
+          </a:xfrm>
+          <a:prstGeom prst="rect">
+            <a:avLst/>
+          </a:prstGeom>
+          <a:noFill/>
+        </p:spPr>
+        <p:txBody>
+          <a:bodyPr wrap="square">
+            <a:spAutoFit/>
+          </a:bodyPr>
+          <a:lstStyle/>
+          <a:p>
+            <a:pPr algn="r" rtl="1">
+              <a:lnSpc>
+                <a:spcPct val="200000"/>
+              </a:lnSpc>
+            </a:pPr>
+            <a:r>
+              <a:rPr lang="fa-IR" b="1" dirty="0">
+                <a:latin typeface="IRANSans(FaNum)" panose="020B0506030804020204" pitchFamily="34" charset="-78"/>
+                <a:cs typeface="IRANSans(FaNum)" panose="020B0506030804020204" pitchFamily="34" charset="-78"/>
+              </a:rPr>
+              <a:t>پاسخ تمرین 1:</a:t>
+            </a:r>
+          </a:p>
+          <a:p>
+            <a:pPr lvl="1" algn="r" rtl="1">
+              <a:lnSpc>
+                <a:spcPct val="200000"/>
+              </a:lnSpc>
+              <a:buFont typeface="+mj-lt"/>
+              <a:buAutoNum type="arabicPeriod"/>
+            </a:pPr>
+            <a:r>
+              <a:rPr lang="en-US" dirty="0">
+                <a:latin typeface="IRANSans(FaNum)" panose="020B0506030804020204" pitchFamily="34" charset="-78"/>
+                <a:cs typeface="IRANSans(FaNum)" panose="020B0506030804020204" pitchFamily="34" charset="-78"/>
+              </a:rPr>
+              <a:t>By the time you arrive, we </a:t>
+            </a:r>
+            <a:r>
+              <a:rPr lang="en-US" b="1" dirty="0">
+                <a:latin typeface="IRANSans(FaNum)" panose="020B0506030804020204" pitchFamily="34" charset="-78"/>
+                <a:cs typeface="IRANSans(FaNum)" panose="020B0506030804020204" pitchFamily="34" charset="-78"/>
+              </a:rPr>
+              <a:t>will have finished</a:t>
+            </a:r>
+            <a:r>
+              <a:rPr lang="en-US" dirty="0">
+                <a:latin typeface="IRANSans(FaNum)" panose="020B0506030804020204" pitchFamily="34" charset="-78"/>
+                <a:cs typeface="IRANSans(FaNum)" panose="020B0506030804020204" pitchFamily="34" charset="-78"/>
+              </a:rPr>
+              <a:t> dinner</a:t>
+            </a:r>
+          </a:p>
+          <a:p>
+            <a:pPr lvl="1" algn="r" rtl="1">
+              <a:lnSpc>
+                <a:spcPct val="200000"/>
+              </a:lnSpc>
+              <a:buFont typeface="+mj-lt"/>
+              <a:buAutoNum type="arabicPeriod"/>
+            </a:pPr>
+            <a:r>
+              <a:rPr lang="en-US" dirty="0">
+                <a:latin typeface="IRANSans(FaNum)" panose="020B0506030804020204" pitchFamily="34" charset="-78"/>
+                <a:cs typeface="IRANSans(FaNum)" panose="020B0506030804020204" pitchFamily="34" charset="-78"/>
+              </a:rPr>
+              <a:t>At 10 PM tomorrow, I </a:t>
+            </a:r>
+            <a:r>
+              <a:rPr lang="en-US" b="1" dirty="0">
+                <a:latin typeface="IRANSans(FaNum)" panose="020B0506030804020204" pitchFamily="34" charset="-78"/>
+                <a:cs typeface="IRANSans(FaNum)" panose="020B0506030804020204" pitchFamily="34" charset="-78"/>
+              </a:rPr>
+              <a:t>will be watching</a:t>
+            </a:r>
+            <a:r>
+              <a:rPr lang="en-US" dirty="0">
+                <a:latin typeface="IRANSans(FaNum)" panose="020B0506030804020204" pitchFamily="34" charset="-78"/>
+                <a:cs typeface="IRANSans(FaNum)" panose="020B0506030804020204" pitchFamily="34" charset="-78"/>
+              </a:rPr>
+              <a:t> a movie</a:t>
+            </a:r>
+          </a:p>
+          <a:p>
+            <a:pPr lvl="1" algn="r" rtl="1">
+              <a:lnSpc>
+                <a:spcPct val="200000"/>
+              </a:lnSpc>
+              <a:buFont typeface="+mj-lt"/>
+              <a:buAutoNum type="arabicPeriod"/>
+            </a:pPr>
+            <a:r>
+              <a:rPr lang="en-US" dirty="0">
+                <a:latin typeface="IRANSans(FaNum)" panose="020B0506030804020204" pitchFamily="34" charset="-78"/>
+                <a:cs typeface="IRANSans(FaNum)" panose="020B0506030804020204" pitchFamily="34" charset="-78"/>
+              </a:rPr>
+              <a:t>By next year, she </a:t>
+            </a:r>
+            <a:r>
+              <a:rPr lang="en-US" b="1" dirty="0">
+                <a:latin typeface="IRANSans(FaNum)" panose="020B0506030804020204" pitchFamily="34" charset="-78"/>
+                <a:cs typeface="IRANSans(FaNum)" panose="020B0506030804020204" pitchFamily="34" charset="-78"/>
+              </a:rPr>
+              <a:t>will have been studying</a:t>
+            </a:r>
+            <a:r>
+              <a:rPr lang="en-US" dirty="0">
+                <a:latin typeface="IRANSans(FaNum)" panose="020B0506030804020204" pitchFamily="34" charset="-78"/>
+                <a:cs typeface="IRANSans(FaNum)" panose="020B0506030804020204" pitchFamily="34" charset="-78"/>
+              </a:rPr>
+              <a:t> English for five years</a:t>
+            </a:r>
+          </a:p>
+          <a:p>
+            <a:pPr lvl="1" algn="r" rtl="1">
+              <a:lnSpc>
+                <a:spcPct val="200000"/>
+              </a:lnSpc>
+              <a:buFont typeface="+mj-lt"/>
+              <a:buAutoNum type="arabicPeriod"/>
+            </a:pPr>
+            <a:r>
+              <a:rPr lang="en-US" dirty="0">
+                <a:latin typeface="IRANSans(FaNum)" panose="020B0506030804020204" pitchFamily="34" charset="-78"/>
+                <a:cs typeface="IRANSans(FaNum)" panose="020B0506030804020204" pitchFamily="34" charset="-78"/>
+              </a:rPr>
+              <a:t>They </a:t>
+            </a:r>
+            <a:r>
+              <a:rPr lang="en-US" b="1" dirty="0">
+                <a:latin typeface="IRANSans(FaNum)" panose="020B0506030804020204" pitchFamily="34" charset="-78"/>
+                <a:cs typeface="IRANSans(FaNum)" panose="020B0506030804020204" pitchFamily="34" charset="-78"/>
+              </a:rPr>
+              <a:t>will not (won’t) have completed</a:t>
+            </a:r>
+            <a:r>
+              <a:rPr lang="en-US" dirty="0">
+                <a:latin typeface="IRANSans(FaNum)" panose="020B0506030804020204" pitchFamily="34" charset="-78"/>
+                <a:cs typeface="IRANSans(FaNum)" panose="020B0506030804020204" pitchFamily="34" charset="-78"/>
+              </a:rPr>
+              <a:t> the project by the deadline</a:t>
+            </a:r>
+          </a:p>
+          <a:p>
+            <a:pPr lvl="1" algn="r" rtl="1">
+              <a:lnSpc>
+                <a:spcPct val="200000"/>
+              </a:lnSpc>
+              <a:buFont typeface="+mj-lt"/>
+              <a:buAutoNum type="arabicPeriod"/>
+            </a:pPr>
+            <a:r>
+              <a:rPr lang="en-US" b="1" dirty="0">
+                <a:latin typeface="IRANSans(FaNum)" panose="020B0506030804020204" pitchFamily="34" charset="-78"/>
+                <a:cs typeface="IRANSans(FaNum)" panose="020B0506030804020204" pitchFamily="34" charset="-78"/>
+              </a:rPr>
+              <a:t>Will</a:t>
+            </a:r>
+            <a:r>
+              <a:rPr lang="en-US" dirty="0">
+                <a:latin typeface="IRANSans(FaNum)" panose="020B0506030804020204" pitchFamily="34" charset="-78"/>
+                <a:cs typeface="IRANSans(FaNum)" panose="020B0506030804020204" pitchFamily="34" charset="-78"/>
+              </a:rPr>
+              <a:t> you </a:t>
+            </a:r>
+            <a:r>
+              <a:rPr lang="en-US" b="1" dirty="0">
+                <a:latin typeface="IRANSans(FaNum)" panose="020B0506030804020204" pitchFamily="34" charset="-78"/>
+                <a:cs typeface="IRANSans(FaNum)" panose="020B0506030804020204" pitchFamily="34" charset="-78"/>
+              </a:rPr>
+              <a:t>have traveled</a:t>
+            </a:r>
+            <a:r>
+              <a:rPr lang="en-US" dirty="0">
+                <a:latin typeface="IRANSans(FaNum)" panose="020B0506030804020204" pitchFamily="34" charset="-78"/>
+                <a:cs typeface="IRANSans(FaNum)" panose="020B0506030804020204" pitchFamily="34" charset="-78"/>
+              </a:rPr>
+              <a:t> to Europe by next summer?</a:t>
+            </a:r>
+          </a:p>
+        </p:txBody>
+      </p:sp>
+    </p:spTree>
+    <p:extLst>
+      <p:ext uri="{BB962C8B-B14F-4D97-AF65-F5344CB8AC3E}">
+        <p14:creationId xmlns:p14="http://schemas.microsoft.com/office/powerpoint/2010/main" val="3125226501"/>
+      </p:ext>
+    </p:extLst>
+  </p:cSld>
+  <p:clrMapOvr>
+    <a:masterClrMapping/>
+  </p:clrMapOvr>
+</p:sld>
+</file>
+
 <file path=ppt/slides/slide5.xml><?xml version="1.0" encoding="utf-8"?>
 <p:sld xmlns:a="http://schemas.openxmlformats.org/drawingml/2006/main" xmlns:r="http://schemas.openxmlformats.org/officeDocument/2006/relationships" xmlns:p="http://schemas.openxmlformats.org/presentationml/2006/main">
   <p:cSld>
@@ -20647,6 +23072,3055 @@
     <p:extLst>
       <p:ext uri="{BB962C8B-B14F-4D97-AF65-F5344CB8AC3E}">
         <p14:creationId xmlns:p14="http://schemas.microsoft.com/office/powerpoint/2010/main" val="2558223834"/>
+      </p:ext>
+    </p:extLst>
+  </p:cSld>
+  <p:clrMapOvr>
+    <a:masterClrMapping/>
+  </p:clrMapOvr>
+</p:sld>
+</file>
+
+<file path=ppt/slides/slide50.xml><?xml version="1.0" encoding="utf-8"?>
+<p:sld xmlns:a="http://schemas.openxmlformats.org/drawingml/2006/main" xmlns:r="http://schemas.openxmlformats.org/officeDocument/2006/relationships" xmlns:p="http://schemas.openxmlformats.org/presentationml/2006/main">
+  <p:cSld>
+    <p:spTree>
+      <p:nvGrpSpPr>
+        <p:cNvPr id="1" name=""/>
+        <p:cNvGrpSpPr/>
+        <p:nvPr/>
+      </p:nvGrpSpPr>
+      <p:grpSpPr>
+        <a:xfrm>
+          <a:off x="0" y="0"/>
+          <a:ext cx="0" cy="0"/>
+          <a:chOff x="0" y="0"/>
+          <a:chExt cx="0" cy="0"/>
+        </a:xfrm>
+      </p:grpSpPr>
+      <p:sp>
+        <p:nvSpPr>
+          <p:cNvPr id="2" name="Slide Number Placeholder 1">
+            <a:extLst>
+              <a:ext uri="{FF2B5EF4-FFF2-40B4-BE49-F238E27FC236}">
+                <a16:creationId xmlns:a16="http://schemas.microsoft.com/office/drawing/2014/main" id="{53F16D4E-1904-45D6-A474-1B74175AE636}"/>
+              </a:ext>
+            </a:extLst>
+          </p:cNvPr>
+          <p:cNvSpPr>
+            <a:spLocks noGrp="1"/>
+          </p:cNvSpPr>
+          <p:nvPr>
+            <p:ph type="sldNum" sz="quarter" idx="12"/>
+          </p:nvPr>
+        </p:nvSpPr>
+        <p:spPr/>
+        <p:txBody>
+          <a:bodyPr/>
+          <a:lstStyle/>
+          <a:p>
+            <a:fld id="{23F3D7C6-E23E-47A6-9DDE-D0AE3B6B9EDD}" type="slidenum">
+              <a:rPr lang="en-US" smtClean="0"/>
+              <a:t>50</a:t>
+            </a:fld>
+            <a:endParaRPr lang="en-US"/>
+          </a:p>
+        </p:txBody>
+      </p:sp>
+      <p:sp>
+        <p:nvSpPr>
+          <p:cNvPr id="4" name="TextBox 3">
+            <a:extLst>
+              <a:ext uri="{FF2B5EF4-FFF2-40B4-BE49-F238E27FC236}">
+                <a16:creationId xmlns:a16="http://schemas.microsoft.com/office/drawing/2014/main" id="{A6CA532E-0374-42D9-A692-FE8E85D83824}"/>
+              </a:ext>
+            </a:extLst>
+          </p:cNvPr>
+          <p:cNvSpPr txBox="1"/>
+          <p:nvPr/>
+        </p:nvSpPr>
+        <p:spPr>
+          <a:xfrm>
+            <a:off x="944880" y="710198"/>
+            <a:ext cx="10576560" cy="3347070"/>
+          </a:xfrm>
+          <a:prstGeom prst="rect">
+            <a:avLst/>
+          </a:prstGeom>
+          <a:noFill/>
+        </p:spPr>
+        <p:txBody>
+          <a:bodyPr wrap="square">
+            <a:spAutoFit/>
+          </a:bodyPr>
+          <a:lstStyle/>
+          <a:p>
+            <a:pPr algn="r" rtl="1">
+              <a:lnSpc>
+                <a:spcPct val="200000"/>
+              </a:lnSpc>
+            </a:pPr>
+            <a:r>
+              <a:rPr lang="fa-IR" b="1" dirty="0">
+                <a:latin typeface="IRANSans(FaNum)" panose="020B0506030804020204" pitchFamily="34" charset="-78"/>
+                <a:cs typeface="IRANSans(FaNum)" panose="020B0506030804020204" pitchFamily="34" charset="-78"/>
+              </a:rPr>
+              <a:t>تمرین 2: تشخیص زمان‌های آینده</a:t>
+            </a:r>
+          </a:p>
+          <a:p>
+            <a:pPr algn="r" rtl="1">
+              <a:lnSpc>
+                <a:spcPct val="200000"/>
+              </a:lnSpc>
+            </a:pPr>
+            <a:r>
+              <a:rPr lang="fa-IR" dirty="0">
+                <a:latin typeface="IRANSans(FaNum)" panose="020B0506030804020204" pitchFamily="34" charset="-78"/>
+                <a:cs typeface="IRANSans(FaNum)" panose="020B0506030804020204" pitchFamily="34" charset="-78"/>
+              </a:rPr>
+              <a:t>مشخص کنید که زمان هر جمله چیست:</a:t>
+            </a:r>
+          </a:p>
+          <a:p>
+            <a:pPr algn="r" rtl="1">
+              <a:lnSpc>
+                <a:spcPct val="200000"/>
+              </a:lnSpc>
+              <a:buFont typeface="+mj-lt"/>
+              <a:buAutoNum type="arabicPeriod"/>
+            </a:pPr>
+            <a:r>
+              <a:rPr lang="en-US" dirty="0">
+                <a:latin typeface="IRANSans(FaNum)" panose="020B0506030804020204" pitchFamily="34" charset="-78"/>
+                <a:cs typeface="IRANSans(FaNum)" panose="020B0506030804020204" pitchFamily="34" charset="-78"/>
+              </a:rPr>
+              <a:t>She will have been teaching for ten years by the end of this year.</a:t>
+            </a:r>
+          </a:p>
+          <a:p>
+            <a:pPr algn="r" rtl="1">
+              <a:lnSpc>
+                <a:spcPct val="200000"/>
+              </a:lnSpc>
+              <a:buFont typeface="+mj-lt"/>
+              <a:buAutoNum type="arabicPeriod"/>
+            </a:pPr>
+            <a:r>
+              <a:rPr lang="en-US" dirty="0">
+                <a:latin typeface="IRANSans(FaNum)" panose="020B0506030804020204" pitchFamily="34" charset="-78"/>
+                <a:cs typeface="IRANSans(FaNum)" panose="020B0506030804020204" pitchFamily="34" charset="-78"/>
+              </a:rPr>
+              <a:t>I’m going to buy a new phone tomorrow.</a:t>
+            </a:r>
+          </a:p>
+          <a:p>
+            <a:pPr algn="r" rtl="1">
+              <a:lnSpc>
+                <a:spcPct val="200000"/>
+              </a:lnSpc>
+              <a:buFont typeface="+mj-lt"/>
+              <a:buAutoNum type="arabicPeriod"/>
+            </a:pPr>
+            <a:r>
+              <a:rPr lang="en-US" dirty="0">
+                <a:latin typeface="IRANSans(FaNum)" panose="020B0506030804020204" pitchFamily="34" charset="-78"/>
+                <a:cs typeface="IRANSans(FaNum)" panose="020B0506030804020204" pitchFamily="34" charset="-78"/>
+              </a:rPr>
+              <a:t>They will call you when the meeting is over.</a:t>
+            </a:r>
+          </a:p>
+          <a:p>
+            <a:pPr algn="r" rtl="1">
+              <a:lnSpc>
+                <a:spcPct val="200000"/>
+              </a:lnSpc>
+              <a:buFont typeface="+mj-lt"/>
+              <a:buAutoNum type="arabicPeriod"/>
+            </a:pPr>
+            <a:r>
+              <a:rPr lang="en-US" dirty="0">
+                <a:latin typeface="IRANSans(FaNum)" panose="020B0506030804020204" pitchFamily="34" charset="-78"/>
+                <a:cs typeface="IRANSans(FaNum)" panose="020B0506030804020204" pitchFamily="34" charset="-78"/>
+              </a:rPr>
+              <a:t>At this time next week, we will be flying to New York.</a:t>
+            </a:r>
+          </a:p>
+        </p:txBody>
+      </p:sp>
+      <p:sp>
+        <p:nvSpPr>
+          <p:cNvPr id="5" name="TextBox 4">
+            <a:extLst>
+              <a:ext uri="{FF2B5EF4-FFF2-40B4-BE49-F238E27FC236}">
+                <a16:creationId xmlns:a16="http://schemas.microsoft.com/office/drawing/2014/main" id="{F641897F-8FB9-459C-A515-1DC2D9AE7E01}"/>
+              </a:ext>
+            </a:extLst>
+          </p:cNvPr>
+          <p:cNvSpPr txBox="1"/>
+          <p:nvPr/>
+        </p:nvSpPr>
+        <p:spPr>
+          <a:xfrm>
+            <a:off x="599440" y="710198"/>
+            <a:ext cx="6096000" cy="1200329"/>
+          </a:xfrm>
+          <a:prstGeom prst="rect">
+            <a:avLst/>
+          </a:prstGeom>
+          <a:noFill/>
+        </p:spPr>
+        <p:txBody>
+          <a:bodyPr wrap="square">
+            <a:spAutoFit/>
+          </a:bodyPr>
+          <a:lstStyle/>
+          <a:p>
+            <a:pPr>
+              <a:buFont typeface="+mj-lt"/>
+              <a:buAutoNum type="arabicPeriod"/>
+            </a:pPr>
+            <a:r>
+              <a:rPr lang="en-US" dirty="0"/>
+              <a:t>Future Perfect Continuous</a:t>
+            </a:r>
+          </a:p>
+          <a:p>
+            <a:pPr>
+              <a:buFont typeface="+mj-lt"/>
+              <a:buAutoNum type="arabicPeriod"/>
+            </a:pPr>
+            <a:r>
+              <a:rPr lang="en-US" dirty="0"/>
+              <a:t>Future Simple with "going to"</a:t>
+            </a:r>
+          </a:p>
+          <a:p>
+            <a:pPr>
+              <a:buFont typeface="+mj-lt"/>
+              <a:buAutoNum type="arabicPeriod"/>
+            </a:pPr>
+            <a:r>
+              <a:rPr lang="en-US" dirty="0"/>
+              <a:t>Future Simple</a:t>
+            </a:r>
+          </a:p>
+          <a:p>
+            <a:pPr>
+              <a:buFont typeface="+mj-lt"/>
+              <a:buAutoNum type="arabicPeriod"/>
+            </a:pPr>
+            <a:r>
+              <a:rPr lang="en-US" dirty="0"/>
+              <a:t>Future Continuous</a:t>
+            </a:r>
+          </a:p>
+        </p:txBody>
+      </p:sp>
+    </p:spTree>
+    <p:extLst>
+      <p:ext uri="{BB962C8B-B14F-4D97-AF65-F5344CB8AC3E}">
+        <p14:creationId xmlns:p14="http://schemas.microsoft.com/office/powerpoint/2010/main" val="3230405625"/>
+      </p:ext>
+    </p:extLst>
+  </p:cSld>
+  <p:clrMapOvr>
+    <a:masterClrMapping/>
+  </p:clrMapOvr>
+  <p:timing>
+    <p:tnLst>
+      <p:par>
+        <p:cTn id="1" dur="indefinite" restart="never" nodeType="tmRoot">
+          <p:childTnLst>
+            <p:seq concurrent="1" nextAc="seek">
+              <p:cTn id="2" dur="indefinite" nodeType="mainSeq">
+                <p:childTnLst>
+                  <p:par>
+                    <p:cTn id="3" fill="hold">
+                      <p:stCondLst>
+                        <p:cond delay="indefinite"/>
+                      </p:stCondLst>
+                      <p:childTnLst>
+                        <p:par>
+                          <p:cTn id="4" fill="hold">
+                            <p:stCondLst>
+                              <p:cond delay="0"/>
+                            </p:stCondLst>
+                            <p:childTnLst>
+                              <p:par>
+                                <p:cTn id="5" presetID="10" presetClass="entr" presetSubtype="0" fill="hold" nodeType="clickEffect">
+                                  <p:stCondLst>
+                                    <p:cond delay="0"/>
+                                  </p:stCondLst>
+                                  <p:childTnLst>
+                                    <p:set>
+                                      <p:cBhvr>
+                                        <p:cTn id="6" dur="1" fill="hold">
+                                          <p:stCondLst>
+                                            <p:cond delay="0"/>
+                                          </p:stCondLst>
+                                        </p:cTn>
+                                        <p:tgtEl>
+                                          <p:spTgt spid="5">
+                                            <p:txEl>
+                                              <p:pRg st="0" end="0"/>
+                                            </p:txEl>
+                                          </p:spTgt>
+                                        </p:tgtEl>
+                                        <p:attrNameLst>
+                                          <p:attrName>style.visibility</p:attrName>
+                                        </p:attrNameLst>
+                                      </p:cBhvr>
+                                      <p:to>
+                                        <p:strVal val="visible"/>
+                                      </p:to>
+                                    </p:set>
+                                    <p:animEffect transition="in" filter="fade">
+                                      <p:cBhvr>
+                                        <p:cTn id="7" dur="500"/>
+                                        <p:tgtEl>
+                                          <p:spTgt spid="5">
+                                            <p:txEl>
+                                              <p:pRg st="0" end="0"/>
+                                            </p:txEl>
+                                          </p:spTgt>
+                                        </p:tgtEl>
+                                      </p:cBhvr>
+                                    </p:animEffect>
+                                  </p:childTnLst>
+                                </p:cTn>
+                              </p:par>
+                              <p:par>
+                                <p:cTn id="8" presetID="10" presetClass="entr" presetSubtype="0" fill="hold" nodeType="withEffect">
+                                  <p:stCondLst>
+                                    <p:cond delay="0"/>
+                                  </p:stCondLst>
+                                  <p:childTnLst>
+                                    <p:set>
+                                      <p:cBhvr>
+                                        <p:cTn id="9" dur="1" fill="hold">
+                                          <p:stCondLst>
+                                            <p:cond delay="0"/>
+                                          </p:stCondLst>
+                                        </p:cTn>
+                                        <p:tgtEl>
+                                          <p:spTgt spid="5">
+                                            <p:txEl>
+                                              <p:pRg st="1" end="1"/>
+                                            </p:txEl>
+                                          </p:spTgt>
+                                        </p:tgtEl>
+                                        <p:attrNameLst>
+                                          <p:attrName>style.visibility</p:attrName>
+                                        </p:attrNameLst>
+                                      </p:cBhvr>
+                                      <p:to>
+                                        <p:strVal val="visible"/>
+                                      </p:to>
+                                    </p:set>
+                                    <p:animEffect transition="in" filter="fade">
+                                      <p:cBhvr>
+                                        <p:cTn id="10" dur="500"/>
+                                        <p:tgtEl>
+                                          <p:spTgt spid="5">
+                                            <p:txEl>
+                                              <p:pRg st="1" end="1"/>
+                                            </p:txEl>
+                                          </p:spTgt>
+                                        </p:tgtEl>
+                                      </p:cBhvr>
+                                    </p:animEffect>
+                                  </p:childTnLst>
+                                </p:cTn>
+                              </p:par>
+                              <p:par>
+                                <p:cTn id="11" presetID="10" presetClass="entr" presetSubtype="0" fill="hold" nodeType="withEffect">
+                                  <p:stCondLst>
+                                    <p:cond delay="0"/>
+                                  </p:stCondLst>
+                                  <p:childTnLst>
+                                    <p:set>
+                                      <p:cBhvr>
+                                        <p:cTn id="12" dur="1" fill="hold">
+                                          <p:stCondLst>
+                                            <p:cond delay="0"/>
+                                          </p:stCondLst>
+                                        </p:cTn>
+                                        <p:tgtEl>
+                                          <p:spTgt spid="5">
+                                            <p:txEl>
+                                              <p:pRg st="2" end="2"/>
+                                            </p:txEl>
+                                          </p:spTgt>
+                                        </p:tgtEl>
+                                        <p:attrNameLst>
+                                          <p:attrName>style.visibility</p:attrName>
+                                        </p:attrNameLst>
+                                      </p:cBhvr>
+                                      <p:to>
+                                        <p:strVal val="visible"/>
+                                      </p:to>
+                                    </p:set>
+                                    <p:animEffect transition="in" filter="fade">
+                                      <p:cBhvr>
+                                        <p:cTn id="13" dur="500"/>
+                                        <p:tgtEl>
+                                          <p:spTgt spid="5">
+                                            <p:txEl>
+                                              <p:pRg st="2" end="2"/>
+                                            </p:txEl>
+                                          </p:spTgt>
+                                        </p:tgtEl>
+                                      </p:cBhvr>
+                                    </p:animEffect>
+                                  </p:childTnLst>
+                                </p:cTn>
+                              </p:par>
+                              <p:par>
+                                <p:cTn id="14" presetID="10" presetClass="entr" presetSubtype="0" fill="hold" nodeType="withEffect">
+                                  <p:stCondLst>
+                                    <p:cond delay="0"/>
+                                  </p:stCondLst>
+                                  <p:childTnLst>
+                                    <p:set>
+                                      <p:cBhvr>
+                                        <p:cTn id="15" dur="1" fill="hold">
+                                          <p:stCondLst>
+                                            <p:cond delay="0"/>
+                                          </p:stCondLst>
+                                        </p:cTn>
+                                        <p:tgtEl>
+                                          <p:spTgt spid="5">
+                                            <p:txEl>
+                                              <p:pRg st="3" end="3"/>
+                                            </p:txEl>
+                                          </p:spTgt>
+                                        </p:tgtEl>
+                                        <p:attrNameLst>
+                                          <p:attrName>style.visibility</p:attrName>
+                                        </p:attrNameLst>
+                                      </p:cBhvr>
+                                      <p:to>
+                                        <p:strVal val="visible"/>
+                                      </p:to>
+                                    </p:set>
+                                    <p:animEffect transition="in" filter="fade">
+                                      <p:cBhvr>
+                                        <p:cTn id="16" dur="500"/>
+                                        <p:tgtEl>
+                                          <p:spTgt spid="5">
+                                            <p:txEl>
+                                              <p:pRg st="3" end="3"/>
+                                            </p:txEl>
+                                          </p:spTgt>
+                                        </p:tgtEl>
+                                      </p:cBhvr>
+                                    </p:animEffect>
+                                  </p:childTnLst>
+                                </p:cTn>
+                              </p:par>
+                            </p:childTnLst>
+                          </p:cTn>
+                        </p:par>
+                      </p:childTnLst>
+                    </p:cTn>
+                  </p:par>
+                </p:childTnLst>
+              </p:cTn>
+              <p:prevCondLst>
+                <p:cond evt="onPrev" delay="0">
+                  <p:tgtEl>
+                    <p:sldTgt/>
+                  </p:tgtEl>
+                </p:cond>
+              </p:prevCondLst>
+              <p:nextCondLst>
+                <p:cond evt="onNext" delay="0">
+                  <p:tgtEl>
+                    <p:sldTgt/>
+                  </p:tgtEl>
+                </p:cond>
+              </p:nextCondLst>
+            </p:seq>
+          </p:childTnLst>
+        </p:cTn>
+      </p:par>
+    </p:tnLst>
+  </p:timing>
+</p:sld>
+</file>
+
+<file path=ppt/slides/slide51.xml><?xml version="1.0" encoding="utf-8"?>
+<p:sld xmlns:a="http://schemas.openxmlformats.org/drawingml/2006/main" xmlns:r="http://schemas.openxmlformats.org/officeDocument/2006/relationships" xmlns:p="http://schemas.openxmlformats.org/presentationml/2006/main">
+  <p:cSld>
+    <p:spTree>
+      <p:nvGrpSpPr>
+        <p:cNvPr id="1" name=""/>
+        <p:cNvGrpSpPr/>
+        <p:nvPr/>
+      </p:nvGrpSpPr>
+      <p:grpSpPr>
+        <a:xfrm>
+          <a:off x="0" y="0"/>
+          <a:ext cx="0" cy="0"/>
+          <a:chOff x="0" y="0"/>
+          <a:chExt cx="0" cy="0"/>
+        </a:xfrm>
+      </p:grpSpPr>
+      <p:sp>
+        <p:nvSpPr>
+          <p:cNvPr id="2" name="Slide Number Placeholder 1">
+            <a:extLst>
+              <a:ext uri="{FF2B5EF4-FFF2-40B4-BE49-F238E27FC236}">
+                <a16:creationId xmlns:a16="http://schemas.microsoft.com/office/drawing/2014/main" id="{53F16D4E-1904-45D6-A474-1B74175AE636}"/>
+              </a:ext>
+            </a:extLst>
+          </p:cNvPr>
+          <p:cNvSpPr>
+            <a:spLocks noGrp="1"/>
+          </p:cNvSpPr>
+          <p:nvPr>
+            <p:ph type="sldNum" sz="quarter" idx="12"/>
+          </p:nvPr>
+        </p:nvSpPr>
+        <p:spPr/>
+        <p:txBody>
+          <a:bodyPr/>
+          <a:lstStyle/>
+          <a:p>
+            <a:fld id="{23F3D7C6-E23E-47A6-9DDE-D0AE3B6B9EDD}" type="slidenum">
+              <a:rPr lang="en-US" smtClean="0"/>
+              <a:t>51</a:t>
+            </a:fld>
+            <a:endParaRPr lang="en-US"/>
+          </a:p>
+        </p:txBody>
+      </p:sp>
+      <p:sp>
+        <p:nvSpPr>
+          <p:cNvPr id="4" name="TextBox 3">
+            <a:extLst>
+              <a:ext uri="{FF2B5EF4-FFF2-40B4-BE49-F238E27FC236}">
+                <a16:creationId xmlns:a16="http://schemas.microsoft.com/office/drawing/2014/main" id="{A6CA532E-0374-42D9-A692-FE8E85D83824}"/>
+              </a:ext>
+            </a:extLst>
+          </p:cNvPr>
+          <p:cNvSpPr txBox="1"/>
+          <p:nvPr/>
+        </p:nvSpPr>
+        <p:spPr>
+          <a:xfrm>
+            <a:off x="944880" y="710198"/>
+            <a:ext cx="10576560" cy="3347070"/>
+          </a:xfrm>
+          <a:prstGeom prst="rect">
+            <a:avLst/>
+          </a:prstGeom>
+          <a:noFill/>
+        </p:spPr>
+        <p:txBody>
+          <a:bodyPr wrap="square">
+            <a:spAutoFit/>
+          </a:bodyPr>
+          <a:lstStyle/>
+          <a:p>
+            <a:pPr algn="r" rtl="1">
+              <a:lnSpc>
+                <a:spcPct val="200000"/>
+              </a:lnSpc>
+            </a:pPr>
+            <a:r>
+              <a:rPr lang="fa-IR" b="1" dirty="0">
+                <a:latin typeface="IRANSans(FaNum)" panose="020B0506030804020204" pitchFamily="34" charset="-78"/>
+                <a:cs typeface="IRANSans(FaNum)" panose="020B0506030804020204" pitchFamily="34" charset="-78"/>
+              </a:rPr>
+              <a:t>تمرین 2: تشخیص زمان‌های آینده</a:t>
+            </a:r>
+          </a:p>
+          <a:p>
+            <a:pPr algn="r" rtl="1">
+              <a:lnSpc>
+                <a:spcPct val="200000"/>
+              </a:lnSpc>
+            </a:pPr>
+            <a:r>
+              <a:rPr lang="fa-IR" dirty="0">
+                <a:latin typeface="IRANSans(FaNum)" panose="020B0506030804020204" pitchFamily="34" charset="-78"/>
+                <a:cs typeface="IRANSans(FaNum)" panose="020B0506030804020204" pitchFamily="34" charset="-78"/>
+              </a:rPr>
+              <a:t>مشخص کنید که زمان هر جمله چیست:</a:t>
+            </a:r>
+          </a:p>
+          <a:p>
+            <a:pPr algn="r" rtl="1">
+              <a:lnSpc>
+                <a:spcPct val="200000"/>
+              </a:lnSpc>
+              <a:buFont typeface="+mj-lt"/>
+              <a:buAutoNum type="arabicPeriod"/>
+            </a:pPr>
+            <a:r>
+              <a:rPr lang="en-US" dirty="0">
+                <a:latin typeface="IRANSans(FaNum)" panose="020B0506030804020204" pitchFamily="34" charset="-78"/>
+                <a:cs typeface="IRANSans(FaNum)" panose="020B0506030804020204" pitchFamily="34" charset="-78"/>
+              </a:rPr>
+              <a:t>She will have been teaching for ten years by the end of this year.</a:t>
+            </a:r>
+          </a:p>
+          <a:p>
+            <a:pPr algn="r" rtl="1">
+              <a:lnSpc>
+                <a:spcPct val="200000"/>
+              </a:lnSpc>
+              <a:buFont typeface="+mj-lt"/>
+              <a:buAutoNum type="arabicPeriod"/>
+            </a:pPr>
+            <a:r>
+              <a:rPr lang="en-US" dirty="0">
+                <a:latin typeface="IRANSans(FaNum)" panose="020B0506030804020204" pitchFamily="34" charset="-78"/>
+                <a:cs typeface="IRANSans(FaNum)" panose="020B0506030804020204" pitchFamily="34" charset="-78"/>
+              </a:rPr>
+              <a:t>I’m going to buy a new phone tomorrow.</a:t>
+            </a:r>
+          </a:p>
+          <a:p>
+            <a:pPr algn="r" rtl="1">
+              <a:lnSpc>
+                <a:spcPct val="200000"/>
+              </a:lnSpc>
+              <a:buFont typeface="+mj-lt"/>
+              <a:buAutoNum type="arabicPeriod"/>
+            </a:pPr>
+            <a:r>
+              <a:rPr lang="en-US" dirty="0">
+                <a:latin typeface="IRANSans(FaNum)" panose="020B0506030804020204" pitchFamily="34" charset="-78"/>
+                <a:cs typeface="IRANSans(FaNum)" panose="020B0506030804020204" pitchFamily="34" charset="-78"/>
+              </a:rPr>
+              <a:t>They will call you when the meeting is over.</a:t>
+            </a:r>
+          </a:p>
+          <a:p>
+            <a:pPr algn="r" rtl="1">
+              <a:lnSpc>
+                <a:spcPct val="200000"/>
+              </a:lnSpc>
+              <a:buFont typeface="+mj-lt"/>
+              <a:buAutoNum type="arabicPeriod"/>
+            </a:pPr>
+            <a:r>
+              <a:rPr lang="en-US" dirty="0">
+                <a:latin typeface="IRANSans(FaNum)" panose="020B0506030804020204" pitchFamily="34" charset="-78"/>
+                <a:cs typeface="IRANSans(FaNum)" panose="020B0506030804020204" pitchFamily="34" charset="-78"/>
+              </a:rPr>
+              <a:t>At this time next week, we will be flying to New York.</a:t>
+            </a:r>
+          </a:p>
+        </p:txBody>
+      </p:sp>
+      <p:sp>
+        <p:nvSpPr>
+          <p:cNvPr id="5" name="TextBox 4">
+            <a:extLst>
+              <a:ext uri="{FF2B5EF4-FFF2-40B4-BE49-F238E27FC236}">
+                <a16:creationId xmlns:a16="http://schemas.microsoft.com/office/drawing/2014/main" id="{F641897F-8FB9-459C-A515-1DC2D9AE7E01}"/>
+              </a:ext>
+            </a:extLst>
+          </p:cNvPr>
+          <p:cNvSpPr txBox="1"/>
+          <p:nvPr/>
+        </p:nvSpPr>
+        <p:spPr>
+          <a:xfrm>
+            <a:off x="599440" y="710198"/>
+            <a:ext cx="6096000" cy="1200329"/>
+          </a:xfrm>
+          <a:prstGeom prst="rect">
+            <a:avLst/>
+          </a:prstGeom>
+          <a:noFill/>
+        </p:spPr>
+        <p:txBody>
+          <a:bodyPr wrap="square">
+            <a:spAutoFit/>
+          </a:bodyPr>
+          <a:lstStyle/>
+          <a:p>
+            <a:pPr>
+              <a:buFont typeface="+mj-lt"/>
+              <a:buAutoNum type="arabicPeriod"/>
+            </a:pPr>
+            <a:r>
+              <a:rPr lang="en-US" dirty="0"/>
+              <a:t>Future Perfect Continuous</a:t>
+            </a:r>
+          </a:p>
+          <a:p>
+            <a:pPr>
+              <a:buFont typeface="+mj-lt"/>
+              <a:buAutoNum type="arabicPeriod"/>
+            </a:pPr>
+            <a:r>
+              <a:rPr lang="en-US" dirty="0"/>
+              <a:t>Future Simple with "going to"</a:t>
+            </a:r>
+          </a:p>
+          <a:p>
+            <a:pPr>
+              <a:buFont typeface="+mj-lt"/>
+              <a:buAutoNum type="arabicPeriod"/>
+            </a:pPr>
+            <a:r>
+              <a:rPr lang="en-US" dirty="0"/>
+              <a:t>Future Simple</a:t>
+            </a:r>
+          </a:p>
+          <a:p>
+            <a:pPr>
+              <a:buFont typeface="+mj-lt"/>
+              <a:buAutoNum type="arabicPeriod"/>
+            </a:pPr>
+            <a:r>
+              <a:rPr lang="en-US" dirty="0"/>
+              <a:t>Future Continuous</a:t>
+            </a:r>
+          </a:p>
+        </p:txBody>
+      </p:sp>
+    </p:spTree>
+    <p:extLst>
+      <p:ext uri="{BB962C8B-B14F-4D97-AF65-F5344CB8AC3E}">
+        <p14:creationId xmlns:p14="http://schemas.microsoft.com/office/powerpoint/2010/main" val="3237570516"/>
+      </p:ext>
+    </p:extLst>
+  </p:cSld>
+  <p:clrMapOvr>
+    <a:masterClrMapping/>
+  </p:clrMapOvr>
+  <p:timing>
+    <p:tnLst>
+      <p:par>
+        <p:cTn id="1" dur="indefinite" restart="never" nodeType="tmRoot">
+          <p:childTnLst>
+            <p:seq concurrent="1" nextAc="seek">
+              <p:cTn id="2" dur="indefinite" nodeType="mainSeq">
+                <p:childTnLst>
+                  <p:par>
+                    <p:cTn id="3" fill="hold">
+                      <p:stCondLst>
+                        <p:cond delay="indefinite"/>
+                      </p:stCondLst>
+                      <p:childTnLst>
+                        <p:par>
+                          <p:cTn id="4" fill="hold">
+                            <p:stCondLst>
+                              <p:cond delay="0"/>
+                            </p:stCondLst>
+                            <p:childTnLst>
+                              <p:par>
+                                <p:cTn id="5" presetID="10" presetClass="entr" presetSubtype="0" fill="hold" nodeType="clickEffect">
+                                  <p:stCondLst>
+                                    <p:cond delay="0"/>
+                                  </p:stCondLst>
+                                  <p:childTnLst>
+                                    <p:set>
+                                      <p:cBhvr>
+                                        <p:cTn id="6" dur="1" fill="hold">
+                                          <p:stCondLst>
+                                            <p:cond delay="0"/>
+                                          </p:stCondLst>
+                                        </p:cTn>
+                                        <p:tgtEl>
+                                          <p:spTgt spid="5">
+                                            <p:txEl>
+                                              <p:pRg st="0" end="0"/>
+                                            </p:txEl>
+                                          </p:spTgt>
+                                        </p:tgtEl>
+                                        <p:attrNameLst>
+                                          <p:attrName>style.visibility</p:attrName>
+                                        </p:attrNameLst>
+                                      </p:cBhvr>
+                                      <p:to>
+                                        <p:strVal val="visible"/>
+                                      </p:to>
+                                    </p:set>
+                                    <p:animEffect transition="in" filter="fade">
+                                      <p:cBhvr>
+                                        <p:cTn id="7" dur="500"/>
+                                        <p:tgtEl>
+                                          <p:spTgt spid="5">
+                                            <p:txEl>
+                                              <p:pRg st="0" end="0"/>
+                                            </p:txEl>
+                                          </p:spTgt>
+                                        </p:tgtEl>
+                                      </p:cBhvr>
+                                    </p:animEffect>
+                                  </p:childTnLst>
+                                </p:cTn>
+                              </p:par>
+                              <p:par>
+                                <p:cTn id="8" presetID="10" presetClass="entr" presetSubtype="0" fill="hold" nodeType="withEffect">
+                                  <p:stCondLst>
+                                    <p:cond delay="0"/>
+                                  </p:stCondLst>
+                                  <p:childTnLst>
+                                    <p:set>
+                                      <p:cBhvr>
+                                        <p:cTn id="9" dur="1" fill="hold">
+                                          <p:stCondLst>
+                                            <p:cond delay="0"/>
+                                          </p:stCondLst>
+                                        </p:cTn>
+                                        <p:tgtEl>
+                                          <p:spTgt spid="5">
+                                            <p:txEl>
+                                              <p:pRg st="1" end="1"/>
+                                            </p:txEl>
+                                          </p:spTgt>
+                                        </p:tgtEl>
+                                        <p:attrNameLst>
+                                          <p:attrName>style.visibility</p:attrName>
+                                        </p:attrNameLst>
+                                      </p:cBhvr>
+                                      <p:to>
+                                        <p:strVal val="visible"/>
+                                      </p:to>
+                                    </p:set>
+                                    <p:animEffect transition="in" filter="fade">
+                                      <p:cBhvr>
+                                        <p:cTn id="10" dur="500"/>
+                                        <p:tgtEl>
+                                          <p:spTgt spid="5">
+                                            <p:txEl>
+                                              <p:pRg st="1" end="1"/>
+                                            </p:txEl>
+                                          </p:spTgt>
+                                        </p:tgtEl>
+                                      </p:cBhvr>
+                                    </p:animEffect>
+                                  </p:childTnLst>
+                                </p:cTn>
+                              </p:par>
+                              <p:par>
+                                <p:cTn id="11" presetID="10" presetClass="entr" presetSubtype="0" fill="hold" nodeType="withEffect">
+                                  <p:stCondLst>
+                                    <p:cond delay="0"/>
+                                  </p:stCondLst>
+                                  <p:childTnLst>
+                                    <p:set>
+                                      <p:cBhvr>
+                                        <p:cTn id="12" dur="1" fill="hold">
+                                          <p:stCondLst>
+                                            <p:cond delay="0"/>
+                                          </p:stCondLst>
+                                        </p:cTn>
+                                        <p:tgtEl>
+                                          <p:spTgt spid="5">
+                                            <p:txEl>
+                                              <p:pRg st="2" end="2"/>
+                                            </p:txEl>
+                                          </p:spTgt>
+                                        </p:tgtEl>
+                                        <p:attrNameLst>
+                                          <p:attrName>style.visibility</p:attrName>
+                                        </p:attrNameLst>
+                                      </p:cBhvr>
+                                      <p:to>
+                                        <p:strVal val="visible"/>
+                                      </p:to>
+                                    </p:set>
+                                    <p:animEffect transition="in" filter="fade">
+                                      <p:cBhvr>
+                                        <p:cTn id="13" dur="500"/>
+                                        <p:tgtEl>
+                                          <p:spTgt spid="5">
+                                            <p:txEl>
+                                              <p:pRg st="2" end="2"/>
+                                            </p:txEl>
+                                          </p:spTgt>
+                                        </p:tgtEl>
+                                      </p:cBhvr>
+                                    </p:animEffect>
+                                  </p:childTnLst>
+                                </p:cTn>
+                              </p:par>
+                              <p:par>
+                                <p:cTn id="14" presetID="10" presetClass="entr" presetSubtype="0" fill="hold" nodeType="withEffect">
+                                  <p:stCondLst>
+                                    <p:cond delay="0"/>
+                                  </p:stCondLst>
+                                  <p:childTnLst>
+                                    <p:set>
+                                      <p:cBhvr>
+                                        <p:cTn id="15" dur="1" fill="hold">
+                                          <p:stCondLst>
+                                            <p:cond delay="0"/>
+                                          </p:stCondLst>
+                                        </p:cTn>
+                                        <p:tgtEl>
+                                          <p:spTgt spid="5">
+                                            <p:txEl>
+                                              <p:pRg st="3" end="3"/>
+                                            </p:txEl>
+                                          </p:spTgt>
+                                        </p:tgtEl>
+                                        <p:attrNameLst>
+                                          <p:attrName>style.visibility</p:attrName>
+                                        </p:attrNameLst>
+                                      </p:cBhvr>
+                                      <p:to>
+                                        <p:strVal val="visible"/>
+                                      </p:to>
+                                    </p:set>
+                                    <p:animEffect transition="in" filter="fade">
+                                      <p:cBhvr>
+                                        <p:cTn id="16" dur="500"/>
+                                        <p:tgtEl>
+                                          <p:spTgt spid="5">
+                                            <p:txEl>
+                                              <p:pRg st="3" end="3"/>
+                                            </p:txEl>
+                                          </p:spTgt>
+                                        </p:tgtEl>
+                                      </p:cBhvr>
+                                    </p:animEffect>
+                                  </p:childTnLst>
+                                </p:cTn>
+                              </p:par>
+                            </p:childTnLst>
+                          </p:cTn>
+                        </p:par>
+                      </p:childTnLst>
+                    </p:cTn>
+                  </p:par>
+                </p:childTnLst>
+              </p:cTn>
+              <p:prevCondLst>
+                <p:cond evt="onPrev" delay="0">
+                  <p:tgtEl>
+                    <p:sldTgt/>
+                  </p:tgtEl>
+                </p:cond>
+              </p:prevCondLst>
+              <p:nextCondLst>
+                <p:cond evt="onNext" delay="0">
+                  <p:tgtEl>
+                    <p:sldTgt/>
+                  </p:tgtEl>
+                </p:cond>
+              </p:nextCondLst>
+            </p:seq>
+          </p:childTnLst>
+        </p:cTn>
+      </p:par>
+    </p:tnLst>
+  </p:timing>
+</p:sld>
+</file>
+
+<file path=ppt/slides/slide52.xml><?xml version="1.0" encoding="utf-8"?>
+<p:sld xmlns:a="http://schemas.openxmlformats.org/drawingml/2006/main" xmlns:r="http://schemas.openxmlformats.org/officeDocument/2006/relationships" xmlns:p="http://schemas.openxmlformats.org/presentationml/2006/main">
+  <p:cSld>
+    <p:spTree>
+      <p:nvGrpSpPr>
+        <p:cNvPr id="1" name=""/>
+        <p:cNvGrpSpPr/>
+        <p:nvPr/>
+      </p:nvGrpSpPr>
+      <p:grpSpPr>
+        <a:xfrm>
+          <a:off x="0" y="0"/>
+          <a:ext cx="0" cy="0"/>
+          <a:chOff x="0" y="0"/>
+          <a:chExt cx="0" cy="0"/>
+        </a:xfrm>
+      </p:grpSpPr>
+      <p:sp>
+        <p:nvSpPr>
+          <p:cNvPr id="2" name="Slide Number Placeholder 1">
+            <a:extLst>
+              <a:ext uri="{FF2B5EF4-FFF2-40B4-BE49-F238E27FC236}">
+                <a16:creationId xmlns:a16="http://schemas.microsoft.com/office/drawing/2014/main" id="{EB742D08-08CC-4C98-9FF5-8A6D7765A74F}"/>
+              </a:ext>
+            </a:extLst>
+          </p:cNvPr>
+          <p:cNvSpPr>
+            <a:spLocks noGrp="1"/>
+          </p:cNvSpPr>
+          <p:nvPr>
+            <p:ph type="sldNum" sz="quarter" idx="12"/>
+          </p:nvPr>
+        </p:nvSpPr>
+        <p:spPr/>
+        <p:txBody>
+          <a:bodyPr/>
+          <a:lstStyle/>
+          <a:p>
+            <a:fld id="{23F3D7C6-E23E-47A6-9DDE-D0AE3B6B9EDD}" type="slidenum">
+              <a:rPr lang="en-US" smtClean="0"/>
+              <a:t>52</a:t>
+            </a:fld>
+            <a:endParaRPr lang="en-US"/>
+          </a:p>
+        </p:txBody>
+      </p:sp>
+      <p:sp>
+        <p:nvSpPr>
+          <p:cNvPr id="4" name="TextBox 3">
+            <a:extLst>
+              <a:ext uri="{FF2B5EF4-FFF2-40B4-BE49-F238E27FC236}">
+                <a16:creationId xmlns:a16="http://schemas.microsoft.com/office/drawing/2014/main" id="{039F3EE7-CA01-4F5D-80D4-CCABAFB50C4F}"/>
+              </a:ext>
+            </a:extLst>
+          </p:cNvPr>
+          <p:cNvSpPr txBox="1"/>
+          <p:nvPr/>
+        </p:nvSpPr>
+        <p:spPr>
+          <a:xfrm>
+            <a:off x="5171440" y="1254036"/>
+            <a:ext cx="6096000" cy="1719702"/>
+          </a:xfrm>
+          <a:prstGeom prst="rect">
+            <a:avLst/>
+          </a:prstGeom>
+          <a:noFill/>
+        </p:spPr>
+        <p:txBody>
+          <a:bodyPr wrap="square">
+            <a:spAutoFit/>
+          </a:bodyPr>
+          <a:lstStyle/>
+          <a:p>
+            <a:pPr algn="r" rtl="1">
+              <a:lnSpc>
+                <a:spcPct val="150000"/>
+              </a:lnSpc>
+            </a:pPr>
+            <a:r>
+              <a:rPr lang="fa-IR" b="1" dirty="0">
+                <a:latin typeface="IRANSans(FaNum)" panose="020B0506030804020204" pitchFamily="34" charset="-78"/>
+                <a:cs typeface="IRANSans(FaNum)" panose="020B0506030804020204" pitchFamily="34" charset="-78"/>
+              </a:rPr>
+              <a:t>استفاده از "</a:t>
+            </a:r>
+            <a:r>
+              <a:rPr lang="en-US" b="1" dirty="0">
+                <a:latin typeface="IRANSans(FaNum)" panose="020B0506030804020204" pitchFamily="34" charset="-78"/>
+                <a:cs typeface="IRANSans(FaNum)" panose="020B0506030804020204" pitchFamily="34" charset="-78"/>
+              </a:rPr>
+              <a:t>"Shall</a:t>
+            </a:r>
+          </a:p>
+          <a:p>
+            <a:pPr lvl="1" algn="r" rtl="1">
+              <a:lnSpc>
+                <a:spcPct val="150000"/>
+              </a:lnSpc>
+              <a:buFont typeface="Arial" panose="020B0604020202020204" pitchFamily="34" charset="0"/>
+              <a:buChar char="•"/>
+            </a:pPr>
+            <a:r>
+              <a:rPr lang="en-US" i="1" dirty="0">
+                <a:latin typeface="IRANSans(FaNum)" panose="020B0506030804020204" pitchFamily="34" charset="-78"/>
+                <a:cs typeface="IRANSans(FaNum)" panose="020B0506030804020204" pitchFamily="34" charset="-78"/>
+              </a:rPr>
+              <a:t>Shall</a:t>
+            </a:r>
+            <a:r>
+              <a:rPr lang="en-US" dirty="0">
+                <a:latin typeface="IRANSans(FaNum)" panose="020B0506030804020204" pitchFamily="34" charset="-78"/>
+                <a:cs typeface="IRANSans(FaNum)" panose="020B0506030804020204" pitchFamily="34" charset="-78"/>
+              </a:rPr>
+              <a:t> </a:t>
+            </a:r>
+            <a:r>
+              <a:rPr lang="fa-IR" dirty="0">
+                <a:latin typeface="IRANSans(FaNum)" panose="020B0506030804020204" pitchFamily="34" charset="-78"/>
+                <a:cs typeface="IRANSans(FaNum)" panose="020B0506030804020204" pitchFamily="34" charset="-78"/>
+              </a:rPr>
+              <a:t>در انگلیسی رسمی و برای پیشنهاد یا سوالات مودبانه:</a:t>
+            </a:r>
+          </a:p>
+          <a:p>
+            <a:pPr marL="1200150" lvl="2" indent="-285750" algn="r" rtl="1">
+              <a:lnSpc>
+                <a:spcPct val="150000"/>
+              </a:lnSpc>
+              <a:buFont typeface="Arial" panose="020B0604020202020204" pitchFamily="34" charset="0"/>
+              <a:buChar char="•"/>
+            </a:pPr>
+            <a:r>
+              <a:rPr lang="en-US" i="1" dirty="0">
+                <a:latin typeface="IRANSans(FaNum)" panose="020B0506030804020204" pitchFamily="34" charset="-78"/>
+                <a:cs typeface="IRANSans(FaNum)" panose="020B0506030804020204" pitchFamily="34" charset="-78"/>
+              </a:rPr>
+              <a:t>Shall we go for a walk?</a:t>
+            </a:r>
+            <a:endParaRPr lang="en-US" dirty="0">
+              <a:latin typeface="IRANSans(FaNum)" panose="020B0506030804020204" pitchFamily="34" charset="-78"/>
+              <a:cs typeface="IRANSans(FaNum)" panose="020B0506030804020204" pitchFamily="34" charset="-78"/>
+            </a:endParaRPr>
+          </a:p>
+          <a:p>
+            <a:pPr marL="1200150" lvl="2" indent="-285750" algn="r" rtl="1">
+              <a:lnSpc>
+                <a:spcPct val="150000"/>
+              </a:lnSpc>
+              <a:buFont typeface="Arial" panose="020B0604020202020204" pitchFamily="34" charset="0"/>
+              <a:buChar char="•"/>
+            </a:pPr>
+            <a:r>
+              <a:rPr lang="en-US" i="1" dirty="0">
+                <a:latin typeface="IRANSans(FaNum)" panose="020B0506030804020204" pitchFamily="34" charset="-78"/>
+                <a:cs typeface="IRANSans(FaNum)" panose="020B0506030804020204" pitchFamily="34" charset="-78"/>
+              </a:rPr>
+              <a:t>You shall receive your payment soon.</a:t>
+            </a:r>
+            <a:endParaRPr lang="en-US" dirty="0">
+              <a:latin typeface="IRANSans(FaNum)" panose="020B0506030804020204" pitchFamily="34" charset="-78"/>
+              <a:cs typeface="IRANSans(FaNum)" panose="020B0506030804020204" pitchFamily="34" charset="-78"/>
+            </a:endParaRPr>
+          </a:p>
+        </p:txBody>
+      </p:sp>
+    </p:spTree>
+    <p:extLst>
+      <p:ext uri="{BB962C8B-B14F-4D97-AF65-F5344CB8AC3E}">
+        <p14:creationId xmlns:p14="http://schemas.microsoft.com/office/powerpoint/2010/main" val="3221353490"/>
+      </p:ext>
+    </p:extLst>
+  </p:cSld>
+  <p:clrMapOvr>
+    <a:masterClrMapping/>
+  </p:clrMapOvr>
+</p:sld>
+</file>
+
+<file path=ppt/slides/slide53.xml><?xml version="1.0" encoding="utf-8"?>
+<p:sld xmlns:a="http://schemas.openxmlformats.org/drawingml/2006/main" xmlns:r="http://schemas.openxmlformats.org/officeDocument/2006/relationships" xmlns:p="http://schemas.openxmlformats.org/presentationml/2006/main">
+  <p:cSld>
+    <p:spTree>
+      <p:nvGrpSpPr>
+        <p:cNvPr id="1" name=""/>
+        <p:cNvGrpSpPr/>
+        <p:nvPr/>
+      </p:nvGrpSpPr>
+      <p:grpSpPr>
+        <a:xfrm>
+          <a:off x="0" y="0"/>
+          <a:ext cx="0" cy="0"/>
+          <a:chOff x="0" y="0"/>
+          <a:chExt cx="0" cy="0"/>
+        </a:xfrm>
+      </p:grpSpPr>
+      <p:sp>
+        <p:nvSpPr>
+          <p:cNvPr id="2" name="Slide Number Placeholder 1">
+            <a:extLst>
+              <a:ext uri="{FF2B5EF4-FFF2-40B4-BE49-F238E27FC236}">
+                <a16:creationId xmlns:a16="http://schemas.microsoft.com/office/drawing/2014/main" id="{3D9134DE-D955-4449-B23D-BAA143A0BB80}"/>
+              </a:ext>
+            </a:extLst>
+          </p:cNvPr>
+          <p:cNvSpPr>
+            <a:spLocks noGrp="1"/>
+          </p:cNvSpPr>
+          <p:nvPr>
+            <p:ph type="sldNum" sz="quarter" idx="12"/>
+          </p:nvPr>
+        </p:nvSpPr>
+        <p:spPr/>
+        <p:txBody>
+          <a:bodyPr/>
+          <a:lstStyle/>
+          <a:p>
+            <a:fld id="{23F3D7C6-E23E-47A6-9DDE-D0AE3B6B9EDD}" type="slidenum">
+              <a:rPr lang="en-US" smtClean="0"/>
+              <a:t>53</a:t>
+            </a:fld>
+            <a:endParaRPr lang="en-US"/>
+          </a:p>
+        </p:txBody>
+      </p:sp>
+      <p:sp>
+        <p:nvSpPr>
+          <p:cNvPr id="4" name="TextBox 3">
+            <a:extLst>
+              <a:ext uri="{FF2B5EF4-FFF2-40B4-BE49-F238E27FC236}">
+                <a16:creationId xmlns:a16="http://schemas.microsoft.com/office/drawing/2014/main" id="{80FED329-4AB9-4E78-A1A8-D4EBAF6BBC76}"/>
+              </a:ext>
+            </a:extLst>
+          </p:cNvPr>
+          <p:cNvSpPr txBox="1"/>
+          <p:nvPr/>
+        </p:nvSpPr>
+        <p:spPr>
+          <a:xfrm>
+            <a:off x="5257800" y="1369536"/>
+            <a:ext cx="6096000" cy="2784737"/>
+          </a:xfrm>
+          <a:prstGeom prst="rect">
+            <a:avLst/>
+          </a:prstGeom>
+          <a:noFill/>
+        </p:spPr>
+        <p:txBody>
+          <a:bodyPr wrap="square">
+            <a:spAutoFit/>
+          </a:bodyPr>
+          <a:lstStyle/>
+          <a:p>
+            <a:pPr algn="r" rtl="1">
+              <a:lnSpc>
+                <a:spcPct val="200000"/>
+              </a:lnSpc>
+            </a:pPr>
+            <a:r>
+              <a:rPr lang="en-US" b="1" dirty="0">
+                <a:latin typeface="IRANSans(FaNum)" panose="020B0506030804020204" pitchFamily="34" charset="-78"/>
+                <a:cs typeface="IRANSans(FaNum)" panose="020B0506030804020204" pitchFamily="34" charset="-78"/>
+              </a:rPr>
+              <a:t> Future Continuous </a:t>
+            </a:r>
+            <a:r>
+              <a:rPr lang="fa-IR" b="1" dirty="0">
+                <a:latin typeface="IRANSans(FaNum)" panose="020B0506030804020204" pitchFamily="34" charset="-78"/>
+                <a:cs typeface="IRANSans(FaNum)" panose="020B0506030804020204" pitchFamily="34" charset="-78"/>
+              </a:rPr>
+              <a:t>برای نشان دادن ادب</a:t>
+            </a:r>
+          </a:p>
+          <a:p>
+            <a:pPr algn="r" rtl="1">
+              <a:lnSpc>
+                <a:spcPct val="200000"/>
+              </a:lnSpc>
+              <a:buFont typeface="Arial" panose="020B0604020202020204" pitchFamily="34" charset="0"/>
+              <a:buChar char="•"/>
+            </a:pPr>
+            <a:r>
+              <a:rPr lang="en-US" dirty="0">
+                <a:latin typeface="IRANSans(FaNum)" panose="020B0506030804020204" pitchFamily="34" charset="-78"/>
+                <a:cs typeface="IRANSans(FaNum)" panose="020B0506030804020204" pitchFamily="34" charset="-78"/>
+              </a:rPr>
+              <a:t>Future Continuous </a:t>
+            </a:r>
+            <a:r>
+              <a:rPr lang="fa-IR" dirty="0">
+                <a:latin typeface="IRANSans(FaNum)" panose="020B0506030804020204" pitchFamily="34" charset="-78"/>
+                <a:cs typeface="IRANSans(FaNum)" panose="020B0506030804020204" pitchFamily="34" charset="-78"/>
+              </a:rPr>
+              <a:t>می‌تواند به عنوان یک روش مودبانه‌تر برای پرسش یا درخواست استفاده شود:</a:t>
+            </a:r>
+          </a:p>
+          <a:p>
+            <a:pPr marL="742950" lvl="1" indent="-285750" algn="r" rtl="1">
+              <a:lnSpc>
+                <a:spcPct val="200000"/>
+              </a:lnSpc>
+              <a:buFont typeface="Arial" panose="020B0604020202020204" pitchFamily="34" charset="0"/>
+              <a:buChar char="•"/>
+            </a:pPr>
+            <a:r>
+              <a:rPr lang="en-US" i="1" dirty="0">
+                <a:latin typeface="IRANSans(FaNum)" panose="020B0506030804020204" pitchFamily="34" charset="-78"/>
+                <a:cs typeface="IRANSans(FaNum)" panose="020B0506030804020204" pitchFamily="34" charset="-78"/>
+              </a:rPr>
+              <a:t>Will you be joining us for dinner?</a:t>
+            </a:r>
+            <a:endParaRPr lang="en-US" dirty="0">
+              <a:latin typeface="IRANSans(FaNum)" panose="020B0506030804020204" pitchFamily="34" charset="-78"/>
+              <a:cs typeface="IRANSans(FaNum)" panose="020B0506030804020204" pitchFamily="34" charset="-78"/>
+            </a:endParaRPr>
+          </a:p>
+          <a:p>
+            <a:pPr marL="742950" lvl="1" indent="-285750" algn="r" rtl="1">
+              <a:lnSpc>
+                <a:spcPct val="200000"/>
+              </a:lnSpc>
+              <a:buFont typeface="Arial" panose="020B0604020202020204" pitchFamily="34" charset="0"/>
+              <a:buChar char="•"/>
+            </a:pPr>
+            <a:r>
+              <a:rPr lang="en-US" i="1" dirty="0">
+                <a:latin typeface="IRANSans(FaNum)" panose="020B0506030804020204" pitchFamily="34" charset="-78"/>
+                <a:cs typeface="IRANSans(FaNum)" panose="020B0506030804020204" pitchFamily="34" charset="-78"/>
+              </a:rPr>
+              <a:t>Will you be using the car tomorrow?</a:t>
+            </a:r>
+            <a:endParaRPr lang="en-US" dirty="0">
+              <a:latin typeface="IRANSans(FaNum)" panose="020B0506030804020204" pitchFamily="34" charset="-78"/>
+              <a:cs typeface="IRANSans(FaNum)" panose="020B0506030804020204" pitchFamily="34" charset="-78"/>
+            </a:endParaRPr>
+          </a:p>
+        </p:txBody>
+      </p:sp>
+      <p:sp>
+        <p:nvSpPr>
+          <p:cNvPr id="5" name="TextBox 4">
+            <a:extLst>
+              <a:ext uri="{FF2B5EF4-FFF2-40B4-BE49-F238E27FC236}">
+                <a16:creationId xmlns:a16="http://schemas.microsoft.com/office/drawing/2014/main" id="{9573D960-864A-4545-AF71-BE8B63E4B162}"/>
+              </a:ext>
+            </a:extLst>
+          </p:cNvPr>
+          <p:cNvSpPr txBox="1"/>
+          <p:nvPr/>
+        </p:nvSpPr>
+        <p:spPr>
+          <a:xfrm>
+            <a:off x="9982200" y="863600"/>
+            <a:ext cx="1840568" cy="400110"/>
+          </a:xfrm>
+          <a:prstGeom prst="rect">
+            <a:avLst/>
+          </a:prstGeom>
+          <a:noFill/>
+        </p:spPr>
+        <p:txBody>
+          <a:bodyPr wrap="none" rtlCol="0">
+            <a:spAutoFit/>
+          </a:bodyPr>
+          <a:lstStyle/>
+          <a:p>
+            <a:r>
+              <a:rPr lang="fa-IR" sz="2000" b="1" dirty="0">
+                <a:latin typeface="IRANSans(FaNum)" panose="020B0506030804020204" pitchFamily="34" charset="-78"/>
+                <a:cs typeface="IRANSans(FaNum)" panose="020B0506030804020204" pitchFamily="34" charset="-78"/>
+              </a:rPr>
+              <a:t>نکات پیشرفته تر</a:t>
+            </a:r>
+            <a:endParaRPr lang="en-US" sz="2000" b="1" dirty="0">
+              <a:latin typeface="IRANSans(FaNum)" panose="020B0506030804020204" pitchFamily="34" charset="-78"/>
+              <a:cs typeface="IRANSans(FaNum)" panose="020B0506030804020204" pitchFamily="34" charset="-78"/>
+            </a:endParaRPr>
+          </a:p>
+        </p:txBody>
+      </p:sp>
+    </p:spTree>
+    <p:extLst>
+      <p:ext uri="{BB962C8B-B14F-4D97-AF65-F5344CB8AC3E}">
+        <p14:creationId xmlns:p14="http://schemas.microsoft.com/office/powerpoint/2010/main" val="3920008462"/>
+      </p:ext>
+    </p:extLst>
+  </p:cSld>
+  <p:clrMapOvr>
+    <a:masterClrMapping/>
+  </p:clrMapOvr>
+</p:sld>
+</file>
+
+<file path=ppt/slides/slide54.xml><?xml version="1.0" encoding="utf-8"?>
+<p:sld xmlns:a="http://schemas.openxmlformats.org/drawingml/2006/main" xmlns:r="http://schemas.openxmlformats.org/officeDocument/2006/relationships" xmlns:p="http://schemas.openxmlformats.org/presentationml/2006/main">
+  <p:cSld>
+    <p:spTree>
+      <p:nvGrpSpPr>
+        <p:cNvPr id="1" name=""/>
+        <p:cNvGrpSpPr/>
+        <p:nvPr/>
+      </p:nvGrpSpPr>
+      <p:grpSpPr>
+        <a:xfrm>
+          <a:off x="0" y="0"/>
+          <a:ext cx="0" cy="0"/>
+          <a:chOff x="0" y="0"/>
+          <a:chExt cx="0" cy="0"/>
+        </a:xfrm>
+      </p:grpSpPr>
+      <p:sp>
+        <p:nvSpPr>
+          <p:cNvPr id="2" name="Slide Number Placeholder 1">
+            <a:extLst>
+              <a:ext uri="{FF2B5EF4-FFF2-40B4-BE49-F238E27FC236}">
+                <a16:creationId xmlns:a16="http://schemas.microsoft.com/office/drawing/2014/main" id="{3D9134DE-D955-4449-B23D-BAA143A0BB80}"/>
+              </a:ext>
+            </a:extLst>
+          </p:cNvPr>
+          <p:cNvSpPr>
+            <a:spLocks noGrp="1"/>
+          </p:cNvSpPr>
+          <p:nvPr>
+            <p:ph type="sldNum" sz="quarter" idx="12"/>
+          </p:nvPr>
+        </p:nvSpPr>
+        <p:spPr/>
+        <p:txBody>
+          <a:bodyPr/>
+          <a:lstStyle/>
+          <a:p>
+            <a:fld id="{23F3D7C6-E23E-47A6-9DDE-D0AE3B6B9EDD}" type="slidenum">
+              <a:rPr lang="en-US" smtClean="0"/>
+              <a:t>54</a:t>
+            </a:fld>
+            <a:endParaRPr lang="en-US"/>
+          </a:p>
+        </p:txBody>
+      </p:sp>
+      <p:sp>
+        <p:nvSpPr>
+          <p:cNvPr id="4" name="TextBox 3">
+            <a:extLst>
+              <a:ext uri="{FF2B5EF4-FFF2-40B4-BE49-F238E27FC236}">
+                <a16:creationId xmlns:a16="http://schemas.microsoft.com/office/drawing/2014/main" id="{80FED329-4AB9-4E78-A1A8-D4EBAF6BBC76}"/>
+              </a:ext>
+            </a:extLst>
+          </p:cNvPr>
+          <p:cNvSpPr txBox="1"/>
+          <p:nvPr/>
+        </p:nvSpPr>
+        <p:spPr>
+          <a:xfrm>
+            <a:off x="5257800" y="1369536"/>
+            <a:ext cx="6096000" cy="1685077"/>
+          </a:xfrm>
+          <a:prstGeom prst="rect">
+            <a:avLst/>
+          </a:prstGeom>
+          <a:noFill/>
+        </p:spPr>
+        <p:txBody>
+          <a:bodyPr wrap="square">
+            <a:spAutoFit/>
+          </a:bodyPr>
+          <a:lstStyle/>
+          <a:p>
+            <a:pPr algn="r" rtl="1">
+              <a:lnSpc>
+                <a:spcPct val="200000"/>
+              </a:lnSpc>
+            </a:pPr>
+            <a:r>
+              <a:rPr lang="fa-IR" b="1" dirty="0">
+                <a:latin typeface="IRANSans(FaNum)" panose="020B0506030804020204" pitchFamily="34" charset="-78"/>
+                <a:cs typeface="IRANSans(FaNum)" panose="020B0506030804020204" pitchFamily="34" charset="-78"/>
+              </a:rPr>
+              <a:t>تأکید </a:t>
+            </a:r>
+            <a:r>
+              <a:rPr lang="en-US" b="1" dirty="0">
+                <a:latin typeface="IRANSans(FaNum)" panose="020B0506030804020204" pitchFamily="34" charset="-78"/>
+                <a:cs typeface="IRANSans(FaNum)" panose="020B0506030804020204" pitchFamily="34" charset="-78"/>
+              </a:rPr>
+              <a:t> Emphasis </a:t>
+            </a:r>
+            <a:r>
+              <a:rPr lang="fa-IR" b="1" dirty="0">
+                <a:latin typeface="IRANSans(FaNum)" panose="020B0506030804020204" pitchFamily="34" charset="-78"/>
+                <a:cs typeface="IRANSans(FaNum)" panose="020B0506030804020204" pitchFamily="34" charset="-78"/>
+              </a:rPr>
+              <a:t>در </a:t>
+            </a:r>
+            <a:r>
+              <a:rPr lang="en-US" b="1" dirty="0">
+                <a:latin typeface="IRANSans(FaNum)" panose="020B0506030804020204" pitchFamily="34" charset="-78"/>
+                <a:cs typeface="IRANSans(FaNum)" panose="020B0506030804020204" pitchFamily="34" charset="-78"/>
+              </a:rPr>
+              <a:t>Future Simple</a:t>
+            </a:r>
+          </a:p>
+          <a:p>
+            <a:pPr lvl="1" algn="r" rtl="1">
+              <a:lnSpc>
+                <a:spcPct val="200000"/>
+              </a:lnSpc>
+              <a:buFont typeface="Arial" panose="020B0604020202020204" pitchFamily="34" charset="0"/>
+              <a:buChar char="•"/>
+            </a:pPr>
+            <a:r>
+              <a:rPr lang="fa-IR" dirty="0">
+                <a:latin typeface="IRANSans(FaNum)" panose="020B0506030804020204" pitchFamily="34" charset="-78"/>
+                <a:cs typeface="IRANSans(FaNum)" panose="020B0506030804020204" pitchFamily="34" charset="-78"/>
+              </a:rPr>
+              <a:t>استفاده از </a:t>
+            </a:r>
+            <a:r>
+              <a:rPr lang="en-US" i="1" dirty="0">
+                <a:latin typeface="IRANSans(FaNum)" panose="020B0506030804020204" pitchFamily="34" charset="-78"/>
+                <a:cs typeface="IRANSans(FaNum)" panose="020B0506030804020204" pitchFamily="34" charset="-78"/>
+              </a:rPr>
+              <a:t>do/does</a:t>
+            </a:r>
+            <a:r>
+              <a:rPr lang="en-US" dirty="0">
+                <a:latin typeface="IRANSans(FaNum)" panose="020B0506030804020204" pitchFamily="34" charset="-78"/>
+                <a:cs typeface="IRANSans(FaNum)" panose="020B0506030804020204" pitchFamily="34" charset="-78"/>
+              </a:rPr>
+              <a:t> </a:t>
+            </a:r>
+            <a:r>
+              <a:rPr lang="fa-IR" dirty="0">
+                <a:latin typeface="IRANSans(FaNum)" panose="020B0506030804020204" pitchFamily="34" charset="-78"/>
+                <a:cs typeface="IRANSans(FaNum)" panose="020B0506030804020204" pitchFamily="34" charset="-78"/>
+              </a:rPr>
+              <a:t>برای تأکید:</a:t>
+            </a:r>
+          </a:p>
+          <a:p>
+            <a:pPr marL="1200150" lvl="2" indent="-285750" algn="r" rtl="1">
+              <a:lnSpc>
+                <a:spcPct val="200000"/>
+              </a:lnSpc>
+              <a:buFont typeface="Arial" panose="020B0604020202020204" pitchFamily="34" charset="0"/>
+              <a:buChar char="•"/>
+            </a:pPr>
+            <a:r>
+              <a:rPr lang="en-US" i="1" dirty="0">
+                <a:latin typeface="IRANSans(FaNum)" panose="020B0506030804020204" pitchFamily="34" charset="-78"/>
+                <a:cs typeface="IRANSans(FaNum)" panose="020B0506030804020204" pitchFamily="34" charset="-78"/>
+              </a:rPr>
+              <a:t>I do promise I’ll help you!</a:t>
+            </a:r>
+            <a:endParaRPr lang="en-US" dirty="0">
+              <a:latin typeface="IRANSans(FaNum)" panose="020B0506030804020204" pitchFamily="34" charset="-78"/>
+              <a:cs typeface="IRANSans(FaNum)" panose="020B0506030804020204" pitchFamily="34" charset="-78"/>
+            </a:endParaRPr>
+          </a:p>
+        </p:txBody>
+      </p:sp>
+      <p:sp>
+        <p:nvSpPr>
+          <p:cNvPr id="5" name="TextBox 4">
+            <a:extLst>
+              <a:ext uri="{FF2B5EF4-FFF2-40B4-BE49-F238E27FC236}">
+                <a16:creationId xmlns:a16="http://schemas.microsoft.com/office/drawing/2014/main" id="{9573D960-864A-4545-AF71-BE8B63E4B162}"/>
+              </a:ext>
+            </a:extLst>
+          </p:cNvPr>
+          <p:cNvSpPr txBox="1"/>
+          <p:nvPr/>
+        </p:nvSpPr>
+        <p:spPr>
+          <a:xfrm>
+            <a:off x="9982200" y="863600"/>
+            <a:ext cx="1840568" cy="400110"/>
+          </a:xfrm>
+          <a:prstGeom prst="rect">
+            <a:avLst/>
+          </a:prstGeom>
+          <a:noFill/>
+        </p:spPr>
+        <p:txBody>
+          <a:bodyPr wrap="none" rtlCol="0">
+            <a:spAutoFit/>
+          </a:bodyPr>
+          <a:lstStyle/>
+          <a:p>
+            <a:r>
+              <a:rPr lang="fa-IR" sz="2000" b="1" dirty="0">
+                <a:latin typeface="IRANSans(FaNum)" panose="020B0506030804020204" pitchFamily="34" charset="-78"/>
+                <a:cs typeface="IRANSans(FaNum)" panose="020B0506030804020204" pitchFamily="34" charset="-78"/>
+              </a:rPr>
+              <a:t>نکات پیشرفته تر</a:t>
+            </a:r>
+            <a:endParaRPr lang="en-US" sz="2000" b="1" dirty="0">
+              <a:latin typeface="IRANSans(FaNum)" panose="020B0506030804020204" pitchFamily="34" charset="-78"/>
+              <a:cs typeface="IRANSans(FaNum)" panose="020B0506030804020204" pitchFamily="34" charset="-78"/>
+            </a:endParaRPr>
+          </a:p>
+        </p:txBody>
+      </p:sp>
+    </p:spTree>
+    <p:extLst>
+      <p:ext uri="{BB962C8B-B14F-4D97-AF65-F5344CB8AC3E}">
+        <p14:creationId xmlns:p14="http://schemas.microsoft.com/office/powerpoint/2010/main" val="3876611715"/>
+      </p:ext>
+    </p:extLst>
+  </p:cSld>
+  <p:clrMapOvr>
+    <a:masterClrMapping/>
+  </p:clrMapOvr>
+</p:sld>
+</file>
+
+<file path=ppt/slides/slide55.xml><?xml version="1.0" encoding="utf-8"?>
+<p:sld xmlns:a="http://schemas.openxmlformats.org/drawingml/2006/main" xmlns:r="http://schemas.openxmlformats.org/officeDocument/2006/relationships" xmlns:p="http://schemas.openxmlformats.org/presentationml/2006/main">
+  <p:cSld>
+    <p:spTree>
+      <p:nvGrpSpPr>
+        <p:cNvPr id="1" name=""/>
+        <p:cNvGrpSpPr/>
+        <p:nvPr/>
+      </p:nvGrpSpPr>
+      <p:grpSpPr>
+        <a:xfrm>
+          <a:off x="0" y="0"/>
+          <a:ext cx="0" cy="0"/>
+          <a:chOff x="0" y="0"/>
+          <a:chExt cx="0" cy="0"/>
+        </a:xfrm>
+      </p:grpSpPr>
+      <p:sp>
+        <p:nvSpPr>
+          <p:cNvPr id="2" name="Slide Number Placeholder 1">
+            <a:extLst>
+              <a:ext uri="{FF2B5EF4-FFF2-40B4-BE49-F238E27FC236}">
+                <a16:creationId xmlns:a16="http://schemas.microsoft.com/office/drawing/2014/main" id="{72A6E748-2D5F-4D23-882F-7B64CD338B36}"/>
+              </a:ext>
+            </a:extLst>
+          </p:cNvPr>
+          <p:cNvSpPr>
+            <a:spLocks noGrp="1"/>
+          </p:cNvSpPr>
+          <p:nvPr>
+            <p:ph type="sldNum" sz="quarter" idx="12"/>
+          </p:nvPr>
+        </p:nvSpPr>
+        <p:spPr/>
+        <p:txBody>
+          <a:bodyPr/>
+          <a:lstStyle/>
+          <a:p>
+            <a:fld id="{23F3D7C6-E23E-47A6-9DDE-D0AE3B6B9EDD}" type="slidenum">
+              <a:rPr lang="en-US" smtClean="0"/>
+              <a:t>55</a:t>
+            </a:fld>
+            <a:endParaRPr lang="en-US"/>
+          </a:p>
+        </p:txBody>
+      </p:sp>
+      <p:graphicFrame>
+        <p:nvGraphicFramePr>
+          <p:cNvPr id="4" name="Table 3">
+            <a:extLst>
+              <a:ext uri="{FF2B5EF4-FFF2-40B4-BE49-F238E27FC236}">
+                <a16:creationId xmlns:a16="http://schemas.microsoft.com/office/drawing/2014/main" id="{D092E4B4-5B7C-4BCA-9615-ACA259D1DFF0}"/>
+              </a:ext>
+            </a:extLst>
+          </p:cNvPr>
+          <p:cNvGraphicFramePr>
+            <a:graphicFrameLocks noGrp="1"/>
+          </p:cNvGraphicFramePr>
+          <p:nvPr>
+            <p:extLst>
+              <p:ext uri="{D42A27DB-BD31-4B8C-83A1-F6EECF244321}">
+                <p14:modId xmlns:p14="http://schemas.microsoft.com/office/powerpoint/2010/main" val="582886338"/>
+              </p:ext>
+            </p:extLst>
+          </p:nvPr>
+        </p:nvGraphicFramePr>
+        <p:xfrm>
+          <a:off x="0" y="0"/>
+          <a:ext cx="12192000" cy="6356349"/>
+        </p:xfrm>
+        <a:graphic>
+          <a:graphicData uri="http://schemas.openxmlformats.org/drawingml/2006/table">
+            <a:tbl>
+              <a:tblPr>
+                <a:tableStyleId>{073A0DAA-6AF3-43AB-8588-CEC1D06C72B9}</a:tableStyleId>
+              </a:tblPr>
+              <a:tblGrid>
+                <a:gridCol w="1620456">
+                  <a:extLst>
+                    <a:ext uri="{9D8B030D-6E8A-4147-A177-3AD203B41FA5}">
+                      <a16:colId xmlns:a16="http://schemas.microsoft.com/office/drawing/2014/main" val="1860111134"/>
+                    </a:ext>
+                  </a:extLst>
+                </a:gridCol>
+                <a:gridCol w="2361235">
+                  <a:extLst>
+                    <a:ext uri="{9D8B030D-6E8A-4147-A177-3AD203B41FA5}">
+                      <a16:colId xmlns:a16="http://schemas.microsoft.com/office/drawing/2014/main" val="3104848709"/>
+                    </a:ext>
+                  </a:extLst>
+                </a:gridCol>
+                <a:gridCol w="2141317">
+                  <a:extLst>
+                    <a:ext uri="{9D8B030D-6E8A-4147-A177-3AD203B41FA5}">
+                      <a16:colId xmlns:a16="http://schemas.microsoft.com/office/drawing/2014/main" val="1441031844"/>
+                    </a:ext>
+                  </a:extLst>
+                </a:gridCol>
+                <a:gridCol w="2766349">
+                  <a:extLst>
+                    <a:ext uri="{9D8B030D-6E8A-4147-A177-3AD203B41FA5}">
+                      <a16:colId xmlns:a16="http://schemas.microsoft.com/office/drawing/2014/main" val="2191358408"/>
+                    </a:ext>
+                  </a:extLst>
+                </a:gridCol>
+                <a:gridCol w="3302643">
+                  <a:extLst>
+                    <a:ext uri="{9D8B030D-6E8A-4147-A177-3AD203B41FA5}">
+                      <a16:colId xmlns:a16="http://schemas.microsoft.com/office/drawing/2014/main" val="1329286493"/>
+                    </a:ext>
+                  </a:extLst>
+                </a:gridCol>
+              </a:tblGrid>
+              <a:tr h="207031">
+                <a:tc>
+                  <a:txBody>
+                    <a:bodyPr/>
+                    <a:lstStyle/>
+                    <a:p>
+                      <a:pPr algn="ctr" rtl="1"/>
+                      <a:r>
+                        <a:rPr lang="fa-IR" sz="1000" b="1">
+                          <a:latin typeface="IRANSans(FaNum)" panose="020B0506030804020204" pitchFamily="34" charset="-78"/>
+                          <a:cs typeface="IRANSans(FaNum)" panose="020B0506030804020204" pitchFamily="34" charset="-78"/>
+                        </a:rPr>
+                        <a:t>زمان</a:t>
+                      </a:r>
+                      <a:endParaRPr lang="fa-IR" sz="1000">
+                        <a:latin typeface="IRANSans(FaNum)" panose="020B0506030804020204" pitchFamily="34" charset="-78"/>
+                        <a:cs typeface="IRANSans(FaNum)" panose="020B0506030804020204" pitchFamily="34" charset="-78"/>
+                      </a:endParaRPr>
+                    </a:p>
+                  </a:txBody>
+                  <a:tcPr marL="35091" marR="35091" marT="17546" marB="17546" anchor="ctr"/>
+                </a:tc>
+                <a:tc>
+                  <a:txBody>
+                    <a:bodyPr/>
+                    <a:lstStyle/>
+                    <a:p>
+                      <a:pPr algn="ctr" rtl="1"/>
+                      <a:r>
+                        <a:rPr lang="fa-IR" sz="1000" b="1">
+                          <a:latin typeface="IRANSans(FaNum)" panose="020B0506030804020204" pitchFamily="34" charset="-78"/>
+                          <a:cs typeface="IRANSans(FaNum)" panose="020B0506030804020204" pitchFamily="34" charset="-78"/>
+                        </a:rPr>
+                        <a:t>کاربرد</a:t>
+                      </a:r>
+                      <a:endParaRPr lang="fa-IR" sz="1000">
+                        <a:latin typeface="IRANSans(FaNum)" panose="020B0506030804020204" pitchFamily="34" charset="-78"/>
+                        <a:cs typeface="IRANSans(FaNum)" panose="020B0506030804020204" pitchFamily="34" charset="-78"/>
+                      </a:endParaRPr>
+                    </a:p>
+                  </a:txBody>
+                  <a:tcPr marL="35091" marR="35091" marT="17546" marB="17546" anchor="ctr"/>
+                </a:tc>
+                <a:tc>
+                  <a:txBody>
+                    <a:bodyPr/>
+                    <a:lstStyle/>
+                    <a:p>
+                      <a:pPr algn="ctr" rtl="1"/>
+                      <a:r>
+                        <a:rPr lang="fa-IR" sz="1000" b="1">
+                          <a:latin typeface="IRANSans(FaNum)" panose="020B0506030804020204" pitchFamily="34" charset="-78"/>
+                          <a:cs typeface="IRANSans(FaNum)" panose="020B0506030804020204" pitchFamily="34" charset="-78"/>
+                        </a:rPr>
+                        <a:t>فرمول</a:t>
+                      </a:r>
+                      <a:endParaRPr lang="fa-IR" sz="1000">
+                        <a:latin typeface="IRANSans(FaNum)" panose="020B0506030804020204" pitchFamily="34" charset="-78"/>
+                        <a:cs typeface="IRANSans(FaNum)" panose="020B0506030804020204" pitchFamily="34" charset="-78"/>
+                      </a:endParaRPr>
+                    </a:p>
+                  </a:txBody>
+                  <a:tcPr marL="35091" marR="35091" marT="17546" marB="17546" anchor="ctr"/>
+                </a:tc>
+                <a:tc>
+                  <a:txBody>
+                    <a:bodyPr/>
+                    <a:lstStyle/>
+                    <a:p>
+                      <a:pPr algn="ctr" rtl="1"/>
+                      <a:r>
+                        <a:rPr lang="fa-IR" sz="1000" b="1">
+                          <a:latin typeface="IRANSans(FaNum)" panose="020B0506030804020204" pitchFamily="34" charset="-78"/>
+                          <a:cs typeface="IRANSans(FaNum)" panose="020B0506030804020204" pitchFamily="34" charset="-78"/>
+                        </a:rPr>
+                        <a:t>نکته مهم</a:t>
+                      </a:r>
+                      <a:endParaRPr lang="fa-IR" sz="1000">
+                        <a:latin typeface="IRANSans(FaNum)" panose="020B0506030804020204" pitchFamily="34" charset="-78"/>
+                        <a:cs typeface="IRANSans(FaNum)" panose="020B0506030804020204" pitchFamily="34" charset="-78"/>
+                      </a:endParaRPr>
+                    </a:p>
+                  </a:txBody>
+                  <a:tcPr marL="35091" marR="35091" marT="17546" marB="17546" anchor="ctr"/>
+                </a:tc>
+                <a:tc>
+                  <a:txBody>
+                    <a:bodyPr/>
+                    <a:lstStyle/>
+                    <a:p>
+                      <a:pPr algn="ctr" rtl="1"/>
+                      <a:r>
+                        <a:rPr lang="fa-IR" sz="1000" b="1">
+                          <a:latin typeface="IRANSans(FaNum)" panose="020B0506030804020204" pitchFamily="34" charset="-78"/>
+                          <a:cs typeface="IRANSans(FaNum)" panose="020B0506030804020204" pitchFamily="34" charset="-78"/>
+                        </a:rPr>
+                        <a:t>مثال</a:t>
+                      </a:r>
+                      <a:endParaRPr lang="fa-IR" sz="1000">
+                        <a:latin typeface="IRANSans(FaNum)" panose="020B0506030804020204" pitchFamily="34" charset="-78"/>
+                        <a:cs typeface="IRANSans(FaNum)" panose="020B0506030804020204" pitchFamily="34" charset="-78"/>
+                      </a:endParaRPr>
+                    </a:p>
+                  </a:txBody>
+                  <a:tcPr marL="35091" marR="35091" marT="17546" marB="17546" anchor="ctr"/>
+                </a:tc>
+                <a:extLst>
+                  <a:ext uri="{0D108BD9-81ED-4DB2-BD59-A6C34878D82A}">
+                    <a16:rowId xmlns:a16="http://schemas.microsoft.com/office/drawing/2014/main" val="2559806834"/>
+                  </a:ext>
+                </a:extLst>
+              </a:tr>
+              <a:tr h="358710">
+                <a:tc>
+                  <a:txBody>
+                    <a:bodyPr/>
+                    <a:lstStyle/>
+                    <a:p>
+                      <a:pPr algn="ctr" rtl="1"/>
+                      <a:r>
+                        <a:rPr lang="en-US" sz="1000" b="1">
+                          <a:latin typeface="IRANSans(FaNum)" panose="020B0506030804020204" pitchFamily="34" charset="-78"/>
+                          <a:cs typeface="IRANSans(FaNum)" panose="020B0506030804020204" pitchFamily="34" charset="-78"/>
+                        </a:rPr>
+                        <a:t>Present Simple</a:t>
+                      </a:r>
+                      <a:endParaRPr lang="en-US" sz="1000">
+                        <a:latin typeface="IRANSans(FaNum)" panose="020B0506030804020204" pitchFamily="34" charset="-78"/>
+                        <a:cs typeface="IRANSans(FaNum)" panose="020B0506030804020204" pitchFamily="34" charset="-78"/>
+                      </a:endParaRPr>
+                    </a:p>
+                  </a:txBody>
+                  <a:tcPr marL="35091" marR="35091" marT="17546" marB="17546" anchor="ctr"/>
+                </a:tc>
+                <a:tc>
+                  <a:txBody>
+                    <a:bodyPr/>
+                    <a:lstStyle/>
+                    <a:p>
+                      <a:pPr algn="ctr" rtl="1"/>
+                      <a:r>
+                        <a:rPr lang="fa-IR" sz="1000" dirty="0">
+                          <a:latin typeface="IRANSans(FaNum)" panose="020B0506030804020204" pitchFamily="34" charset="-78"/>
+                          <a:cs typeface="IRANSans(FaNum)" panose="020B0506030804020204" pitchFamily="34" charset="-78"/>
+                        </a:rPr>
+                        <a:t>عادت‌ها، واقعیت‌ها، زمان‌بندی‌ها</a:t>
+                      </a:r>
+                    </a:p>
+                  </a:txBody>
+                  <a:tcPr marL="35091" marR="35091" marT="17546" marB="17546" anchor="ctr"/>
+                </a:tc>
+                <a:tc>
+                  <a:txBody>
+                    <a:bodyPr/>
+                    <a:lstStyle/>
+                    <a:p>
+                      <a:pPr algn="ctr" rtl="1"/>
+                      <a:r>
+                        <a:rPr lang="en-US" sz="1000">
+                          <a:latin typeface="IRANSans(FaNum)" panose="020B0506030804020204" pitchFamily="34" charset="-78"/>
+                          <a:cs typeface="IRANSans(FaNum)" panose="020B0506030804020204" pitchFamily="34" charset="-78"/>
+                        </a:rPr>
+                        <a:t>Subject + base verb (+s/es)</a:t>
+                      </a:r>
+                    </a:p>
+                  </a:txBody>
+                  <a:tcPr marL="35091" marR="35091" marT="17546" marB="17546" anchor="ctr"/>
+                </a:tc>
+                <a:tc>
+                  <a:txBody>
+                    <a:bodyPr/>
+                    <a:lstStyle/>
+                    <a:p>
+                      <a:pPr algn="ctr" rtl="1"/>
+                      <a:r>
+                        <a:rPr lang="fa-IR" sz="1000" dirty="0">
+                          <a:latin typeface="IRANSans(FaNum)" panose="020B0506030804020204" pitchFamily="34" charset="-78"/>
+                          <a:cs typeface="IRANSans(FaNum)" panose="020B0506030804020204" pitchFamily="34" charset="-78"/>
+                        </a:rPr>
+                        <a:t>با افعال سوم‌شخص مفرد، فعل *</a:t>
+                      </a:r>
+                      <a:r>
+                        <a:rPr lang="en-US" sz="1000" dirty="0">
+                          <a:latin typeface="IRANSans(FaNum)" panose="020B0506030804020204" pitchFamily="34" charset="-78"/>
+                          <a:cs typeface="IRANSans(FaNum)" panose="020B0506030804020204" pitchFamily="34" charset="-78"/>
+                        </a:rPr>
+                        <a:t>s/*es </a:t>
+                      </a:r>
+                      <a:r>
+                        <a:rPr lang="fa-IR" sz="1000" dirty="0">
+                          <a:latin typeface="IRANSans(FaNum)" panose="020B0506030804020204" pitchFamily="34" charset="-78"/>
+                          <a:cs typeface="IRANSans(FaNum)" panose="020B0506030804020204" pitchFamily="34" charset="-78"/>
+                        </a:rPr>
+                        <a:t>می‌گیرد.</a:t>
+                      </a:r>
+                    </a:p>
+                  </a:txBody>
+                  <a:tcPr marL="35091" marR="35091" marT="17546" marB="17546" anchor="ctr"/>
+                </a:tc>
+                <a:tc>
+                  <a:txBody>
+                    <a:bodyPr/>
+                    <a:lstStyle/>
+                    <a:p>
+                      <a:pPr algn="ctr" rtl="1"/>
+                      <a:r>
+                        <a:rPr lang="en-US" sz="1000">
+                          <a:latin typeface="IRANSans(FaNum)" panose="020B0506030804020204" pitchFamily="34" charset="-78"/>
+                          <a:cs typeface="IRANSans(FaNum)" panose="020B0506030804020204" pitchFamily="34" charset="-78"/>
+                        </a:rPr>
+                        <a:t>She reads books every day.</a:t>
+                      </a:r>
+                    </a:p>
+                  </a:txBody>
+                  <a:tcPr marL="35091" marR="35091" marT="17546" marB="17546" anchor="ctr"/>
+                </a:tc>
+                <a:extLst>
+                  <a:ext uri="{0D108BD9-81ED-4DB2-BD59-A6C34878D82A}">
+                    <a16:rowId xmlns:a16="http://schemas.microsoft.com/office/drawing/2014/main" val="1206402697"/>
+                  </a:ext>
+                </a:extLst>
+              </a:tr>
+              <a:tr h="512443">
+                <a:tc>
+                  <a:txBody>
+                    <a:bodyPr/>
+                    <a:lstStyle/>
+                    <a:p>
+                      <a:pPr algn="ctr" rtl="1"/>
+                      <a:r>
+                        <a:rPr lang="en-US" sz="1000" b="1">
+                          <a:latin typeface="IRANSans(FaNum)" panose="020B0506030804020204" pitchFamily="34" charset="-78"/>
+                          <a:cs typeface="IRANSans(FaNum)" panose="020B0506030804020204" pitchFamily="34" charset="-78"/>
+                        </a:rPr>
+                        <a:t>Present Continuous</a:t>
+                      </a:r>
+                      <a:endParaRPr lang="en-US" sz="1000">
+                        <a:latin typeface="IRANSans(FaNum)" panose="020B0506030804020204" pitchFamily="34" charset="-78"/>
+                        <a:cs typeface="IRANSans(FaNum)" panose="020B0506030804020204" pitchFamily="34" charset="-78"/>
+                      </a:endParaRPr>
+                    </a:p>
+                  </a:txBody>
+                  <a:tcPr marL="35091" marR="35091" marT="17546" marB="17546" anchor="ctr"/>
+                </a:tc>
+                <a:tc>
+                  <a:txBody>
+                    <a:bodyPr/>
+                    <a:lstStyle/>
+                    <a:p>
+                      <a:pPr algn="ctr" rtl="1"/>
+                      <a:r>
+                        <a:rPr lang="fa-IR" sz="1000">
+                          <a:latin typeface="IRANSans(FaNum)" panose="020B0506030804020204" pitchFamily="34" charset="-78"/>
+                          <a:cs typeface="IRANSans(FaNum)" panose="020B0506030804020204" pitchFamily="34" charset="-78"/>
+                        </a:rPr>
+                        <a:t>کاری که در حال انجام است، برنامه‌ریزی نزدیک</a:t>
+                      </a:r>
+                    </a:p>
+                  </a:txBody>
+                  <a:tcPr marL="35091" marR="35091" marT="17546" marB="17546" anchor="ctr"/>
+                </a:tc>
+                <a:tc>
+                  <a:txBody>
+                    <a:bodyPr/>
+                    <a:lstStyle/>
+                    <a:p>
+                      <a:pPr algn="ctr" rtl="1"/>
+                      <a:r>
+                        <a:rPr lang="en-US" sz="1000" dirty="0">
+                          <a:latin typeface="IRANSans(FaNum)" panose="020B0506030804020204" pitchFamily="34" charset="-78"/>
+                          <a:cs typeface="IRANSans(FaNum)" panose="020B0506030804020204" pitchFamily="34" charset="-78"/>
+                        </a:rPr>
+                        <a:t>Subject + am/is/are + Verb-</a:t>
+                      </a:r>
+                      <a:r>
+                        <a:rPr lang="en-US" sz="1000" dirty="0" err="1">
+                          <a:latin typeface="IRANSans(FaNum)" panose="020B0506030804020204" pitchFamily="34" charset="-78"/>
+                          <a:cs typeface="IRANSans(FaNum)" panose="020B0506030804020204" pitchFamily="34" charset="-78"/>
+                        </a:rPr>
+                        <a:t>ing</a:t>
+                      </a:r>
+                      <a:endParaRPr lang="en-US" sz="1000" dirty="0">
+                        <a:latin typeface="IRANSans(FaNum)" panose="020B0506030804020204" pitchFamily="34" charset="-78"/>
+                        <a:cs typeface="IRANSans(FaNum)" panose="020B0506030804020204" pitchFamily="34" charset="-78"/>
+                      </a:endParaRPr>
+                    </a:p>
+                  </a:txBody>
+                  <a:tcPr marL="35091" marR="35091" marT="17546" marB="17546" anchor="ctr"/>
+                </a:tc>
+                <a:tc>
+                  <a:txBody>
+                    <a:bodyPr/>
+                    <a:lstStyle/>
+                    <a:p>
+                      <a:pPr algn="ctr" rtl="1"/>
+                      <a:r>
+                        <a:rPr lang="fa-IR" sz="1000">
+                          <a:latin typeface="IRANSans(FaNum)" panose="020B0506030804020204" pitchFamily="34" charset="-78"/>
+                          <a:cs typeface="IRANSans(FaNum)" panose="020B0506030804020204" pitchFamily="34" charset="-78"/>
+                        </a:rPr>
+                        <a:t>افعال ایستا (</a:t>
+                      </a:r>
+                      <a:r>
+                        <a:rPr lang="en-US" sz="1000">
+                          <a:latin typeface="IRANSans(FaNum)" panose="020B0506030804020204" pitchFamily="34" charset="-78"/>
+                          <a:cs typeface="IRANSans(FaNum)" panose="020B0506030804020204" pitchFamily="34" charset="-78"/>
+                        </a:rPr>
+                        <a:t>know, like) </a:t>
+                      </a:r>
+                      <a:r>
+                        <a:rPr lang="fa-IR" sz="1000">
+                          <a:latin typeface="IRANSans(FaNum)" panose="020B0506030804020204" pitchFamily="34" charset="-78"/>
+                          <a:cs typeface="IRANSans(FaNum)" panose="020B0506030804020204" pitchFamily="34" charset="-78"/>
+                        </a:rPr>
+                        <a:t>معمولاً در این زمان نمی‌آیند.</a:t>
+                      </a:r>
+                    </a:p>
+                  </a:txBody>
+                  <a:tcPr marL="35091" marR="35091" marT="17546" marB="17546" anchor="ctr"/>
+                </a:tc>
+                <a:tc>
+                  <a:txBody>
+                    <a:bodyPr/>
+                    <a:lstStyle/>
+                    <a:p>
+                      <a:pPr algn="ctr" rtl="1"/>
+                      <a:r>
+                        <a:rPr lang="en-US" sz="1000">
+                          <a:latin typeface="IRANSans(FaNum)" panose="020B0506030804020204" pitchFamily="34" charset="-78"/>
+                          <a:cs typeface="IRANSans(FaNum)" panose="020B0506030804020204" pitchFamily="34" charset="-78"/>
+                        </a:rPr>
+                        <a:t>I am studying for my exam now.</a:t>
+                      </a:r>
+                    </a:p>
+                  </a:txBody>
+                  <a:tcPr marL="35091" marR="35091" marT="17546" marB="17546" anchor="ctr"/>
+                </a:tc>
+                <a:extLst>
+                  <a:ext uri="{0D108BD9-81ED-4DB2-BD59-A6C34878D82A}">
+                    <a16:rowId xmlns:a16="http://schemas.microsoft.com/office/drawing/2014/main" val="1907939196"/>
+                  </a:ext>
+                </a:extLst>
+              </a:tr>
+              <a:tr h="512443">
+                <a:tc>
+                  <a:txBody>
+                    <a:bodyPr/>
+                    <a:lstStyle/>
+                    <a:p>
+                      <a:pPr algn="ctr" rtl="1"/>
+                      <a:r>
+                        <a:rPr lang="en-US" sz="1000" b="1">
+                          <a:latin typeface="IRANSans(FaNum)" panose="020B0506030804020204" pitchFamily="34" charset="-78"/>
+                          <a:cs typeface="IRANSans(FaNum)" panose="020B0506030804020204" pitchFamily="34" charset="-78"/>
+                        </a:rPr>
+                        <a:t>Present Perfect</a:t>
+                      </a:r>
+                      <a:endParaRPr lang="en-US" sz="1000">
+                        <a:latin typeface="IRANSans(FaNum)" panose="020B0506030804020204" pitchFamily="34" charset="-78"/>
+                        <a:cs typeface="IRANSans(FaNum)" panose="020B0506030804020204" pitchFamily="34" charset="-78"/>
+                      </a:endParaRPr>
+                    </a:p>
+                  </a:txBody>
+                  <a:tcPr marL="35091" marR="35091" marT="17546" marB="17546" anchor="ctr"/>
+                </a:tc>
+                <a:tc>
+                  <a:txBody>
+                    <a:bodyPr/>
+                    <a:lstStyle/>
+                    <a:p>
+                      <a:pPr algn="ctr" rtl="1"/>
+                      <a:r>
+                        <a:rPr lang="fa-IR" sz="1000">
+                          <a:latin typeface="IRANSans(FaNum)" panose="020B0506030804020204" pitchFamily="34" charset="-78"/>
+                          <a:cs typeface="IRANSans(FaNum)" panose="020B0506030804020204" pitchFamily="34" charset="-78"/>
+                        </a:rPr>
+                        <a:t>عملی که در گذشته شروع شده و نتیجه آن ادامه دارد</a:t>
+                      </a:r>
+                    </a:p>
+                  </a:txBody>
+                  <a:tcPr marL="35091" marR="35091" marT="17546" marB="17546" anchor="ctr"/>
+                </a:tc>
+                <a:tc>
+                  <a:txBody>
+                    <a:bodyPr/>
+                    <a:lstStyle/>
+                    <a:p>
+                      <a:pPr algn="ctr" rtl="1"/>
+                      <a:r>
+                        <a:rPr lang="en-US" sz="1000">
+                          <a:latin typeface="IRANSans(FaNum)" panose="020B0506030804020204" pitchFamily="34" charset="-78"/>
+                          <a:cs typeface="IRANSans(FaNum)" panose="020B0506030804020204" pitchFamily="34" charset="-78"/>
+                        </a:rPr>
+                        <a:t>Subject + have/has + Past Participle</a:t>
+                      </a:r>
+                    </a:p>
+                  </a:txBody>
+                  <a:tcPr marL="35091" marR="35091" marT="17546" marB="17546" anchor="ctr"/>
+                </a:tc>
+                <a:tc>
+                  <a:txBody>
+                    <a:bodyPr/>
+                    <a:lstStyle/>
+                    <a:p>
+                      <a:pPr algn="ctr" rtl="1"/>
+                      <a:r>
+                        <a:rPr lang="fa-IR" sz="1000">
+                          <a:latin typeface="IRANSans(FaNum)" panose="020B0506030804020204" pitchFamily="34" charset="-78"/>
+                          <a:cs typeface="IRANSans(FaNum)" panose="020B0506030804020204" pitchFamily="34" charset="-78"/>
+                        </a:rPr>
+                        <a:t>با کلماتی مثل </a:t>
+                      </a:r>
+                      <a:r>
+                        <a:rPr lang="en-US" sz="1000">
+                          <a:latin typeface="IRANSans(FaNum)" panose="020B0506030804020204" pitchFamily="34" charset="-78"/>
+                          <a:cs typeface="IRANSans(FaNum)" panose="020B0506030804020204" pitchFamily="34" charset="-78"/>
+                        </a:rPr>
+                        <a:t>already, yet, since, for </a:t>
+                      </a:r>
+                      <a:r>
+                        <a:rPr lang="fa-IR" sz="1000">
+                          <a:latin typeface="IRANSans(FaNum)" panose="020B0506030804020204" pitchFamily="34" charset="-78"/>
+                          <a:cs typeface="IRANSans(FaNum)" panose="020B0506030804020204" pitchFamily="34" charset="-78"/>
+                        </a:rPr>
+                        <a:t>استفاده می‌شود.</a:t>
+                      </a:r>
+                    </a:p>
+                  </a:txBody>
+                  <a:tcPr marL="35091" marR="35091" marT="17546" marB="17546" anchor="ctr"/>
+                </a:tc>
+                <a:tc>
+                  <a:txBody>
+                    <a:bodyPr/>
+                    <a:lstStyle/>
+                    <a:p>
+                      <a:pPr algn="ctr" rtl="1"/>
+                      <a:r>
+                        <a:rPr lang="en-US" sz="1000">
+                          <a:latin typeface="IRANSans(FaNum)" panose="020B0506030804020204" pitchFamily="34" charset="-78"/>
+                          <a:cs typeface="IRANSans(FaNum)" panose="020B0506030804020204" pitchFamily="34" charset="-78"/>
+                        </a:rPr>
+                        <a:t>They have already finished lunch.</a:t>
+                      </a:r>
+                    </a:p>
+                  </a:txBody>
+                  <a:tcPr marL="35091" marR="35091" marT="17546" marB="17546" anchor="ctr"/>
+                </a:tc>
+                <a:extLst>
+                  <a:ext uri="{0D108BD9-81ED-4DB2-BD59-A6C34878D82A}">
+                    <a16:rowId xmlns:a16="http://schemas.microsoft.com/office/drawing/2014/main" val="3869060706"/>
+                  </a:ext>
+                </a:extLst>
+              </a:tr>
+              <a:tr h="512443">
+                <a:tc>
+                  <a:txBody>
+                    <a:bodyPr/>
+                    <a:lstStyle/>
+                    <a:p>
+                      <a:pPr algn="ctr" rtl="1"/>
+                      <a:r>
+                        <a:rPr lang="en-US" sz="1000" b="1">
+                          <a:latin typeface="IRANSans(FaNum)" panose="020B0506030804020204" pitchFamily="34" charset="-78"/>
+                          <a:cs typeface="IRANSans(FaNum)" panose="020B0506030804020204" pitchFamily="34" charset="-78"/>
+                        </a:rPr>
+                        <a:t>Present Perfect Continuous</a:t>
+                      </a:r>
+                      <a:endParaRPr lang="en-US" sz="1000">
+                        <a:latin typeface="IRANSans(FaNum)" panose="020B0506030804020204" pitchFamily="34" charset="-78"/>
+                        <a:cs typeface="IRANSans(FaNum)" panose="020B0506030804020204" pitchFamily="34" charset="-78"/>
+                      </a:endParaRPr>
+                    </a:p>
+                  </a:txBody>
+                  <a:tcPr marL="35091" marR="35091" marT="17546" marB="17546" anchor="ctr"/>
+                </a:tc>
+                <a:tc>
+                  <a:txBody>
+                    <a:bodyPr/>
+                    <a:lstStyle/>
+                    <a:p>
+                      <a:pPr algn="ctr" rtl="1"/>
+                      <a:r>
+                        <a:rPr lang="fa-IR" sz="1000">
+                          <a:latin typeface="IRANSans(FaNum)" panose="020B0506030804020204" pitchFamily="34" charset="-78"/>
+                          <a:cs typeface="IRANSans(FaNum)" panose="020B0506030804020204" pitchFamily="34" charset="-78"/>
+                        </a:rPr>
+                        <a:t>تأکید بر مدت زمان عملی که ادامه دارد</a:t>
+                      </a:r>
+                    </a:p>
+                  </a:txBody>
+                  <a:tcPr marL="35091" marR="35091" marT="17546" marB="17546" anchor="ctr"/>
+                </a:tc>
+                <a:tc>
+                  <a:txBody>
+                    <a:bodyPr/>
+                    <a:lstStyle/>
+                    <a:p>
+                      <a:pPr algn="ctr" rtl="1"/>
+                      <a:r>
+                        <a:rPr lang="en-US" sz="1000">
+                          <a:latin typeface="IRANSans(FaNum)" panose="020B0506030804020204" pitchFamily="34" charset="-78"/>
+                          <a:cs typeface="IRANSans(FaNum)" panose="020B0506030804020204" pitchFamily="34" charset="-78"/>
+                        </a:rPr>
+                        <a:t>Subject + have/has been + Verb-ing</a:t>
+                      </a:r>
+                    </a:p>
+                  </a:txBody>
+                  <a:tcPr marL="35091" marR="35091" marT="17546" marB="17546" anchor="ctr"/>
+                </a:tc>
+                <a:tc>
+                  <a:txBody>
+                    <a:bodyPr/>
+                    <a:lstStyle/>
+                    <a:p>
+                      <a:pPr algn="ctr" rtl="1"/>
+                      <a:r>
+                        <a:rPr lang="fa-IR" sz="1000">
+                          <a:latin typeface="IRANSans(FaNum)" panose="020B0506030804020204" pitchFamily="34" charset="-78"/>
+                          <a:cs typeface="IRANSans(FaNum)" panose="020B0506030804020204" pitchFamily="34" charset="-78"/>
+                        </a:rPr>
+                        <a:t>برای افعال ایستا کمتر استفاده می‌شود.</a:t>
+                      </a:r>
+                    </a:p>
+                  </a:txBody>
+                  <a:tcPr marL="35091" marR="35091" marT="17546" marB="17546" anchor="ctr"/>
+                </a:tc>
+                <a:tc>
+                  <a:txBody>
+                    <a:bodyPr/>
+                    <a:lstStyle/>
+                    <a:p>
+                      <a:pPr algn="ctr" rtl="1"/>
+                      <a:r>
+                        <a:rPr lang="en-US" sz="1000">
+                          <a:latin typeface="IRANSans(FaNum)" panose="020B0506030804020204" pitchFamily="34" charset="-78"/>
+                          <a:cs typeface="IRANSans(FaNum)" panose="020B0506030804020204" pitchFamily="34" charset="-78"/>
+                        </a:rPr>
+                        <a:t>She has been working here for 3 years.</a:t>
+                      </a:r>
+                    </a:p>
+                  </a:txBody>
+                  <a:tcPr marL="35091" marR="35091" marT="17546" marB="17546" anchor="ctr"/>
+                </a:tc>
+                <a:extLst>
+                  <a:ext uri="{0D108BD9-81ED-4DB2-BD59-A6C34878D82A}">
+                    <a16:rowId xmlns:a16="http://schemas.microsoft.com/office/drawing/2014/main" val="2554154328"/>
+                  </a:ext>
+                </a:extLst>
+              </a:tr>
+              <a:tr h="512443">
+                <a:tc>
+                  <a:txBody>
+                    <a:bodyPr/>
+                    <a:lstStyle/>
+                    <a:p>
+                      <a:pPr algn="ctr" rtl="1"/>
+                      <a:r>
+                        <a:rPr lang="en-US" sz="1000" b="1">
+                          <a:latin typeface="IRANSans(FaNum)" panose="020B0506030804020204" pitchFamily="34" charset="-78"/>
+                          <a:cs typeface="IRANSans(FaNum)" panose="020B0506030804020204" pitchFamily="34" charset="-78"/>
+                        </a:rPr>
+                        <a:t>Past Simple</a:t>
+                      </a:r>
+                      <a:endParaRPr lang="en-US" sz="1000">
+                        <a:latin typeface="IRANSans(FaNum)" panose="020B0506030804020204" pitchFamily="34" charset="-78"/>
+                        <a:cs typeface="IRANSans(FaNum)" panose="020B0506030804020204" pitchFamily="34" charset="-78"/>
+                      </a:endParaRPr>
+                    </a:p>
+                  </a:txBody>
+                  <a:tcPr marL="35091" marR="35091" marT="17546" marB="17546" anchor="ctr"/>
+                </a:tc>
+                <a:tc>
+                  <a:txBody>
+                    <a:bodyPr/>
+                    <a:lstStyle/>
+                    <a:p>
+                      <a:pPr algn="ctr" rtl="1"/>
+                      <a:r>
+                        <a:rPr lang="fa-IR" sz="1000">
+                          <a:latin typeface="IRANSans(FaNum)" panose="020B0506030804020204" pitchFamily="34" charset="-78"/>
+                          <a:cs typeface="IRANSans(FaNum)" panose="020B0506030804020204" pitchFamily="34" charset="-78"/>
+                        </a:rPr>
+                        <a:t>عملی که در گذشته تمام شده است</a:t>
+                      </a:r>
+                    </a:p>
+                  </a:txBody>
+                  <a:tcPr marL="35091" marR="35091" marT="17546" marB="17546" anchor="ctr"/>
+                </a:tc>
+                <a:tc>
+                  <a:txBody>
+                    <a:bodyPr/>
+                    <a:lstStyle/>
+                    <a:p>
+                      <a:pPr algn="ctr" rtl="1"/>
+                      <a:r>
+                        <a:rPr lang="en-US" sz="1000">
+                          <a:latin typeface="IRANSans(FaNum)" panose="020B0506030804020204" pitchFamily="34" charset="-78"/>
+                          <a:cs typeface="IRANSans(FaNum)" panose="020B0506030804020204" pitchFamily="34" charset="-78"/>
+                        </a:rPr>
+                        <a:t>Subject + Verb (Past Form)</a:t>
+                      </a:r>
+                    </a:p>
+                  </a:txBody>
+                  <a:tcPr marL="35091" marR="35091" marT="17546" marB="17546" anchor="ctr"/>
+                </a:tc>
+                <a:tc>
+                  <a:txBody>
+                    <a:bodyPr/>
+                    <a:lstStyle/>
+                    <a:p>
+                      <a:pPr algn="ctr" rtl="1"/>
+                      <a:r>
+                        <a:rPr lang="fa-IR" sz="1000">
+                          <a:latin typeface="IRANSans(FaNum)" panose="020B0506030804020204" pitchFamily="34" charset="-78"/>
+                          <a:cs typeface="IRANSans(FaNum)" panose="020B0506030804020204" pitchFamily="34" charset="-78"/>
+                        </a:rPr>
+                        <a:t>با کلماتی مثل </a:t>
+                      </a:r>
+                      <a:r>
+                        <a:rPr lang="en-US" sz="1000">
+                          <a:latin typeface="IRANSans(FaNum)" panose="020B0506030804020204" pitchFamily="34" charset="-78"/>
+                          <a:cs typeface="IRANSans(FaNum)" panose="020B0506030804020204" pitchFamily="34" charset="-78"/>
+                        </a:rPr>
+                        <a:t>yesterday, last week </a:t>
+                      </a:r>
+                      <a:r>
+                        <a:rPr lang="fa-IR" sz="1000">
+                          <a:latin typeface="IRANSans(FaNum)" panose="020B0506030804020204" pitchFamily="34" charset="-78"/>
+                          <a:cs typeface="IRANSans(FaNum)" panose="020B0506030804020204" pitchFamily="34" charset="-78"/>
+                        </a:rPr>
+                        <a:t>استفاده می‌شود.</a:t>
+                      </a:r>
+                    </a:p>
+                  </a:txBody>
+                  <a:tcPr marL="35091" marR="35091" marT="17546" marB="17546" anchor="ctr"/>
+                </a:tc>
+                <a:tc>
+                  <a:txBody>
+                    <a:bodyPr/>
+                    <a:lstStyle/>
+                    <a:p>
+                      <a:pPr algn="ctr" rtl="1"/>
+                      <a:r>
+                        <a:rPr lang="en-US" sz="1000">
+                          <a:latin typeface="IRANSans(FaNum)" panose="020B0506030804020204" pitchFamily="34" charset="-78"/>
+                          <a:cs typeface="IRANSans(FaNum)" panose="020B0506030804020204" pitchFamily="34" charset="-78"/>
+                        </a:rPr>
+                        <a:t>I visited Paris last year.</a:t>
+                      </a:r>
+                    </a:p>
+                  </a:txBody>
+                  <a:tcPr marL="35091" marR="35091" marT="17546" marB="17546" anchor="ctr"/>
+                </a:tc>
+                <a:extLst>
+                  <a:ext uri="{0D108BD9-81ED-4DB2-BD59-A6C34878D82A}">
+                    <a16:rowId xmlns:a16="http://schemas.microsoft.com/office/drawing/2014/main" val="1072267924"/>
+                  </a:ext>
+                </a:extLst>
+              </a:tr>
+              <a:tr h="512443">
+                <a:tc>
+                  <a:txBody>
+                    <a:bodyPr/>
+                    <a:lstStyle/>
+                    <a:p>
+                      <a:pPr algn="ctr" rtl="1"/>
+                      <a:r>
+                        <a:rPr lang="en-US" sz="1000" b="1">
+                          <a:latin typeface="IRANSans(FaNum)" panose="020B0506030804020204" pitchFamily="34" charset="-78"/>
+                          <a:cs typeface="IRANSans(FaNum)" panose="020B0506030804020204" pitchFamily="34" charset="-78"/>
+                        </a:rPr>
+                        <a:t>Past Continuous</a:t>
+                      </a:r>
+                      <a:endParaRPr lang="en-US" sz="1000">
+                        <a:latin typeface="IRANSans(FaNum)" panose="020B0506030804020204" pitchFamily="34" charset="-78"/>
+                        <a:cs typeface="IRANSans(FaNum)" panose="020B0506030804020204" pitchFamily="34" charset="-78"/>
+                      </a:endParaRPr>
+                    </a:p>
+                  </a:txBody>
+                  <a:tcPr marL="35091" marR="35091" marT="17546" marB="17546" anchor="ctr"/>
+                </a:tc>
+                <a:tc>
+                  <a:txBody>
+                    <a:bodyPr/>
+                    <a:lstStyle/>
+                    <a:p>
+                      <a:pPr algn="ctr" rtl="1"/>
+                      <a:r>
+                        <a:rPr lang="fa-IR" sz="1000">
+                          <a:latin typeface="IRANSans(FaNum)" panose="020B0506030804020204" pitchFamily="34" charset="-78"/>
+                          <a:cs typeface="IRANSans(FaNum)" panose="020B0506030804020204" pitchFamily="34" charset="-78"/>
+                        </a:rPr>
+                        <a:t>عملی که در گذشته در حال انجام بوده است</a:t>
+                      </a:r>
+                    </a:p>
+                  </a:txBody>
+                  <a:tcPr marL="35091" marR="35091" marT="17546" marB="17546" anchor="ctr"/>
+                </a:tc>
+                <a:tc>
+                  <a:txBody>
+                    <a:bodyPr/>
+                    <a:lstStyle/>
+                    <a:p>
+                      <a:pPr algn="ctr" rtl="1"/>
+                      <a:r>
+                        <a:rPr lang="en-US" sz="1000">
+                          <a:latin typeface="IRANSans(FaNum)" panose="020B0506030804020204" pitchFamily="34" charset="-78"/>
+                          <a:cs typeface="IRANSans(FaNum)" panose="020B0506030804020204" pitchFamily="34" charset="-78"/>
+                        </a:rPr>
+                        <a:t>Subject + was/were + Verb-ing</a:t>
+                      </a:r>
+                    </a:p>
+                  </a:txBody>
+                  <a:tcPr marL="35091" marR="35091" marT="17546" marB="17546" anchor="ctr"/>
+                </a:tc>
+                <a:tc>
+                  <a:txBody>
+                    <a:bodyPr/>
+                    <a:lstStyle/>
+                    <a:p>
+                      <a:pPr algn="ctr" rtl="1"/>
+                      <a:r>
+                        <a:rPr lang="fa-IR" sz="1000">
+                          <a:latin typeface="IRANSans(FaNum)" panose="020B0506030804020204" pitchFamily="34" charset="-78"/>
+                          <a:cs typeface="IRANSans(FaNum)" panose="020B0506030804020204" pitchFamily="34" charset="-78"/>
+                        </a:rPr>
+                        <a:t>برای بیان دو عمل هم‌زمان یا عمل طولانی‌تر در گذشته استفاده می‌شود.</a:t>
+                      </a:r>
+                    </a:p>
+                  </a:txBody>
+                  <a:tcPr marL="35091" marR="35091" marT="17546" marB="17546" anchor="ctr"/>
+                </a:tc>
+                <a:tc>
+                  <a:txBody>
+                    <a:bodyPr/>
+                    <a:lstStyle/>
+                    <a:p>
+                      <a:pPr algn="ctr" rtl="1"/>
+                      <a:r>
+                        <a:rPr lang="en-US" sz="1000">
+                          <a:latin typeface="IRANSans(FaNum)" panose="020B0506030804020204" pitchFamily="34" charset="-78"/>
+                          <a:cs typeface="IRANSans(FaNum)" panose="020B0506030804020204" pitchFamily="34" charset="-78"/>
+                        </a:rPr>
+                        <a:t>She was cooking while I was reading.</a:t>
+                      </a:r>
+                    </a:p>
+                  </a:txBody>
+                  <a:tcPr marL="35091" marR="35091" marT="17546" marB="17546" anchor="ctr"/>
+                </a:tc>
+                <a:extLst>
+                  <a:ext uri="{0D108BD9-81ED-4DB2-BD59-A6C34878D82A}">
+                    <a16:rowId xmlns:a16="http://schemas.microsoft.com/office/drawing/2014/main" val="2375299356"/>
+                  </a:ext>
+                </a:extLst>
+              </a:tr>
+              <a:tr h="512443">
+                <a:tc>
+                  <a:txBody>
+                    <a:bodyPr/>
+                    <a:lstStyle/>
+                    <a:p>
+                      <a:pPr algn="ctr" rtl="1"/>
+                      <a:r>
+                        <a:rPr lang="en-US" sz="1000" b="1">
+                          <a:latin typeface="IRANSans(FaNum)" panose="020B0506030804020204" pitchFamily="34" charset="-78"/>
+                          <a:cs typeface="IRANSans(FaNum)" panose="020B0506030804020204" pitchFamily="34" charset="-78"/>
+                        </a:rPr>
+                        <a:t>Past Perfect</a:t>
+                      </a:r>
+                      <a:endParaRPr lang="en-US" sz="1000">
+                        <a:latin typeface="IRANSans(FaNum)" panose="020B0506030804020204" pitchFamily="34" charset="-78"/>
+                        <a:cs typeface="IRANSans(FaNum)" panose="020B0506030804020204" pitchFamily="34" charset="-78"/>
+                      </a:endParaRPr>
+                    </a:p>
+                  </a:txBody>
+                  <a:tcPr marL="35091" marR="35091" marT="17546" marB="17546" anchor="ctr"/>
+                </a:tc>
+                <a:tc>
+                  <a:txBody>
+                    <a:bodyPr/>
+                    <a:lstStyle/>
+                    <a:p>
+                      <a:pPr algn="ctr" rtl="1"/>
+                      <a:r>
+                        <a:rPr lang="fa-IR" sz="1000" dirty="0">
+                          <a:latin typeface="IRANSans(FaNum)" panose="020B0506030804020204" pitchFamily="34" charset="-78"/>
+                          <a:cs typeface="IRANSans(FaNum)" panose="020B0506030804020204" pitchFamily="34" charset="-78"/>
+                        </a:rPr>
+                        <a:t>عملی که قبل از عمل دیگری در گذشته اتفاق افتاده</a:t>
+                      </a:r>
+                    </a:p>
+                  </a:txBody>
+                  <a:tcPr marL="35091" marR="35091" marT="17546" marB="17546" anchor="ctr"/>
+                </a:tc>
+                <a:tc>
+                  <a:txBody>
+                    <a:bodyPr/>
+                    <a:lstStyle/>
+                    <a:p>
+                      <a:pPr algn="ctr" rtl="1"/>
+                      <a:r>
+                        <a:rPr lang="en-US" sz="1000">
+                          <a:latin typeface="IRANSans(FaNum)" panose="020B0506030804020204" pitchFamily="34" charset="-78"/>
+                          <a:cs typeface="IRANSans(FaNum)" panose="020B0506030804020204" pitchFamily="34" charset="-78"/>
+                        </a:rPr>
+                        <a:t>Subject + had + Past Participle</a:t>
+                      </a:r>
+                    </a:p>
+                  </a:txBody>
+                  <a:tcPr marL="35091" marR="35091" marT="17546" marB="17546" anchor="ctr"/>
+                </a:tc>
+                <a:tc>
+                  <a:txBody>
+                    <a:bodyPr/>
+                    <a:lstStyle/>
+                    <a:p>
+                      <a:pPr algn="ctr" rtl="1"/>
+                      <a:r>
+                        <a:rPr lang="fa-IR" sz="1000">
+                          <a:latin typeface="IRANSans(FaNum)" panose="020B0506030804020204" pitchFamily="34" charset="-78"/>
+                          <a:cs typeface="IRANSans(FaNum)" panose="020B0506030804020204" pitchFamily="34" charset="-78"/>
+                        </a:rPr>
+                        <a:t>معمولاً با </a:t>
+                      </a:r>
+                      <a:r>
+                        <a:rPr lang="en-US" sz="1000">
+                          <a:latin typeface="IRANSans(FaNum)" panose="020B0506030804020204" pitchFamily="34" charset="-78"/>
+                          <a:cs typeface="IRANSans(FaNum)" panose="020B0506030804020204" pitchFamily="34" charset="-78"/>
+                        </a:rPr>
+                        <a:t>before, after </a:t>
+                      </a:r>
+                      <a:r>
+                        <a:rPr lang="fa-IR" sz="1000">
+                          <a:latin typeface="IRANSans(FaNum)" panose="020B0506030804020204" pitchFamily="34" charset="-78"/>
+                          <a:cs typeface="IRANSans(FaNum)" panose="020B0506030804020204" pitchFamily="34" charset="-78"/>
+                        </a:rPr>
+                        <a:t>همراه است.</a:t>
+                      </a:r>
+                    </a:p>
+                  </a:txBody>
+                  <a:tcPr marL="35091" marR="35091" marT="17546" marB="17546" anchor="ctr"/>
+                </a:tc>
+                <a:tc>
+                  <a:txBody>
+                    <a:bodyPr/>
+                    <a:lstStyle/>
+                    <a:p>
+                      <a:pPr algn="ctr" rtl="1"/>
+                      <a:r>
+                        <a:rPr lang="en-US" sz="1000">
+                          <a:latin typeface="IRANSans(FaNum)" panose="020B0506030804020204" pitchFamily="34" charset="-78"/>
+                          <a:cs typeface="IRANSans(FaNum)" panose="020B0506030804020204" pitchFamily="34" charset="-78"/>
+                        </a:rPr>
+                        <a:t>He had left before I arrived.</a:t>
+                      </a:r>
+                    </a:p>
+                  </a:txBody>
+                  <a:tcPr marL="35091" marR="35091" marT="17546" marB="17546" anchor="ctr"/>
+                </a:tc>
+                <a:extLst>
+                  <a:ext uri="{0D108BD9-81ED-4DB2-BD59-A6C34878D82A}">
+                    <a16:rowId xmlns:a16="http://schemas.microsoft.com/office/drawing/2014/main" val="3792252036"/>
+                  </a:ext>
+                </a:extLst>
+              </a:tr>
+              <a:tr h="666178">
+                <a:tc>
+                  <a:txBody>
+                    <a:bodyPr/>
+                    <a:lstStyle/>
+                    <a:p>
+                      <a:pPr algn="ctr" rtl="1"/>
+                      <a:r>
+                        <a:rPr lang="en-US" sz="1000" b="1">
+                          <a:latin typeface="IRANSans(FaNum)" panose="020B0506030804020204" pitchFamily="34" charset="-78"/>
+                          <a:cs typeface="IRANSans(FaNum)" panose="020B0506030804020204" pitchFamily="34" charset="-78"/>
+                        </a:rPr>
+                        <a:t>Past Perfect Continuous</a:t>
+                      </a:r>
+                      <a:endParaRPr lang="en-US" sz="1000">
+                        <a:latin typeface="IRANSans(FaNum)" panose="020B0506030804020204" pitchFamily="34" charset="-78"/>
+                        <a:cs typeface="IRANSans(FaNum)" panose="020B0506030804020204" pitchFamily="34" charset="-78"/>
+                      </a:endParaRPr>
+                    </a:p>
+                  </a:txBody>
+                  <a:tcPr marL="35091" marR="35091" marT="17546" marB="17546" anchor="ctr"/>
+                </a:tc>
+                <a:tc>
+                  <a:txBody>
+                    <a:bodyPr/>
+                    <a:lstStyle/>
+                    <a:p>
+                      <a:pPr algn="ctr" rtl="1"/>
+                      <a:r>
+                        <a:rPr lang="fa-IR" sz="1000" dirty="0">
+                          <a:latin typeface="IRANSans(FaNum)" panose="020B0506030804020204" pitchFamily="34" charset="-78"/>
+                          <a:cs typeface="IRANSans(FaNum)" panose="020B0506030804020204" pitchFamily="34" charset="-78"/>
+                        </a:rPr>
+                        <a:t>تأکید بر مدت عملی که قبل از عمل دیگری تمام شده</a:t>
+                      </a:r>
+                    </a:p>
+                  </a:txBody>
+                  <a:tcPr marL="35091" marR="35091" marT="17546" marB="17546" anchor="ctr"/>
+                </a:tc>
+                <a:tc>
+                  <a:txBody>
+                    <a:bodyPr/>
+                    <a:lstStyle/>
+                    <a:p>
+                      <a:pPr algn="ctr" rtl="1"/>
+                      <a:r>
+                        <a:rPr lang="en-US" sz="1000">
+                          <a:latin typeface="IRANSans(FaNum)" panose="020B0506030804020204" pitchFamily="34" charset="-78"/>
+                          <a:cs typeface="IRANSans(FaNum)" panose="020B0506030804020204" pitchFamily="34" charset="-78"/>
+                        </a:rPr>
+                        <a:t>Subject + had been + Verb-ing</a:t>
+                      </a:r>
+                    </a:p>
+                  </a:txBody>
+                  <a:tcPr marL="35091" marR="35091" marT="17546" marB="17546" anchor="ctr"/>
+                </a:tc>
+                <a:tc>
+                  <a:txBody>
+                    <a:bodyPr/>
+                    <a:lstStyle/>
+                    <a:p>
+                      <a:pPr algn="ctr" rtl="1"/>
+                      <a:r>
+                        <a:rPr lang="fa-IR" sz="1000">
+                          <a:latin typeface="IRANSans(FaNum)" panose="020B0506030804020204" pitchFamily="34" charset="-78"/>
+                          <a:cs typeface="IRANSans(FaNum)" panose="020B0506030804020204" pitchFamily="34" charset="-78"/>
+                        </a:rPr>
+                        <a:t>برای بیان دلیل یک اتفاق در گذشته استفاده می‌شود.</a:t>
+                      </a:r>
+                    </a:p>
+                  </a:txBody>
+                  <a:tcPr marL="35091" marR="35091" marT="17546" marB="17546" anchor="ctr"/>
+                </a:tc>
+                <a:tc>
+                  <a:txBody>
+                    <a:bodyPr/>
+                    <a:lstStyle/>
+                    <a:p>
+                      <a:pPr algn="ctr" rtl="1"/>
+                      <a:r>
+                        <a:rPr lang="en-US" sz="1000">
+                          <a:latin typeface="IRANSans(FaNum)" panose="020B0506030804020204" pitchFamily="34" charset="-78"/>
+                          <a:cs typeface="IRANSans(FaNum)" panose="020B0506030804020204" pitchFamily="34" charset="-78"/>
+                        </a:rPr>
+                        <a:t>They had been waiting for hours before the bus came.</a:t>
+                      </a:r>
+                    </a:p>
+                  </a:txBody>
+                  <a:tcPr marL="35091" marR="35091" marT="17546" marB="17546" anchor="ctr"/>
+                </a:tc>
+                <a:extLst>
+                  <a:ext uri="{0D108BD9-81ED-4DB2-BD59-A6C34878D82A}">
+                    <a16:rowId xmlns:a16="http://schemas.microsoft.com/office/drawing/2014/main" val="3373421192"/>
+                  </a:ext>
+                </a:extLst>
+              </a:tr>
+              <a:tr h="512443">
+                <a:tc>
+                  <a:txBody>
+                    <a:bodyPr/>
+                    <a:lstStyle/>
+                    <a:p>
+                      <a:pPr algn="ctr" rtl="1"/>
+                      <a:r>
+                        <a:rPr lang="en-US" sz="1000" b="1">
+                          <a:latin typeface="IRANSans(FaNum)" panose="020B0506030804020204" pitchFamily="34" charset="-78"/>
+                          <a:cs typeface="IRANSans(FaNum)" panose="020B0506030804020204" pitchFamily="34" charset="-78"/>
+                        </a:rPr>
+                        <a:t>Future Simple</a:t>
+                      </a:r>
+                      <a:endParaRPr lang="en-US" sz="1000">
+                        <a:latin typeface="IRANSans(FaNum)" panose="020B0506030804020204" pitchFamily="34" charset="-78"/>
+                        <a:cs typeface="IRANSans(FaNum)" panose="020B0506030804020204" pitchFamily="34" charset="-78"/>
+                      </a:endParaRPr>
+                    </a:p>
+                  </a:txBody>
+                  <a:tcPr marL="35091" marR="35091" marT="17546" marB="17546" anchor="ctr"/>
+                </a:tc>
+                <a:tc>
+                  <a:txBody>
+                    <a:bodyPr/>
+                    <a:lstStyle/>
+                    <a:p>
+                      <a:pPr algn="ctr" rtl="1"/>
+                      <a:r>
+                        <a:rPr lang="fa-IR" sz="1000">
+                          <a:latin typeface="IRANSans(FaNum)" panose="020B0506030804020204" pitchFamily="34" charset="-78"/>
+                          <a:cs typeface="IRANSans(FaNum)" panose="020B0506030804020204" pitchFamily="34" charset="-78"/>
+                        </a:rPr>
+                        <a:t>پیش‌بینی‌ها، تصمیمات لحظه‌ای، وعده‌ها</a:t>
+                      </a:r>
+                    </a:p>
+                  </a:txBody>
+                  <a:tcPr marL="35091" marR="35091" marT="17546" marB="17546" anchor="ctr"/>
+                </a:tc>
+                <a:tc>
+                  <a:txBody>
+                    <a:bodyPr/>
+                    <a:lstStyle/>
+                    <a:p>
+                      <a:pPr algn="ctr" rtl="1"/>
+                      <a:r>
+                        <a:rPr lang="en-US" sz="1000">
+                          <a:latin typeface="IRANSans(FaNum)" panose="020B0506030804020204" pitchFamily="34" charset="-78"/>
+                          <a:cs typeface="IRANSans(FaNum)" panose="020B0506030804020204" pitchFamily="34" charset="-78"/>
+                        </a:rPr>
+                        <a:t>Subject + will + base verb</a:t>
+                      </a:r>
+                    </a:p>
+                  </a:txBody>
+                  <a:tcPr marL="35091" marR="35091" marT="17546" marB="17546" anchor="ctr"/>
+                </a:tc>
+                <a:tc>
+                  <a:txBody>
+                    <a:bodyPr/>
+                    <a:lstStyle/>
+                    <a:p>
+                      <a:pPr algn="ctr" rtl="1"/>
+                      <a:r>
+                        <a:rPr lang="en-US" sz="1000">
+                          <a:latin typeface="IRANSans(FaNum)" panose="020B0506030804020204" pitchFamily="34" charset="-78"/>
+                          <a:cs typeface="IRANSans(FaNum)" panose="020B0506030804020204" pitchFamily="34" charset="-78"/>
+                        </a:rPr>
+                        <a:t>Going to </a:t>
+                      </a:r>
+                      <a:r>
+                        <a:rPr lang="fa-IR" sz="1000">
+                          <a:latin typeface="IRANSans(FaNum)" panose="020B0506030804020204" pitchFamily="34" charset="-78"/>
+                          <a:cs typeface="IRANSans(FaNum)" panose="020B0506030804020204" pitchFamily="34" charset="-78"/>
+                        </a:rPr>
+                        <a:t>برای برنامه‌های قبلی استفاده می‌شود.</a:t>
+                      </a:r>
+                    </a:p>
+                  </a:txBody>
+                  <a:tcPr marL="35091" marR="35091" marT="17546" marB="17546" anchor="ctr"/>
+                </a:tc>
+                <a:tc>
+                  <a:txBody>
+                    <a:bodyPr/>
+                    <a:lstStyle/>
+                    <a:p>
+                      <a:pPr algn="ctr" rtl="1"/>
+                      <a:r>
+                        <a:rPr lang="en-US" sz="1000">
+                          <a:latin typeface="IRANSans(FaNum)" panose="020B0506030804020204" pitchFamily="34" charset="-78"/>
+                          <a:cs typeface="IRANSans(FaNum)" panose="020B0506030804020204" pitchFamily="34" charset="-78"/>
+                        </a:rPr>
+                        <a:t>I will call you tomorrow.</a:t>
+                      </a:r>
+                    </a:p>
+                  </a:txBody>
+                  <a:tcPr marL="35091" marR="35091" marT="17546" marB="17546" anchor="ctr"/>
+                </a:tc>
+                <a:extLst>
+                  <a:ext uri="{0D108BD9-81ED-4DB2-BD59-A6C34878D82A}">
+                    <a16:rowId xmlns:a16="http://schemas.microsoft.com/office/drawing/2014/main" val="1431022774"/>
+                  </a:ext>
+                </a:extLst>
+              </a:tr>
+              <a:tr h="512443">
+                <a:tc>
+                  <a:txBody>
+                    <a:bodyPr/>
+                    <a:lstStyle/>
+                    <a:p>
+                      <a:pPr algn="ctr" rtl="1"/>
+                      <a:r>
+                        <a:rPr lang="en-US" sz="1000" b="1">
+                          <a:latin typeface="IRANSans(FaNum)" panose="020B0506030804020204" pitchFamily="34" charset="-78"/>
+                          <a:cs typeface="IRANSans(FaNum)" panose="020B0506030804020204" pitchFamily="34" charset="-78"/>
+                        </a:rPr>
+                        <a:t>Future Continuous</a:t>
+                      </a:r>
+                      <a:endParaRPr lang="en-US" sz="1000">
+                        <a:latin typeface="IRANSans(FaNum)" panose="020B0506030804020204" pitchFamily="34" charset="-78"/>
+                        <a:cs typeface="IRANSans(FaNum)" panose="020B0506030804020204" pitchFamily="34" charset="-78"/>
+                      </a:endParaRPr>
+                    </a:p>
+                  </a:txBody>
+                  <a:tcPr marL="35091" marR="35091" marT="17546" marB="17546" anchor="ctr"/>
+                </a:tc>
+                <a:tc>
+                  <a:txBody>
+                    <a:bodyPr/>
+                    <a:lstStyle/>
+                    <a:p>
+                      <a:pPr algn="ctr" rtl="1"/>
+                      <a:r>
+                        <a:rPr lang="fa-IR" sz="1000">
+                          <a:latin typeface="IRANSans(FaNum)" panose="020B0506030804020204" pitchFamily="34" charset="-78"/>
+                          <a:cs typeface="IRANSans(FaNum)" panose="020B0506030804020204" pitchFamily="34" charset="-78"/>
+                        </a:rPr>
+                        <a:t>عملی که در آینده در حال انجام خواهد بود</a:t>
+                      </a:r>
+                    </a:p>
+                  </a:txBody>
+                  <a:tcPr marL="35091" marR="35091" marT="17546" marB="17546" anchor="ctr"/>
+                </a:tc>
+                <a:tc>
+                  <a:txBody>
+                    <a:bodyPr/>
+                    <a:lstStyle/>
+                    <a:p>
+                      <a:pPr algn="ctr" rtl="1"/>
+                      <a:r>
+                        <a:rPr lang="en-US" sz="1000">
+                          <a:latin typeface="IRANSans(FaNum)" panose="020B0506030804020204" pitchFamily="34" charset="-78"/>
+                          <a:cs typeface="IRANSans(FaNum)" panose="020B0506030804020204" pitchFamily="34" charset="-78"/>
+                        </a:rPr>
+                        <a:t>Subject + will be + Verb-ing</a:t>
+                      </a:r>
+                    </a:p>
+                  </a:txBody>
+                  <a:tcPr marL="35091" marR="35091" marT="17546" marB="17546" anchor="ctr"/>
+                </a:tc>
+                <a:tc>
+                  <a:txBody>
+                    <a:bodyPr/>
+                    <a:lstStyle/>
+                    <a:p>
+                      <a:pPr algn="ctr" rtl="1"/>
+                      <a:r>
+                        <a:rPr lang="fa-IR" sz="1000">
+                          <a:latin typeface="IRANSans(FaNum)" panose="020B0506030804020204" pitchFamily="34" charset="-78"/>
+                          <a:cs typeface="IRANSans(FaNum)" panose="020B0506030804020204" pitchFamily="34" charset="-78"/>
+                        </a:rPr>
+                        <a:t>مودبانه‌تر از آینده ساده برای درخواست‌ها استفاده می‌شود.</a:t>
+                      </a:r>
+                    </a:p>
+                  </a:txBody>
+                  <a:tcPr marL="35091" marR="35091" marT="17546" marB="17546" anchor="ctr"/>
+                </a:tc>
+                <a:tc>
+                  <a:txBody>
+                    <a:bodyPr/>
+                    <a:lstStyle/>
+                    <a:p>
+                      <a:pPr algn="ctr" rtl="1"/>
+                      <a:r>
+                        <a:rPr lang="en-US" sz="1000">
+                          <a:latin typeface="IRANSans(FaNum)" panose="020B0506030804020204" pitchFamily="34" charset="-78"/>
+                          <a:cs typeface="IRANSans(FaNum)" panose="020B0506030804020204" pitchFamily="34" charset="-78"/>
+                        </a:rPr>
+                        <a:t>At 5 PM tomorrow, I will be working.</a:t>
+                      </a:r>
+                    </a:p>
+                  </a:txBody>
+                  <a:tcPr marL="35091" marR="35091" marT="17546" marB="17546" anchor="ctr"/>
+                </a:tc>
+                <a:extLst>
+                  <a:ext uri="{0D108BD9-81ED-4DB2-BD59-A6C34878D82A}">
+                    <a16:rowId xmlns:a16="http://schemas.microsoft.com/office/drawing/2014/main" val="2834365817"/>
+                  </a:ext>
+                </a:extLst>
+              </a:tr>
+              <a:tr h="512443">
+                <a:tc>
+                  <a:txBody>
+                    <a:bodyPr/>
+                    <a:lstStyle/>
+                    <a:p>
+                      <a:pPr algn="ctr" rtl="1"/>
+                      <a:r>
+                        <a:rPr lang="en-US" sz="1000" b="1">
+                          <a:latin typeface="IRANSans(FaNum)" panose="020B0506030804020204" pitchFamily="34" charset="-78"/>
+                          <a:cs typeface="IRANSans(FaNum)" panose="020B0506030804020204" pitchFamily="34" charset="-78"/>
+                        </a:rPr>
+                        <a:t>Future Perfect</a:t>
+                      </a:r>
+                      <a:endParaRPr lang="en-US" sz="1000">
+                        <a:latin typeface="IRANSans(FaNum)" panose="020B0506030804020204" pitchFamily="34" charset="-78"/>
+                        <a:cs typeface="IRANSans(FaNum)" panose="020B0506030804020204" pitchFamily="34" charset="-78"/>
+                      </a:endParaRPr>
+                    </a:p>
+                  </a:txBody>
+                  <a:tcPr marL="35091" marR="35091" marT="17546" marB="17546" anchor="ctr"/>
+                </a:tc>
+                <a:tc>
+                  <a:txBody>
+                    <a:bodyPr/>
+                    <a:lstStyle/>
+                    <a:p>
+                      <a:pPr algn="ctr" rtl="1"/>
+                      <a:r>
+                        <a:rPr lang="fa-IR" sz="1000">
+                          <a:latin typeface="IRANSans(FaNum)" panose="020B0506030804020204" pitchFamily="34" charset="-78"/>
+                          <a:cs typeface="IRANSans(FaNum)" panose="020B0506030804020204" pitchFamily="34" charset="-78"/>
+                        </a:rPr>
+                        <a:t>عملی که تا زمان مشخصی در آینده تمام می‌شود</a:t>
+                      </a:r>
+                    </a:p>
+                  </a:txBody>
+                  <a:tcPr marL="35091" marR="35091" marT="17546" marB="17546" anchor="ctr"/>
+                </a:tc>
+                <a:tc>
+                  <a:txBody>
+                    <a:bodyPr/>
+                    <a:lstStyle/>
+                    <a:p>
+                      <a:pPr algn="ctr" rtl="1"/>
+                      <a:r>
+                        <a:rPr lang="en-US" sz="1000">
+                          <a:latin typeface="IRANSans(FaNum)" panose="020B0506030804020204" pitchFamily="34" charset="-78"/>
+                          <a:cs typeface="IRANSans(FaNum)" panose="020B0506030804020204" pitchFamily="34" charset="-78"/>
+                        </a:rPr>
+                        <a:t>Subject + will have + Past Participle</a:t>
+                      </a:r>
+                    </a:p>
+                  </a:txBody>
+                  <a:tcPr marL="35091" marR="35091" marT="17546" marB="17546" anchor="ctr"/>
+                </a:tc>
+                <a:tc>
+                  <a:txBody>
+                    <a:bodyPr/>
+                    <a:lstStyle/>
+                    <a:p>
+                      <a:pPr algn="ctr" rtl="1"/>
+                      <a:r>
+                        <a:rPr lang="fa-IR" sz="1000">
+                          <a:latin typeface="IRANSans(FaNum)" panose="020B0506030804020204" pitchFamily="34" charset="-78"/>
+                          <a:cs typeface="IRANSans(FaNum)" panose="020B0506030804020204" pitchFamily="34" charset="-78"/>
+                        </a:rPr>
+                        <a:t>معمولاً با </a:t>
+                      </a:r>
+                      <a:r>
+                        <a:rPr lang="en-US" sz="1000">
+                          <a:latin typeface="IRANSans(FaNum)" panose="020B0506030804020204" pitchFamily="34" charset="-78"/>
+                          <a:cs typeface="IRANSans(FaNum)" panose="020B0506030804020204" pitchFamily="34" charset="-78"/>
+                        </a:rPr>
+                        <a:t>by, by the time </a:t>
+                      </a:r>
+                      <a:r>
+                        <a:rPr lang="fa-IR" sz="1000">
+                          <a:latin typeface="IRANSans(FaNum)" panose="020B0506030804020204" pitchFamily="34" charset="-78"/>
+                          <a:cs typeface="IRANSans(FaNum)" panose="020B0506030804020204" pitchFamily="34" charset="-78"/>
+                        </a:rPr>
+                        <a:t>همراه است.</a:t>
+                      </a:r>
+                    </a:p>
+                  </a:txBody>
+                  <a:tcPr marL="35091" marR="35091" marT="17546" marB="17546" anchor="ctr"/>
+                </a:tc>
+                <a:tc>
+                  <a:txBody>
+                    <a:bodyPr/>
+                    <a:lstStyle/>
+                    <a:p>
+                      <a:pPr algn="ctr" rtl="1"/>
+                      <a:r>
+                        <a:rPr lang="en-US" sz="1000">
+                          <a:latin typeface="IRANSans(FaNum)" panose="020B0506030804020204" pitchFamily="34" charset="-78"/>
+                          <a:cs typeface="IRANSans(FaNum)" panose="020B0506030804020204" pitchFamily="34" charset="-78"/>
+                        </a:rPr>
+                        <a:t>They will have finished the project by next week.</a:t>
+                      </a:r>
+                    </a:p>
+                  </a:txBody>
+                  <a:tcPr marL="35091" marR="35091" marT="17546" marB="17546" anchor="ctr"/>
+                </a:tc>
+                <a:extLst>
+                  <a:ext uri="{0D108BD9-81ED-4DB2-BD59-A6C34878D82A}">
+                    <a16:rowId xmlns:a16="http://schemas.microsoft.com/office/drawing/2014/main" val="1140109265"/>
+                  </a:ext>
+                </a:extLst>
+              </a:tr>
+              <a:tr h="512443">
+                <a:tc>
+                  <a:txBody>
+                    <a:bodyPr/>
+                    <a:lstStyle/>
+                    <a:p>
+                      <a:pPr algn="ctr" rtl="1"/>
+                      <a:r>
+                        <a:rPr lang="en-US" sz="1000" b="1">
+                          <a:latin typeface="IRANSans(FaNum)" panose="020B0506030804020204" pitchFamily="34" charset="-78"/>
+                          <a:cs typeface="IRANSans(FaNum)" panose="020B0506030804020204" pitchFamily="34" charset="-78"/>
+                        </a:rPr>
+                        <a:t>Future Perfect Continuous</a:t>
+                      </a:r>
+                      <a:endParaRPr lang="en-US" sz="1000">
+                        <a:latin typeface="IRANSans(FaNum)" panose="020B0506030804020204" pitchFamily="34" charset="-78"/>
+                        <a:cs typeface="IRANSans(FaNum)" panose="020B0506030804020204" pitchFamily="34" charset="-78"/>
+                      </a:endParaRPr>
+                    </a:p>
+                  </a:txBody>
+                  <a:tcPr marL="35091" marR="35091" marT="17546" marB="17546" anchor="ctr"/>
+                </a:tc>
+                <a:tc>
+                  <a:txBody>
+                    <a:bodyPr/>
+                    <a:lstStyle/>
+                    <a:p>
+                      <a:pPr algn="ctr" rtl="1"/>
+                      <a:r>
+                        <a:rPr lang="fa-IR" sz="1000">
+                          <a:latin typeface="IRANSans(FaNum)" panose="020B0506030804020204" pitchFamily="34" charset="-78"/>
+                          <a:cs typeface="IRANSans(FaNum)" panose="020B0506030804020204" pitchFamily="34" charset="-78"/>
+                        </a:rPr>
+                        <a:t>تأکید بر مدت عملی که تا آینده ادامه دارد</a:t>
+                      </a:r>
+                    </a:p>
+                  </a:txBody>
+                  <a:tcPr marL="35091" marR="35091" marT="17546" marB="17546" anchor="ctr"/>
+                </a:tc>
+                <a:tc>
+                  <a:txBody>
+                    <a:bodyPr/>
+                    <a:lstStyle/>
+                    <a:p>
+                      <a:pPr algn="ctr" rtl="1"/>
+                      <a:r>
+                        <a:rPr lang="en-US" sz="1000">
+                          <a:latin typeface="IRANSans(FaNum)" panose="020B0506030804020204" pitchFamily="34" charset="-78"/>
+                          <a:cs typeface="IRANSans(FaNum)" panose="020B0506030804020204" pitchFamily="34" charset="-78"/>
+                        </a:rPr>
+                        <a:t>Subject + will have been + Verb-ing</a:t>
+                      </a:r>
+                    </a:p>
+                  </a:txBody>
+                  <a:tcPr marL="35091" marR="35091" marT="17546" marB="17546" anchor="ctr"/>
+                </a:tc>
+                <a:tc>
+                  <a:txBody>
+                    <a:bodyPr/>
+                    <a:lstStyle/>
+                    <a:p>
+                      <a:pPr algn="ctr" rtl="1"/>
+                      <a:r>
+                        <a:rPr lang="fa-IR" sz="1000">
+                          <a:latin typeface="IRANSans(FaNum)" panose="020B0506030804020204" pitchFamily="34" charset="-78"/>
+                          <a:cs typeface="IRANSans(FaNum)" panose="020B0506030804020204" pitchFamily="34" charset="-78"/>
+                        </a:rPr>
+                        <a:t>بیشتر برای تأکید بر مدت زمان استفاده می‌شود.</a:t>
+                      </a:r>
+                    </a:p>
+                  </a:txBody>
+                  <a:tcPr marL="35091" marR="35091" marT="17546" marB="17546" anchor="ctr"/>
+                </a:tc>
+                <a:tc>
+                  <a:txBody>
+                    <a:bodyPr/>
+                    <a:lstStyle/>
+                    <a:p>
+                      <a:pPr algn="ctr" rtl="1"/>
+                      <a:r>
+                        <a:rPr lang="en-US" sz="1000" dirty="0">
+                          <a:latin typeface="IRANSans(FaNum)" panose="020B0506030804020204" pitchFamily="34" charset="-78"/>
+                          <a:cs typeface="IRANSans(FaNum)" panose="020B0506030804020204" pitchFamily="34" charset="-78"/>
+                        </a:rPr>
+                        <a:t>By next month, I will have been studying for 5 years.</a:t>
+                      </a:r>
+                    </a:p>
+                  </a:txBody>
+                  <a:tcPr marL="35091" marR="35091" marT="17546" marB="17546" anchor="ctr"/>
+                </a:tc>
+                <a:extLst>
+                  <a:ext uri="{0D108BD9-81ED-4DB2-BD59-A6C34878D82A}">
+                    <a16:rowId xmlns:a16="http://schemas.microsoft.com/office/drawing/2014/main" val="891197667"/>
+                  </a:ext>
+                </a:extLst>
+              </a:tr>
+            </a:tbl>
+          </a:graphicData>
+        </a:graphic>
+      </p:graphicFrame>
+    </p:spTree>
+    <p:extLst>
+      <p:ext uri="{BB962C8B-B14F-4D97-AF65-F5344CB8AC3E}">
+        <p14:creationId xmlns:p14="http://schemas.microsoft.com/office/powerpoint/2010/main" val="1497247980"/>
       </p:ext>
     </p:extLst>
   </p:cSld>
